--- a/docs/presentation/Presentasjon oblig3.pptx
+++ b/docs/presentation/Presentasjon oblig3.pptx
@@ -13,10 +13,8 @@
     <p:sldId id="272" r:id="rId7"/>
     <p:sldId id="273" r:id="rId8"/>
     <p:sldId id="267" r:id="rId9"/>
-    <p:sldId id="268" r:id="rId10"/>
-    <p:sldId id="269" r:id="rId11"/>
-    <p:sldId id="270" r:id="rId12"/>
-    <p:sldId id="263" r:id="rId13"/>
+    <p:sldId id="270" r:id="rId10"/>
+    <p:sldId id="263" r:id="rId11"/>
   </p:sldIdLst>
   <p:sldSz cx="9144000" cy="6858000" type="screen4x3"/>
   <p:notesSz cx="6858000" cy="9144000"/>
@@ -6044,211 +6042,6 @@
       </p:sp>
       <p:sp>
         <p:nvSpPr>
-          <p:cNvPr id="5" name="2 Marcador de contenido"/>
-          <p:cNvSpPr txBox="1">
-            <a:spLocks/>
-          </p:cNvSpPr>
-          <p:nvPr/>
-        </p:nvSpPr>
-        <p:spPr>
-          <a:xfrm>
-            <a:off x="1258888" y="2357438"/>
-            <a:ext cx="3169096" cy="863600"/>
-          </a:xfrm>
-          <a:prstGeom prst="rect">
-            <a:avLst/>
-          </a:prstGeom>
-        </p:spPr>
-        <p:txBody>
-          <a:bodyPr>
-            <a:noAutofit/>
-          </a:bodyPr>
-          <a:lstStyle>
-            <a:lvl1pPr marL="0" indent="0" algn="ctr" defTabSz="914400" rtl="0" eaLnBrk="1" latinLnBrk="0" hangingPunct="1">
-              <a:spcBef>
-                <a:spcPct val="20000"/>
-              </a:spcBef>
-              <a:buFont typeface="Arial" pitchFamily="34" charset="0"/>
-              <a:buNone/>
-              <a:defRPr sz="3200" kern="1200">
-                <a:solidFill>
-                  <a:schemeClr val="tx1">
-                    <a:tint val="75000"/>
-                  </a:schemeClr>
-                </a:solidFill>
-                <a:latin typeface="+mn-lt"/>
-                <a:ea typeface="+mn-ea"/>
-                <a:cs typeface="+mn-cs"/>
-              </a:defRPr>
-            </a:lvl1pPr>
-            <a:lvl2pPr marL="457200" indent="0" algn="ctr" defTabSz="914400" rtl="0" eaLnBrk="1" latinLnBrk="0" hangingPunct="1">
-              <a:spcBef>
-                <a:spcPct val="20000"/>
-              </a:spcBef>
-              <a:buFont typeface="Arial" pitchFamily="34" charset="0"/>
-              <a:buNone/>
-              <a:defRPr sz="2800" kern="1200">
-                <a:solidFill>
-                  <a:schemeClr val="tx1">
-                    <a:tint val="75000"/>
-                  </a:schemeClr>
-                </a:solidFill>
-                <a:latin typeface="+mn-lt"/>
-                <a:ea typeface="+mn-ea"/>
-                <a:cs typeface="+mn-cs"/>
-              </a:defRPr>
-            </a:lvl2pPr>
-            <a:lvl3pPr marL="914400" indent="0" algn="ctr" defTabSz="914400" rtl="0" eaLnBrk="1" latinLnBrk="0" hangingPunct="1">
-              <a:spcBef>
-                <a:spcPct val="20000"/>
-              </a:spcBef>
-              <a:buFont typeface="Arial" pitchFamily="34" charset="0"/>
-              <a:buNone/>
-              <a:defRPr sz="2400" kern="1200">
-                <a:solidFill>
-                  <a:schemeClr val="tx1">
-                    <a:tint val="75000"/>
-                  </a:schemeClr>
-                </a:solidFill>
-                <a:latin typeface="+mn-lt"/>
-                <a:ea typeface="+mn-ea"/>
-                <a:cs typeface="+mn-cs"/>
-              </a:defRPr>
-            </a:lvl3pPr>
-            <a:lvl4pPr marL="1371600" indent="0" algn="ctr" defTabSz="914400" rtl="0" eaLnBrk="1" latinLnBrk="0" hangingPunct="1">
-              <a:spcBef>
-                <a:spcPct val="20000"/>
-              </a:spcBef>
-              <a:buFont typeface="Arial" pitchFamily="34" charset="0"/>
-              <a:buNone/>
-              <a:defRPr sz="2000" kern="1200">
-                <a:solidFill>
-                  <a:schemeClr val="tx1">
-                    <a:tint val="75000"/>
-                  </a:schemeClr>
-                </a:solidFill>
-                <a:latin typeface="+mn-lt"/>
-                <a:ea typeface="+mn-ea"/>
-                <a:cs typeface="+mn-cs"/>
-              </a:defRPr>
-            </a:lvl4pPr>
-            <a:lvl5pPr marL="1828800" indent="0" algn="ctr" defTabSz="914400" rtl="0" eaLnBrk="1" latinLnBrk="0" hangingPunct="1">
-              <a:spcBef>
-                <a:spcPct val="20000"/>
-              </a:spcBef>
-              <a:buFont typeface="Arial" pitchFamily="34" charset="0"/>
-              <a:buNone/>
-              <a:defRPr sz="2000" kern="1200">
-                <a:solidFill>
-                  <a:schemeClr val="tx1">
-                    <a:tint val="75000"/>
-                  </a:schemeClr>
-                </a:solidFill>
-                <a:latin typeface="+mn-lt"/>
-                <a:ea typeface="+mn-ea"/>
-                <a:cs typeface="+mn-cs"/>
-              </a:defRPr>
-            </a:lvl5pPr>
-            <a:lvl6pPr marL="2286000" indent="0" algn="ctr" defTabSz="914400" rtl="0" eaLnBrk="1" latinLnBrk="0" hangingPunct="1">
-              <a:spcBef>
-                <a:spcPct val="20000"/>
-              </a:spcBef>
-              <a:buFont typeface="Arial" pitchFamily="34" charset="0"/>
-              <a:buNone/>
-              <a:defRPr sz="2000" kern="1200">
-                <a:solidFill>
-                  <a:schemeClr val="tx1">
-                    <a:tint val="75000"/>
-                  </a:schemeClr>
-                </a:solidFill>
-                <a:latin typeface="+mn-lt"/>
-                <a:ea typeface="+mn-ea"/>
-                <a:cs typeface="+mn-cs"/>
-              </a:defRPr>
-            </a:lvl6pPr>
-            <a:lvl7pPr marL="2743200" indent="0" algn="ctr" defTabSz="914400" rtl="0" eaLnBrk="1" latinLnBrk="0" hangingPunct="1">
-              <a:spcBef>
-                <a:spcPct val="20000"/>
-              </a:spcBef>
-              <a:buFont typeface="Arial" pitchFamily="34" charset="0"/>
-              <a:buNone/>
-              <a:defRPr sz="2000" kern="1200">
-                <a:solidFill>
-                  <a:schemeClr val="tx1">
-                    <a:tint val="75000"/>
-                  </a:schemeClr>
-                </a:solidFill>
-                <a:latin typeface="+mn-lt"/>
-                <a:ea typeface="+mn-ea"/>
-                <a:cs typeface="+mn-cs"/>
-              </a:defRPr>
-            </a:lvl7pPr>
-            <a:lvl8pPr marL="3200400" indent="0" algn="ctr" defTabSz="914400" rtl="0" eaLnBrk="1" latinLnBrk="0" hangingPunct="1">
-              <a:spcBef>
-                <a:spcPct val="20000"/>
-              </a:spcBef>
-              <a:buFont typeface="Arial" pitchFamily="34" charset="0"/>
-              <a:buNone/>
-              <a:defRPr sz="2000" kern="1200">
-                <a:solidFill>
-                  <a:schemeClr val="tx1">
-                    <a:tint val="75000"/>
-                  </a:schemeClr>
-                </a:solidFill>
-                <a:latin typeface="+mn-lt"/>
-                <a:ea typeface="+mn-ea"/>
-                <a:cs typeface="+mn-cs"/>
-              </a:defRPr>
-            </a:lvl8pPr>
-            <a:lvl9pPr marL="3657600" indent="0" algn="ctr" defTabSz="914400" rtl="0" eaLnBrk="1" latinLnBrk="0" hangingPunct="1">
-              <a:spcBef>
-                <a:spcPct val="20000"/>
-              </a:spcBef>
-              <a:buFont typeface="Arial" pitchFamily="34" charset="0"/>
-              <a:buNone/>
-              <a:defRPr sz="2000" kern="1200">
-                <a:solidFill>
-                  <a:schemeClr val="tx1">
-                    <a:tint val="75000"/>
-                  </a:schemeClr>
-                </a:solidFill>
-                <a:latin typeface="+mn-lt"/>
-                <a:ea typeface="+mn-ea"/>
-                <a:cs typeface="+mn-cs"/>
-              </a:defRPr>
-            </a:lvl9pPr>
-          </a:lstStyle>
-          <a:p>
-            <a:pPr algn="just" fontAlgn="auto">
-              <a:spcAft>
-                <a:spcPts val="0"/>
-              </a:spcAft>
-              <a:defRPr/>
-            </a:pPr>
-            <a:r>
-              <a:rPr lang="en-US" sz="2800" b="1" dirty="0">
-                <a:solidFill>
-                  <a:schemeClr val="tx1">
-                    <a:lumMod val="50000"/>
-                    <a:lumOff val="50000"/>
-                  </a:schemeClr>
-                </a:solidFill>
-              </a:rPr>
-              <a:t>TEAM PRESENTATION</a:t>
-            </a:r>
-            <a:endParaRPr lang="es-ES" sz="2800" b="1" dirty="0">
-              <a:solidFill>
-                <a:schemeClr val="tx1">
-                  <a:lumMod val="50000"/>
-                  <a:lumOff val="50000"/>
-                </a:schemeClr>
-              </a:solidFill>
-            </a:endParaRPr>
-          </a:p>
-        </p:txBody>
-      </p:sp>
-      <p:sp>
-        <p:nvSpPr>
           <p:cNvPr id="6" name="1 Título"/>
           <p:cNvSpPr txBox="1">
             <a:spLocks/>
@@ -6384,56 +6177,47 @@
       </p:sp>
       <p:pic>
         <p:nvPicPr>
-          <p:cNvPr id="13321" name="Imagen 4" descr="C:\Users\Design\Documents\Edu\Product Launch\icons\applications.png"/>
+          <p:cNvPr id="9" name="Bilde 8">
+            <a:extLst>
+              <a:ext uri="{FF2B5EF4-FFF2-40B4-BE49-F238E27FC236}">
+                <a16:creationId xmlns:a16="http://schemas.microsoft.com/office/drawing/2014/main" id="{75BFEC23-41B4-4539-9AC4-9E1E80CF4230}"/>
+              </a:ext>
+            </a:extLst>
+          </p:cNvPr>
           <p:cNvPicPr>
-            <a:picLocks noChangeAspect="1" noChangeArrowheads="1"/>
+            <a:picLocks noChangeAspect="1"/>
           </p:cNvPicPr>
           <p:nvPr/>
         </p:nvPicPr>
         <p:blipFill>
           <a:blip r:embed="rId3">
             <a:extLst>
+              <a:ext uri="{BEBA8EAE-BF5A-486C-A8C5-ECC9F3942E4B}">
+                <a14:imgProps xmlns:a14="http://schemas.microsoft.com/office/drawing/2010/main">
+                  <a14:imgLayer r:embed="rId4">
+                    <a14:imgEffect>
+                      <a14:artisticLineDrawing/>
+                    </a14:imgEffect>
+                  </a14:imgLayer>
+                </a14:imgProps>
+              </a:ext>
               <a:ext uri="{28A0092B-C50C-407E-A947-70E740481C1C}">
                 <a14:useLocalDpi xmlns:a14="http://schemas.microsoft.com/office/drawing/2010/main" val="0"/>
               </a:ext>
             </a:extLst>
           </a:blip>
-          <a:srcRect/>
           <a:stretch>
             <a:fillRect/>
           </a:stretch>
         </p:blipFill>
-        <p:spPr bwMode="auto">
-          <a:xfrm>
-            <a:off x="658813" y="2428875"/>
-            <a:ext cx="457200" cy="457200"/>
-          </a:xfrm>
-          <a:prstGeom prst="rect">
-            <a:avLst/>
-          </a:prstGeom>
-          <a:noFill/>
-          <a:ln>
-            <a:noFill/>
-          </a:ln>
-          <a:extLst>
-            <a:ext uri="{909E8E84-426E-40DD-AFC4-6F175D3DCCD1}">
-              <a14:hiddenFill xmlns:a14="http://schemas.microsoft.com/office/drawing/2010/main">
-                <a:solidFill>
-                  <a:srgbClr val="FFFFFF"/>
-                </a:solidFill>
-              </a14:hiddenFill>
-            </a:ext>
-            <a:ext uri="{91240B29-F687-4F45-9708-019B960494DF}">
-              <a14:hiddenLine xmlns:a14="http://schemas.microsoft.com/office/drawing/2010/main" w="9525">
-                <a:solidFill>
-                  <a:srgbClr val="000000"/>
-                </a:solidFill>
-                <a:miter lim="800000"/>
-                <a:headEnd/>
-                <a:tailEnd/>
-              </a14:hiddenLine>
-            </a:ext>
-          </a:extLst>
+        <p:spPr>
+          <a:xfrm>
+            <a:off x="376871" y="3026543"/>
+            <a:ext cx="8390259" cy="690489"/>
+          </a:xfrm>
+          <a:prstGeom prst="rect">
+            <a:avLst/>
+          </a:prstGeom>
         </p:spPr>
       </p:pic>
     </p:spTree>
@@ -6441,2899 +6225,6 @@
   <p:clrMapOvr>
     <a:masterClrMapping/>
   </p:clrMapOvr>
-  <p:timing>
-    <p:tnLst>
-      <p:par>
-        <p:cTn id="1" dur="indefinite" restart="never" nodeType="tmRoot">
-          <p:childTnLst>
-            <p:seq concurrent="1" nextAc="seek">
-              <p:cTn id="2" dur="indefinite" nodeType="mainSeq">
-                <p:childTnLst>
-                  <p:par>
-                    <p:cTn id="3" fill="hold" nodeType="clickPar">
-                      <p:stCondLst>
-                        <p:cond delay="indefinite"/>
-                        <p:cond evt="onBegin" delay="0">
-                          <p:tn val="2"/>
-                        </p:cond>
-                      </p:stCondLst>
-                      <p:childTnLst>
-                        <p:par>
-                          <p:cTn id="4" fill="hold" nodeType="withGroup">
-                            <p:stCondLst>
-                              <p:cond delay="0"/>
-                            </p:stCondLst>
-                            <p:childTnLst>
-                              <p:par>
-                                <p:cTn id="5" presetID="41" presetClass="entr" presetSubtype="0" fill="hold" grpId="0" nodeType="withEffect">
-                                  <p:stCondLst>
-                                    <p:cond delay="0"/>
-                                  </p:stCondLst>
-                                  <p:iterate type="lt">
-                                    <p:tmPct val="10000"/>
-                                  </p:iterate>
-                                  <p:childTnLst>
-                                    <p:set>
-                                      <p:cBhvr>
-                                        <p:cTn id="6" dur="1" fill="hold">
-                                          <p:stCondLst>
-                                            <p:cond delay="0"/>
-                                          </p:stCondLst>
-                                        </p:cTn>
-                                        <p:tgtEl>
-                                          <p:spTgt spid="4"/>
-                                        </p:tgtEl>
-                                        <p:attrNameLst>
-                                          <p:attrName>style.visibility</p:attrName>
-                                        </p:attrNameLst>
-                                      </p:cBhvr>
-                                      <p:to>
-                                        <p:strVal val="visible"/>
-                                      </p:to>
-                                    </p:set>
-                                    <p:anim calcmode="lin" valueType="num">
-                                      <p:cBhvr>
-                                        <p:cTn id="7" dur="500" fill="hold"/>
-                                        <p:tgtEl>
-                                          <p:spTgt spid="4"/>
-                                        </p:tgtEl>
-                                        <p:attrNameLst>
-                                          <p:attrName>ppt_x</p:attrName>
-                                        </p:attrNameLst>
-                                      </p:cBhvr>
-                                      <p:tavLst>
-                                        <p:tav tm="0">
-                                          <p:val>
-                                            <p:strVal val="#ppt_x"/>
-                                          </p:val>
-                                        </p:tav>
-                                        <p:tav tm="50000">
-                                          <p:val>
-                                            <p:strVal val="#ppt_x+.1"/>
-                                          </p:val>
-                                        </p:tav>
-                                        <p:tav tm="100000">
-                                          <p:val>
-                                            <p:strVal val="#ppt_x"/>
-                                          </p:val>
-                                        </p:tav>
-                                      </p:tavLst>
-                                    </p:anim>
-                                    <p:anim calcmode="lin" valueType="num">
-                                      <p:cBhvr>
-                                        <p:cTn id="8" dur="500" fill="hold"/>
-                                        <p:tgtEl>
-                                          <p:spTgt spid="4"/>
-                                        </p:tgtEl>
-                                        <p:attrNameLst>
-                                          <p:attrName>ppt_y</p:attrName>
-                                        </p:attrNameLst>
-                                      </p:cBhvr>
-                                      <p:tavLst>
-                                        <p:tav tm="0">
-                                          <p:val>
-                                            <p:strVal val="#ppt_y"/>
-                                          </p:val>
-                                        </p:tav>
-                                        <p:tav tm="100000">
-                                          <p:val>
-                                            <p:strVal val="#ppt_y"/>
-                                          </p:val>
-                                        </p:tav>
-                                      </p:tavLst>
-                                    </p:anim>
-                                    <p:anim calcmode="lin" valueType="num">
-                                      <p:cBhvr>
-                                        <p:cTn id="9" dur="500" fill="hold"/>
-                                        <p:tgtEl>
-                                          <p:spTgt spid="4"/>
-                                        </p:tgtEl>
-                                        <p:attrNameLst>
-                                          <p:attrName>ppt_h</p:attrName>
-                                        </p:attrNameLst>
-                                      </p:cBhvr>
-                                      <p:tavLst>
-                                        <p:tav tm="0">
-                                          <p:val>
-                                            <p:strVal val="#ppt_h/10"/>
-                                          </p:val>
-                                        </p:tav>
-                                        <p:tav tm="50000">
-                                          <p:val>
-                                            <p:strVal val="#ppt_h+.01"/>
-                                          </p:val>
-                                        </p:tav>
-                                        <p:tav tm="100000">
-                                          <p:val>
-                                            <p:strVal val="#ppt_h"/>
-                                          </p:val>
-                                        </p:tav>
-                                      </p:tavLst>
-                                    </p:anim>
-                                    <p:anim calcmode="lin" valueType="num">
-                                      <p:cBhvr>
-                                        <p:cTn id="10" dur="500" fill="hold"/>
-                                        <p:tgtEl>
-                                          <p:spTgt spid="4"/>
-                                        </p:tgtEl>
-                                        <p:attrNameLst>
-                                          <p:attrName>ppt_w</p:attrName>
-                                        </p:attrNameLst>
-                                      </p:cBhvr>
-                                      <p:tavLst>
-                                        <p:tav tm="0">
-                                          <p:val>
-                                            <p:strVal val="#ppt_w/10"/>
-                                          </p:val>
-                                        </p:tav>
-                                        <p:tav tm="50000">
-                                          <p:val>
-                                            <p:strVal val="#ppt_w+.01"/>
-                                          </p:val>
-                                        </p:tav>
-                                        <p:tav tm="100000">
-                                          <p:val>
-                                            <p:strVal val="#ppt_w"/>
-                                          </p:val>
-                                        </p:tav>
-                                      </p:tavLst>
-                                    </p:anim>
-                                    <p:animEffect transition="in" filter="fade">
-                                      <p:cBhvr>
-                                        <p:cTn id="11" dur="500" tmFilter="0,0; .5, 1; 1, 1"/>
-                                        <p:tgtEl>
-                                          <p:spTgt spid="4"/>
-                                        </p:tgtEl>
-                                      </p:cBhvr>
-                                    </p:animEffect>
-                                  </p:childTnLst>
-                                </p:cTn>
-                              </p:par>
-                            </p:childTnLst>
-                          </p:cTn>
-                        </p:par>
-                        <p:par>
-                          <p:cTn id="12" fill="hold" nodeType="afterGroup">
-                            <p:stCondLst>
-                              <p:cond delay="750"/>
-                            </p:stCondLst>
-                            <p:childTnLst>
-                              <p:par>
-                                <p:cTn id="13" presetID="29" presetClass="entr" presetSubtype="0" fill="hold" grpId="1" nodeType="afterEffect">
-                                  <p:stCondLst>
-                                    <p:cond delay="0"/>
-                                  </p:stCondLst>
-                                  <p:childTnLst>
-                                    <p:set>
-                                      <p:cBhvr>
-                                        <p:cTn id="14" dur="1" fill="hold">
-                                          <p:stCondLst>
-                                            <p:cond delay="0"/>
-                                          </p:stCondLst>
-                                        </p:cTn>
-                                        <p:tgtEl>
-                                          <p:spTgt spid="6"/>
-                                        </p:tgtEl>
-                                        <p:attrNameLst>
-                                          <p:attrName>style.visibility</p:attrName>
-                                        </p:attrNameLst>
-                                      </p:cBhvr>
-                                      <p:to>
-                                        <p:strVal val="visible"/>
-                                      </p:to>
-                                    </p:set>
-                                    <p:anim calcmode="lin" valueType="num">
-                                      <p:cBhvr>
-                                        <p:cTn id="15" dur="1000" fill="hold"/>
-                                        <p:tgtEl>
-                                          <p:spTgt spid="6"/>
-                                        </p:tgtEl>
-                                        <p:attrNameLst>
-                                          <p:attrName>ppt_x</p:attrName>
-                                        </p:attrNameLst>
-                                      </p:cBhvr>
-                                      <p:tavLst>
-                                        <p:tav tm="0">
-                                          <p:val>
-                                            <p:strVal val="#ppt_x-.2"/>
-                                          </p:val>
-                                        </p:tav>
-                                        <p:tav tm="100000">
-                                          <p:val>
-                                            <p:strVal val="#ppt_x"/>
-                                          </p:val>
-                                        </p:tav>
-                                      </p:tavLst>
-                                    </p:anim>
-                                    <p:anim calcmode="lin" valueType="num">
-                                      <p:cBhvr>
-                                        <p:cTn id="16" dur="1000" fill="hold"/>
-                                        <p:tgtEl>
-                                          <p:spTgt spid="6"/>
-                                        </p:tgtEl>
-                                        <p:attrNameLst>
-                                          <p:attrName>ppt_y</p:attrName>
-                                        </p:attrNameLst>
-                                      </p:cBhvr>
-                                      <p:tavLst>
-                                        <p:tav tm="0">
-                                          <p:val>
-                                            <p:strVal val="#ppt_y"/>
-                                          </p:val>
-                                        </p:tav>
-                                        <p:tav tm="100000">
-                                          <p:val>
-                                            <p:strVal val="#ppt_y"/>
-                                          </p:val>
-                                        </p:tav>
-                                      </p:tavLst>
-                                    </p:anim>
-                                    <p:animEffect transition="in" filter="wipe(right)" prLst="gradientSize: 0.1">
-                                      <p:cBhvr>
-                                        <p:cTn id="17" dur="1000"/>
-                                        <p:tgtEl>
-                                          <p:spTgt spid="6"/>
-                                        </p:tgtEl>
-                                      </p:cBhvr>
-                                    </p:animEffect>
-                                  </p:childTnLst>
-                                </p:cTn>
-                              </p:par>
-                              <p:par>
-                                <p:cTn id="18" presetID="29" presetClass="entr" presetSubtype="0" fill="hold" grpId="0" nodeType="withEffect">
-                                  <p:stCondLst>
-                                    <p:cond delay="0"/>
-                                  </p:stCondLst>
-                                  <p:childTnLst>
-                                    <p:set>
-                                      <p:cBhvr>
-                                        <p:cTn id="19" dur="1" fill="hold">
-                                          <p:stCondLst>
-                                            <p:cond delay="0"/>
-                                          </p:stCondLst>
-                                        </p:cTn>
-                                        <p:tgtEl>
-                                          <p:spTgt spid="7"/>
-                                        </p:tgtEl>
-                                        <p:attrNameLst>
-                                          <p:attrName>style.visibility</p:attrName>
-                                        </p:attrNameLst>
-                                      </p:cBhvr>
-                                      <p:to>
-                                        <p:strVal val="visible"/>
-                                      </p:to>
-                                    </p:set>
-                                    <p:anim calcmode="lin" valueType="num">
-                                      <p:cBhvr>
-                                        <p:cTn id="20" dur="1000" fill="hold"/>
-                                        <p:tgtEl>
-                                          <p:spTgt spid="7"/>
-                                        </p:tgtEl>
-                                        <p:attrNameLst>
-                                          <p:attrName>ppt_x</p:attrName>
-                                        </p:attrNameLst>
-                                      </p:cBhvr>
-                                      <p:tavLst>
-                                        <p:tav tm="0">
-                                          <p:val>
-                                            <p:strVal val="#ppt_x-.2"/>
-                                          </p:val>
-                                        </p:tav>
-                                        <p:tav tm="100000">
-                                          <p:val>
-                                            <p:strVal val="#ppt_x"/>
-                                          </p:val>
-                                        </p:tav>
-                                      </p:tavLst>
-                                    </p:anim>
-                                    <p:anim calcmode="lin" valueType="num">
-                                      <p:cBhvr>
-                                        <p:cTn id="21" dur="1000" fill="hold"/>
-                                        <p:tgtEl>
-                                          <p:spTgt spid="7"/>
-                                        </p:tgtEl>
-                                        <p:attrNameLst>
-                                          <p:attrName>ppt_y</p:attrName>
-                                        </p:attrNameLst>
-                                      </p:cBhvr>
-                                      <p:tavLst>
-                                        <p:tav tm="0">
-                                          <p:val>
-                                            <p:strVal val="#ppt_y"/>
-                                          </p:val>
-                                        </p:tav>
-                                        <p:tav tm="100000">
-                                          <p:val>
-                                            <p:strVal val="#ppt_y"/>
-                                          </p:val>
-                                        </p:tav>
-                                      </p:tavLst>
-                                    </p:anim>
-                                    <p:animEffect transition="in" filter="wipe(right)" prLst="gradientSize: 0.1">
-                                      <p:cBhvr>
-                                        <p:cTn id="22" dur="1000"/>
-                                        <p:tgtEl>
-                                          <p:spTgt spid="7"/>
-                                        </p:tgtEl>
-                                      </p:cBhvr>
-                                    </p:animEffect>
-                                  </p:childTnLst>
-                                </p:cTn>
-                              </p:par>
-                              <p:par>
-                                <p:cTn id="23" presetID="10" presetClass="entr" presetSubtype="0" fill="hold" grpId="0" nodeType="withEffect">
-                                  <p:stCondLst>
-                                    <p:cond delay="0"/>
-                                  </p:stCondLst>
-                                  <p:childTnLst>
-                                    <p:set>
-                                      <p:cBhvr>
-                                        <p:cTn id="24" dur="1" fill="hold">
-                                          <p:stCondLst>
-                                            <p:cond delay="0"/>
-                                          </p:stCondLst>
-                                        </p:cTn>
-                                        <p:tgtEl>
-                                          <p:spTgt spid="5"/>
-                                        </p:tgtEl>
-                                        <p:attrNameLst>
-                                          <p:attrName>style.visibility</p:attrName>
-                                        </p:attrNameLst>
-                                      </p:cBhvr>
-                                      <p:to>
-                                        <p:strVal val="visible"/>
-                                      </p:to>
-                                    </p:set>
-                                    <p:animEffect transition="in" filter="fade">
-                                      <p:cBhvr>
-                                        <p:cTn id="25" dur="2000"/>
-                                        <p:tgtEl>
-                                          <p:spTgt spid="5"/>
-                                        </p:tgtEl>
-                                      </p:cBhvr>
-                                    </p:animEffect>
-                                  </p:childTnLst>
-                                </p:cTn>
-                              </p:par>
-                            </p:childTnLst>
-                          </p:cTn>
-                        </p:par>
-                        <p:par>
-                          <p:cTn id="26" fill="hold" nodeType="afterGroup">
-                            <p:stCondLst>
-                              <p:cond delay="2750"/>
-                            </p:stCondLst>
-                            <p:childTnLst>
-                              <p:par>
-                                <p:cTn id="27" presetID="10" presetClass="entr" presetSubtype="0" fill="hold" nodeType="afterEffect">
-                                  <p:stCondLst>
-                                    <p:cond delay="0"/>
-                                  </p:stCondLst>
-                                  <p:childTnLst>
-                                    <p:set>
-                                      <p:cBhvr>
-                                        <p:cTn id="28" dur="1" fill="hold">
-                                          <p:stCondLst>
-                                            <p:cond delay="0"/>
-                                          </p:stCondLst>
-                                        </p:cTn>
-                                        <p:tgtEl>
-                                          <p:spTgt spid="13321"/>
-                                        </p:tgtEl>
-                                        <p:attrNameLst>
-                                          <p:attrName>style.visibility</p:attrName>
-                                        </p:attrNameLst>
-                                      </p:cBhvr>
-                                      <p:to>
-                                        <p:strVal val="visible"/>
-                                      </p:to>
-                                    </p:set>
-                                    <p:animEffect transition="in" filter="fade">
-                                      <p:cBhvr>
-                                        <p:cTn id="29" dur="2000"/>
-                                        <p:tgtEl>
-                                          <p:spTgt spid="13321"/>
-                                        </p:tgtEl>
-                                      </p:cBhvr>
-                                    </p:animEffect>
-                                  </p:childTnLst>
-                                </p:cTn>
-                              </p:par>
-                            </p:childTnLst>
-                          </p:cTn>
-                        </p:par>
-                      </p:childTnLst>
-                    </p:cTn>
-                  </p:par>
-                </p:childTnLst>
-              </p:cTn>
-              <p:prevCondLst>
-                <p:cond evt="onPrev" delay="0">
-                  <p:tgtEl>
-                    <p:sldTgt/>
-                  </p:tgtEl>
-                </p:cond>
-              </p:prevCondLst>
-              <p:nextCondLst>
-                <p:cond evt="onNext" delay="0">
-                  <p:tgtEl>
-                    <p:sldTgt/>
-                  </p:tgtEl>
-                </p:cond>
-              </p:nextCondLst>
-            </p:seq>
-          </p:childTnLst>
-        </p:cTn>
-      </p:par>
-    </p:tnLst>
-    <p:bldLst>
-      <p:bldP spid="4" grpId="0"/>
-      <p:bldP spid="5" grpId="0"/>
-      <p:bldP spid="6" grpId="1"/>
-      <p:bldP spid="7" grpId="0"/>
-    </p:bldLst>
-  </p:timing>
-</p:sld>
-</file>
-
-<file path=ppt/slides/slide10.xml><?xml version="1.0" encoding="utf-8"?>
-<p:sld xmlns:a="http://schemas.openxmlformats.org/drawingml/2006/main" xmlns:r="http://schemas.openxmlformats.org/officeDocument/2006/relationships" xmlns:p="http://schemas.openxmlformats.org/presentationml/2006/main">
-  <p:cSld>
-    <p:bg>
-      <p:bgPr>
-        <a:blipFill>
-          <a:blip r:embed="rId2"/>
-          <a:stretch>
-            <a:fillRect/>
-          </a:stretch>
-        </a:blipFill>
-        <a:effectLst/>
-      </p:bgPr>
-    </p:bg>
-    <p:spTree>
-      <p:nvGrpSpPr>
-        <p:cNvPr id="1" name=""/>
-        <p:cNvGrpSpPr/>
-        <p:nvPr/>
-      </p:nvGrpSpPr>
-      <p:grpSpPr>
-        <a:xfrm>
-          <a:off x="0" y="0"/>
-          <a:ext cx="0" cy="0"/>
-          <a:chOff x="0" y="0"/>
-          <a:chExt cx="0" cy="0"/>
-        </a:xfrm>
-      </p:grpSpPr>
-      <p:pic>
-        <p:nvPicPr>
-          <p:cNvPr id="284" name="Imagen 5"/>
-          <p:cNvPicPr/>
-          <p:nvPr/>
-        </p:nvPicPr>
-        <p:blipFill>
-          <a:blip r:embed="rId3"/>
-          <a:stretch/>
-        </p:blipFill>
-        <p:spPr>
-          <a:xfrm>
-            <a:off x="3354480" y="5965920"/>
-            <a:ext cx="761760" cy="718920"/>
-          </a:xfrm>
-          <a:prstGeom prst="rect">
-            <a:avLst/>
-          </a:prstGeom>
-          <a:ln>
-            <a:noFill/>
-          </a:ln>
-        </p:spPr>
-      </p:pic>
-      <p:sp>
-        <p:nvSpPr>
-          <p:cNvPr id="285" name="CustomShape 1"/>
-          <p:cNvSpPr/>
-          <p:nvPr/>
-        </p:nvSpPr>
-        <p:spPr>
-          <a:xfrm>
-            <a:off x="398520" y="260280"/>
-            <a:ext cx="5109840" cy="863280"/>
-          </a:xfrm>
-          <a:prstGeom prst="rect">
-            <a:avLst/>
-          </a:prstGeom>
-          <a:noFill/>
-          <a:ln>
-            <a:noFill/>
-          </a:ln>
-        </p:spPr>
-        <p:style>
-          <a:lnRef idx="0">
-            <a:scrgbClr r="0" g="0" b="0"/>
-          </a:lnRef>
-          <a:fillRef idx="0">
-            <a:scrgbClr r="0" g="0" b="0"/>
-          </a:fillRef>
-          <a:effectRef idx="0">
-            <a:scrgbClr r="0" g="0" b="0"/>
-          </a:effectRef>
-          <a:fontRef idx="minor"/>
-        </p:style>
-        <p:txBody>
-          <a:bodyPr lIns="90000" tIns="45000" rIns="90000" bIns="45000" anchor="ctr"/>
-          <a:lstStyle/>
-          <a:p>
-            <a:pPr marL="0" marR="0" lvl="0" indent="0" algn="l" defTabSz="914400" rtl="0" eaLnBrk="1" fontAlgn="auto" latinLnBrk="0" hangingPunct="1">
-              <a:lnSpc>
-                <a:spcPts val="2032"/>
-              </a:lnSpc>
-              <a:spcBef>
-                <a:spcPts val="0"/>
-              </a:spcBef>
-              <a:spcAft>
-                <a:spcPts val="0"/>
-              </a:spcAft>
-              <a:buClrTx/>
-              <a:buSzTx/>
-              <a:buFontTx/>
-              <a:buNone/>
-              <a:tabLst/>
-              <a:defRPr/>
-            </a:pPr>
-            <a:r>
-              <a:rPr kumimoji="0" lang="en-US" sz="4930" b="1" i="0" u="none" strike="noStrike" kern="1200" cap="none" spc="-1" normalizeH="0" baseline="0" noProof="0">
-                <a:ln>
-                  <a:noFill/>
-                </a:ln>
-                <a:solidFill>
-                  <a:srgbClr val="404040"/>
-                </a:solidFill>
-                <a:effectLst/>
-                <a:uLnTx/>
-                <a:uFill>
-                  <a:solidFill>
-                    <a:srgbClr val="FFFFFF"/>
-                  </a:solidFill>
-                </a:uFill>
-                <a:latin typeface="Rockwell"/>
-              </a:rPr>
-              <a:t>Retrospective</a:t>
-            </a:r>
-            <a:endParaRPr kumimoji="0" lang="en-US" sz="1800" b="0" i="0" u="none" strike="noStrike" kern="1200" cap="none" spc="-1" normalizeH="0" baseline="0" noProof="0">
-              <a:ln>
-                <a:noFill/>
-              </a:ln>
-              <a:solidFill>
-                <a:srgbClr val="000000"/>
-              </a:solidFill>
-              <a:effectLst/>
-              <a:uLnTx/>
-              <a:uFill>
-                <a:solidFill>
-                  <a:srgbClr val="FFFFFF"/>
-                </a:solidFill>
-              </a:uFill>
-              <a:latin typeface="Arial"/>
-            </a:endParaRPr>
-          </a:p>
-        </p:txBody>
-      </p:sp>
-      <p:sp>
-        <p:nvSpPr>
-          <p:cNvPr id="286" name="CustomShape 2"/>
-          <p:cNvSpPr/>
-          <p:nvPr/>
-        </p:nvSpPr>
-        <p:spPr>
-          <a:xfrm>
-            <a:off x="395280" y="736560"/>
-            <a:ext cx="5832360" cy="863280"/>
-          </a:xfrm>
-          <a:prstGeom prst="rect">
-            <a:avLst/>
-          </a:prstGeom>
-          <a:noFill/>
-          <a:ln>
-            <a:noFill/>
-          </a:ln>
-        </p:spPr>
-        <p:style>
-          <a:lnRef idx="0">
-            <a:scrgbClr r="0" g="0" b="0"/>
-          </a:lnRef>
-          <a:fillRef idx="0">
-            <a:scrgbClr r="0" g="0" b="0"/>
-          </a:fillRef>
-          <a:effectRef idx="0">
-            <a:scrgbClr r="0" g="0" b="0"/>
-          </a:effectRef>
-          <a:fontRef idx="minor"/>
-        </p:style>
-        <p:txBody>
-          <a:bodyPr lIns="90000" tIns="45000" rIns="90000" bIns="45000" anchor="ctr"/>
-          <a:lstStyle/>
-          <a:p>
-            <a:pPr marL="0" marR="0" lvl="0" indent="0" algn="l" defTabSz="914400" rtl="0" eaLnBrk="1" fontAlgn="auto" latinLnBrk="0" hangingPunct="1">
-              <a:lnSpc>
-                <a:spcPts val="2032"/>
-              </a:lnSpc>
-              <a:spcBef>
-                <a:spcPts val="0"/>
-              </a:spcBef>
-              <a:spcAft>
-                <a:spcPts val="0"/>
-              </a:spcAft>
-              <a:buClrTx/>
-              <a:buSzTx/>
-              <a:buFontTx/>
-              <a:buNone/>
-              <a:tabLst/>
-              <a:defRPr/>
-            </a:pPr>
-            <a:r>
-              <a:rPr kumimoji="0" lang="en-US" sz="3600" b="1" i="0" u="none" strike="noStrike" kern="1200" cap="none" spc="-1" normalizeH="0" baseline="0" noProof="0">
-                <a:ln>
-                  <a:noFill/>
-                </a:ln>
-                <a:solidFill>
-                  <a:srgbClr val="FFC000"/>
-                </a:solidFill>
-                <a:effectLst/>
-                <a:uLnTx/>
-                <a:uFill>
-                  <a:solidFill>
-                    <a:srgbClr val="FFFFFF"/>
-                  </a:solidFill>
-                </a:uFill>
-                <a:latin typeface="Rockwell"/>
-              </a:rPr>
-              <a:t>SUMMARY</a:t>
-            </a:r>
-            <a:endParaRPr kumimoji="0" lang="en-US" sz="1800" b="0" i="0" u="none" strike="noStrike" kern="1200" cap="none" spc="-1" normalizeH="0" baseline="0" noProof="0">
-              <a:ln>
-                <a:noFill/>
-              </a:ln>
-              <a:solidFill>
-                <a:srgbClr val="000000"/>
-              </a:solidFill>
-              <a:effectLst/>
-              <a:uLnTx/>
-              <a:uFill>
-                <a:solidFill>
-                  <a:srgbClr val="FFFFFF"/>
-                </a:solidFill>
-              </a:uFill>
-              <a:latin typeface="Arial"/>
-            </a:endParaRPr>
-          </a:p>
-        </p:txBody>
-      </p:sp>
-      <p:sp>
-        <p:nvSpPr>
-          <p:cNvPr id="287" name="CustomShape 3"/>
-          <p:cNvSpPr/>
-          <p:nvPr/>
-        </p:nvSpPr>
-        <p:spPr>
-          <a:xfrm>
-            <a:off x="484200" y="1298520"/>
-            <a:ext cx="4519080" cy="474480"/>
-          </a:xfrm>
-          <a:prstGeom prst="rect">
-            <a:avLst/>
-          </a:prstGeom>
-          <a:noFill/>
-          <a:ln>
-            <a:noFill/>
-          </a:ln>
-        </p:spPr>
-        <p:style>
-          <a:lnRef idx="0">
-            <a:scrgbClr r="0" g="0" b="0"/>
-          </a:lnRef>
-          <a:fillRef idx="0">
-            <a:scrgbClr r="0" g="0" b="0"/>
-          </a:fillRef>
-          <a:effectRef idx="0">
-            <a:scrgbClr r="0" g="0" b="0"/>
-          </a:effectRef>
-          <a:fontRef idx="minor"/>
-        </p:style>
-        <p:txBody>
-          <a:bodyPr lIns="90000" tIns="45000" rIns="90000" bIns="45000" anchor="ctr"/>
-          <a:lstStyle/>
-          <a:p>
-            <a:pPr marL="0" marR="0" lvl="0" indent="0" algn="l" defTabSz="914400" rtl="0" eaLnBrk="1" fontAlgn="auto" latinLnBrk="0" hangingPunct="1">
-              <a:lnSpc>
-                <a:spcPts val="2032"/>
-              </a:lnSpc>
-              <a:spcBef>
-                <a:spcPts val="0"/>
-              </a:spcBef>
-              <a:spcAft>
-                <a:spcPts val="0"/>
-              </a:spcAft>
-              <a:buClrTx/>
-              <a:buSzTx/>
-              <a:buFontTx/>
-              <a:buNone/>
-              <a:tabLst/>
-              <a:defRPr/>
-            </a:pPr>
-            <a:r>
-              <a:rPr kumimoji="0" lang="en-US" sz="1600" b="1" i="0" u="none" strike="noStrike" kern="1200" cap="none" spc="-1" normalizeH="0" baseline="0" noProof="0">
-                <a:ln>
-                  <a:noFill/>
-                </a:ln>
-                <a:solidFill>
-                  <a:srgbClr val="404040"/>
-                </a:solidFill>
-                <a:effectLst/>
-                <a:uLnTx/>
-                <a:uFill>
-                  <a:solidFill>
-                    <a:srgbClr val="FFFFFF"/>
-                  </a:solidFill>
-                </a:uFill>
-                <a:latin typeface="Rockwell"/>
-              </a:rPr>
-              <a:t>Results of this project</a:t>
-            </a:r>
-            <a:endParaRPr kumimoji="0" lang="en-US" sz="1800" b="0" i="0" u="none" strike="noStrike" kern="1200" cap="none" spc="-1" normalizeH="0" baseline="0" noProof="0">
-              <a:ln>
-                <a:noFill/>
-              </a:ln>
-              <a:solidFill>
-                <a:srgbClr val="000000"/>
-              </a:solidFill>
-              <a:effectLst/>
-              <a:uLnTx/>
-              <a:uFill>
-                <a:solidFill>
-                  <a:srgbClr val="FFFFFF"/>
-                </a:solidFill>
-              </a:uFill>
-              <a:latin typeface="Arial"/>
-            </a:endParaRPr>
-          </a:p>
-        </p:txBody>
-      </p:sp>
-      <p:pic>
-        <p:nvPicPr>
-          <p:cNvPr id="288" name="27 Imagen"/>
-          <p:cNvPicPr/>
-          <p:nvPr/>
-        </p:nvPicPr>
-        <p:blipFill>
-          <a:blip r:embed="rId4"/>
-          <a:stretch/>
-        </p:blipFill>
-        <p:spPr>
-          <a:xfrm>
-            <a:off x="4167360" y="6170760"/>
-            <a:ext cx="363240" cy="302760"/>
-          </a:xfrm>
-          <a:prstGeom prst="rect">
-            <a:avLst/>
-          </a:prstGeom>
-          <a:ln>
-            <a:noFill/>
-          </a:ln>
-        </p:spPr>
-      </p:pic>
-      <p:pic>
-        <p:nvPicPr>
-          <p:cNvPr id="289" name="28 Imagen"/>
-          <p:cNvPicPr/>
-          <p:nvPr/>
-        </p:nvPicPr>
-        <p:blipFill>
-          <a:blip r:embed="rId4"/>
-          <a:stretch/>
-        </p:blipFill>
-        <p:spPr>
-          <a:xfrm>
-            <a:off x="4741920" y="6170760"/>
-            <a:ext cx="363240" cy="302760"/>
-          </a:xfrm>
-          <a:prstGeom prst="rect">
-            <a:avLst/>
-          </a:prstGeom>
-          <a:ln>
-            <a:noFill/>
-          </a:ln>
-        </p:spPr>
-      </p:pic>
-      <p:sp>
-        <p:nvSpPr>
-          <p:cNvPr id="290" name="CustomShape 4"/>
-          <p:cNvSpPr/>
-          <p:nvPr/>
-        </p:nvSpPr>
-        <p:spPr>
-          <a:xfrm>
-            <a:off x="4193640" y="6181560"/>
-            <a:ext cx="286200" cy="272880"/>
-          </a:xfrm>
-          <a:prstGeom prst="rect">
-            <a:avLst/>
-          </a:prstGeom>
-          <a:noFill/>
-          <a:ln>
-            <a:noFill/>
-          </a:ln>
-        </p:spPr>
-        <p:style>
-          <a:lnRef idx="0">
-            <a:scrgbClr r="0" g="0" b="0"/>
-          </a:lnRef>
-          <a:fillRef idx="0">
-            <a:scrgbClr r="0" g="0" b="0"/>
-          </a:fillRef>
-          <a:effectRef idx="0">
-            <a:scrgbClr r="0" g="0" b="0"/>
-          </a:effectRef>
-          <a:fontRef idx="minor"/>
-        </p:style>
-        <p:txBody>
-          <a:bodyPr wrap="none" lIns="90000" tIns="45000" rIns="90000" bIns="45000"/>
-          <a:lstStyle/>
-          <a:p>
-            <a:pPr marL="0" marR="0" lvl="0" indent="0" algn="l" defTabSz="914400" rtl="0" eaLnBrk="1" fontAlgn="auto" latinLnBrk="0" hangingPunct="1">
-              <a:lnSpc>
-                <a:spcPct val="100000"/>
-              </a:lnSpc>
-              <a:spcBef>
-                <a:spcPts val="0"/>
-              </a:spcBef>
-              <a:spcAft>
-                <a:spcPts val="0"/>
-              </a:spcAft>
-              <a:buClrTx/>
-              <a:buSzTx/>
-              <a:buFontTx/>
-              <a:buNone/>
-              <a:tabLst/>
-              <a:defRPr/>
-            </a:pPr>
-            <a:r>
-              <a:rPr kumimoji="0" lang="en-US" sz="1200" b="1" i="0" u="none" strike="noStrike" kern="1200" cap="none" spc="-1" normalizeH="0" baseline="0" noProof="0">
-                <a:ln>
-                  <a:noFill/>
-                </a:ln>
-                <a:solidFill>
-                  <a:srgbClr val="FFC000"/>
-                </a:solidFill>
-                <a:effectLst/>
-                <a:uLnTx/>
-                <a:uFill>
-                  <a:solidFill>
-                    <a:srgbClr val="FFFFFF"/>
-                  </a:solidFill>
-                </a:uFill>
-                <a:latin typeface="Calibri"/>
-              </a:rPr>
-              <a:t>8</a:t>
-            </a:r>
-            <a:endParaRPr kumimoji="0" lang="en-US" sz="1800" b="0" i="0" u="none" strike="noStrike" kern="1200" cap="none" spc="-1" normalizeH="0" baseline="0" noProof="0">
-              <a:ln>
-                <a:noFill/>
-              </a:ln>
-              <a:solidFill>
-                <a:srgbClr val="000000"/>
-              </a:solidFill>
-              <a:effectLst/>
-              <a:uLnTx/>
-              <a:uFill>
-                <a:solidFill>
-                  <a:srgbClr val="FFFFFF"/>
-                </a:solidFill>
-              </a:uFill>
-              <a:latin typeface="Arial"/>
-            </a:endParaRPr>
-          </a:p>
-        </p:txBody>
-      </p:sp>
-      <p:sp>
-        <p:nvSpPr>
-          <p:cNvPr id="291" name="CustomShape 5"/>
-          <p:cNvSpPr/>
-          <p:nvPr/>
-        </p:nvSpPr>
-        <p:spPr>
-          <a:xfrm>
-            <a:off x="4449240" y="6181560"/>
-            <a:ext cx="351720" cy="272880"/>
-          </a:xfrm>
-          <a:prstGeom prst="rect">
-            <a:avLst/>
-          </a:prstGeom>
-          <a:noFill/>
-          <a:ln>
-            <a:noFill/>
-          </a:ln>
-        </p:spPr>
-        <p:style>
-          <a:lnRef idx="0">
-            <a:scrgbClr r="0" g="0" b="0"/>
-          </a:lnRef>
-          <a:fillRef idx="0">
-            <a:scrgbClr r="0" g="0" b="0"/>
-          </a:fillRef>
-          <a:effectRef idx="0">
-            <a:scrgbClr r="0" g="0" b="0"/>
-          </a:effectRef>
-          <a:fontRef idx="minor"/>
-        </p:style>
-        <p:txBody>
-          <a:bodyPr wrap="none" lIns="90000" tIns="45000" rIns="90000" bIns="45000"/>
-          <a:lstStyle/>
-          <a:p>
-            <a:pPr marL="0" marR="0" lvl="0" indent="0" algn="l" defTabSz="914400" rtl="0" eaLnBrk="1" fontAlgn="auto" latinLnBrk="0" hangingPunct="1">
-              <a:lnSpc>
-                <a:spcPct val="100000"/>
-              </a:lnSpc>
-              <a:spcBef>
-                <a:spcPts val="0"/>
-              </a:spcBef>
-              <a:spcAft>
-                <a:spcPts val="0"/>
-              </a:spcAft>
-              <a:buClrTx/>
-              <a:buSzTx/>
-              <a:buFontTx/>
-              <a:buNone/>
-              <a:tabLst/>
-              <a:defRPr/>
-            </a:pPr>
-            <a:r>
-              <a:rPr kumimoji="0" lang="en-US" sz="1200" b="1" i="1" u="none" strike="noStrike" kern="1200" cap="none" spc="-1" normalizeH="0" baseline="0" noProof="0">
-                <a:ln>
-                  <a:noFill/>
-                </a:ln>
-                <a:solidFill>
-                  <a:srgbClr val="A6A6A6"/>
-                </a:solidFill>
-                <a:effectLst/>
-                <a:uLnTx/>
-                <a:uFill>
-                  <a:solidFill>
-                    <a:srgbClr val="FFFFFF"/>
-                  </a:solidFill>
-                </a:uFill>
-                <a:latin typeface="Calibri"/>
-              </a:rPr>
-              <a:t>of</a:t>
-            </a:r>
-            <a:endParaRPr kumimoji="0" lang="en-US" sz="1800" b="0" i="0" u="none" strike="noStrike" kern="1200" cap="none" spc="-1" normalizeH="0" baseline="0" noProof="0">
-              <a:ln>
-                <a:noFill/>
-              </a:ln>
-              <a:solidFill>
-                <a:srgbClr val="000000"/>
-              </a:solidFill>
-              <a:effectLst/>
-              <a:uLnTx/>
-              <a:uFill>
-                <a:solidFill>
-                  <a:srgbClr val="FFFFFF"/>
-                </a:solidFill>
-              </a:uFill>
-              <a:latin typeface="Arial"/>
-            </a:endParaRPr>
-          </a:p>
-        </p:txBody>
-      </p:sp>
-      <p:sp>
-        <p:nvSpPr>
-          <p:cNvPr id="292" name="CustomShape 6"/>
-          <p:cNvSpPr/>
-          <p:nvPr/>
-        </p:nvSpPr>
-        <p:spPr>
-          <a:xfrm>
-            <a:off x="4776480" y="6181560"/>
-            <a:ext cx="286200" cy="272880"/>
-          </a:xfrm>
-          <a:prstGeom prst="rect">
-            <a:avLst/>
-          </a:prstGeom>
-          <a:noFill/>
-          <a:ln>
-            <a:noFill/>
-          </a:ln>
-        </p:spPr>
-        <p:style>
-          <a:lnRef idx="0">
-            <a:scrgbClr r="0" g="0" b="0"/>
-          </a:lnRef>
-          <a:fillRef idx="0">
-            <a:scrgbClr r="0" g="0" b="0"/>
-          </a:fillRef>
-          <a:effectRef idx="0">
-            <a:scrgbClr r="0" g="0" b="0"/>
-          </a:effectRef>
-          <a:fontRef idx="minor"/>
-        </p:style>
-        <p:txBody>
-          <a:bodyPr wrap="none" lIns="90000" tIns="45000" rIns="90000" bIns="45000"/>
-          <a:lstStyle/>
-          <a:p>
-            <a:pPr marL="0" marR="0" lvl="0" indent="0" algn="l" defTabSz="914400" rtl="0" eaLnBrk="1" fontAlgn="auto" latinLnBrk="0" hangingPunct="1">
-              <a:lnSpc>
-                <a:spcPct val="100000"/>
-              </a:lnSpc>
-              <a:spcBef>
-                <a:spcPts val="0"/>
-              </a:spcBef>
-              <a:spcAft>
-                <a:spcPts val="0"/>
-              </a:spcAft>
-              <a:buClrTx/>
-              <a:buSzTx/>
-              <a:buFontTx/>
-              <a:buNone/>
-              <a:tabLst/>
-              <a:defRPr/>
-            </a:pPr>
-            <a:r>
-              <a:rPr kumimoji="0" lang="en-US" sz="1200" b="1" i="0" u="none" strike="noStrike" kern="1200" cap="none" spc="-1" normalizeH="0" baseline="0" noProof="0">
-                <a:ln>
-                  <a:noFill/>
-                </a:ln>
-                <a:solidFill>
-                  <a:srgbClr val="808080"/>
-                </a:solidFill>
-                <a:effectLst/>
-                <a:uLnTx/>
-                <a:uFill>
-                  <a:solidFill>
-                    <a:srgbClr val="FFFFFF"/>
-                  </a:solidFill>
-                </a:uFill>
-                <a:latin typeface="Calibri"/>
-              </a:rPr>
-              <a:t>8</a:t>
-            </a:r>
-            <a:endParaRPr kumimoji="0" lang="en-US" sz="1800" b="0" i="0" u="none" strike="noStrike" kern="1200" cap="none" spc="-1" normalizeH="0" baseline="0" noProof="0">
-              <a:ln>
-                <a:noFill/>
-              </a:ln>
-              <a:solidFill>
-                <a:srgbClr val="000000"/>
-              </a:solidFill>
-              <a:effectLst/>
-              <a:uLnTx/>
-              <a:uFill>
-                <a:solidFill>
-                  <a:srgbClr val="FFFFFF"/>
-                </a:solidFill>
-              </a:uFill>
-              <a:latin typeface="Arial"/>
-            </a:endParaRPr>
-          </a:p>
-        </p:txBody>
-      </p:sp>
-      <p:pic>
-        <p:nvPicPr>
-          <p:cNvPr id="293" name="Imagen 5"/>
-          <p:cNvPicPr/>
-          <p:nvPr/>
-        </p:nvPicPr>
-        <p:blipFill>
-          <a:blip r:embed="rId5"/>
-          <a:stretch/>
-        </p:blipFill>
-        <p:spPr>
-          <a:xfrm>
-            <a:off x="5127480" y="5983200"/>
-            <a:ext cx="763200" cy="720360"/>
-          </a:xfrm>
-          <a:prstGeom prst="rect">
-            <a:avLst/>
-          </a:prstGeom>
-          <a:ln>
-            <a:noFill/>
-          </a:ln>
-        </p:spPr>
-      </p:pic>
-      <p:pic>
-        <p:nvPicPr>
-          <p:cNvPr id="294" name="Imagen 6"/>
-          <p:cNvPicPr/>
-          <p:nvPr/>
-        </p:nvPicPr>
-        <p:blipFill>
-          <a:blip r:embed="rId6"/>
-          <a:stretch/>
-        </p:blipFill>
-        <p:spPr>
-          <a:xfrm>
-            <a:off x="3933720" y="6251400"/>
-            <a:ext cx="175680" cy="175680"/>
-          </a:xfrm>
-          <a:prstGeom prst="rect">
-            <a:avLst/>
-          </a:prstGeom>
-          <a:ln>
-            <a:noFill/>
-          </a:ln>
-        </p:spPr>
-      </p:pic>
-      <p:pic>
-        <p:nvPicPr>
-          <p:cNvPr id="295" name="Imagen 5"/>
-          <p:cNvPicPr/>
-          <p:nvPr/>
-        </p:nvPicPr>
-        <p:blipFill>
-          <a:blip r:embed="rId7"/>
-          <a:stretch/>
-        </p:blipFill>
-        <p:spPr>
-          <a:xfrm>
-            <a:off x="1649520" y="5756400"/>
-            <a:ext cx="1193400" cy="1128240"/>
-          </a:xfrm>
-          <a:prstGeom prst="rect">
-            <a:avLst/>
-          </a:prstGeom>
-          <a:ln>
-            <a:noFill/>
-          </a:ln>
-        </p:spPr>
-      </p:pic>
-      <p:sp>
-        <p:nvSpPr>
-          <p:cNvPr id="296" name="Line 7"/>
-          <p:cNvSpPr/>
-          <p:nvPr/>
-        </p:nvSpPr>
-        <p:spPr>
-          <a:xfrm>
-            <a:off x="4427280" y="1873080"/>
-            <a:ext cx="360" cy="3716280"/>
-          </a:xfrm>
-          <a:prstGeom prst="line">
-            <a:avLst/>
-          </a:prstGeom>
-          <a:ln w="9360">
-            <a:solidFill>
-              <a:srgbClr val="D9D9D9"/>
-            </a:solidFill>
-            <a:round/>
-          </a:ln>
-        </p:spPr>
-        <p:style>
-          <a:lnRef idx="0">
-            <a:scrgbClr r="0" g="0" b="0"/>
-          </a:lnRef>
-          <a:fillRef idx="0">
-            <a:scrgbClr r="0" g="0" b="0"/>
-          </a:fillRef>
-          <a:effectRef idx="0">
-            <a:scrgbClr r="0" g="0" b="0"/>
-          </a:effectRef>
-          <a:fontRef idx="minor"/>
-        </p:style>
-      </p:sp>
-      <p:sp>
-        <p:nvSpPr>
-          <p:cNvPr id="297" name="Line 8"/>
-          <p:cNvSpPr/>
-          <p:nvPr/>
-        </p:nvSpPr>
-        <p:spPr>
-          <a:xfrm>
-            <a:off x="4421160" y="1873080"/>
-            <a:ext cx="360" cy="3716280"/>
-          </a:xfrm>
-          <a:prstGeom prst="line">
-            <a:avLst/>
-          </a:prstGeom>
-          <a:ln w="9360">
-            <a:solidFill>
-              <a:srgbClr val="FFFFFF"/>
-            </a:solidFill>
-            <a:round/>
-          </a:ln>
-        </p:spPr>
-        <p:style>
-          <a:lnRef idx="0">
-            <a:scrgbClr r="0" g="0" b="0"/>
-          </a:lnRef>
-          <a:fillRef idx="0">
-            <a:scrgbClr r="0" g="0" b="0"/>
-          </a:fillRef>
-          <a:effectRef idx="0">
-            <a:scrgbClr r="0" g="0" b="0"/>
-          </a:effectRef>
-          <a:fontRef idx="minor"/>
-        </p:style>
-      </p:sp>
-      <p:sp>
-        <p:nvSpPr>
-          <p:cNvPr id="298" name="CustomShape 9"/>
-          <p:cNvSpPr/>
-          <p:nvPr/>
-        </p:nvSpPr>
-        <p:spPr>
-          <a:xfrm>
-            <a:off x="477720" y="1979640"/>
-            <a:ext cx="3553920" cy="1512360"/>
-          </a:xfrm>
-          <a:prstGeom prst="rect">
-            <a:avLst/>
-          </a:prstGeom>
-          <a:noFill/>
-          <a:ln>
-            <a:noFill/>
-          </a:ln>
-        </p:spPr>
-        <p:style>
-          <a:lnRef idx="0">
-            <a:scrgbClr r="0" g="0" b="0"/>
-          </a:lnRef>
-          <a:fillRef idx="0">
-            <a:scrgbClr r="0" g="0" b="0"/>
-          </a:fillRef>
-          <a:effectRef idx="0">
-            <a:scrgbClr r="0" g="0" b="0"/>
-          </a:effectRef>
-          <a:fontRef idx="minor"/>
-        </p:style>
-        <p:txBody>
-          <a:bodyPr lIns="90000" tIns="45000" rIns="90000" bIns="45000"/>
-          <a:lstStyle/>
-          <a:p>
-            <a:pPr marL="216000" marR="0" lvl="0" indent="-216000" algn="just" defTabSz="914400" rtl="0" eaLnBrk="1" fontAlgn="auto" latinLnBrk="0" hangingPunct="1">
-              <a:lnSpc>
-                <a:spcPct val="120000"/>
-              </a:lnSpc>
-              <a:spcBef>
-                <a:spcPts val="0"/>
-              </a:spcBef>
-              <a:spcAft>
-                <a:spcPts val="0"/>
-              </a:spcAft>
-              <a:buClr>
-                <a:srgbClr val="808080"/>
-              </a:buClr>
-              <a:buSzPct val="45000"/>
-              <a:buFont typeface="Wingdings" charset="2"/>
-              <a:buChar char=""/>
-              <a:tabLst/>
-              <a:defRPr/>
-            </a:pPr>
-            <a:r>
-              <a:rPr kumimoji="0" lang="en-US" sz="1200" b="0" i="0" u="none" strike="noStrike" kern="1200" cap="none" spc="-1" normalizeH="0" baseline="0" noProof="0" dirty="0">
-                <a:ln>
-                  <a:noFill/>
-                </a:ln>
-                <a:solidFill>
-                  <a:srgbClr val="808080"/>
-                </a:solidFill>
-                <a:effectLst/>
-                <a:uLnTx/>
-                <a:uFill>
-                  <a:solidFill>
-                    <a:srgbClr val="FFFFFF"/>
-                  </a:solidFill>
-                </a:uFill>
-                <a:latin typeface="Calibri"/>
-              </a:rPr>
-              <a:t>Meeting/communication organization</a:t>
-            </a:r>
-            <a:endParaRPr kumimoji="0" lang="en-US" sz="1800" b="0" i="0" u="none" strike="noStrike" kern="1200" cap="none" spc="-1" normalizeH="0" baseline="0" noProof="0" dirty="0">
-              <a:ln>
-                <a:noFill/>
-              </a:ln>
-              <a:solidFill>
-                <a:srgbClr val="000000"/>
-              </a:solidFill>
-              <a:effectLst/>
-              <a:uLnTx/>
-              <a:uFill>
-                <a:solidFill>
-                  <a:srgbClr val="FFFFFF"/>
-                </a:solidFill>
-              </a:uFill>
-              <a:latin typeface="Arial"/>
-            </a:endParaRPr>
-          </a:p>
-          <a:p>
-            <a:pPr marL="216000" marR="0" lvl="0" indent="-216000" algn="just" defTabSz="914400" rtl="0" eaLnBrk="1" fontAlgn="auto" latinLnBrk="0" hangingPunct="1">
-              <a:lnSpc>
-                <a:spcPct val="120000"/>
-              </a:lnSpc>
-              <a:spcBef>
-                <a:spcPts val="0"/>
-              </a:spcBef>
-              <a:spcAft>
-                <a:spcPts val="0"/>
-              </a:spcAft>
-              <a:buClr>
-                <a:srgbClr val="808080"/>
-              </a:buClr>
-              <a:buSzPct val="45000"/>
-              <a:buFont typeface="Wingdings" charset="2"/>
-              <a:buChar char=""/>
-              <a:tabLst/>
-              <a:defRPr/>
-            </a:pPr>
-            <a:r>
-              <a:rPr kumimoji="0" lang="en-US" sz="1200" b="0" i="0" u="none" strike="noStrike" kern="1200" cap="none" spc="-1" normalizeH="0" baseline="0" noProof="0" dirty="0">
-                <a:ln>
-                  <a:noFill/>
-                </a:ln>
-                <a:solidFill>
-                  <a:srgbClr val="808080"/>
-                </a:solidFill>
-                <a:effectLst/>
-                <a:uLnTx/>
-                <a:uFill>
-                  <a:solidFill>
-                    <a:srgbClr val="FFFFFF"/>
-                  </a:solidFill>
-                </a:uFill>
-                <a:latin typeface="Calibri"/>
-              </a:rPr>
-              <a:t>Role distribution</a:t>
-            </a:r>
-            <a:endParaRPr kumimoji="0" lang="en-US" sz="1800" b="0" i="0" u="none" strike="noStrike" kern="1200" cap="none" spc="-1" normalizeH="0" baseline="0" noProof="0" dirty="0">
-              <a:ln>
-                <a:noFill/>
-              </a:ln>
-              <a:solidFill>
-                <a:srgbClr val="000000"/>
-              </a:solidFill>
-              <a:effectLst/>
-              <a:uLnTx/>
-              <a:uFill>
-                <a:solidFill>
-                  <a:srgbClr val="FFFFFF"/>
-                </a:solidFill>
-              </a:uFill>
-              <a:latin typeface="Arial"/>
-            </a:endParaRPr>
-          </a:p>
-          <a:p>
-            <a:pPr marL="216000" marR="0" lvl="0" indent="-216000" algn="just" defTabSz="914400" rtl="0" eaLnBrk="1" fontAlgn="auto" latinLnBrk="0" hangingPunct="1">
-              <a:lnSpc>
-                <a:spcPct val="120000"/>
-              </a:lnSpc>
-              <a:spcBef>
-                <a:spcPts val="0"/>
-              </a:spcBef>
-              <a:spcAft>
-                <a:spcPts val="0"/>
-              </a:spcAft>
-              <a:buClr>
-                <a:srgbClr val="808080"/>
-              </a:buClr>
-              <a:buSzPct val="45000"/>
-              <a:buFont typeface="Wingdings" charset="2"/>
-              <a:buChar char=""/>
-              <a:tabLst/>
-              <a:defRPr/>
-            </a:pPr>
-            <a:r>
-              <a:rPr kumimoji="0" lang="en-US" sz="1200" b="0" i="0" u="none" strike="noStrike" kern="1200" cap="none" spc="-1" normalizeH="0" baseline="0" noProof="0" dirty="0">
-                <a:ln>
-                  <a:noFill/>
-                </a:ln>
-                <a:solidFill>
-                  <a:srgbClr val="808080"/>
-                </a:solidFill>
-                <a:effectLst/>
-                <a:uLnTx/>
-                <a:uFill>
-                  <a:solidFill>
-                    <a:srgbClr val="FFFFFF"/>
-                  </a:solidFill>
-                </a:uFill>
-                <a:latin typeface="Calibri"/>
-              </a:rPr>
-              <a:t>Tools for later iterations chosen</a:t>
-            </a:r>
-            <a:endParaRPr kumimoji="0" lang="en-US" sz="1800" b="0" i="0" u="none" strike="noStrike" kern="1200" cap="none" spc="-1" normalizeH="0" baseline="0" noProof="0" dirty="0">
-              <a:ln>
-                <a:noFill/>
-              </a:ln>
-              <a:solidFill>
-                <a:srgbClr val="000000"/>
-              </a:solidFill>
-              <a:effectLst/>
-              <a:uLnTx/>
-              <a:uFill>
-                <a:solidFill>
-                  <a:srgbClr val="FFFFFF"/>
-                </a:solidFill>
-              </a:uFill>
-              <a:latin typeface="Arial"/>
-            </a:endParaRPr>
-          </a:p>
-          <a:p>
-            <a:pPr marL="216000" marR="0" lvl="0" indent="-216000" algn="just" defTabSz="914400" rtl="0" eaLnBrk="1" fontAlgn="auto" latinLnBrk="0" hangingPunct="1">
-              <a:lnSpc>
-                <a:spcPct val="120000"/>
-              </a:lnSpc>
-              <a:spcBef>
-                <a:spcPts val="0"/>
-              </a:spcBef>
-              <a:spcAft>
-                <a:spcPts val="0"/>
-              </a:spcAft>
-              <a:buClr>
-                <a:srgbClr val="808080"/>
-              </a:buClr>
-              <a:buSzPct val="45000"/>
-              <a:buFont typeface="Wingdings" charset="2"/>
-              <a:buChar char=""/>
-              <a:tabLst/>
-              <a:defRPr/>
-            </a:pPr>
-            <a:r>
-              <a:rPr kumimoji="0" lang="en-US" sz="1200" b="0" i="0" u="none" strike="noStrike" kern="1200" cap="none" spc="-1" normalizeH="0" baseline="0" noProof="0" dirty="0">
-                <a:ln>
-                  <a:noFill/>
-                </a:ln>
-                <a:solidFill>
-                  <a:srgbClr val="808080"/>
-                </a:solidFill>
-                <a:effectLst/>
-                <a:uLnTx/>
-                <a:uFill>
-                  <a:solidFill>
-                    <a:srgbClr val="FFFFFF"/>
-                  </a:solidFill>
-                </a:uFill>
-                <a:latin typeface="Calibri"/>
-              </a:rPr>
-              <a:t>General project plan</a:t>
-            </a:r>
-            <a:endParaRPr kumimoji="0" lang="en-US" sz="1800" b="0" i="0" u="none" strike="noStrike" kern="1200" cap="none" spc="-1" normalizeH="0" baseline="0" noProof="0" dirty="0">
-              <a:ln>
-                <a:noFill/>
-              </a:ln>
-              <a:solidFill>
-                <a:srgbClr val="000000"/>
-              </a:solidFill>
-              <a:effectLst/>
-              <a:uLnTx/>
-              <a:uFill>
-                <a:solidFill>
-                  <a:srgbClr val="FFFFFF"/>
-                </a:solidFill>
-              </a:uFill>
-              <a:latin typeface="Arial"/>
-            </a:endParaRPr>
-          </a:p>
-          <a:p>
-            <a:pPr marL="216000" marR="0" lvl="0" indent="-216000" algn="just" defTabSz="914400" rtl="0" eaLnBrk="1" fontAlgn="auto" latinLnBrk="0" hangingPunct="1">
-              <a:lnSpc>
-                <a:spcPct val="120000"/>
-              </a:lnSpc>
-              <a:spcBef>
-                <a:spcPts val="0"/>
-              </a:spcBef>
-              <a:spcAft>
-                <a:spcPts val="0"/>
-              </a:spcAft>
-              <a:buClr>
-                <a:srgbClr val="808080"/>
-              </a:buClr>
-              <a:buSzPct val="45000"/>
-              <a:buFont typeface="Wingdings" charset="2"/>
-              <a:buChar char=""/>
-              <a:tabLst/>
-              <a:defRPr/>
-            </a:pPr>
-            <a:r>
-              <a:rPr kumimoji="0" lang="en-US" sz="1200" b="0" i="0" u="none" strike="noStrike" kern="1200" cap="none" spc="-1" normalizeH="0" baseline="0" noProof="0" dirty="0">
-                <a:ln>
-                  <a:noFill/>
-                </a:ln>
-                <a:solidFill>
-                  <a:srgbClr val="808080"/>
-                </a:solidFill>
-                <a:effectLst/>
-                <a:uLnTx/>
-                <a:uFill>
-                  <a:solidFill>
-                    <a:srgbClr val="FFFFFF"/>
-                  </a:solidFill>
-                </a:uFill>
-                <a:latin typeface="Calibri"/>
-              </a:rPr>
-              <a:t>Deliverables</a:t>
-            </a:r>
-            <a:endParaRPr kumimoji="0" lang="en-US" sz="1800" b="0" i="0" u="none" strike="noStrike" kern="1200" cap="none" spc="-1" normalizeH="0" baseline="0" noProof="0" dirty="0">
-              <a:ln>
-                <a:noFill/>
-              </a:ln>
-              <a:solidFill>
-                <a:srgbClr val="000000"/>
-              </a:solidFill>
-              <a:effectLst/>
-              <a:uLnTx/>
-              <a:uFill>
-                <a:solidFill>
-                  <a:srgbClr val="FFFFFF"/>
-                </a:solidFill>
-              </a:uFill>
-              <a:latin typeface="Arial"/>
-            </a:endParaRPr>
-          </a:p>
-        </p:txBody>
-      </p:sp>
-      <p:pic>
-        <p:nvPicPr>
-          <p:cNvPr id="299" name="Imagen 6"/>
-          <p:cNvPicPr/>
-          <p:nvPr/>
-        </p:nvPicPr>
-        <p:blipFill>
-          <a:blip r:embed="rId8"/>
-          <a:stretch/>
-        </p:blipFill>
-        <p:spPr>
-          <a:xfrm>
-            <a:off x="5124600" y="6251400"/>
-            <a:ext cx="177480" cy="175680"/>
-          </a:xfrm>
-          <a:prstGeom prst="rect">
-            <a:avLst/>
-          </a:prstGeom>
-          <a:ln>
-            <a:noFill/>
-          </a:ln>
-        </p:spPr>
-      </p:pic>
-      <p:sp>
-        <p:nvSpPr>
-          <p:cNvPr id="300" name="CustomShape 10"/>
-          <p:cNvSpPr/>
-          <p:nvPr/>
-        </p:nvSpPr>
-        <p:spPr>
-          <a:xfrm>
-            <a:off x="484200" y="3292920"/>
-            <a:ext cx="4519080" cy="474480"/>
-          </a:xfrm>
-          <a:prstGeom prst="rect">
-            <a:avLst/>
-          </a:prstGeom>
-          <a:noFill/>
-          <a:ln>
-            <a:noFill/>
-          </a:ln>
-        </p:spPr>
-        <p:style>
-          <a:lnRef idx="0">
-            <a:scrgbClr r="0" g="0" b="0"/>
-          </a:lnRef>
-          <a:fillRef idx="0">
-            <a:scrgbClr r="0" g="0" b="0"/>
-          </a:fillRef>
-          <a:effectRef idx="0">
-            <a:scrgbClr r="0" g="0" b="0"/>
-          </a:effectRef>
-          <a:fontRef idx="minor"/>
-        </p:style>
-        <p:txBody>
-          <a:bodyPr lIns="90000" tIns="45000" rIns="90000" bIns="45000" anchor="ctr"/>
-          <a:lstStyle/>
-          <a:p>
-            <a:pPr marL="0" marR="0" lvl="0" indent="0" algn="l" defTabSz="914400" rtl="0" eaLnBrk="1" fontAlgn="auto" latinLnBrk="0" hangingPunct="1">
-              <a:lnSpc>
-                <a:spcPts val="2032"/>
-              </a:lnSpc>
-              <a:spcBef>
-                <a:spcPts val="0"/>
-              </a:spcBef>
-              <a:spcAft>
-                <a:spcPts val="0"/>
-              </a:spcAft>
-              <a:buClrTx/>
-              <a:buSzTx/>
-              <a:buFontTx/>
-              <a:buNone/>
-              <a:tabLst/>
-              <a:defRPr/>
-            </a:pPr>
-            <a:r>
-              <a:rPr kumimoji="0" lang="en-US" sz="1600" b="1" i="0" u="none" strike="noStrike" kern="1200" cap="none" spc="-1" normalizeH="0" baseline="0" noProof="0">
-                <a:ln>
-                  <a:noFill/>
-                </a:ln>
-                <a:solidFill>
-                  <a:srgbClr val="404040"/>
-                </a:solidFill>
-                <a:effectLst/>
-                <a:uLnTx/>
-                <a:uFill>
-                  <a:solidFill>
-                    <a:srgbClr val="FFFFFF"/>
-                  </a:solidFill>
-                </a:uFill>
-                <a:latin typeface="Rockwell"/>
-              </a:rPr>
-              <a:t>In retrospect...</a:t>
-            </a:r>
-            <a:endParaRPr kumimoji="0" lang="en-US" sz="1800" b="0" i="0" u="none" strike="noStrike" kern="1200" cap="none" spc="-1" normalizeH="0" baseline="0" noProof="0">
-              <a:ln>
-                <a:noFill/>
-              </a:ln>
-              <a:solidFill>
-                <a:srgbClr val="000000"/>
-              </a:solidFill>
-              <a:effectLst/>
-              <a:uLnTx/>
-              <a:uFill>
-                <a:solidFill>
-                  <a:srgbClr val="FFFFFF"/>
-                </a:solidFill>
-              </a:uFill>
-              <a:latin typeface="Arial"/>
-            </a:endParaRPr>
-          </a:p>
-        </p:txBody>
-      </p:sp>
-      <p:sp>
-        <p:nvSpPr>
-          <p:cNvPr id="301" name="CustomShape 11"/>
-          <p:cNvSpPr/>
-          <p:nvPr/>
-        </p:nvSpPr>
-        <p:spPr>
-          <a:xfrm>
-            <a:off x="477720" y="3974040"/>
-            <a:ext cx="3553920" cy="1512360"/>
-          </a:xfrm>
-          <a:prstGeom prst="rect">
-            <a:avLst/>
-          </a:prstGeom>
-          <a:noFill/>
-          <a:ln>
-            <a:noFill/>
-          </a:ln>
-        </p:spPr>
-        <p:style>
-          <a:lnRef idx="0">
-            <a:scrgbClr r="0" g="0" b="0"/>
-          </a:lnRef>
-          <a:fillRef idx="0">
-            <a:scrgbClr r="0" g="0" b="0"/>
-          </a:fillRef>
-          <a:effectRef idx="0">
-            <a:scrgbClr r="0" g="0" b="0"/>
-          </a:effectRef>
-          <a:fontRef idx="minor"/>
-        </p:style>
-        <p:txBody>
-          <a:bodyPr lIns="90000" tIns="45000" rIns="90000" bIns="45000"/>
-          <a:lstStyle/>
-          <a:p>
-            <a:pPr marL="216000" marR="0" lvl="0" indent="-216000" algn="just" defTabSz="914400" rtl="0" eaLnBrk="1" fontAlgn="auto" latinLnBrk="0" hangingPunct="1">
-              <a:lnSpc>
-                <a:spcPct val="120000"/>
-              </a:lnSpc>
-              <a:spcBef>
-                <a:spcPts val="0"/>
-              </a:spcBef>
-              <a:spcAft>
-                <a:spcPts val="0"/>
-              </a:spcAft>
-              <a:buClr>
-                <a:srgbClr val="808080"/>
-              </a:buClr>
-              <a:buSzPct val="45000"/>
-              <a:buFont typeface="Wingdings" charset="2"/>
-              <a:buChar char=""/>
-              <a:tabLst/>
-              <a:defRPr/>
-            </a:pPr>
-            <a:r>
-              <a:rPr kumimoji="0" lang="en-US" sz="1200" b="0" i="0" u="none" strike="noStrike" kern="1200" cap="none" spc="-1" normalizeH="0" baseline="0" noProof="0" dirty="0">
-                <a:ln>
-                  <a:noFill/>
-                </a:ln>
-                <a:solidFill>
-                  <a:srgbClr val="808080"/>
-                </a:solidFill>
-                <a:effectLst/>
-                <a:uLnTx/>
-                <a:uFill>
-                  <a:solidFill>
-                    <a:srgbClr val="FFFFFF"/>
-                  </a:solidFill>
-                </a:uFill>
-                <a:latin typeface="Calibri"/>
-              </a:rPr>
-              <a:t>Minutes “Meeting review” section</a:t>
-            </a:r>
-            <a:endParaRPr kumimoji="0" lang="en-US" sz="1800" b="0" i="0" u="none" strike="noStrike" kern="1200" cap="none" spc="-1" normalizeH="0" baseline="0" noProof="0" dirty="0">
-              <a:ln>
-                <a:noFill/>
-              </a:ln>
-              <a:solidFill>
-                <a:srgbClr val="000000"/>
-              </a:solidFill>
-              <a:effectLst/>
-              <a:uLnTx/>
-              <a:uFill>
-                <a:solidFill>
-                  <a:srgbClr val="FFFFFF"/>
-                </a:solidFill>
-              </a:uFill>
-              <a:latin typeface="Arial"/>
-            </a:endParaRPr>
-          </a:p>
-          <a:p>
-            <a:pPr marL="432000" marR="0" lvl="1" indent="-216000" algn="just" defTabSz="914400" rtl="0" eaLnBrk="1" fontAlgn="auto" latinLnBrk="0" hangingPunct="1">
-              <a:lnSpc>
-                <a:spcPct val="120000"/>
-              </a:lnSpc>
-              <a:spcBef>
-                <a:spcPts val="0"/>
-              </a:spcBef>
-              <a:spcAft>
-                <a:spcPts val="0"/>
-              </a:spcAft>
-              <a:buClr>
-                <a:srgbClr val="000000"/>
-              </a:buClr>
-              <a:buSzPct val="45000"/>
-              <a:buFont typeface="Wingdings" charset="2"/>
-              <a:buChar char=""/>
-              <a:tabLst/>
-              <a:defRPr/>
-            </a:pPr>
-            <a:r>
-              <a:rPr kumimoji="0" lang="en-US" sz="1200" b="0" i="0" u="none" strike="noStrike" kern="1200" cap="none" spc="-1" normalizeH="0" baseline="0" noProof="0" dirty="0">
-                <a:ln>
-                  <a:noFill/>
-                </a:ln>
-                <a:solidFill>
-                  <a:srgbClr val="808080"/>
-                </a:solidFill>
-                <a:effectLst/>
-                <a:uLnTx/>
-                <a:uFill>
-                  <a:solidFill>
-                    <a:srgbClr val="FFFFFF"/>
-                  </a:solidFill>
-                </a:uFill>
-                <a:latin typeface="Calibri"/>
-              </a:rPr>
-              <a:t>Recurring: focus</a:t>
-            </a:r>
-            <a:endParaRPr kumimoji="0" lang="en-US" sz="1800" b="0" i="0" u="none" strike="noStrike" kern="1200" cap="none" spc="-1" normalizeH="0" baseline="0" noProof="0" dirty="0">
-              <a:ln>
-                <a:noFill/>
-              </a:ln>
-              <a:solidFill>
-                <a:srgbClr val="000000"/>
-              </a:solidFill>
-              <a:effectLst/>
-              <a:uLnTx/>
-              <a:uFill>
-                <a:solidFill>
-                  <a:srgbClr val="FFFFFF"/>
-                </a:solidFill>
-              </a:uFill>
-              <a:latin typeface="Arial"/>
-            </a:endParaRPr>
-          </a:p>
-          <a:p>
-            <a:pPr marL="216000" marR="0" lvl="0" indent="-216000" algn="l" defTabSz="914400" rtl="0" eaLnBrk="1" fontAlgn="auto" latinLnBrk="0" hangingPunct="1">
-              <a:lnSpc>
-                <a:spcPct val="120000"/>
-              </a:lnSpc>
-              <a:spcBef>
-                <a:spcPts val="0"/>
-              </a:spcBef>
-              <a:spcAft>
-                <a:spcPts val="0"/>
-              </a:spcAft>
-              <a:buClr>
-                <a:srgbClr val="808080"/>
-              </a:buClr>
-              <a:buSzPct val="45000"/>
-              <a:buFont typeface="Wingdings" charset="2"/>
-              <a:buChar char=""/>
-              <a:tabLst/>
-              <a:defRPr/>
-            </a:pPr>
-            <a:r>
-              <a:rPr kumimoji="0" lang="en-US" sz="1200" b="0" i="0" u="none" strike="noStrike" kern="1200" cap="none" spc="-1" normalizeH="0" baseline="0" noProof="0" dirty="0">
-                <a:ln>
-                  <a:noFill/>
-                </a:ln>
-                <a:solidFill>
-                  <a:srgbClr val="808080"/>
-                </a:solidFill>
-                <a:effectLst/>
-                <a:uLnTx/>
-                <a:uFill>
-                  <a:solidFill>
-                    <a:srgbClr val="FFFFFF"/>
-                  </a:solidFill>
-                </a:uFill>
-                <a:latin typeface="Calibri"/>
-              </a:rPr>
-              <a:t>Meeting discussion transition:
-wide → narrow</a:t>
-            </a:r>
-            <a:endParaRPr kumimoji="0" lang="en-US" sz="1800" b="0" i="0" u="none" strike="noStrike" kern="1200" cap="none" spc="-1" normalizeH="0" baseline="0" noProof="0" dirty="0">
-              <a:ln>
-                <a:noFill/>
-              </a:ln>
-              <a:solidFill>
-                <a:srgbClr val="000000"/>
-              </a:solidFill>
-              <a:effectLst/>
-              <a:uLnTx/>
-              <a:uFill>
-                <a:solidFill>
-                  <a:srgbClr val="FFFFFF"/>
-                </a:solidFill>
-              </a:uFill>
-              <a:latin typeface="Arial"/>
-            </a:endParaRPr>
-          </a:p>
-          <a:p>
-            <a:pPr marL="216000" marR="0" lvl="0" indent="-216000" algn="l" defTabSz="914400" rtl="0" eaLnBrk="1" fontAlgn="auto" latinLnBrk="0" hangingPunct="1">
-              <a:lnSpc>
-                <a:spcPct val="120000"/>
-              </a:lnSpc>
-              <a:spcBef>
-                <a:spcPts val="0"/>
-              </a:spcBef>
-              <a:spcAft>
-                <a:spcPts val="0"/>
-              </a:spcAft>
-              <a:buClr>
-                <a:srgbClr val="808080"/>
-              </a:buClr>
-              <a:buSzPct val="45000"/>
-              <a:buFont typeface="Wingdings" charset="2"/>
-              <a:buChar char=""/>
-              <a:tabLst/>
-              <a:defRPr/>
-            </a:pPr>
-            <a:r>
-              <a:rPr kumimoji="0" lang="en-US" sz="1200" b="0" i="0" u="none" strike="noStrike" kern="1200" cap="none" spc="-1" normalizeH="0" baseline="0" noProof="0" dirty="0">
-                <a:ln>
-                  <a:noFill/>
-                </a:ln>
-                <a:solidFill>
-                  <a:srgbClr val="808080"/>
-                </a:solidFill>
-                <a:effectLst/>
-                <a:uLnTx/>
-                <a:uFill>
-                  <a:solidFill>
-                    <a:srgbClr val="FFFFFF"/>
-                  </a:solidFill>
-                </a:uFill>
-                <a:latin typeface="Calibri"/>
-              </a:rPr>
-              <a:t>Deliverables: abstract → concrete</a:t>
-            </a:r>
-            <a:endParaRPr kumimoji="0" lang="en-US" sz="1800" b="0" i="0" u="none" strike="noStrike" kern="1200" cap="none" spc="-1" normalizeH="0" baseline="0" noProof="0" dirty="0">
-              <a:ln>
-                <a:noFill/>
-              </a:ln>
-              <a:solidFill>
-                <a:srgbClr val="000000"/>
-              </a:solidFill>
-              <a:effectLst/>
-              <a:uLnTx/>
-              <a:uFill>
-                <a:solidFill>
-                  <a:srgbClr val="FFFFFF"/>
-                </a:solidFill>
-              </a:uFill>
-              <a:latin typeface="Arial"/>
-            </a:endParaRPr>
-          </a:p>
-        </p:txBody>
-      </p:sp>
-      <p:sp>
-        <p:nvSpPr>
-          <p:cNvPr id="302" name="CustomShape 12"/>
-          <p:cNvSpPr/>
-          <p:nvPr/>
-        </p:nvSpPr>
-        <p:spPr>
-          <a:xfrm>
-            <a:off x="4669920" y="3291840"/>
-            <a:ext cx="4519080" cy="474480"/>
-          </a:xfrm>
-          <a:prstGeom prst="rect">
-            <a:avLst/>
-          </a:prstGeom>
-          <a:noFill/>
-          <a:ln>
-            <a:noFill/>
-          </a:ln>
-        </p:spPr>
-        <p:style>
-          <a:lnRef idx="0">
-            <a:scrgbClr r="0" g="0" b="0"/>
-          </a:lnRef>
-          <a:fillRef idx="0">
-            <a:scrgbClr r="0" g="0" b="0"/>
-          </a:fillRef>
-          <a:effectRef idx="0">
-            <a:scrgbClr r="0" g="0" b="0"/>
-          </a:effectRef>
-          <a:fontRef idx="minor"/>
-        </p:style>
-        <p:txBody>
-          <a:bodyPr lIns="90000" tIns="45000" rIns="90000" bIns="45000" anchor="ctr"/>
-          <a:lstStyle/>
-          <a:p>
-            <a:pPr marL="0" marR="0" lvl="0" indent="0" algn="l" defTabSz="914400" rtl="0" eaLnBrk="1" fontAlgn="auto" latinLnBrk="0" hangingPunct="1">
-              <a:lnSpc>
-                <a:spcPts val="2032"/>
-              </a:lnSpc>
-              <a:spcBef>
-                <a:spcPts val="0"/>
-              </a:spcBef>
-              <a:spcAft>
-                <a:spcPts val="0"/>
-              </a:spcAft>
-              <a:buClrTx/>
-              <a:buSzTx/>
-              <a:buFontTx/>
-              <a:buNone/>
-              <a:tabLst/>
-              <a:defRPr/>
-            </a:pPr>
-            <a:r>
-              <a:rPr kumimoji="0" lang="en-US" sz="1600" b="1" i="0" u="none" strike="noStrike" kern="1200" cap="none" spc="-1" normalizeH="0" baseline="0" noProof="0">
-                <a:ln>
-                  <a:noFill/>
-                </a:ln>
-                <a:solidFill>
-                  <a:srgbClr val="404040"/>
-                </a:solidFill>
-                <a:effectLst/>
-                <a:uLnTx/>
-                <a:uFill>
-                  <a:solidFill>
-                    <a:srgbClr val="FFFFFF"/>
-                  </a:solidFill>
-                </a:uFill>
-                <a:latin typeface="Rockwell"/>
-              </a:rPr>
-              <a:t>In conclusion:</a:t>
-            </a:r>
-            <a:endParaRPr kumimoji="0" lang="en-US" sz="1800" b="0" i="0" u="none" strike="noStrike" kern="1200" cap="none" spc="-1" normalizeH="0" baseline="0" noProof="0">
-              <a:ln>
-                <a:noFill/>
-              </a:ln>
-              <a:solidFill>
-                <a:srgbClr val="000000"/>
-              </a:solidFill>
-              <a:effectLst/>
-              <a:uLnTx/>
-              <a:uFill>
-                <a:solidFill>
-                  <a:srgbClr val="FFFFFF"/>
-                </a:solidFill>
-              </a:uFill>
-              <a:latin typeface="Arial"/>
-            </a:endParaRPr>
-          </a:p>
-        </p:txBody>
-      </p:sp>
-      <p:sp>
-        <p:nvSpPr>
-          <p:cNvPr id="303" name="CustomShape 13"/>
-          <p:cNvSpPr/>
-          <p:nvPr/>
-        </p:nvSpPr>
-        <p:spPr>
-          <a:xfrm>
-            <a:off x="4663440" y="3972960"/>
-            <a:ext cx="3553920" cy="1512360"/>
-          </a:xfrm>
-          <a:prstGeom prst="rect">
-            <a:avLst/>
-          </a:prstGeom>
-          <a:noFill/>
-          <a:ln>
-            <a:noFill/>
-          </a:ln>
-        </p:spPr>
-        <p:style>
-          <a:lnRef idx="0">
-            <a:scrgbClr r="0" g="0" b="0"/>
-          </a:lnRef>
-          <a:fillRef idx="0">
-            <a:scrgbClr r="0" g="0" b="0"/>
-          </a:fillRef>
-          <a:effectRef idx="0">
-            <a:scrgbClr r="0" g="0" b="0"/>
-          </a:effectRef>
-          <a:fontRef idx="minor"/>
-        </p:style>
-        <p:txBody>
-          <a:bodyPr lIns="90000" tIns="45000" rIns="90000" bIns="45000"/>
-          <a:lstStyle/>
-          <a:p>
-            <a:pPr marL="216000" marR="0" lvl="0" indent="-216000" algn="l" defTabSz="914400" rtl="0" eaLnBrk="1" fontAlgn="auto" latinLnBrk="0" hangingPunct="1">
-              <a:lnSpc>
-                <a:spcPct val="120000"/>
-              </a:lnSpc>
-              <a:spcBef>
-                <a:spcPts val="0"/>
-              </a:spcBef>
-              <a:spcAft>
-                <a:spcPts val="0"/>
-              </a:spcAft>
-              <a:buClr>
-                <a:srgbClr val="808080"/>
-              </a:buClr>
-              <a:buSzPct val="45000"/>
-              <a:buFont typeface="Wingdings" charset="2"/>
-              <a:buChar char=""/>
-              <a:tabLst/>
-              <a:defRPr/>
-            </a:pPr>
-            <a:r>
-              <a:rPr kumimoji="0" lang="en-US" sz="1200" b="0" i="0" u="none" strike="noStrike" kern="1200" cap="none" spc="-1" normalizeH="0" baseline="0" noProof="0">
-                <a:ln>
-                  <a:noFill/>
-                </a:ln>
-                <a:solidFill>
-                  <a:srgbClr val="808080"/>
-                </a:solidFill>
-                <a:effectLst/>
-                <a:uLnTx/>
-                <a:uFill>
-                  <a:solidFill>
-                    <a:srgbClr val="FFFFFF"/>
-                  </a:solidFill>
-                </a:uFill>
-                <a:latin typeface="Calibri"/>
-              </a:rPr>
-              <a:t>Group has largely been experimenting</a:t>
-            </a:r>
-            <a:endParaRPr kumimoji="0" lang="en-US" sz="1800" b="0" i="0" u="none" strike="noStrike" kern="1200" cap="none" spc="-1" normalizeH="0" baseline="0" noProof="0">
-              <a:ln>
-                <a:noFill/>
-              </a:ln>
-              <a:solidFill>
-                <a:srgbClr val="000000"/>
-              </a:solidFill>
-              <a:effectLst/>
-              <a:uLnTx/>
-              <a:uFill>
-                <a:solidFill>
-                  <a:srgbClr val="FFFFFF"/>
-                </a:solidFill>
-              </a:uFill>
-              <a:latin typeface="Arial"/>
-            </a:endParaRPr>
-          </a:p>
-          <a:p>
-            <a:pPr marL="216000" marR="0" lvl="0" indent="-216000" algn="l" defTabSz="914400" rtl="0" eaLnBrk="1" fontAlgn="auto" latinLnBrk="0" hangingPunct="1">
-              <a:lnSpc>
-                <a:spcPct val="120000"/>
-              </a:lnSpc>
-              <a:spcBef>
-                <a:spcPts val="0"/>
-              </a:spcBef>
-              <a:spcAft>
-                <a:spcPts val="0"/>
-              </a:spcAft>
-              <a:buClr>
-                <a:srgbClr val="808080"/>
-              </a:buClr>
-              <a:buSzPct val="45000"/>
-              <a:buFont typeface="Wingdings" charset="2"/>
-              <a:buChar char=""/>
-              <a:tabLst/>
-              <a:defRPr/>
-            </a:pPr>
-            <a:r>
-              <a:rPr kumimoji="0" lang="en-US" sz="1200" b="0" i="0" u="none" strike="noStrike" kern="1200" cap="none" spc="-1" normalizeH="0" baseline="0" noProof="0">
-                <a:ln>
-                  <a:noFill/>
-                </a:ln>
-                <a:solidFill>
-                  <a:srgbClr val="808080"/>
-                </a:solidFill>
-                <a:effectLst/>
-                <a:uLnTx/>
-                <a:uFill>
-                  <a:solidFill>
-                    <a:srgbClr val="FFFFFF"/>
-                  </a:solidFill>
-                </a:uFill>
-                <a:latin typeface="Calibri"/>
-              </a:rPr>
-              <a:t>Process has changed a lot in a short space of time</a:t>
-            </a:r>
-            <a:endParaRPr kumimoji="0" lang="en-US" sz="1800" b="0" i="0" u="none" strike="noStrike" kern="1200" cap="none" spc="-1" normalizeH="0" baseline="0" noProof="0">
-              <a:ln>
-                <a:noFill/>
-              </a:ln>
-              <a:solidFill>
-                <a:srgbClr val="000000"/>
-              </a:solidFill>
-              <a:effectLst/>
-              <a:uLnTx/>
-              <a:uFill>
-                <a:solidFill>
-                  <a:srgbClr val="FFFFFF"/>
-                </a:solidFill>
-              </a:uFill>
-              <a:latin typeface="Arial"/>
-            </a:endParaRPr>
-          </a:p>
-          <a:p>
-            <a:pPr marL="216000" marR="0" lvl="0" indent="-216000" algn="l" defTabSz="914400" rtl="0" eaLnBrk="1" fontAlgn="auto" latinLnBrk="0" hangingPunct="1">
-              <a:lnSpc>
-                <a:spcPct val="120000"/>
-              </a:lnSpc>
-              <a:spcBef>
-                <a:spcPts val="0"/>
-              </a:spcBef>
-              <a:spcAft>
-                <a:spcPts val="0"/>
-              </a:spcAft>
-              <a:buClr>
-                <a:srgbClr val="808080"/>
-              </a:buClr>
-              <a:buSzPct val="45000"/>
-              <a:buFont typeface="Wingdings" charset="2"/>
-              <a:buChar char=""/>
-              <a:tabLst/>
-              <a:defRPr/>
-            </a:pPr>
-            <a:r>
-              <a:rPr kumimoji="0" lang="en-US" sz="1200" b="1" i="0" u="none" strike="noStrike" kern="1200" cap="none" spc="-1" normalizeH="0" baseline="0" noProof="0">
-                <a:ln>
-                  <a:noFill/>
-                </a:ln>
-                <a:solidFill>
-                  <a:srgbClr val="808080"/>
-                </a:solidFill>
-                <a:effectLst/>
-                <a:uLnTx/>
-                <a:uFill>
-                  <a:solidFill>
-                    <a:srgbClr val="FFFFFF"/>
-                  </a:solidFill>
-                </a:uFill>
-                <a:latin typeface="Calibri"/>
-              </a:rPr>
-              <a:t>This is a starting point</a:t>
-            </a:r>
-            <a:endParaRPr kumimoji="0" lang="en-US" sz="1800" b="0" i="0" u="none" strike="noStrike" kern="1200" cap="none" spc="-1" normalizeH="0" baseline="0" noProof="0">
-              <a:ln>
-                <a:noFill/>
-              </a:ln>
-              <a:solidFill>
-                <a:srgbClr val="000000"/>
-              </a:solidFill>
-              <a:effectLst/>
-              <a:uLnTx/>
-              <a:uFill>
-                <a:solidFill>
-                  <a:srgbClr val="FFFFFF"/>
-                </a:solidFill>
-              </a:uFill>
-              <a:latin typeface="Arial"/>
-            </a:endParaRPr>
-          </a:p>
-        </p:txBody>
-      </p:sp>
-    </p:spTree>
-    <p:extLst>
-      <p:ext uri="{BB962C8B-B14F-4D97-AF65-F5344CB8AC3E}">
-        <p14:creationId xmlns:p14="http://schemas.microsoft.com/office/powerpoint/2010/main" val="828667984"/>
-      </p:ext>
-    </p:extLst>
-  </p:cSld>
-  <p:clrMapOvr>
-    <a:masterClrMapping/>
-  </p:clrMapOvr>
-  <p:timing>
-    <p:tnLst>
-      <p:par>
-        <p:cTn id="1" dur="indefinite" restart="never" nodeType="tmRoot">
-          <p:childTnLst>
-            <p:seq>
-              <p:cTn id="2" nodeType="mainSeq">
-                <p:childTnLst>
-                  <p:par>
-                    <p:cTn id="3" fill="freeze">
-                      <p:stCondLst>
-                        <p:cond delay="0"/>
-                      </p:stCondLst>
-                      <p:childTnLst>
-                        <p:par>
-                          <p:cTn id="4" fill="freeze">
-                            <p:stCondLst>
-                              <p:cond delay="0"/>
-                            </p:stCondLst>
-                            <p:childTnLst>
-                              <p:par>
-                                <p:cTn id="5" presetID="29" presetClass="entr" fill="hold" nodeType="withEffect">
-                                  <p:stCondLst>
-                                    <p:cond delay="0"/>
-                                  </p:stCondLst>
-                                  <p:childTnLst>
-                                    <p:set>
-                                      <p:cBhvr>
-                                        <p:cTn id="6" dur="1" fill="hold">
-                                          <p:stCondLst>
-                                            <p:cond delay="0"/>
-                                          </p:stCondLst>
-                                        </p:cTn>
-                                        <p:tgtEl>
-                                          <p:spTgt spid="286"/>
-                                        </p:tgtEl>
-                                        <p:attrNameLst>
-                                          <p:attrName>style.visibility</p:attrName>
-                                        </p:attrNameLst>
-                                      </p:cBhvr>
-                                      <p:to>
-                                        <p:strVal val="visible"/>
-                                      </p:to>
-                                    </p:set>
-                                    <p:anim calcmode="lin" valueType="num">
-                                      <p:cBhvr additive="repl">
-                                        <p:cTn id="7" dur="1000" fill="hold"/>
-                                        <p:tgtEl>
-                                          <p:spTgt spid="286"/>
-                                        </p:tgtEl>
-                                        <p:attrNameLst>
-                                          <p:attrName>ppt_x</p:attrName>
-                                        </p:attrNameLst>
-                                      </p:cBhvr>
-                                      <p:tavLst>
-                                        <p:tav tm="0">
-                                          <p:val>
-                                            <p:strVal val="#ppt_x-.2"/>
-                                          </p:val>
-                                        </p:tav>
-                                        <p:tav tm="100000">
-                                          <p:val>
-                                            <p:strVal val="#ppt_x"/>
-                                          </p:val>
-                                        </p:tav>
-                                      </p:tavLst>
-                                    </p:anim>
-                                    <p:anim calcmode="lin" valueType="num">
-                                      <p:cBhvr additive="repl">
-                                        <p:cTn id="8" dur="1000" fill="hold"/>
-                                        <p:tgtEl>
-                                          <p:spTgt spid="286"/>
-                                        </p:tgtEl>
-                                        <p:attrNameLst>
-                                          <p:attrName>ppt_y</p:attrName>
-                                        </p:attrNameLst>
-                                      </p:cBhvr>
-                                      <p:tavLst>
-                                        <p:tav tm="0">
-                                          <p:val>
-                                            <p:strVal val="#ppt_y"/>
-                                          </p:val>
-                                        </p:tav>
-                                        <p:tav tm="100000">
-                                          <p:val>
-                                            <p:strVal val="#ppt_y"/>
-                                          </p:val>
-                                        </p:tav>
-                                      </p:tavLst>
-                                    </p:anim>
-                                    <p:animEffect transition="out" filter="wipe(right)">
-                                      <p:cBhvr additive="repl">
-                                        <p:cTn id="9" dur="1000"/>
-                                        <p:tgtEl>
-                                          <p:spTgt spid="286"/>
-                                        </p:tgtEl>
-                                      </p:cBhvr>
-                                    </p:animEffect>
-                                  </p:childTnLst>
-                                </p:cTn>
-                              </p:par>
-                              <p:par>
-                                <p:cTn id="10" presetID="29" presetClass="entr" fill="hold" nodeType="withEffect">
-                                  <p:stCondLst>
-                                    <p:cond delay="0"/>
-                                  </p:stCondLst>
-                                  <p:childTnLst>
-                                    <p:set>
-                                      <p:cBhvr>
-                                        <p:cTn id="11" dur="1" fill="hold">
-                                          <p:stCondLst>
-                                            <p:cond delay="0"/>
-                                          </p:stCondLst>
-                                        </p:cTn>
-                                        <p:tgtEl>
-                                          <p:spTgt spid="285"/>
-                                        </p:tgtEl>
-                                        <p:attrNameLst>
-                                          <p:attrName>style.visibility</p:attrName>
-                                        </p:attrNameLst>
-                                      </p:cBhvr>
-                                      <p:to>
-                                        <p:strVal val="visible"/>
-                                      </p:to>
-                                    </p:set>
-                                    <p:anim calcmode="lin" valueType="num">
-                                      <p:cBhvr additive="repl">
-                                        <p:cTn id="12" dur="1000" fill="hold"/>
-                                        <p:tgtEl>
-                                          <p:spTgt spid="285"/>
-                                        </p:tgtEl>
-                                        <p:attrNameLst>
-                                          <p:attrName>ppt_x</p:attrName>
-                                        </p:attrNameLst>
-                                      </p:cBhvr>
-                                      <p:tavLst>
-                                        <p:tav tm="0">
-                                          <p:val>
-                                            <p:strVal val="#ppt_x-.2"/>
-                                          </p:val>
-                                        </p:tav>
-                                        <p:tav tm="100000">
-                                          <p:val>
-                                            <p:strVal val="#ppt_x"/>
-                                          </p:val>
-                                        </p:tav>
-                                      </p:tavLst>
-                                    </p:anim>
-                                    <p:anim calcmode="lin" valueType="num">
-                                      <p:cBhvr additive="repl">
-                                        <p:cTn id="13" dur="1000" fill="hold"/>
-                                        <p:tgtEl>
-                                          <p:spTgt spid="285"/>
-                                        </p:tgtEl>
-                                        <p:attrNameLst>
-                                          <p:attrName>ppt_y</p:attrName>
-                                        </p:attrNameLst>
-                                      </p:cBhvr>
-                                      <p:tavLst>
-                                        <p:tav tm="0">
-                                          <p:val>
-                                            <p:strVal val="#ppt_y"/>
-                                          </p:val>
-                                        </p:tav>
-                                        <p:tav tm="100000">
-                                          <p:val>
-                                            <p:strVal val="#ppt_y"/>
-                                          </p:val>
-                                        </p:tav>
-                                      </p:tavLst>
-                                    </p:anim>
-                                    <p:animEffect transition="out" filter="wipe(right)">
-                                      <p:cBhvr additive="repl">
-                                        <p:cTn id="14" dur="1000"/>
-                                        <p:tgtEl>
-                                          <p:spTgt spid="285"/>
-                                        </p:tgtEl>
-                                      </p:cBhvr>
-                                    </p:animEffect>
-                                  </p:childTnLst>
-                                </p:cTn>
-                              </p:par>
-                            </p:childTnLst>
-                          </p:cTn>
-                        </p:par>
-                        <p:par>
-                          <p:cTn id="15" fill="freeze">
-                            <p:stCondLst>
-                              <p:cond delay="1000"/>
-                            </p:stCondLst>
-                            <p:childTnLst>
-                              <p:par>
-                                <p:cTn id="16" presetID="10" presetClass="entr" fill="hold" nodeType="afterEffect">
-                                  <p:stCondLst>
-                                    <p:cond delay="0"/>
-                                  </p:stCondLst>
-                                  <p:childTnLst>
-                                    <p:set>
-                                      <p:cBhvr>
-                                        <p:cTn id="17" dur="1" fill="hold">
-                                          <p:stCondLst>
-                                            <p:cond delay="0"/>
-                                          </p:stCondLst>
-                                        </p:cTn>
-                                        <p:tgtEl>
-                                          <p:spTgt spid="287"/>
-                                        </p:tgtEl>
-                                        <p:attrNameLst>
-                                          <p:attrName>style.visibility</p:attrName>
-                                        </p:attrNameLst>
-                                      </p:cBhvr>
-                                      <p:to>
-                                        <p:strVal val="visible"/>
-                                      </p:to>
-                                    </p:set>
-                                    <p:animEffect transition="in" filter="fade">
-                                      <p:cBhvr additive="repl">
-                                        <p:cTn id="18" dur="2000"/>
-                                        <p:tgtEl>
-                                          <p:spTgt spid="287"/>
-                                        </p:tgtEl>
-                                      </p:cBhvr>
-                                    </p:animEffect>
-                                  </p:childTnLst>
-                                </p:cTn>
-                              </p:par>
-                              <p:par>
-                                <p:cTn id="19" presetID="10" presetClass="entr" fill="hold" nodeType="withEffect">
-                                  <p:stCondLst>
-                                    <p:cond delay="0"/>
-                                  </p:stCondLst>
-                                  <p:childTnLst>
-                                    <p:set>
-                                      <p:cBhvr>
-                                        <p:cTn id="20" dur="1" fill="hold">
-                                          <p:stCondLst>
-                                            <p:cond delay="0"/>
-                                          </p:stCondLst>
-                                        </p:cTn>
-                                        <p:tgtEl>
-                                          <p:spTgt spid="298"/>
-                                        </p:tgtEl>
-                                        <p:attrNameLst>
-                                          <p:attrName>style.visibility</p:attrName>
-                                        </p:attrNameLst>
-                                      </p:cBhvr>
-                                      <p:to>
-                                        <p:strVal val="visible"/>
-                                      </p:to>
-                                    </p:set>
-                                    <p:animEffect transition="in" filter="fade">
-                                      <p:cBhvr additive="repl">
-                                        <p:cTn id="21" dur="2000"/>
-                                        <p:tgtEl>
-                                          <p:spTgt spid="298"/>
-                                        </p:tgtEl>
-                                      </p:cBhvr>
-                                    </p:animEffect>
-                                  </p:childTnLst>
-                                </p:cTn>
-                              </p:par>
-                            </p:childTnLst>
-                          </p:cTn>
-                        </p:par>
-                      </p:childTnLst>
-                    </p:cTn>
-                  </p:par>
-                </p:childTnLst>
-              </p:cTn>
-              <p:prevCondLst>
-                <p:cond evt="onPrev" delay="0">
-                  <p:tgtEl>
-                    <p:sldTgt/>
-                  </p:tgtEl>
-                </p:cond>
-              </p:prevCondLst>
-              <p:nextCondLst>
-                <p:cond evt="onNext" delay="0">
-                  <p:tgtEl>
-                    <p:sldTgt/>
-                  </p:tgtEl>
-                </p:cond>
-              </p:nextCondLst>
-            </p:seq>
-          </p:childTnLst>
-        </p:cTn>
-      </p:par>
-    </p:tnLst>
-  </p:timing>
-</p:sld>
-</file>
-
-<file path=ppt/slides/slide11.xml><?xml version="1.0" encoding="utf-8"?>
-<p:sld xmlns:a="http://schemas.openxmlformats.org/drawingml/2006/main" xmlns:r="http://schemas.openxmlformats.org/officeDocument/2006/relationships" xmlns:p="http://schemas.openxmlformats.org/presentationml/2006/main">
-  <p:cSld>
-    <p:bg>
-      <p:bgPr>
-        <a:blipFill dpi="0" rotWithShape="0">
-          <a:blip r:embed="rId2"/>
-          <a:srcRect/>
-          <a:stretch>
-            <a:fillRect/>
-          </a:stretch>
-        </a:blipFill>
-        <a:effectLst/>
-      </p:bgPr>
-    </p:bg>
-    <p:spTree>
-      <p:nvGrpSpPr>
-        <p:cNvPr id="1" name=""/>
-        <p:cNvGrpSpPr/>
-        <p:nvPr/>
-      </p:nvGrpSpPr>
-      <p:grpSpPr>
-        <a:xfrm>
-          <a:off x="0" y="0"/>
-          <a:ext cx="0" cy="0"/>
-          <a:chOff x="0" y="0"/>
-          <a:chExt cx="0" cy="0"/>
-        </a:xfrm>
-      </p:grpSpPr>
-      <p:sp>
-        <p:nvSpPr>
-          <p:cNvPr id="4" name="1 Título"/>
-          <p:cNvSpPr txBox="1">
-            <a:spLocks/>
-          </p:cNvSpPr>
-          <p:nvPr/>
-        </p:nvSpPr>
-        <p:spPr>
-          <a:xfrm>
-            <a:off x="323850" y="1412875"/>
-            <a:ext cx="5902325" cy="863600"/>
-          </a:xfrm>
-          <a:prstGeom prst="rect">
-            <a:avLst/>
-          </a:prstGeom>
-        </p:spPr>
-        <p:txBody>
-          <a:bodyPr anchor="ctr"/>
-          <a:lstStyle>
-            <a:lvl1pPr>
-              <a:defRPr>
-                <a:solidFill>
-                  <a:schemeClr val="tx1"/>
-                </a:solidFill>
-                <a:latin typeface="Calibri" pitchFamily="34" charset="0"/>
-              </a:defRPr>
-            </a:lvl1pPr>
-            <a:lvl2pPr marL="742950" indent="-285750">
-              <a:defRPr>
-                <a:solidFill>
-                  <a:schemeClr val="tx1"/>
-                </a:solidFill>
-                <a:latin typeface="Calibri" pitchFamily="34" charset="0"/>
-              </a:defRPr>
-            </a:lvl2pPr>
-            <a:lvl3pPr marL="1143000" indent="-228600">
-              <a:defRPr>
-                <a:solidFill>
-                  <a:schemeClr val="tx1"/>
-                </a:solidFill>
-                <a:latin typeface="Calibri" pitchFamily="34" charset="0"/>
-              </a:defRPr>
-            </a:lvl3pPr>
-            <a:lvl4pPr marL="1600200" indent="-228600">
-              <a:defRPr>
-                <a:solidFill>
-                  <a:schemeClr val="tx1"/>
-                </a:solidFill>
-                <a:latin typeface="Calibri" pitchFamily="34" charset="0"/>
-              </a:defRPr>
-            </a:lvl4pPr>
-            <a:lvl5pPr marL="2057400" indent="-228600">
-              <a:defRPr>
-                <a:solidFill>
-                  <a:schemeClr val="tx1"/>
-                </a:solidFill>
-                <a:latin typeface="Calibri" pitchFamily="34" charset="0"/>
-              </a:defRPr>
-            </a:lvl5pPr>
-            <a:lvl6pPr marL="2514600" indent="-228600" fontAlgn="base">
-              <a:spcBef>
-                <a:spcPct val="0"/>
-              </a:spcBef>
-              <a:spcAft>
-                <a:spcPct val="0"/>
-              </a:spcAft>
-              <a:defRPr>
-                <a:solidFill>
-                  <a:schemeClr val="tx1"/>
-                </a:solidFill>
-                <a:latin typeface="Calibri" pitchFamily="34" charset="0"/>
-              </a:defRPr>
-            </a:lvl6pPr>
-            <a:lvl7pPr marL="2971800" indent="-228600" fontAlgn="base">
-              <a:spcBef>
-                <a:spcPct val="0"/>
-              </a:spcBef>
-              <a:spcAft>
-                <a:spcPct val="0"/>
-              </a:spcAft>
-              <a:defRPr>
-                <a:solidFill>
-                  <a:schemeClr val="tx1"/>
-                </a:solidFill>
-                <a:latin typeface="Calibri" pitchFamily="34" charset="0"/>
-              </a:defRPr>
-            </a:lvl7pPr>
-            <a:lvl8pPr marL="3429000" indent="-228600" fontAlgn="base">
-              <a:spcBef>
-                <a:spcPct val="0"/>
-              </a:spcBef>
-              <a:spcAft>
-                <a:spcPct val="0"/>
-              </a:spcAft>
-              <a:defRPr>
-                <a:solidFill>
-                  <a:schemeClr val="tx1"/>
-                </a:solidFill>
-                <a:latin typeface="Calibri" pitchFamily="34" charset="0"/>
-              </a:defRPr>
-            </a:lvl8pPr>
-            <a:lvl9pPr marL="3886200" indent="-228600" fontAlgn="base">
-              <a:spcBef>
-                <a:spcPct val="0"/>
-              </a:spcBef>
-              <a:spcAft>
-                <a:spcPct val="0"/>
-              </a:spcAft>
-              <a:defRPr>
-                <a:solidFill>
-                  <a:schemeClr val="tx1"/>
-                </a:solidFill>
-                <a:latin typeface="Calibri" pitchFamily="34" charset="0"/>
-              </a:defRPr>
-            </a:lvl9pPr>
-          </a:lstStyle>
-          <a:p>
-            <a:pPr>
-              <a:lnSpc>
-                <a:spcPts val="5763"/>
-              </a:lnSpc>
-            </a:pPr>
-            <a:r>
-              <a:rPr lang="es-HN" sz="4900" b="1">
-                <a:solidFill>
-                  <a:srgbClr val="404040"/>
-                </a:solidFill>
-                <a:latin typeface="Rockwell" pitchFamily="18" charset="0"/>
-              </a:rPr>
-              <a:t>THANK </a:t>
-            </a:r>
-            <a:r>
-              <a:rPr lang="es-HN" sz="4900" b="1">
-                <a:solidFill>
-                  <a:srgbClr val="FFC000"/>
-                </a:solidFill>
-                <a:latin typeface="Rockwell" pitchFamily="18" charset="0"/>
-              </a:rPr>
-              <a:t>YOU</a:t>
-            </a:r>
-          </a:p>
-        </p:txBody>
-      </p:sp>
-    </p:spTree>
-  </p:cSld>
-  <p:clrMapOvr>
-    <a:masterClrMapping/>
-  </p:clrMapOvr>
-  <p:transition/>
-  <p:timing>
-    <p:tnLst>
-      <p:par>
-        <p:cTn id="1" dur="indefinite" restart="never" nodeType="tmRoot">
-          <p:childTnLst>
-            <p:seq concurrent="1" nextAc="seek">
-              <p:cTn id="2" dur="indefinite" nodeType="mainSeq">
-                <p:childTnLst>
-                  <p:par>
-                    <p:cTn id="3" fill="hold" nodeType="clickPar">
-                      <p:stCondLst>
-                        <p:cond delay="indefinite"/>
-                        <p:cond evt="onBegin" delay="0">
-                          <p:tn val="2"/>
-                        </p:cond>
-                      </p:stCondLst>
-                      <p:childTnLst>
-                        <p:par>
-                          <p:cTn id="4" fill="hold" nodeType="withGroup">
-                            <p:stCondLst>
-                              <p:cond delay="0"/>
-                            </p:stCondLst>
-                            <p:childTnLst>
-                              <p:par>
-                                <p:cTn id="5" presetID="41" presetClass="entr" presetSubtype="0" fill="hold" grpId="0" nodeType="withEffect">
-                                  <p:stCondLst>
-                                    <p:cond delay="0"/>
-                                  </p:stCondLst>
-                                  <p:iterate type="lt">
-                                    <p:tmPct val="10000"/>
-                                  </p:iterate>
-                                  <p:childTnLst>
-                                    <p:set>
-                                      <p:cBhvr>
-                                        <p:cTn id="6" dur="1" fill="hold">
-                                          <p:stCondLst>
-                                            <p:cond delay="0"/>
-                                          </p:stCondLst>
-                                        </p:cTn>
-                                        <p:tgtEl>
-                                          <p:spTgt spid="4"/>
-                                        </p:tgtEl>
-                                        <p:attrNameLst>
-                                          <p:attrName>style.visibility</p:attrName>
-                                        </p:attrNameLst>
-                                      </p:cBhvr>
-                                      <p:to>
-                                        <p:strVal val="visible"/>
-                                      </p:to>
-                                    </p:set>
-                                    <p:anim calcmode="lin" valueType="num">
-                                      <p:cBhvr>
-                                        <p:cTn id="7" dur="500" fill="hold"/>
-                                        <p:tgtEl>
-                                          <p:spTgt spid="4"/>
-                                        </p:tgtEl>
-                                        <p:attrNameLst>
-                                          <p:attrName>ppt_x</p:attrName>
-                                        </p:attrNameLst>
-                                      </p:cBhvr>
-                                      <p:tavLst>
-                                        <p:tav tm="0">
-                                          <p:val>
-                                            <p:strVal val="#ppt_x"/>
-                                          </p:val>
-                                        </p:tav>
-                                        <p:tav tm="50000">
-                                          <p:val>
-                                            <p:strVal val="#ppt_x+.1"/>
-                                          </p:val>
-                                        </p:tav>
-                                        <p:tav tm="100000">
-                                          <p:val>
-                                            <p:strVal val="#ppt_x"/>
-                                          </p:val>
-                                        </p:tav>
-                                      </p:tavLst>
-                                    </p:anim>
-                                    <p:anim calcmode="lin" valueType="num">
-                                      <p:cBhvr>
-                                        <p:cTn id="8" dur="500" fill="hold"/>
-                                        <p:tgtEl>
-                                          <p:spTgt spid="4"/>
-                                        </p:tgtEl>
-                                        <p:attrNameLst>
-                                          <p:attrName>ppt_y</p:attrName>
-                                        </p:attrNameLst>
-                                      </p:cBhvr>
-                                      <p:tavLst>
-                                        <p:tav tm="0">
-                                          <p:val>
-                                            <p:strVal val="#ppt_y"/>
-                                          </p:val>
-                                        </p:tav>
-                                        <p:tav tm="100000">
-                                          <p:val>
-                                            <p:strVal val="#ppt_y"/>
-                                          </p:val>
-                                        </p:tav>
-                                      </p:tavLst>
-                                    </p:anim>
-                                    <p:anim calcmode="lin" valueType="num">
-                                      <p:cBhvr>
-                                        <p:cTn id="9" dur="500" fill="hold"/>
-                                        <p:tgtEl>
-                                          <p:spTgt spid="4"/>
-                                        </p:tgtEl>
-                                        <p:attrNameLst>
-                                          <p:attrName>ppt_h</p:attrName>
-                                        </p:attrNameLst>
-                                      </p:cBhvr>
-                                      <p:tavLst>
-                                        <p:tav tm="0">
-                                          <p:val>
-                                            <p:strVal val="#ppt_h/10"/>
-                                          </p:val>
-                                        </p:tav>
-                                        <p:tav tm="50000">
-                                          <p:val>
-                                            <p:strVal val="#ppt_h+.01"/>
-                                          </p:val>
-                                        </p:tav>
-                                        <p:tav tm="100000">
-                                          <p:val>
-                                            <p:strVal val="#ppt_h"/>
-                                          </p:val>
-                                        </p:tav>
-                                      </p:tavLst>
-                                    </p:anim>
-                                    <p:anim calcmode="lin" valueType="num">
-                                      <p:cBhvr>
-                                        <p:cTn id="10" dur="500" fill="hold"/>
-                                        <p:tgtEl>
-                                          <p:spTgt spid="4"/>
-                                        </p:tgtEl>
-                                        <p:attrNameLst>
-                                          <p:attrName>ppt_w</p:attrName>
-                                        </p:attrNameLst>
-                                      </p:cBhvr>
-                                      <p:tavLst>
-                                        <p:tav tm="0">
-                                          <p:val>
-                                            <p:strVal val="#ppt_w/10"/>
-                                          </p:val>
-                                        </p:tav>
-                                        <p:tav tm="50000">
-                                          <p:val>
-                                            <p:strVal val="#ppt_w+.01"/>
-                                          </p:val>
-                                        </p:tav>
-                                        <p:tav tm="100000">
-                                          <p:val>
-                                            <p:strVal val="#ppt_w"/>
-                                          </p:val>
-                                        </p:tav>
-                                      </p:tavLst>
-                                    </p:anim>
-                                    <p:animEffect transition="in" filter="fade">
-                                      <p:cBhvr>
-                                        <p:cTn id="11" dur="500" tmFilter="0,0; .5, 1; 1, 1"/>
-                                        <p:tgtEl>
-                                          <p:spTgt spid="4"/>
-                                        </p:tgtEl>
-                                      </p:cBhvr>
-                                    </p:animEffect>
-                                  </p:childTnLst>
-                                </p:cTn>
-                              </p:par>
-                            </p:childTnLst>
-                          </p:cTn>
-                        </p:par>
-                      </p:childTnLst>
-                    </p:cTn>
-                  </p:par>
-                </p:childTnLst>
-              </p:cTn>
-              <p:prevCondLst>
-                <p:cond evt="onPrev" delay="0">
-                  <p:tgtEl>
-                    <p:sldTgt/>
-                  </p:tgtEl>
-                </p:cond>
-              </p:prevCondLst>
-              <p:nextCondLst>
-                <p:cond evt="onNext" delay="0">
-                  <p:tgtEl>
-                    <p:sldTgt/>
-                  </p:tgtEl>
-                </p:cond>
-              </p:nextCondLst>
-            </p:seq>
-          </p:childTnLst>
-        </p:cTn>
-      </p:par>
-    </p:tnLst>
-    <p:bldLst>
-      <p:bldP spid="4" grpId="0"/>
-    </p:bldLst>
-  </p:timing>
 </p:sld>
 </file>
 
@@ -10818,335 +7709,6 @@
   <p:clrMapOvr>
     <a:masterClrMapping/>
   </p:clrMapOvr>
-  <p:timing>
-    <p:tnLst>
-      <p:par>
-        <p:cTn id="1" dur="indefinite" restart="never" nodeType="tmRoot">
-          <p:childTnLst>
-            <p:seq concurrent="1" nextAc="seek">
-              <p:cTn id="2" dur="indefinite" nodeType="mainSeq">
-                <p:childTnLst>
-                  <p:par>
-                    <p:cTn id="3" fill="hold" nodeType="clickPar">
-                      <p:stCondLst>
-                        <p:cond delay="indefinite"/>
-                        <p:cond evt="onBegin" delay="0">
-                          <p:tn val="2"/>
-                        </p:cond>
-                      </p:stCondLst>
-                      <p:childTnLst>
-                        <p:par>
-                          <p:cTn id="4" fill="hold" nodeType="withGroup">
-                            <p:stCondLst>
-                              <p:cond delay="0"/>
-                            </p:stCondLst>
-                            <p:childTnLst>
-                              <p:par>
-                                <p:cTn id="5" presetID="29" presetClass="entr" presetSubtype="0" fill="hold" grpId="0" nodeType="withEffect">
-                                  <p:stCondLst>
-                                    <p:cond delay="0"/>
-                                  </p:stCondLst>
-                                  <p:childTnLst>
-                                    <p:set>
-                                      <p:cBhvr>
-                                        <p:cTn id="6" dur="1" fill="hold">
-                                          <p:stCondLst>
-                                            <p:cond delay="0"/>
-                                          </p:stCondLst>
-                                        </p:cTn>
-                                        <p:tgtEl>
-                                          <p:spTgt spid="20"/>
-                                        </p:tgtEl>
-                                        <p:attrNameLst>
-                                          <p:attrName>style.visibility</p:attrName>
-                                        </p:attrNameLst>
-                                      </p:cBhvr>
-                                      <p:to>
-                                        <p:strVal val="visible"/>
-                                      </p:to>
-                                    </p:set>
-                                    <p:anim calcmode="lin" valueType="num">
-                                      <p:cBhvr>
-                                        <p:cTn id="7" dur="1000" fill="hold"/>
-                                        <p:tgtEl>
-                                          <p:spTgt spid="20"/>
-                                        </p:tgtEl>
-                                        <p:attrNameLst>
-                                          <p:attrName>ppt_x</p:attrName>
-                                        </p:attrNameLst>
-                                      </p:cBhvr>
-                                      <p:tavLst>
-                                        <p:tav tm="0">
-                                          <p:val>
-                                            <p:strVal val="#ppt_x-.2"/>
-                                          </p:val>
-                                        </p:tav>
-                                        <p:tav tm="100000">
-                                          <p:val>
-                                            <p:strVal val="#ppt_x"/>
-                                          </p:val>
-                                        </p:tav>
-                                      </p:tavLst>
-                                    </p:anim>
-                                    <p:anim calcmode="lin" valueType="num">
-                                      <p:cBhvr>
-                                        <p:cTn id="8" dur="1000" fill="hold"/>
-                                        <p:tgtEl>
-                                          <p:spTgt spid="20"/>
-                                        </p:tgtEl>
-                                        <p:attrNameLst>
-                                          <p:attrName>ppt_y</p:attrName>
-                                        </p:attrNameLst>
-                                      </p:cBhvr>
-                                      <p:tavLst>
-                                        <p:tav tm="0">
-                                          <p:val>
-                                            <p:strVal val="#ppt_y"/>
-                                          </p:val>
-                                        </p:tav>
-                                        <p:tav tm="100000">
-                                          <p:val>
-                                            <p:strVal val="#ppt_y"/>
-                                          </p:val>
-                                        </p:tav>
-                                      </p:tavLst>
-                                    </p:anim>
-                                    <p:animEffect transition="in" filter="wipe(right)" prLst="gradientSize: 0.1">
-                                      <p:cBhvr>
-                                        <p:cTn id="9" dur="1000"/>
-                                        <p:tgtEl>
-                                          <p:spTgt spid="20"/>
-                                        </p:tgtEl>
-                                      </p:cBhvr>
-                                    </p:animEffect>
-                                  </p:childTnLst>
-                                </p:cTn>
-                              </p:par>
-                              <p:par>
-                                <p:cTn id="10" presetID="29" presetClass="entr" presetSubtype="0" fill="hold" grpId="0" nodeType="withEffect">
-                                  <p:stCondLst>
-                                    <p:cond delay="0"/>
-                                  </p:stCondLst>
-                                  <p:childTnLst>
-                                    <p:set>
-                                      <p:cBhvr>
-                                        <p:cTn id="11" dur="1" fill="hold">
-                                          <p:stCondLst>
-                                            <p:cond delay="0"/>
-                                          </p:stCondLst>
-                                        </p:cTn>
-                                        <p:tgtEl>
-                                          <p:spTgt spid="7"/>
-                                        </p:tgtEl>
-                                        <p:attrNameLst>
-                                          <p:attrName>style.visibility</p:attrName>
-                                        </p:attrNameLst>
-                                      </p:cBhvr>
-                                      <p:to>
-                                        <p:strVal val="visible"/>
-                                      </p:to>
-                                    </p:set>
-                                    <p:anim calcmode="lin" valueType="num">
-                                      <p:cBhvr>
-                                        <p:cTn id="12" dur="1000" fill="hold"/>
-                                        <p:tgtEl>
-                                          <p:spTgt spid="7"/>
-                                        </p:tgtEl>
-                                        <p:attrNameLst>
-                                          <p:attrName>ppt_x</p:attrName>
-                                        </p:attrNameLst>
-                                      </p:cBhvr>
-                                      <p:tavLst>
-                                        <p:tav tm="0">
-                                          <p:val>
-                                            <p:strVal val="#ppt_x-.2"/>
-                                          </p:val>
-                                        </p:tav>
-                                        <p:tav tm="100000">
-                                          <p:val>
-                                            <p:strVal val="#ppt_x"/>
-                                          </p:val>
-                                        </p:tav>
-                                      </p:tavLst>
-                                    </p:anim>
-                                    <p:anim calcmode="lin" valueType="num">
-                                      <p:cBhvr>
-                                        <p:cTn id="13" dur="1000" fill="hold"/>
-                                        <p:tgtEl>
-                                          <p:spTgt spid="7"/>
-                                        </p:tgtEl>
-                                        <p:attrNameLst>
-                                          <p:attrName>ppt_y</p:attrName>
-                                        </p:attrNameLst>
-                                      </p:cBhvr>
-                                      <p:tavLst>
-                                        <p:tav tm="0">
-                                          <p:val>
-                                            <p:strVal val="#ppt_y"/>
-                                          </p:val>
-                                        </p:tav>
-                                        <p:tav tm="100000">
-                                          <p:val>
-                                            <p:strVal val="#ppt_y"/>
-                                          </p:val>
-                                        </p:tav>
-                                      </p:tavLst>
-                                    </p:anim>
-                                    <p:animEffect transition="in" filter="wipe(right)" prLst="gradientSize: 0.1">
-                                      <p:cBhvr>
-                                        <p:cTn id="14" dur="1000"/>
-                                        <p:tgtEl>
-                                          <p:spTgt spid="7"/>
-                                        </p:tgtEl>
-                                      </p:cBhvr>
-                                    </p:animEffect>
-                                  </p:childTnLst>
-                                </p:cTn>
-                              </p:par>
-                              <p:par>
-                                <p:cTn id="15" presetID="10" presetClass="entr" presetSubtype="0" fill="hold" grpId="0" nodeType="withEffect">
-                                  <p:stCondLst>
-                                    <p:cond delay="0"/>
-                                  </p:stCondLst>
-                                  <p:childTnLst>
-                                    <p:set>
-                                      <p:cBhvr>
-                                        <p:cTn id="16" dur="1" fill="hold">
-                                          <p:stCondLst>
-                                            <p:cond delay="0"/>
-                                          </p:stCondLst>
-                                        </p:cTn>
-                                        <p:tgtEl>
-                                          <p:spTgt spid="24"/>
-                                        </p:tgtEl>
-                                        <p:attrNameLst>
-                                          <p:attrName>style.visibility</p:attrName>
-                                        </p:attrNameLst>
-                                      </p:cBhvr>
-                                      <p:to>
-                                        <p:strVal val="visible"/>
-                                      </p:to>
-                                    </p:set>
-                                    <p:animEffect transition="in" filter="fade">
-                                      <p:cBhvr>
-                                        <p:cTn id="17" dur="2000"/>
-                                        <p:tgtEl>
-                                          <p:spTgt spid="24"/>
-                                        </p:tgtEl>
-                                      </p:cBhvr>
-                                    </p:animEffect>
-                                  </p:childTnLst>
-                                </p:cTn>
-                              </p:par>
-                              <p:par>
-                                <p:cTn id="18" presetID="10" presetClass="entr" presetSubtype="0" fill="hold" grpId="0" nodeType="withEffect" nodePh="1">
-                                  <p:stCondLst>
-                                    <p:cond delay="0"/>
-                                  </p:stCondLst>
-                                  <p:endCondLst>
-                                    <p:cond evt="begin" delay="0">
-                                      <p:tn val="18"/>
-                                    </p:cond>
-                                  </p:endCondLst>
-                                  <p:childTnLst>
-                                    <p:set>
-                                      <p:cBhvr>
-                                        <p:cTn id="19" dur="1" fill="hold">
-                                          <p:stCondLst>
-                                            <p:cond delay="0"/>
-                                          </p:stCondLst>
-                                        </p:cTn>
-                                        <p:tgtEl>
-                                          <p:spTgt spid="26"/>
-                                        </p:tgtEl>
-                                        <p:attrNameLst>
-                                          <p:attrName>style.visibility</p:attrName>
-                                        </p:attrNameLst>
-                                      </p:cBhvr>
-                                      <p:to>
-                                        <p:strVal val="visible"/>
-                                      </p:to>
-                                    </p:set>
-                                    <p:animEffect transition="in" filter="fade">
-                                      <p:cBhvr>
-                                        <p:cTn id="20" dur="2000"/>
-                                        <p:tgtEl>
-                                          <p:spTgt spid="26"/>
-                                        </p:tgtEl>
-                                      </p:cBhvr>
-                                    </p:animEffect>
-                                  </p:childTnLst>
-                                </p:cTn>
-                              </p:par>
-                              <p:par>
-                                <p:cTn id="21" presetID="10" presetClass="entr" fill="hold" nodeType="withEffect">
-                                  <p:stCondLst>
-                                    <p:cond delay="0"/>
-                                  </p:stCondLst>
-                                  <p:childTnLst>
-                                    <p:set>
-                                      <p:cBhvr>
-                                        <p:cTn id="22" dur="1" fill="hold">
-                                          <p:stCondLst>
-                                            <p:cond delay="0"/>
-                                          </p:stCondLst>
-                                        </p:cTn>
-                                        <p:tgtEl>
-                                          <p:spTgt spid="21"/>
-                                        </p:tgtEl>
-                                        <p:attrNameLst>
-                                          <p:attrName>style.visibility</p:attrName>
-                                        </p:attrNameLst>
-                                      </p:cBhvr>
-                                      <p:to>
-                                        <p:strVal val="visible"/>
-                                      </p:to>
-                                    </p:set>
-                                    <p:animEffect transition="in" filter="fade">
-                                      <p:cBhvr additive="repl">
-                                        <p:cTn id="23" dur="2000"/>
-                                        <p:tgtEl>
-                                          <p:spTgt spid="21"/>
-                                        </p:tgtEl>
-                                      </p:cBhvr>
-                                    </p:animEffect>
-                                  </p:childTnLst>
-                                </p:cTn>
-                              </p:par>
-                            </p:childTnLst>
-                          </p:cTn>
-                        </p:par>
-                      </p:childTnLst>
-                    </p:cTn>
-                  </p:par>
-                </p:childTnLst>
-              </p:cTn>
-              <p:prevCondLst>
-                <p:cond evt="onPrev" delay="0">
-                  <p:tgtEl>
-                    <p:sldTgt/>
-                  </p:tgtEl>
-                </p:cond>
-              </p:prevCondLst>
-              <p:nextCondLst>
-                <p:cond evt="onNext" delay="0">
-                  <p:tgtEl>
-                    <p:sldTgt/>
-                  </p:tgtEl>
-                </p:cond>
-              </p:nextCondLst>
-            </p:seq>
-          </p:childTnLst>
-        </p:cTn>
-      </p:par>
-    </p:tnLst>
-    <p:bldLst>
-      <p:bldP spid="7" grpId="0"/>
-      <p:bldP spid="20" grpId="0"/>
-      <p:bldP spid="24" grpId="0"/>
-      <p:bldP spid="26" grpId="0"/>
-    </p:bldLst>
-  </p:timing>
 </p:sld>
 </file>
 
@@ -12315,381 +8877,6 @@
   <p:clrMapOvr>
     <a:masterClrMapping/>
   </p:clrMapOvr>
-  <p:timing>
-    <p:tnLst>
-      <p:par>
-        <p:cTn id="1" dur="indefinite" restart="never" nodeType="tmRoot">
-          <p:childTnLst>
-            <p:seq concurrent="1" nextAc="seek">
-              <p:cTn id="2" dur="indefinite" nodeType="mainSeq">
-                <p:childTnLst>
-                  <p:par>
-                    <p:cTn id="3" fill="hold" nodeType="clickPar">
-                      <p:stCondLst>
-                        <p:cond delay="indefinite"/>
-                        <p:cond evt="onBegin" delay="0">
-                          <p:tn val="2"/>
-                        </p:cond>
-                      </p:stCondLst>
-                      <p:childTnLst>
-                        <p:par>
-                          <p:cTn id="4" fill="hold" nodeType="withGroup">
-                            <p:stCondLst>
-                              <p:cond delay="0"/>
-                            </p:stCondLst>
-                            <p:childTnLst>
-                              <p:par>
-                                <p:cTn id="5" presetID="29" presetClass="entr" presetSubtype="0" fill="hold" grpId="0" nodeType="withEffect">
-                                  <p:stCondLst>
-                                    <p:cond delay="0"/>
-                                  </p:stCondLst>
-                                  <p:childTnLst>
-                                    <p:set>
-                                      <p:cBhvr>
-                                        <p:cTn id="6" dur="1" fill="hold">
-                                          <p:stCondLst>
-                                            <p:cond delay="0"/>
-                                          </p:stCondLst>
-                                        </p:cTn>
-                                        <p:tgtEl>
-                                          <p:spTgt spid="20"/>
-                                        </p:tgtEl>
-                                        <p:attrNameLst>
-                                          <p:attrName>style.visibility</p:attrName>
-                                        </p:attrNameLst>
-                                      </p:cBhvr>
-                                      <p:to>
-                                        <p:strVal val="visible"/>
-                                      </p:to>
-                                    </p:set>
-                                    <p:anim calcmode="lin" valueType="num">
-                                      <p:cBhvr>
-                                        <p:cTn id="7" dur="1000" fill="hold"/>
-                                        <p:tgtEl>
-                                          <p:spTgt spid="20"/>
-                                        </p:tgtEl>
-                                        <p:attrNameLst>
-                                          <p:attrName>ppt_x</p:attrName>
-                                        </p:attrNameLst>
-                                      </p:cBhvr>
-                                      <p:tavLst>
-                                        <p:tav tm="0">
-                                          <p:val>
-                                            <p:strVal val="#ppt_x-.2"/>
-                                          </p:val>
-                                        </p:tav>
-                                        <p:tav tm="100000">
-                                          <p:val>
-                                            <p:strVal val="#ppt_x"/>
-                                          </p:val>
-                                        </p:tav>
-                                      </p:tavLst>
-                                    </p:anim>
-                                    <p:anim calcmode="lin" valueType="num">
-                                      <p:cBhvr>
-                                        <p:cTn id="8" dur="1000" fill="hold"/>
-                                        <p:tgtEl>
-                                          <p:spTgt spid="20"/>
-                                        </p:tgtEl>
-                                        <p:attrNameLst>
-                                          <p:attrName>ppt_y</p:attrName>
-                                        </p:attrNameLst>
-                                      </p:cBhvr>
-                                      <p:tavLst>
-                                        <p:tav tm="0">
-                                          <p:val>
-                                            <p:strVal val="#ppt_y"/>
-                                          </p:val>
-                                        </p:tav>
-                                        <p:tav tm="100000">
-                                          <p:val>
-                                            <p:strVal val="#ppt_y"/>
-                                          </p:val>
-                                        </p:tav>
-                                      </p:tavLst>
-                                    </p:anim>
-                                    <p:animEffect transition="in" filter="wipe(right)" prLst="gradientSize: 0.1">
-                                      <p:cBhvr>
-                                        <p:cTn id="9" dur="1000"/>
-                                        <p:tgtEl>
-                                          <p:spTgt spid="20"/>
-                                        </p:tgtEl>
-                                      </p:cBhvr>
-                                    </p:animEffect>
-                                  </p:childTnLst>
-                                </p:cTn>
-                              </p:par>
-                              <p:par>
-                                <p:cTn id="10" presetID="29" presetClass="entr" presetSubtype="0" fill="hold" grpId="0" nodeType="withEffect">
-                                  <p:stCondLst>
-                                    <p:cond delay="0"/>
-                                  </p:stCondLst>
-                                  <p:childTnLst>
-                                    <p:set>
-                                      <p:cBhvr>
-                                        <p:cTn id="11" dur="1" fill="hold">
-                                          <p:stCondLst>
-                                            <p:cond delay="0"/>
-                                          </p:stCondLst>
-                                        </p:cTn>
-                                        <p:tgtEl>
-                                          <p:spTgt spid="7"/>
-                                        </p:tgtEl>
-                                        <p:attrNameLst>
-                                          <p:attrName>style.visibility</p:attrName>
-                                        </p:attrNameLst>
-                                      </p:cBhvr>
-                                      <p:to>
-                                        <p:strVal val="visible"/>
-                                      </p:to>
-                                    </p:set>
-                                    <p:anim calcmode="lin" valueType="num">
-                                      <p:cBhvr>
-                                        <p:cTn id="12" dur="1000" fill="hold"/>
-                                        <p:tgtEl>
-                                          <p:spTgt spid="7"/>
-                                        </p:tgtEl>
-                                        <p:attrNameLst>
-                                          <p:attrName>ppt_x</p:attrName>
-                                        </p:attrNameLst>
-                                      </p:cBhvr>
-                                      <p:tavLst>
-                                        <p:tav tm="0">
-                                          <p:val>
-                                            <p:strVal val="#ppt_x-.2"/>
-                                          </p:val>
-                                        </p:tav>
-                                        <p:tav tm="100000">
-                                          <p:val>
-                                            <p:strVal val="#ppt_x"/>
-                                          </p:val>
-                                        </p:tav>
-                                      </p:tavLst>
-                                    </p:anim>
-                                    <p:anim calcmode="lin" valueType="num">
-                                      <p:cBhvr>
-                                        <p:cTn id="13" dur="1000" fill="hold"/>
-                                        <p:tgtEl>
-                                          <p:spTgt spid="7"/>
-                                        </p:tgtEl>
-                                        <p:attrNameLst>
-                                          <p:attrName>ppt_y</p:attrName>
-                                        </p:attrNameLst>
-                                      </p:cBhvr>
-                                      <p:tavLst>
-                                        <p:tav tm="0">
-                                          <p:val>
-                                            <p:strVal val="#ppt_y"/>
-                                          </p:val>
-                                        </p:tav>
-                                        <p:tav tm="100000">
-                                          <p:val>
-                                            <p:strVal val="#ppt_y"/>
-                                          </p:val>
-                                        </p:tav>
-                                      </p:tavLst>
-                                    </p:anim>
-                                    <p:animEffect transition="in" filter="wipe(right)" prLst="gradientSize: 0.1">
-                                      <p:cBhvr>
-                                        <p:cTn id="14" dur="1000"/>
-                                        <p:tgtEl>
-                                          <p:spTgt spid="7"/>
-                                        </p:tgtEl>
-                                      </p:cBhvr>
-                                    </p:animEffect>
-                                  </p:childTnLst>
-                                </p:cTn>
-                              </p:par>
-                              <p:par>
-                                <p:cTn id="15" presetID="10" presetClass="entr" presetSubtype="0" fill="hold" grpId="0" nodeType="withEffect" nodePh="1">
-                                  <p:stCondLst>
-                                    <p:cond delay="0"/>
-                                  </p:stCondLst>
-                                  <p:endCondLst>
-                                    <p:cond evt="begin" delay="0">
-                                      <p:tn val="15"/>
-                                    </p:cond>
-                                  </p:endCondLst>
-                                  <p:childTnLst>
-                                    <p:set>
-                                      <p:cBhvr>
-                                        <p:cTn id="16" dur="1" fill="hold">
-                                          <p:stCondLst>
-                                            <p:cond delay="0"/>
-                                          </p:stCondLst>
-                                        </p:cTn>
-                                        <p:tgtEl>
-                                          <p:spTgt spid="24"/>
-                                        </p:tgtEl>
-                                        <p:attrNameLst>
-                                          <p:attrName>style.visibility</p:attrName>
-                                        </p:attrNameLst>
-                                      </p:cBhvr>
-                                      <p:to>
-                                        <p:strVal val="visible"/>
-                                      </p:to>
-                                    </p:set>
-                                    <p:animEffect transition="in" filter="fade">
-                                      <p:cBhvr>
-                                        <p:cTn id="17" dur="2000"/>
-                                        <p:tgtEl>
-                                          <p:spTgt spid="24"/>
-                                        </p:tgtEl>
-                                      </p:cBhvr>
-                                    </p:animEffect>
-                                  </p:childTnLst>
-                                </p:cTn>
-                              </p:par>
-                              <p:par>
-                                <p:cTn id="18" presetID="10" presetClass="entr" presetSubtype="0" fill="hold" grpId="0" nodeType="withEffect" nodePh="1">
-                                  <p:stCondLst>
-                                    <p:cond delay="0"/>
-                                  </p:stCondLst>
-                                  <p:endCondLst>
-                                    <p:cond evt="begin" delay="0">
-                                      <p:tn val="18"/>
-                                    </p:cond>
-                                  </p:endCondLst>
-                                  <p:childTnLst>
-                                    <p:set>
-                                      <p:cBhvr>
-                                        <p:cTn id="19" dur="1" fill="hold">
-                                          <p:stCondLst>
-                                            <p:cond delay="0"/>
-                                          </p:stCondLst>
-                                        </p:cTn>
-                                        <p:tgtEl>
-                                          <p:spTgt spid="26"/>
-                                        </p:tgtEl>
-                                        <p:attrNameLst>
-                                          <p:attrName>style.visibility</p:attrName>
-                                        </p:attrNameLst>
-                                      </p:cBhvr>
-                                      <p:to>
-                                        <p:strVal val="visible"/>
-                                      </p:to>
-                                    </p:set>
-                                    <p:animEffect transition="in" filter="fade">
-                                      <p:cBhvr>
-                                        <p:cTn id="20" dur="2000"/>
-                                        <p:tgtEl>
-                                          <p:spTgt spid="26"/>
-                                        </p:tgtEl>
-                                      </p:cBhvr>
-                                    </p:animEffect>
-                                  </p:childTnLst>
-                                </p:cTn>
-                              </p:par>
-                              <p:par>
-                                <p:cTn id="21" presetID="10" presetClass="entr" presetSubtype="0" fill="hold" grpId="0" nodeType="withEffect" nodePh="1">
-                                  <p:stCondLst>
-                                    <p:cond delay="0"/>
-                                  </p:stCondLst>
-                                  <p:endCondLst>
-                                    <p:cond evt="begin" delay="0">
-                                      <p:tn val="21"/>
-                                    </p:cond>
-                                  </p:endCondLst>
-                                  <p:childTnLst>
-                                    <p:set>
-                                      <p:cBhvr>
-                                        <p:cTn id="22" dur="1" fill="hold">
-                                          <p:stCondLst>
-                                            <p:cond delay="0"/>
-                                          </p:stCondLst>
-                                        </p:cTn>
-                                        <p:tgtEl>
-                                          <p:spTgt spid="27"/>
-                                        </p:tgtEl>
-                                        <p:attrNameLst>
-                                          <p:attrName>style.visibility</p:attrName>
-                                        </p:attrNameLst>
-                                      </p:cBhvr>
-                                      <p:to>
-                                        <p:strVal val="visible"/>
-                                      </p:to>
-                                    </p:set>
-                                    <p:animEffect transition="in" filter="fade">
-                                      <p:cBhvr>
-                                        <p:cTn id="23" dur="2000"/>
-                                        <p:tgtEl>
-                                          <p:spTgt spid="27"/>
-                                        </p:tgtEl>
-                                      </p:cBhvr>
-                                    </p:animEffect>
-                                  </p:childTnLst>
-                                </p:cTn>
-                              </p:par>
-                              <p:par>
-                                <p:cTn id="24" presetID="10" presetClass="entr" fill="hold" nodeType="withEffect">
-                                  <p:stCondLst>
-                                    <p:cond delay="0"/>
-                                  </p:stCondLst>
-                                  <p:childTnLst>
-                                    <p:set>
-                                      <p:cBhvr>
-                                        <p:cTn id="25" dur="1" fill="hold">
-                                          <p:stCondLst>
-                                            <p:cond delay="0"/>
-                                          </p:stCondLst>
-                                        </p:cTn>
-                                        <p:tgtEl>
-                                          <p:spTgt spid="21"/>
-                                        </p:tgtEl>
-                                        <p:attrNameLst>
-                                          <p:attrName>style.visibility</p:attrName>
-                                        </p:attrNameLst>
-                                      </p:cBhvr>
-                                      <p:to>
-                                        <p:strVal val="visible"/>
-                                      </p:to>
-                                    </p:set>
-                                    <p:animEffect transition="in" filter="fade">
-                                      <p:cBhvr additive="repl">
-                                        <p:cTn id="26" dur="2000"/>
-                                        <p:tgtEl>
-                                          <p:spTgt spid="21"/>
-                                        </p:tgtEl>
-                                      </p:cBhvr>
-                                    </p:animEffect>
-                                  </p:childTnLst>
-                                </p:cTn>
-                              </p:par>
-                            </p:childTnLst>
-                          </p:cTn>
-                        </p:par>
-                      </p:childTnLst>
-                    </p:cTn>
-                  </p:par>
-                </p:childTnLst>
-              </p:cTn>
-              <p:prevCondLst>
-                <p:cond evt="onPrev" delay="0">
-                  <p:tgtEl>
-                    <p:sldTgt/>
-                  </p:tgtEl>
-                </p:cond>
-              </p:prevCondLst>
-              <p:nextCondLst>
-                <p:cond evt="onNext" delay="0">
-                  <p:tgtEl>
-                    <p:sldTgt/>
-                  </p:tgtEl>
-                </p:cond>
-              </p:nextCondLst>
-            </p:seq>
-          </p:childTnLst>
-        </p:cTn>
-      </p:par>
-    </p:tnLst>
-    <p:bldLst>
-      <p:bldP spid="7" grpId="0"/>
-      <p:bldP spid="20" grpId="0"/>
-      <p:bldP spid="24" grpId="0"/>
-      <p:bldP spid="26" grpId="0"/>
-      <p:bldP spid="27" grpId="0"/>
-    </p:bldLst>
-  </p:timing>
 </p:sld>
 </file>
 
@@ -13691,10 +9878,10 @@
       </p:sp>
       <p:pic>
         <p:nvPicPr>
-          <p:cNvPr id="3" name="Bilde 2">
+          <p:cNvPr id="2" name="Bilde 1">
             <a:extLst>
               <a:ext uri="{FF2B5EF4-FFF2-40B4-BE49-F238E27FC236}">
-                <a16:creationId xmlns:a16="http://schemas.microsoft.com/office/drawing/2014/main" id="{159D97C6-678C-4ACD-8850-AF2250CB3C6E}"/>
+                <a16:creationId xmlns:a16="http://schemas.microsoft.com/office/drawing/2014/main" id="{56D3E899-40E1-4390-85B1-25FC3ACC07AA}"/>
               </a:ext>
             </a:extLst>
           </p:cNvPr>
@@ -13711,8 +9898,8 @@
         </p:blipFill>
         <p:spPr>
           <a:xfrm>
-            <a:off x="2051720" y="119723"/>
-            <a:ext cx="5751165" cy="5743913"/>
+            <a:off x="2323985" y="1268760"/>
+            <a:ext cx="4496031" cy="4038808"/>
           </a:xfrm>
           <a:prstGeom prst="rect">
             <a:avLst/>
@@ -13729,217 +9916,6 @@
   <p:clrMapOvr>
     <a:masterClrMapping/>
   </p:clrMapOvr>
-  <p:timing>
-    <p:tnLst>
-      <p:par>
-        <p:cTn id="1" dur="indefinite" restart="never" nodeType="tmRoot">
-          <p:childTnLst>
-            <p:seq concurrent="1" nextAc="seek">
-              <p:cTn id="2" dur="indefinite" nodeType="mainSeq">
-                <p:childTnLst>
-                  <p:par>
-                    <p:cTn id="3" fill="hold" nodeType="clickPar">
-                      <p:stCondLst>
-                        <p:cond delay="indefinite"/>
-                        <p:cond evt="onBegin" delay="0">
-                          <p:tn val="2"/>
-                        </p:cond>
-                      </p:stCondLst>
-                      <p:childTnLst>
-                        <p:par>
-                          <p:cTn id="4" fill="hold" nodeType="withGroup">
-                            <p:stCondLst>
-                              <p:cond delay="0"/>
-                            </p:stCondLst>
-                            <p:childTnLst>
-                              <p:par>
-                                <p:cTn id="5" presetID="10" presetClass="entr" presetSubtype="0" fill="hold" grpId="0" nodeType="withEffect" nodePh="1">
-                                  <p:stCondLst>
-                                    <p:cond delay="0"/>
-                                  </p:stCondLst>
-                                  <p:endCondLst>
-                                    <p:cond evt="begin" delay="0">
-                                      <p:tn val="5"/>
-                                    </p:cond>
-                                  </p:endCondLst>
-                                  <p:childTnLst>
-                                    <p:set>
-                                      <p:cBhvr>
-                                        <p:cTn id="6" dur="1" fill="hold">
-                                          <p:stCondLst>
-                                            <p:cond delay="0"/>
-                                          </p:stCondLst>
-                                        </p:cTn>
-                                        <p:tgtEl>
-                                          <p:spTgt spid="24"/>
-                                        </p:tgtEl>
-                                        <p:attrNameLst>
-                                          <p:attrName>style.visibility</p:attrName>
-                                        </p:attrNameLst>
-                                      </p:cBhvr>
-                                      <p:to>
-                                        <p:strVal val="visible"/>
-                                      </p:to>
-                                    </p:set>
-                                    <p:animEffect transition="in" filter="fade">
-                                      <p:cBhvr>
-                                        <p:cTn id="7" dur="2000"/>
-                                        <p:tgtEl>
-                                          <p:spTgt spid="24"/>
-                                        </p:tgtEl>
-                                      </p:cBhvr>
-                                    </p:animEffect>
-                                  </p:childTnLst>
-                                </p:cTn>
-                              </p:par>
-                              <p:par>
-                                <p:cTn id="8" presetID="10" presetClass="entr" presetSubtype="0" fill="hold" grpId="0" nodeType="withEffect" nodePh="1">
-                                  <p:stCondLst>
-                                    <p:cond delay="0"/>
-                                  </p:stCondLst>
-                                  <p:endCondLst>
-                                    <p:cond evt="begin" delay="0">
-                                      <p:tn val="8"/>
-                                    </p:cond>
-                                  </p:endCondLst>
-                                  <p:childTnLst>
-                                    <p:set>
-                                      <p:cBhvr>
-                                        <p:cTn id="9" dur="1" fill="hold">
-                                          <p:stCondLst>
-                                            <p:cond delay="0"/>
-                                          </p:stCondLst>
-                                        </p:cTn>
-                                        <p:tgtEl>
-                                          <p:spTgt spid="26"/>
-                                        </p:tgtEl>
-                                        <p:attrNameLst>
-                                          <p:attrName>style.visibility</p:attrName>
-                                        </p:attrNameLst>
-                                      </p:cBhvr>
-                                      <p:to>
-                                        <p:strVal val="visible"/>
-                                      </p:to>
-                                    </p:set>
-                                    <p:animEffect transition="in" filter="fade">
-                                      <p:cBhvr>
-                                        <p:cTn id="10" dur="2000"/>
-                                        <p:tgtEl>
-                                          <p:spTgt spid="26"/>
-                                        </p:tgtEl>
-                                      </p:cBhvr>
-                                    </p:animEffect>
-                                  </p:childTnLst>
-                                </p:cTn>
-                              </p:par>
-                              <p:par>
-                                <p:cTn id="11" presetID="10" presetClass="entr" presetSubtype="0" fill="hold" grpId="0" nodeType="withEffect" nodePh="1">
-                                  <p:stCondLst>
-                                    <p:cond delay="0"/>
-                                  </p:stCondLst>
-                                  <p:endCondLst>
-                                    <p:cond evt="begin" delay="0">
-                                      <p:tn val="11"/>
-                                    </p:cond>
-                                  </p:endCondLst>
-                                  <p:childTnLst>
-                                    <p:set>
-                                      <p:cBhvr>
-                                        <p:cTn id="12" dur="1" fill="hold">
-                                          <p:stCondLst>
-                                            <p:cond delay="0"/>
-                                          </p:stCondLst>
-                                        </p:cTn>
-                                        <p:tgtEl>
-                                          <p:spTgt spid="27"/>
-                                        </p:tgtEl>
-                                        <p:attrNameLst>
-                                          <p:attrName>style.visibility</p:attrName>
-                                        </p:attrNameLst>
-                                      </p:cBhvr>
-                                      <p:to>
-                                        <p:strVal val="visible"/>
-                                      </p:to>
-                                    </p:set>
-                                    <p:animEffect transition="in" filter="fade">
-                                      <p:cBhvr>
-                                        <p:cTn id="13" dur="2000"/>
-                                        <p:tgtEl>
-                                          <p:spTgt spid="27"/>
-                                        </p:tgtEl>
-                                      </p:cBhvr>
-                                    </p:animEffect>
-                                  </p:childTnLst>
-                                </p:cTn>
-                              </p:par>
-                              <p:par>
-                                <p:cTn id="14" presetID="10" presetClass="entr" fill="hold" nodeType="withEffect">
-                                  <p:stCondLst>
-                                    <p:cond delay="0"/>
-                                  </p:stCondLst>
-                                  <p:childTnLst>
-                                    <p:set>
-                                      <p:cBhvr>
-                                        <p:cTn id="15" dur="1" fill="hold">
-                                          <p:stCondLst>
-                                            <p:cond delay="0"/>
-                                          </p:stCondLst>
-                                        </p:cTn>
-                                        <p:tgtEl>
-                                          <p:spTgt spid="21"/>
-                                        </p:tgtEl>
-                                        <p:attrNameLst>
-                                          <p:attrName>style.visibility</p:attrName>
-                                        </p:attrNameLst>
-                                      </p:cBhvr>
-                                      <p:to>
-                                        <p:strVal val="visible"/>
-                                      </p:to>
-                                    </p:set>
-                                    <p:animEffect transition="in" filter="fade">
-                                      <p:cBhvr additive="repl">
-                                        <p:cTn id="16" dur="2000"/>
-                                        <p:tgtEl>
-                                          <p:spTgt spid="21"/>
-                                        </p:tgtEl>
-                                      </p:cBhvr>
-                                    </p:animEffect>
-                                  </p:childTnLst>
-                                </p:cTn>
-                              </p:par>
-                            </p:childTnLst>
-                          </p:cTn>
-                        </p:par>
-                      </p:childTnLst>
-                    </p:cTn>
-                  </p:par>
-                </p:childTnLst>
-              </p:cTn>
-              <p:prevCondLst>
-                <p:cond evt="onPrev" delay="0">
-                  <p:tgtEl>
-                    <p:sldTgt/>
-                  </p:tgtEl>
-                </p:cond>
-              </p:prevCondLst>
-              <p:nextCondLst>
-                <p:cond evt="onNext" delay="0">
-                  <p:tgtEl>
-                    <p:sldTgt/>
-                  </p:tgtEl>
-                </p:cond>
-              </p:nextCondLst>
-            </p:seq>
-          </p:childTnLst>
-        </p:cTn>
-      </p:par>
-    </p:tnLst>
-    <p:bldLst>
-      <p:bldP spid="24" grpId="0"/>
-      <p:bldP spid="26" grpId="0"/>
-      <p:bldP spid="27" grpId="0"/>
-    </p:bldLst>
-  </p:timing>
 </p:sld>
 </file>
 
@@ -14941,10 +10917,10 @@
       </p:sp>
       <p:pic>
         <p:nvPicPr>
-          <p:cNvPr id="2" name="Bilde 1">
+          <p:cNvPr id="3" name="Bilde 2">
             <a:extLst>
               <a:ext uri="{FF2B5EF4-FFF2-40B4-BE49-F238E27FC236}">
-                <a16:creationId xmlns:a16="http://schemas.microsoft.com/office/drawing/2014/main" id="{C0912004-CF0D-45CE-9276-80990DE10028}"/>
+                <a16:creationId xmlns:a16="http://schemas.microsoft.com/office/drawing/2014/main" id="{D368DA2D-6986-4426-9A4E-CBEFAC54BB31}"/>
               </a:ext>
             </a:extLst>
           </p:cNvPr>
@@ -14961,8 +10937,8 @@
         </p:blipFill>
         <p:spPr>
           <a:xfrm>
-            <a:off x="1856729" y="59957"/>
-            <a:ext cx="5829721" cy="5822397"/>
+            <a:off x="2273182" y="764704"/>
+            <a:ext cx="4597636" cy="5023108"/>
           </a:xfrm>
           <a:prstGeom prst="rect">
             <a:avLst/>
@@ -14979,217 +10955,6 @@
   <p:clrMapOvr>
     <a:masterClrMapping/>
   </p:clrMapOvr>
-  <p:timing>
-    <p:tnLst>
-      <p:par>
-        <p:cTn id="1" dur="indefinite" restart="never" nodeType="tmRoot">
-          <p:childTnLst>
-            <p:seq concurrent="1" nextAc="seek">
-              <p:cTn id="2" dur="indefinite" nodeType="mainSeq">
-                <p:childTnLst>
-                  <p:par>
-                    <p:cTn id="3" fill="hold" nodeType="clickPar">
-                      <p:stCondLst>
-                        <p:cond delay="indefinite"/>
-                        <p:cond evt="onBegin" delay="0">
-                          <p:tn val="2"/>
-                        </p:cond>
-                      </p:stCondLst>
-                      <p:childTnLst>
-                        <p:par>
-                          <p:cTn id="4" fill="hold" nodeType="withGroup">
-                            <p:stCondLst>
-                              <p:cond delay="0"/>
-                            </p:stCondLst>
-                            <p:childTnLst>
-                              <p:par>
-                                <p:cTn id="5" presetID="10" presetClass="entr" presetSubtype="0" fill="hold" grpId="0" nodeType="withEffect" nodePh="1">
-                                  <p:stCondLst>
-                                    <p:cond delay="0"/>
-                                  </p:stCondLst>
-                                  <p:endCondLst>
-                                    <p:cond evt="begin" delay="0">
-                                      <p:tn val="5"/>
-                                    </p:cond>
-                                  </p:endCondLst>
-                                  <p:childTnLst>
-                                    <p:set>
-                                      <p:cBhvr>
-                                        <p:cTn id="6" dur="1" fill="hold">
-                                          <p:stCondLst>
-                                            <p:cond delay="0"/>
-                                          </p:stCondLst>
-                                        </p:cTn>
-                                        <p:tgtEl>
-                                          <p:spTgt spid="24"/>
-                                        </p:tgtEl>
-                                        <p:attrNameLst>
-                                          <p:attrName>style.visibility</p:attrName>
-                                        </p:attrNameLst>
-                                      </p:cBhvr>
-                                      <p:to>
-                                        <p:strVal val="visible"/>
-                                      </p:to>
-                                    </p:set>
-                                    <p:animEffect transition="in" filter="fade">
-                                      <p:cBhvr>
-                                        <p:cTn id="7" dur="2000"/>
-                                        <p:tgtEl>
-                                          <p:spTgt spid="24"/>
-                                        </p:tgtEl>
-                                      </p:cBhvr>
-                                    </p:animEffect>
-                                  </p:childTnLst>
-                                </p:cTn>
-                              </p:par>
-                              <p:par>
-                                <p:cTn id="8" presetID="10" presetClass="entr" presetSubtype="0" fill="hold" grpId="0" nodeType="withEffect" nodePh="1">
-                                  <p:stCondLst>
-                                    <p:cond delay="0"/>
-                                  </p:stCondLst>
-                                  <p:endCondLst>
-                                    <p:cond evt="begin" delay="0">
-                                      <p:tn val="8"/>
-                                    </p:cond>
-                                  </p:endCondLst>
-                                  <p:childTnLst>
-                                    <p:set>
-                                      <p:cBhvr>
-                                        <p:cTn id="9" dur="1" fill="hold">
-                                          <p:stCondLst>
-                                            <p:cond delay="0"/>
-                                          </p:stCondLst>
-                                        </p:cTn>
-                                        <p:tgtEl>
-                                          <p:spTgt spid="26"/>
-                                        </p:tgtEl>
-                                        <p:attrNameLst>
-                                          <p:attrName>style.visibility</p:attrName>
-                                        </p:attrNameLst>
-                                      </p:cBhvr>
-                                      <p:to>
-                                        <p:strVal val="visible"/>
-                                      </p:to>
-                                    </p:set>
-                                    <p:animEffect transition="in" filter="fade">
-                                      <p:cBhvr>
-                                        <p:cTn id="10" dur="2000"/>
-                                        <p:tgtEl>
-                                          <p:spTgt spid="26"/>
-                                        </p:tgtEl>
-                                      </p:cBhvr>
-                                    </p:animEffect>
-                                  </p:childTnLst>
-                                </p:cTn>
-                              </p:par>
-                              <p:par>
-                                <p:cTn id="11" presetID="10" presetClass="entr" presetSubtype="0" fill="hold" grpId="0" nodeType="withEffect" nodePh="1">
-                                  <p:stCondLst>
-                                    <p:cond delay="0"/>
-                                  </p:stCondLst>
-                                  <p:endCondLst>
-                                    <p:cond evt="begin" delay="0">
-                                      <p:tn val="11"/>
-                                    </p:cond>
-                                  </p:endCondLst>
-                                  <p:childTnLst>
-                                    <p:set>
-                                      <p:cBhvr>
-                                        <p:cTn id="12" dur="1" fill="hold">
-                                          <p:stCondLst>
-                                            <p:cond delay="0"/>
-                                          </p:stCondLst>
-                                        </p:cTn>
-                                        <p:tgtEl>
-                                          <p:spTgt spid="27"/>
-                                        </p:tgtEl>
-                                        <p:attrNameLst>
-                                          <p:attrName>style.visibility</p:attrName>
-                                        </p:attrNameLst>
-                                      </p:cBhvr>
-                                      <p:to>
-                                        <p:strVal val="visible"/>
-                                      </p:to>
-                                    </p:set>
-                                    <p:animEffect transition="in" filter="fade">
-                                      <p:cBhvr>
-                                        <p:cTn id="13" dur="2000"/>
-                                        <p:tgtEl>
-                                          <p:spTgt spid="27"/>
-                                        </p:tgtEl>
-                                      </p:cBhvr>
-                                    </p:animEffect>
-                                  </p:childTnLst>
-                                </p:cTn>
-                              </p:par>
-                              <p:par>
-                                <p:cTn id="14" presetID="10" presetClass="entr" fill="hold" nodeType="withEffect">
-                                  <p:stCondLst>
-                                    <p:cond delay="0"/>
-                                  </p:stCondLst>
-                                  <p:childTnLst>
-                                    <p:set>
-                                      <p:cBhvr>
-                                        <p:cTn id="15" dur="1" fill="hold">
-                                          <p:stCondLst>
-                                            <p:cond delay="0"/>
-                                          </p:stCondLst>
-                                        </p:cTn>
-                                        <p:tgtEl>
-                                          <p:spTgt spid="21"/>
-                                        </p:tgtEl>
-                                        <p:attrNameLst>
-                                          <p:attrName>style.visibility</p:attrName>
-                                        </p:attrNameLst>
-                                      </p:cBhvr>
-                                      <p:to>
-                                        <p:strVal val="visible"/>
-                                      </p:to>
-                                    </p:set>
-                                    <p:animEffect transition="in" filter="fade">
-                                      <p:cBhvr additive="repl">
-                                        <p:cTn id="16" dur="2000"/>
-                                        <p:tgtEl>
-                                          <p:spTgt spid="21"/>
-                                        </p:tgtEl>
-                                      </p:cBhvr>
-                                    </p:animEffect>
-                                  </p:childTnLst>
-                                </p:cTn>
-                              </p:par>
-                            </p:childTnLst>
-                          </p:cTn>
-                        </p:par>
-                      </p:childTnLst>
-                    </p:cTn>
-                  </p:par>
-                </p:childTnLst>
-              </p:cTn>
-              <p:prevCondLst>
-                <p:cond evt="onPrev" delay="0">
-                  <p:tgtEl>
-                    <p:sldTgt/>
-                  </p:tgtEl>
-                </p:cond>
-              </p:prevCondLst>
-              <p:nextCondLst>
-                <p:cond evt="onNext" delay="0">
-                  <p:tgtEl>
-                    <p:sldTgt/>
-                  </p:tgtEl>
-                </p:cond>
-              </p:nextCondLst>
-            </p:seq>
-          </p:childTnLst>
-        </p:cTn>
-      </p:par>
-    </p:tnLst>
-    <p:bldLst>
-      <p:bldP spid="24" grpId="0"/>
-      <p:bldP spid="26" grpId="0"/>
-      <p:bldP spid="27" grpId="0"/>
-    </p:bldLst>
-  </p:timing>
 </p:sld>
 </file>
 
@@ -16230,217 +11995,6 @@
   <p:clrMapOvr>
     <a:masterClrMapping/>
   </p:clrMapOvr>
-  <p:timing>
-    <p:tnLst>
-      <p:par>
-        <p:cTn id="1" dur="indefinite" restart="never" nodeType="tmRoot">
-          <p:childTnLst>
-            <p:seq concurrent="1" nextAc="seek">
-              <p:cTn id="2" dur="indefinite" nodeType="mainSeq">
-                <p:childTnLst>
-                  <p:par>
-                    <p:cTn id="3" fill="hold" nodeType="clickPar">
-                      <p:stCondLst>
-                        <p:cond delay="indefinite"/>
-                        <p:cond evt="onBegin" delay="0">
-                          <p:tn val="2"/>
-                        </p:cond>
-                      </p:stCondLst>
-                      <p:childTnLst>
-                        <p:par>
-                          <p:cTn id="4" fill="hold" nodeType="withGroup">
-                            <p:stCondLst>
-                              <p:cond delay="0"/>
-                            </p:stCondLst>
-                            <p:childTnLst>
-                              <p:par>
-                                <p:cTn id="5" presetID="10" presetClass="entr" presetSubtype="0" fill="hold" grpId="0" nodeType="withEffect" nodePh="1">
-                                  <p:stCondLst>
-                                    <p:cond delay="0"/>
-                                  </p:stCondLst>
-                                  <p:endCondLst>
-                                    <p:cond evt="begin" delay="0">
-                                      <p:tn val="5"/>
-                                    </p:cond>
-                                  </p:endCondLst>
-                                  <p:childTnLst>
-                                    <p:set>
-                                      <p:cBhvr>
-                                        <p:cTn id="6" dur="1" fill="hold">
-                                          <p:stCondLst>
-                                            <p:cond delay="0"/>
-                                          </p:stCondLst>
-                                        </p:cTn>
-                                        <p:tgtEl>
-                                          <p:spTgt spid="24"/>
-                                        </p:tgtEl>
-                                        <p:attrNameLst>
-                                          <p:attrName>style.visibility</p:attrName>
-                                        </p:attrNameLst>
-                                      </p:cBhvr>
-                                      <p:to>
-                                        <p:strVal val="visible"/>
-                                      </p:to>
-                                    </p:set>
-                                    <p:animEffect transition="in" filter="fade">
-                                      <p:cBhvr>
-                                        <p:cTn id="7" dur="2000"/>
-                                        <p:tgtEl>
-                                          <p:spTgt spid="24"/>
-                                        </p:tgtEl>
-                                      </p:cBhvr>
-                                    </p:animEffect>
-                                  </p:childTnLst>
-                                </p:cTn>
-                              </p:par>
-                              <p:par>
-                                <p:cTn id="8" presetID="10" presetClass="entr" presetSubtype="0" fill="hold" grpId="0" nodeType="withEffect" nodePh="1">
-                                  <p:stCondLst>
-                                    <p:cond delay="0"/>
-                                  </p:stCondLst>
-                                  <p:endCondLst>
-                                    <p:cond evt="begin" delay="0">
-                                      <p:tn val="8"/>
-                                    </p:cond>
-                                  </p:endCondLst>
-                                  <p:childTnLst>
-                                    <p:set>
-                                      <p:cBhvr>
-                                        <p:cTn id="9" dur="1" fill="hold">
-                                          <p:stCondLst>
-                                            <p:cond delay="0"/>
-                                          </p:stCondLst>
-                                        </p:cTn>
-                                        <p:tgtEl>
-                                          <p:spTgt spid="26"/>
-                                        </p:tgtEl>
-                                        <p:attrNameLst>
-                                          <p:attrName>style.visibility</p:attrName>
-                                        </p:attrNameLst>
-                                      </p:cBhvr>
-                                      <p:to>
-                                        <p:strVal val="visible"/>
-                                      </p:to>
-                                    </p:set>
-                                    <p:animEffect transition="in" filter="fade">
-                                      <p:cBhvr>
-                                        <p:cTn id="10" dur="2000"/>
-                                        <p:tgtEl>
-                                          <p:spTgt spid="26"/>
-                                        </p:tgtEl>
-                                      </p:cBhvr>
-                                    </p:animEffect>
-                                  </p:childTnLst>
-                                </p:cTn>
-                              </p:par>
-                              <p:par>
-                                <p:cTn id="11" presetID="10" presetClass="entr" presetSubtype="0" fill="hold" grpId="0" nodeType="withEffect" nodePh="1">
-                                  <p:stCondLst>
-                                    <p:cond delay="0"/>
-                                  </p:stCondLst>
-                                  <p:endCondLst>
-                                    <p:cond evt="begin" delay="0">
-                                      <p:tn val="11"/>
-                                    </p:cond>
-                                  </p:endCondLst>
-                                  <p:childTnLst>
-                                    <p:set>
-                                      <p:cBhvr>
-                                        <p:cTn id="12" dur="1" fill="hold">
-                                          <p:stCondLst>
-                                            <p:cond delay="0"/>
-                                          </p:stCondLst>
-                                        </p:cTn>
-                                        <p:tgtEl>
-                                          <p:spTgt spid="27"/>
-                                        </p:tgtEl>
-                                        <p:attrNameLst>
-                                          <p:attrName>style.visibility</p:attrName>
-                                        </p:attrNameLst>
-                                      </p:cBhvr>
-                                      <p:to>
-                                        <p:strVal val="visible"/>
-                                      </p:to>
-                                    </p:set>
-                                    <p:animEffect transition="in" filter="fade">
-                                      <p:cBhvr>
-                                        <p:cTn id="13" dur="2000"/>
-                                        <p:tgtEl>
-                                          <p:spTgt spid="27"/>
-                                        </p:tgtEl>
-                                      </p:cBhvr>
-                                    </p:animEffect>
-                                  </p:childTnLst>
-                                </p:cTn>
-                              </p:par>
-                              <p:par>
-                                <p:cTn id="14" presetID="10" presetClass="entr" fill="hold" nodeType="withEffect">
-                                  <p:stCondLst>
-                                    <p:cond delay="0"/>
-                                  </p:stCondLst>
-                                  <p:childTnLst>
-                                    <p:set>
-                                      <p:cBhvr>
-                                        <p:cTn id="15" dur="1" fill="hold">
-                                          <p:stCondLst>
-                                            <p:cond delay="0"/>
-                                          </p:stCondLst>
-                                        </p:cTn>
-                                        <p:tgtEl>
-                                          <p:spTgt spid="21"/>
-                                        </p:tgtEl>
-                                        <p:attrNameLst>
-                                          <p:attrName>style.visibility</p:attrName>
-                                        </p:attrNameLst>
-                                      </p:cBhvr>
-                                      <p:to>
-                                        <p:strVal val="visible"/>
-                                      </p:to>
-                                    </p:set>
-                                    <p:animEffect transition="in" filter="fade">
-                                      <p:cBhvr additive="repl">
-                                        <p:cTn id="16" dur="2000"/>
-                                        <p:tgtEl>
-                                          <p:spTgt spid="21"/>
-                                        </p:tgtEl>
-                                      </p:cBhvr>
-                                    </p:animEffect>
-                                  </p:childTnLst>
-                                </p:cTn>
-                              </p:par>
-                            </p:childTnLst>
-                          </p:cTn>
-                        </p:par>
-                      </p:childTnLst>
-                    </p:cTn>
-                  </p:par>
-                </p:childTnLst>
-              </p:cTn>
-              <p:prevCondLst>
-                <p:cond evt="onPrev" delay="0">
-                  <p:tgtEl>
-                    <p:sldTgt/>
-                  </p:tgtEl>
-                </p:cond>
-              </p:prevCondLst>
-              <p:nextCondLst>
-                <p:cond evt="onNext" delay="0">
-                  <p:tgtEl>
-                    <p:sldTgt/>
-                  </p:tgtEl>
-                </p:cond>
-              </p:nextCondLst>
-            </p:seq>
-          </p:childTnLst>
-        </p:cTn>
-      </p:par>
-    </p:tnLst>
-    <p:bldLst>
-      <p:bldP spid="24" grpId="0"/>
-      <p:bldP spid="26" grpId="0"/>
-      <p:bldP spid="27" grpId="0"/>
-    </p:bldLst>
-  </p:timing>
 </p:sld>
 </file>
 
@@ -16596,95 +12150,6 @@
           </a:p>
         </p:txBody>
       </p:sp>
-      <p:grpSp>
-        <p:nvGrpSpPr>
-          <p:cNvPr id="14340" name="13 Grupo"/>
-          <p:cNvGrpSpPr>
-            <a:grpSpLocks/>
-          </p:cNvGrpSpPr>
-          <p:nvPr/>
-        </p:nvGrpSpPr>
-        <p:grpSpPr bwMode="auto">
-          <a:xfrm>
-            <a:off x="4618038" y="2276475"/>
-            <a:ext cx="6350" cy="3017838"/>
-            <a:chOff x="4276603" y="1491264"/>
-            <a:chExt cx="319" cy="3377896"/>
-          </a:xfrm>
-        </p:grpSpPr>
-        <p:cxnSp>
-          <p:nvCxnSpPr>
-            <p:cNvPr id="10" name="9 Conector recto"/>
-            <p:cNvCxnSpPr/>
-            <p:nvPr/>
-          </p:nvCxnSpPr>
-          <p:spPr>
-            <a:xfrm>
-              <a:off x="4276603" y="1491264"/>
-              <a:ext cx="0" cy="3377896"/>
-            </a:xfrm>
-            <a:prstGeom prst="line">
-              <a:avLst/>
-            </a:prstGeom>
-            <a:ln>
-              <a:solidFill>
-                <a:schemeClr val="bg1">
-                  <a:lumMod val="85000"/>
-                </a:schemeClr>
-              </a:solidFill>
-            </a:ln>
-          </p:spPr>
-          <p:style>
-            <a:lnRef idx="1">
-              <a:schemeClr val="dk1"/>
-            </a:lnRef>
-            <a:fillRef idx="0">
-              <a:schemeClr val="dk1"/>
-            </a:fillRef>
-            <a:effectRef idx="0">
-              <a:schemeClr val="dk1"/>
-            </a:effectRef>
-            <a:fontRef idx="minor">
-              <a:schemeClr val="tx1"/>
-            </a:fontRef>
-          </p:style>
-        </p:cxnSp>
-        <p:cxnSp>
-          <p:nvCxnSpPr>
-            <p:cNvPr id="11" name="10 Conector recto"/>
-            <p:cNvCxnSpPr/>
-            <p:nvPr/>
-          </p:nvCxnSpPr>
-          <p:spPr>
-            <a:xfrm>
-              <a:off x="4276922" y="1491264"/>
-              <a:ext cx="0" cy="3377896"/>
-            </a:xfrm>
-            <a:prstGeom prst="line">
-              <a:avLst/>
-            </a:prstGeom>
-            <a:ln>
-              <a:solidFill>
-                <a:schemeClr val="bg1"/>
-              </a:solidFill>
-            </a:ln>
-          </p:spPr>
-          <p:style>
-            <a:lnRef idx="1">
-              <a:schemeClr val="dk1"/>
-            </a:lnRef>
-            <a:fillRef idx="0">
-              <a:schemeClr val="dk1"/>
-            </a:fillRef>
-            <a:effectRef idx="0">
-              <a:schemeClr val="dk1"/>
-            </a:effectRef>
-            <a:fontRef idx="minor">
-              <a:schemeClr val="tx1"/>
-            </a:fontRef>
-          </p:style>
-        </p:cxnSp>
-      </p:grpSp>
       <p:sp>
         <p:nvSpPr>
           <p:cNvPr id="20" name="1 Título"/>
@@ -17507,9 +12972,6 @@
           <a:lstStyle/>
           <a:p>
             <a:pPr marL="216000" indent="-216000" algn="just">
-              <a:lnSpc>
-                <a:spcPct val="100000"/>
-              </a:lnSpc>
               <a:buClr>
                 <a:srgbClr val="808080"/>
               </a:buClr>
@@ -17518,7 +12980,7 @@
               <a:buChar char=""/>
             </a:pPr>
             <a:r>
-              <a:rPr lang="en-US" sz="2400" b="0" strike="noStrike" spc="-1" dirty="0">
+              <a:rPr lang="en-US" sz="2400" spc="-1" dirty="0">
                 <a:solidFill>
                   <a:srgbClr val="808080"/>
                 </a:solidFill>
@@ -17527,10 +12989,20 @@
                     <a:srgbClr val="FFFFFF"/>
                   </a:solidFill>
                 </a:uFill>
-                <a:latin typeface="Calibri"/>
               </a:rPr>
-              <a:t>Gitlab</a:t>
+              <a:t>Scrum</a:t>
             </a:r>
+            <a:endParaRPr lang="en-US" sz="2400" b="0" strike="noStrike" spc="-1" dirty="0">
+              <a:solidFill>
+                <a:srgbClr val="808080"/>
+              </a:solidFill>
+              <a:uFill>
+                <a:solidFill>
+                  <a:srgbClr val="FFFFFF"/>
+                </a:solidFill>
+              </a:uFill>
+              <a:latin typeface="Calibri"/>
+            </a:endParaRPr>
           </a:p>
           <a:p>
             <a:pPr marL="216000" indent="-216000" algn="just">
@@ -17556,7 +13028,34 @@
                 </a:uFill>
                 <a:latin typeface="Calibri"/>
               </a:rPr>
-              <a:t>SCRUM</a:t>
+              <a:t>Gitlab</a:t>
+            </a:r>
+          </a:p>
+          <a:p>
+            <a:pPr marL="216000" indent="-216000" algn="just">
+              <a:lnSpc>
+                <a:spcPct val="100000"/>
+              </a:lnSpc>
+              <a:buClr>
+                <a:srgbClr val="808080"/>
+              </a:buClr>
+              <a:buSzPct val="45000"/>
+              <a:buFont typeface="Wingdings" charset="2"/>
+              <a:buChar char=""/>
+            </a:pPr>
+            <a:r>
+              <a:rPr lang="en-US" sz="2400" b="0" strike="noStrike" spc="-1" dirty="0">
+                <a:solidFill>
+                  <a:srgbClr val="808080"/>
+                </a:solidFill>
+                <a:uFill>
+                  <a:solidFill>
+                    <a:srgbClr val="FFFFFF"/>
+                  </a:solidFill>
+                </a:uFill>
+                <a:latin typeface="Calibri"/>
+              </a:rPr>
+              <a:t>Maven</a:t>
             </a:r>
           </a:p>
           <a:p>
@@ -17583,61 +13082,7 @@
                 </a:uFill>
                 <a:latin typeface="Calibri"/>
               </a:rPr>
-              <a:t>LIBGDX</a:t>
-            </a:r>
-          </a:p>
-          <a:p>
-            <a:pPr marL="216000" indent="-216000" algn="just">
-              <a:lnSpc>
-                <a:spcPct val="100000"/>
-              </a:lnSpc>
-              <a:buClr>
-                <a:srgbClr val="808080"/>
-              </a:buClr>
-              <a:buSzPct val="45000"/>
-              <a:buFont typeface="Wingdings" charset="2"/>
-              <a:buChar char=""/>
-            </a:pPr>
-            <a:r>
-              <a:rPr lang="en-US" sz="2400" b="0" strike="noStrike" spc="-1" dirty="0">
-                <a:solidFill>
-                  <a:srgbClr val="808080"/>
-                </a:solidFill>
-                <a:uFill>
-                  <a:solidFill>
-                    <a:srgbClr val="FFFFFF"/>
-                  </a:solidFill>
-                </a:uFill>
-                <a:latin typeface="Calibri"/>
-              </a:rPr>
-              <a:t>Maven</a:t>
-            </a:r>
-          </a:p>
-          <a:p>
-            <a:pPr marL="216000" indent="-216000" algn="just">
-              <a:lnSpc>
-                <a:spcPct val="100000"/>
-              </a:lnSpc>
-              <a:buClr>
-                <a:srgbClr val="808080"/>
-              </a:buClr>
-              <a:buSzPct val="45000"/>
-              <a:buFont typeface="Wingdings" charset="2"/>
-              <a:buChar char=""/>
-            </a:pPr>
-            <a:r>
-              <a:rPr lang="en-US" sz="2400" spc="-1" dirty="0">
-                <a:solidFill>
-                  <a:srgbClr val="808080"/>
-                </a:solidFill>
-                <a:uFill>
-                  <a:solidFill>
-                    <a:srgbClr val="FFFFFF"/>
-                  </a:solidFill>
-                </a:uFill>
-                <a:latin typeface="Calibri"/>
-              </a:rPr>
-              <a:t>Junit</a:t>
+              <a:t>JUnit</a:t>
             </a:r>
           </a:p>
           <a:p>
@@ -17666,6 +13111,67 @@
               </a:rPr>
               <a:t>JavaDoc</a:t>
             </a:r>
+            <a:endParaRPr lang="en-US" sz="2400" b="0" strike="noStrike" spc="-1" dirty="0">
+              <a:solidFill>
+                <a:srgbClr val="808080"/>
+              </a:solidFill>
+              <a:uFill>
+                <a:solidFill>
+                  <a:srgbClr val="FFFFFF"/>
+                </a:solidFill>
+              </a:uFill>
+              <a:latin typeface="Calibri"/>
+            </a:endParaRPr>
+          </a:p>
+          <a:p>
+            <a:pPr marL="216000" indent="-216000" algn="just">
+              <a:lnSpc>
+                <a:spcPct val="100000"/>
+              </a:lnSpc>
+              <a:buClr>
+                <a:srgbClr val="808080"/>
+              </a:buClr>
+              <a:buSzPct val="45000"/>
+              <a:buFont typeface="Wingdings" charset="2"/>
+              <a:buChar char=""/>
+            </a:pPr>
+            <a:r>
+              <a:rPr lang="en-US" sz="2400" spc="-1" dirty="0" err="1">
+                <a:solidFill>
+                  <a:srgbClr val="808080"/>
+                </a:solidFill>
+                <a:uFill>
+                  <a:solidFill>
+                    <a:srgbClr val="FFFFFF"/>
+                  </a:solidFill>
+                </a:uFill>
+              </a:rPr>
+              <a:t>LibGDX</a:t>
+            </a:r>
+            <a:endParaRPr lang="en-US" sz="2400" b="0" strike="noStrike" spc="-1" dirty="0">
+              <a:solidFill>
+                <a:srgbClr val="808080"/>
+              </a:solidFill>
+              <a:uFill>
+                <a:solidFill>
+                  <a:srgbClr val="FFFFFF"/>
+                </a:solidFill>
+              </a:uFill>
+              <a:latin typeface="Calibri"/>
+            </a:endParaRPr>
+          </a:p>
+          <a:p>
+            <a:pPr marL="216000" indent="-216000" algn="just">
+              <a:lnSpc>
+                <a:spcPct val="100000"/>
+              </a:lnSpc>
+              <a:buClr>
+                <a:srgbClr val="808080"/>
+              </a:buClr>
+              <a:buSzPct val="45000"/>
+              <a:buFont typeface="Wingdings" charset="2"/>
+              <a:buChar char=""/>
+            </a:pPr>
             <a:endParaRPr lang="en-US" sz="3200" b="0" strike="noStrike" spc="-1" dirty="0">
               <a:solidFill>
                 <a:srgbClr val="000000"/>
@@ -17690,335 +13196,6 @@
   <p:clrMapOvr>
     <a:masterClrMapping/>
   </p:clrMapOvr>
-  <p:timing>
-    <p:tnLst>
-      <p:par>
-        <p:cTn id="1" dur="indefinite" restart="never" nodeType="tmRoot">
-          <p:childTnLst>
-            <p:seq concurrent="1" nextAc="seek">
-              <p:cTn id="2" dur="indefinite" nodeType="mainSeq">
-                <p:childTnLst>
-                  <p:par>
-                    <p:cTn id="3" fill="hold" nodeType="clickPar">
-                      <p:stCondLst>
-                        <p:cond delay="indefinite"/>
-                        <p:cond evt="onBegin" delay="0">
-                          <p:tn val="2"/>
-                        </p:cond>
-                      </p:stCondLst>
-                      <p:childTnLst>
-                        <p:par>
-                          <p:cTn id="4" fill="hold" nodeType="withGroup">
-                            <p:stCondLst>
-                              <p:cond delay="0"/>
-                            </p:stCondLst>
-                            <p:childTnLst>
-                              <p:par>
-                                <p:cTn id="5" presetID="29" presetClass="entr" presetSubtype="0" fill="hold" grpId="0" nodeType="withEffect">
-                                  <p:stCondLst>
-                                    <p:cond delay="0"/>
-                                  </p:stCondLst>
-                                  <p:childTnLst>
-                                    <p:set>
-                                      <p:cBhvr>
-                                        <p:cTn id="6" dur="1" fill="hold">
-                                          <p:stCondLst>
-                                            <p:cond delay="0"/>
-                                          </p:stCondLst>
-                                        </p:cTn>
-                                        <p:tgtEl>
-                                          <p:spTgt spid="20"/>
-                                        </p:tgtEl>
-                                        <p:attrNameLst>
-                                          <p:attrName>style.visibility</p:attrName>
-                                        </p:attrNameLst>
-                                      </p:cBhvr>
-                                      <p:to>
-                                        <p:strVal val="visible"/>
-                                      </p:to>
-                                    </p:set>
-                                    <p:anim calcmode="lin" valueType="num">
-                                      <p:cBhvr>
-                                        <p:cTn id="7" dur="1000" fill="hold"/>
-                                        <p:tgtEl>
-                                          <p:spTgt spid="20"/>
-                                        </p:tgtEl>
-                                        <p:attrNameLst>
-                                          <p:attrName>ppt_x</p:attrName>
-                                        </p:attrNameLst>
-                                      </p:cBhvr>
-                                      <p:tavLst>
-                                        <p:tav tm="0">
-                                          <p:val>
-                                            <p:strVal val="#ppt_x-.2"/>
-                                          </p:val>
-                                        </p:tav>
-                                        <p:tav tm="100000">
-                                          <p:val>
-                                            <p:strVal val="#ppt_x"/>
-                                          </p:val>
-                                        </p:tav>
-                                      </p:tavLst>
-                                    </p:anim>
-                                    <p:anim calcmode="lin" valueType="num">
-                                      <p:cBhvr>
-                                        <p:cTn id="8" dur="1000" fill="hold"/>
-                                        <p:tgtEl>
-                                          <p:spTgt spid="20"/>
-                                        </p:tgtEl>
-                                        <p:attrNameLst>
-                                          <p:attrName>ppt_y</p:attrName>
-                                        </p:attrNameLst>
-                                      </p:cBhvr>
-                                      <p:tavLst>
-                                        <p:tav tm="0">
-                                          <p:val>
-                                            <p:strVal val="#ppt_y"/>
-                                          </p:val>
-                                        </p:tav>
-                                        <p:tav tm="100000">
-                                          <p:val>
-                                            <p:strVal val="#ppt_y"/>
-                                          </p:val>
-                                        </p:tav>
-                                      </p:tavLst>
-                                    </p:anim>
-                                    <p:animEffect transition="in" filter="wipe(right)" prLst="gradientSize: 0.1">
-                                      <p:cBhvr>
-                                        <p:cTn id="9" dur="1000"/>
-                                        <p:tgtEl>
-                                          <p:spTgt spid="20"/>
-                                        </p:tgtEl>
-                                      </p:cBhvr>
-                                    </p:animEffect>
-                                  </p:childTnLst>
-                                </p:cTn>
-                              </p:par>
-                              <p:par>
-                                <p:cTn id="10" presetID="29" presetClass="entr" presetSubtype="0" fill="hold" grpId="0" nodeType="withEffect">
-                                  <p:stCondLst>
-                                    <p:cond delay="0"/>
-                                  </p:stCondLst>
-                                  <p:childTnLst>
-                                    <p:set>
-                                      <p:cBhvr>
-                                        <p:cTn id="11" dur="1" fill="hold">
-                                          <p:stCondLst>
-                                            <p:cond delay="0"/>
-                                          </p:stCondLst>
-                                        </p:cTn>
-                                        <p:tgtEl>
-                                          <p:spTgt spid="7"/>
-                                        </p:tgtEl>
-                                        <p:attrNameLst>
-                                          <p:attrName>style.visibility</p:attrName>
-                                        </p:attrNameLst>
-                                      </p:cBhvr>
-                                      <p:to>
-                                        <p:strVal val="visible"/>
-                                      </p:to>
-                                    </p:set>
-                                    <p:anim calcmode="lin" valueType="num">
-                                      <p:cBhvr>
-                                        <p:cTn id="12" dur="1000" fill="hold"/>
-                                        <p:tgtEl>
-                                          <p:spTgt spid="7"/>
-                                        </p:tgtEl>
-                                        <p:attrNameLst>
-                                          <p:attrName>ppt_x</p:attrName>
-                                        </p:attrNameLst>
-                                      </p:cBhvr>
-                                      <p:tavLst>
-                                        <p:tav tm="0">
-                                          <p:val>
-                                            <p:strVal val="#ppt_x-.2"/>
-                                          </p:val>
-                                        </p:tav>
-                                        <p:tav tm="100000">
-                                          <p:val>
-                                            <p:strVal val="#ppt_x"/>
-                                          </p:val>
-                                        </p:tav>
-                                      </p:tavLst>
-                                    </p:anim>
-                                    <p:anim calcmode="lin" valueType="num">
-                                      <p:cBhvr>
-                                        <p:cTn id="13" dur="1000" fill="hold"/>
-                                        <p:tgtEl>
-                                          <p:spTgt spid="7"/>
-                                        </p:tgtEl>
-                                        <p:attrNameLst>
-                                          <p:attrName>ppt_y</p:attrName>
-                                        </p:attrNameLst>
-                                      </p:cBhvr>
-                                      <p:tavLst>
-                                        <p:tav tm="0">
-                                          <p:val>
-                                            <p:strVal val="#ppt_y"/>
-                                          </p:val>
-                                        </p:tav>
-                                        <p:tav tm="100000">
-                                          <p:val>
-                                            <p:strVal val="#ppt_y"/>
-                                          </p:val>
-                                        </p:tav>
-                                      </p:tavLst>
-                                    </p:anim>
-                                    <p:animEffect transition="in" filter="wipe(right)" prLst="gradientSize: 0.1">
-                                      <p:cBhvr>
-                                        <p:cTn id="14" dur="1000"/>
-                                        <p:tgtEl>
-                                          <p:spTgt spid="7"/>
-                                        </p:tgtEl>
-                                      </p:cBhvr>
-                                    </p:animEffect>
-                                  </p:childTnLst>
-                                </p:cTn>
-                              </p:par>
-                              <p:par>
-                                <p:cTn id="15" presetID="10" presetClass="entr" presetSubtype="0" fill="hold" grpId="0" nodeType="withEffect">
-                                  <p:stCondLst>
-                                    <p:cond delay="0"/>
-                                  </p:stCondLst>
-                                  <p:childTnLst>
-                                    <p:set>
-                                      <p:cBhvr>
-                                        <p:cTn id="16" dur="1" fill="hold">
-                                          <p:stCondLst>
-                                            <p:cond delay="0"/>
-                                          </p:stCondLst>
-                                        </p:cTn>
-                                        <p:tgtEl>
-                                          <p:spTgt spid="24"/>
-                                        </p:tgtEl>
-                                        <p:attrNameLst>
-                                          <p:attrName>style.visibility</p:attrName>
-                                        </p:attrNameLst>
-                                      </p:cBhvr>
-                                      <p:to>
-                                        <p:strVal val="visible"/>
-                                      </p:to>
-                                    </p:set>
-                                    <p:animEffect transition="in" filter="fade">
-                                      <p:cBhvr>
-                                        <p:cTn id="17" dur="2000"/>
-                                        <p:tgtEl>
-                                          <p:spTgt spid="24"/>
-                                        </p:tgtEl>
-                                      </p:cBhvr>
-                                    </p:animEffect>
-                                  </p:childTnLst>
-                                </p:cTn>
-                              </p:par>
-                              <p:par>
-                                <p:cTn id="18" presetID="10" presetClass="entr" presetSubtype="0" fill="hold" grpId="0" nodeType="withEffect" nodePh="1">
-                                  <p:stCondLst>
-                                    <p:cond delay="0"/>
-                                  </p:stCondLst>
-                                  <p:endCondLst>
-                                    <p:cond evt="begin" delay="0">
-                                      <p:tn val="18"/>
-                                    </p:cond>
-                                  </p:endCondLst>
-                                  <p:childTnLst>
-                                    <p:set>
-                                      <p:cBhvr>
-                                        <p:cTn id="19" dur="1" fill="hold">
-                                          <p:stCondLst>
-                                            <p:cond delay="0"/>
-                                          </p:stCondLst>
-                                        </p:cTn>
-                                        <p:tgtEl>
-                                          <p:spTgt spid="26"/>
-                                        </p:tgtEl>
-                                        <p:attrNameLst>
-                                          <p:attrName>style.visibility</p:attrName>
-                                        </p:attrNameLst>
-                                      </p:cBhvr>
-                                      <p:to>
-                                        <p:strVal val="visible"/>
-                                      </p:to>
-                                    </p:set>
-                                    <p:animEffect transition="in" filter="fade">
-                                      <p:cBhvr>
-                                        <p:cTn id="20" dur="2000"/>
-                                        <p:tgtEl>
-                                          <p:spTgt spid="26"/>
-                                        </p:tgtEl>
-                                      </p:cBhvr>
-                                    </p:animEffect>
-                                  </p:childTnLst>
-                                </p:cTn>
-                              </p:par>
-                              <p:par>
-                                <p:cTn id="21" presetID="10" presetClass="entr" fill="hold" nodeType="withEffect">
-                                  <p:stCondLst>
-                                    <p:cond delay="0"/>
-                                  </p:stCondLst>
-                                  <p:childTnLst>
-                                    <p:set>
-                                      <p:cBhvr>
-                                        <p:cTn id="22" dur="1" fill="hold">
-                                          <p:stCondLst>
-                                            <p:cond delay="0"/>
-                                          </p:stCondLst>
-                                        </p:cTn>
-                                        <p:tgtEl>
-                                          <p:spTgt spid="21"/>
-                                        </p:tgtEl>
-                                        <p:attrNameLst>
-                                          <p:attrName>style.visibility</p:attrName>
-                                        </p:attrNameLst>
-                                      </p:cBhvr>
-                                      <p:to>
-                                        <p:strVal val="visible"/>
-                                      </p:to>
-                                    </p:set>
-                                    <p:animEffect transition="in" filter="fade">
-                                      <p:cBhvr additive="repl">
-                                        <p:cTn id="23" dur="2000"/>
-                                        <p:tgtEl>
-                                          <p:spTgt spid="21"/>
-                                        </p:tgtEl>
-                                      </p:cBhvr>
-                                    </p:animEffect>
-                                  </p:childTnLst>
-                                </p:cTn>
-                              </p:par>
-                            </p:childTnLst>
-                          </p:cTn>
-                        </p:par>
-                      </p:childTnLst>
-                    </p:cTn>
-                  </p:par>
-                </p:childTnLst>
-              </p:cTn>
-              <p:prevCondLst>
-                <p:cond evt="onPrev" delay="0">
-                  <p:tgtEl>
-                    <p:sldTgt/>
-                  </p:tgtEl>
-                </p:cond>
-              </p:prevCondLst>
-              <p:nextCondLst>
-                <p:cond evt="onNext" delay="0">
-                  <p:tgtEl>
-                    <p:sldTgt/>
-                  </p:tgtEl>
-                </p:cond>
-              </p:nextCondLst>
-            </p:seq>
-          </p:childTnLst>
-        </p:cTn>
-      </p:par>
-    </p:tnLst>
-    <p:bldLst>
-      <p:bldP spid="7" grpId="0"/>
-      <p:bldP spid="20" grpId="0"/>
-      <p:bldP spid="24" grpId="0"/>
-      <p:bldP spid="26" grpId="0"/>
-    </p:bldLst>
-  </p:timing>
 </p:sld>
 </file>
 
@@ -18052,7 +13229,7 @@
       </p:grpSpPr>
       <p:pic>
         <p:nvPicPr>
-          <p:cNvPr id="187" name="Imagen 5"/>
+          <p:cNvPr id="284" name="Imagen 5"/>
           <p:cNvPicPr/>
           <p:nvPr/>
         </p:nvPicPr>
@@ -18075,14 +13252,14 @@
       </p:pic>
       <p:sp>
         <p:nvSpPr>
-          <p:cNvPr id="188" name="CustomShape 1"/>
+          <p:cNvPr id="285" name="CustomShape 1"/>
           <p:cNvSpPr/>
           <p:nvPr/>
         </p:nvSpPr>
         <p:spPr>
           <a:xfrm>
             <a:off x="398520" y="260280"/>
-            <a:ext cx="7413480" cy="863280"/>
+            <a:ext cx="5109840" cy="863280"/>
           </a:xfrm>
           <a:prstGeom prst="rect">
             <a:avLst/>
@@ -18142,45 +13319,7 @@
                 </a:uFill>
                 <a:latin typeface="Rockwell"/>
               </a:rPr>
-              <a:t>THE GOOD</a:t>
-            </a:r>
-            <a:r>
-              <a:rPr kumimoji="0" lang="en-US" sz="2800" b="1" i="0" u="none" strike="noStrike" kern="1200" cap="none" spc="-1" normalizeH="0" baseline="0" noProof="0">
-                <a:ln>
-                  <a:noFill/>
-                </a:ln>
-                <a:solidFill>
-                  <a:srgbClr val="404040"/>
-                </a:solidFill>
-                <a:effectLst/>
-                <a:uLnTx/>
-                <a:uFill>
-                  <a:solidFill>
-                    <a:srgbClr val="FFFFFF"/>
-                  </a:solidFill>
-                </a:uFill>
-                <a:latin typeface="Rockwell"/>
-              </a:rPr>
-              <a:t>,</a:t>
-            </a:r>
-            <a:r>
-              <a:rPr kumimoji="0" lang="en-US" sz="4930" b="1" i="0" u="none" strike="noStrike" kern="1200" cap="none" spc="-1" normalizeH="0" baseline="0" noProof="0">
-                <a:ln>
-                  <a:noFill/>
-                </a:ln>
-                <a:solidFill>
-                  <a:srgbClr val="404040"/>
-                </a:solidFill>
-                <a:effectLst/>
-                <a:uLnTx/>
-                <a:uFill>
-                  <a:solidFill>
-                    <a:srgbClr val="FFFFFF"/>
-                  </a:solidFill>
-                </a:uFill>
-                <a:latin typeface="Rockwell"/>
-              </a:rPr>
-              <a:t> THE BAD</a:t>
+              <a:t>Retrospective</a:t>
             </a:r>
             <a:endParaRPr kumimoji="0" lang="en-US" sz="1800" b="0" i="0" u="none" strike="noStrike" kern="1200" cap="none" spc="-1" normalizeH="0" baseline="0" noProof="0">
               <a:ln>
@@ -18203,14 +13342,14 @@
       </p:sp>
       <p:sp>
         <p:nvSpPr>
-          <p:cNvPr id="189" name="CustomShape 2"/>
+          <p:cNvPr id="286" name="CustomShape 2"/>
           <p:cNvSpPr/>
           <p:nvPr/>
         </p:nvSpPr>
         <p:spPr>
           <a:xfrm>
             <a:off x="395280" y="736560"/>
-            <a:ext cx="7056720" cy="863280"/>
+            <a:ext cx="5832360" cy="863280"/>
           </a:xfrm>
           <a:prstGeom prst="rect">
             <a:avLst/>
@@ -18259,7 +13398,7 @@
                   <a:noFill/>
                 </a:ln>
                 <a:solidFill>
-                  <a:srgbClr val="404040"/>
+                  <a:srgbClr val="FFC000"/>
                 </a:solidFill>
                 <a:effectLst/>
                 <a:uLnTx/>
@@ -18270,26 +13409,7 @@
                 </a:uFill>
                 <a:latin typeface="Rockwell"/>
               </a:rPr>
-              <a:t>THE </a:t>
-            </a:r>
-            <a:r>
-              <a:rPr kumimoji="0" lang="en-US" sz="3600" b="1" i="0" u="none" strike="noStrike" kern="1200" cap="none" spc="-1" normalizeH="0" baseline="0" noProof="0">
-                <a:ln>
-                  <a:noFill/>
-                </a:ln>
-                <a:solidFill>
-                  <a:srgbClr val="FFC000"/>
-                </a:solidFill>
-                <a:effectLst/>
-                <a:uLnTx/>
-                <a:uFill>
-                  <a:solidFill>
-                    <a:srgbClr val="FFFFFF"/>
-                  </a:solidFill>
-                </a:uFill>
-                <a:latin typeface="Rockwell"/>
-              </a:rPr>
-              <a:t>UGLY</a:t>
+              <a:t>SUMMARY</a:t>
             </a:r>
             <a:endParaRPr kumimoji="0" lang="en-US" sz="1800" b="0" i="0" u="none" strike="noStrike" kern="1200" cap="none" spc="-1" normalizeH="0" baseline="0" noProof="0">
               <a:ln>
@@ -18312,13 +13432,13 @@
       </p:sp>
       <p:sp>
         <p:nvSpPr>
-          <p:cNvPr id="190" name="CustomShape 3"/>
+          <p:cNvPr id="287" name="CustomShape 3"/>
           <p:cNvSpPr/>
           <p:nvPr/>
         </p:nvSpPr>
         <p:spPr>
           <a:xfrm>
-            <a:off x="395280" y="1298520"/>
+            <a:off x="484200" y="1298520"/>
             <a:ext cx="4519080" cy="474480"/>
           </a:xfrm>
           <a:prstGeom prst="rect">
@@ -18379,7 +13499,7 @@
                 </a:uFill>
                 <a:latin typeface="Rockwell"/>
               </a:rPr>
-              <a:t>Our good and bad moments</a:t>
+              <a:t>Results of this project</a:t>
             </a:r>
             <a:endParaRPr kumimoji="0" lang="en-US" sz="1800" b="0" i="0" u="none" strike="noStrike" kern="1200" cap="none" spc="-1" normalizeH="0" baseline="0" noProof="0">
               <a:ln>
@@ -18402,7 +13522,7 @@
       </p:sp>
       <p:pic>
         <p:nvPicPr>
-          <p:cNvPr id="191" name="27 Imagen"/>
+          <p:cNvPr id="288" name="27 Imagen"/>
           <p:cNvPicPr/>
           <p:nvPr/>
         </p:nvPicPr>
@@ -18425,7 +13545,7 @@
       </p:pic>
       <p:pic>
         <p:nvPicPr>
-          <p:cNvPr id="192" name="28 Imagen"/>
+          <p:cNvPr id="289" name="28 Imagen"/>
           <p:cNvPicPr/>
           <p:nvPr/>
         </p:nvPicPr>
@@ -18435,7 +13555,7 @@
         </p:blipFill>
         <p:spPr>
           <a:xfrm>
-            <a:off x="4716016" y="6170760"/>
+            <a:off x="4741920" y="6170760"/>
             <a:ext cx="363240" cy="302760"/>
           </a:xfrm>
           <a:prstGeom prst="rect">
@@ -18448,7 +13568,7 @@
       </p:pic>
       <p:sp>
         <p:nvSpPr>
-          <p:cNvPr id="193" name="CustomShape 4"/>
+          <p:cNvPr id="290" name="CustomShape 4"/>
           <p:cNvSpPr/>
           <p:nvPr/>
         </p:nvSpPr>
@@ -18499,10 +13619,15 @@
               <a:defRPr/>
             </a:pPr>
             <a:r>
-              <a:rPr lang="en-US" sz="1200" b="1" spc="-1" dirty="0">
+              <a:rPr kumimoji="0" lang="en-US" sz="1200" b="1" i="0" u="none" strike="noStrike" kern="1200" cap="none" spc="-1" normalizeH="0" baseline="0" noProof="0">
+                <a:ln>
+                  <a:noFill/>
+                </a:ln>
                 <a:solidFill>
                   <a:srgbClr val="FFC000"/>
                 </a:solidFill>
+                <a:effectLst/>
+                <a:uLnTx/>
                 <a:uFill>
                   <a:solidFill>
                     <a:srgbClr val="FFFFFF"/>
@@ -18512,7 +13637,7 @@
               </a:rPr>
               <a:t>8</a:t>
             </a:r>
-            <a:endParaRPr kumimoji="0" lang="en-US" sz="1800" b="0" i="0" u="none" strike="noStrike" kern="1200" cap="none" spc="-1" normalizeH="0" baseline="0" noProof="0" dirty="0">
+            <a:endParaRPr kumimoji="0" lang="en-US" sz="1800" b="0" i="0" u="none" strike="noStrike" kern="1200" cap="none" spc="-1" normalizeH="0" baseline="0" noProof="0">
               <a:ln>
                 <a:noFill/>
               </a:ln>
@@ -18533,7 +13658,7 @@
       </p:sp>
       <p:sp>
         <p:nvSpPr>
-          <p:cNvPr id="194" name="CustomShape 5"/>
+          <p:cNvPr id="291" name="CustomShape 5"/>
           <p:cNvSpPr/>
           <p:nvPr/>
         </p:nvSpPr>
@@ -18623,7 +13748,7 @@
       </p:sp>
       <p:sp>
         <p:nvSpPr>
-          <p:cNvPr id="195" name="CustomShape 6"/>
+          <p:cNvPr id="292" name="CustomShape 6"/>
           <p:cNvSpPr/>
           <p:nvPr/>
         </p:nvSpPr>
@@ -18674,10 +13799,15 @@
               <a:defRPr/>
             </a:pPr>
             <a:r>
-              <a:rPr lang="en-US" sz="1200" b="1" spc="-1" dirty="0">
+              <a:rPr kumimoji="0" lang="en-US" sz="1200" b="1" i="0" u="none" strike="noStrike" kern="1200" cap="none" spc="-1" normalizeH="0" baseline="0" noProof="0">
+                <a:ln>
+                  <a:noFill/>
+                </a:ln>
                 <a:solidFill>
                   <a:srgbClr val="808080"/>
                 </a:solidFill>
+                <a:effectLst/>
+                <a:uLnTx/>
                 <a:uFill>
                   <a:solidFill>
                     <a:srgbClr val="FFFFFF"/>
@@ -18685,9 +13815,9 @@
                 </a:uFill>
                 <a:latin typeface="Calibri"/>
               </a:rPr>
-              <a:t>9</a:t>
+              <a:t>8</a:t>
             </a:r>
-            <a:endParaRPr kumimoji="0" lang="en-US" sz="1800" b="0" i="0" u="none" strike="noStrike" kern="1200" cap="none" spc="-1" normalizeH="0" baseline="0" noProof="0" dirty="0">
+            <a:endParaRPr kumimoji="0" lang="en-US" sz="1800" b="0" i="0" u="none" strike="noStrike" kern="1200" cap="none" spc="-1" normalizeH="0" baseline="0" noProof="0">
               <a:ln>
                 <a:noFill/>
               </a:ln>
@@ -18708,7 +13838,7 @@
       </p:sp>
       <p:pic>
         <p:nvPicPr>
-          <p:cNvPr id="196" name="Imagen 5"/>
+          <p:cNvPr id="293" name="Imagen 5"/>
           <p:cNvPicPr/>
           <p:nvPr/>
         </p:nvPicPr>
@@ -18731,7 +13861,7 @@
       </p:pic>
       <p:pic>
         <p:nvPicPr>
-          <p:cNvPr id="197" name="Imagen 6"/>
+          <p:cNvPr id="294" name="Imagen 6"/>
           <p:cNvPicPr/>
           <p:nvPr/>
         </p:nvPicPr>
@@ -18741,8 +13871,8 @@
         </p:blipFill>
         <p:spPr>
           <a:xfrm>
-            <a:off x="5124600" y="6251400"/>
-            <a:ext cx="177480" cy="175680"/>
+            <a:off x="3933720" y="6251400"/>
+            <a:ext cx="175680" cy="175680"/>
           </a:xfrm>
           <a:prstGeom prst="rect">
             <a:avLst/>
@@ -18754,7 +13884,7 @@
       </p:pic>
       <p:pic>
         <p:nvPicPr>
-          <p:cNvPr id="198" name="Imagen 6"/>
+          <p:cNvPr id="295" name="Imagen 5"/>
           <p:cNvPicPr/>
           <p:nvPr/>
         </p:nvPicPr>
@@ -18764,8 +13894,8 @@
         </p:blipFill>
         <p:spPr>
           <a:xfrm>
-            <a:off x="3933720" y="6251400"/>
-            <a:ext cx="175680" cy="175680"/>
+            <a:off x="1649520" y="5756400"/>
+            <a:ext cx="1193400" cy="1128240"/>
           </a:xfrm>
           <a:prstGeom prst="rect">
             <a:avLst/>
@@ -18775,46 +13905,25 @@
           </a:ln>
         </p:spPr>
       </p:pic>
-      <p:pic>
-        <p:nvPicPr>
-          <p:cNvPr id="199" name="Imagen 5"/>
-          <p:cNvPicPr/>
-          <p:nvPr/>
-        </p:nvPicPr>
-        <p:blipFill>
-          <a:blip r:embed="rId8"/>
-          <a:stretch/>
-        </p:blipFill>
-        <p:spPr>
-          <a:xfrm>
-            <a:off x="1649520" y="5756400"/>
-            <a:ext cx="1193400" cy="1128240"/>
-          </a:xfrm>
-          <a:prstGeom prst="rect">
-            <a:avLst/>
-          </a:prstGeom>
-          <a:ln>
-            <a:noFill/>
-          </a:ln>
-        </p:spPr>
-      </p:pic>
-      <p:sp>
-        <p:nvSpPr>
-          <p:cNvPr id="200" name="CustomShape 7"/>
+      <p:sp>
+        <p:nvSpPr>
+          <p:cNvPr id="296" name="Line 7"/>
           <p:cNvSpPr/>
           <p:nvPr/>
         </p:nvSpPr>
         <p:spPr>
           <a:xfrm>
-            <a:off x="441360" y="3749040"/>
-            <a:ext cx="3338552" cy="1523520"/>
-          </a:xfrm>
-          <a:prstGeom prst="rect">
-            <a:avLst/>
-          </a:prstGeom>
-          <a:noFill/>
-          <a:ln>
-            <a:noFill/>
+            <a:off x="4427280" y="1873080"/>
+            <a:ext cx="360" cy="3716280"/>
+          </a:xfrm>
+          <a:prstGeom prst="line">
+            <a:avLst/>
+          </a:prstGeom>
+          <a:ln w="9360">
+            <a:solidFill>
+              <a:srgbClr val="D9D9D9"/>
+            </a:solidFill>
+            <a:round/>
           </a:ln>
         </p:spPr>
         <p:style>
@@ -18829,11 +13938,77 @@
           </a:effectRef>
           <a:fontRef idx="minor"/>
         </p:style>
+      </p:sp>
+      <p:sp>
+        <p:nvSpPr>
+          <p:cNvPr id="297" name="Line 8"/>
+          <p:cNvSpPr/>
+          <p:nvPr/>
+        </p:nvSpPr>
+        <p:spPr>
+          <a:xfrm>
+            <a:off x="4421160" y="1873080"/>
+            <a:ext cx="360" cy="3716280"/>
+          </a:xfrm>
+          <a:prstGeom prst="line">
+            <a:avLst/>
+          </a:prstGeom>
+          <a:ln w="9360">
+            <a:solidFill>
+              <a:srgbClr val="FFFFFF"/>
+            </a:solidFill>
+            <a:round/>
+          </a:ln>
+        </p:spPr>
+        <p:style>
+          <a:lnRef idx="0">
+            <a:scrgbClr r="0" g="0" b="0"/>
+          </a:lnRef>
+          <a:fillRef idx="0">
+            <a:scrgbClr r="0" g="0" b="0"/>
+          </a:fillRef>
+          <a:effectRef idx="0">
+            <a:scrgbClr r="0" g="0" b="0"/>
+          </a:effectRef>
+          <a:fontRef idx="minor"/>
+        </p:style>
+      </p:sp>
+      <p:sp>
+        <p:nvSpPr>
+          <p:cNvPr id="298" name="CustomShape 9"/>
+          <p:cNvSpPr/>
+          <p:nvPr/>
+        </p:nvSpPr>
+        <p:spPr>
+          <a:xfrm>
+            <a:off x="477720" y="1979640"/>
+            <a:ext cx="3553920" cy="1512360"/>
+          </a:xfrm>
+          <a:prstGeom prst="rect">
+            <a:avLst/>
+          </a:prstGeom>
+          <a:noFill/>
+          <a:ln>
+            <a:noFill/>
+          </a:ln>
+        </p:spPr>
+        <p:style>
+          <a:lnRef idx="0">
+            <a:scrgbClr r="0" g="0" b="0"/>
+          </a:lnRef>
+          <a:fillRef idx="0">
+            <a:scrgbClr r="0" g="0" b="0"/>
+          </a:fillRef>
+          <a:effectRef idx="0">
+            <a:scrgbClr r="0" g="0" b="0"/>
+          </a:effectRef>
+          <a:fontRef idx="minor"/>
+        </p:style>
         <p:txBody>
           <a:bodyPr lIns="90000" tIns="45000" rIns="90000" bIns="45000"/>
           <a:lstStyle/>
           <a:p>
-            <a:pPr marL="216000" marR="0" lvl="0" indent="-216000" algn="l" defTabSz="914400" rtl="0" eaLnBrk="1" fontAlgn="auto" latinLnBrk="0" hangingPunct="1">
+            <a:pPr marL="216000" marR="0" lvl="0" indent="-216000" algn="just" defTabSz="914400" rtl="0" eaLnBrk="1" fontAlgn="auto" latinLnBrk="0" hangingPunct="1">
               <a:lnSpc>
                 <a:spcPct val="120000"/>
               </a:lnSpc>
@@ -18844,7 +14019,7 @@
                 <a:spcPts val="0"/>
               </a:spcAft>
               <a:buClr>
-                <a:srgbClr val="5F5F5F"/>
+                <a:srgbClr val="808080"/>
               </a:buClr>
               <a:buSzPct val="45000"/>
               <a:buFont typeface="Wingdings" charset="2"/>
@@ -18858,7 +14033,7 @@
                   <a:noFill/>
                 </a:ln>
                 <a:solidFill>
-                  <a:srgbClr val="5F5F5F"/>
+                  <a:srgbClr val="808080"/>
                 </a:solidFill>
                 <a:effectLst/>
                 <a:uLnTx/>
@@ -18869,7 +14044,26 @@
                 </a:uFill>
                 <a:latin typeface="Calibri"/>
               </a:rPr>
-              <a:t>Quick to get organized, assigning roles</a:t>
+              <a:t>Fast start,</a:t>
+            </a:r>
+            <a:r>
+              <a:rPr kumimoji="0" lang="en-US" sz="1200" b="0" i="0" u="none" strike="noStrike" kern="1200" cap="none" spc="-1" normalizeH="0" noProof="0" dirty="0">
+                <a:ln>
+                  <a:noFill/>
+                </a:ln>
+                <a:solidFill>
+                  <a:srgbClr val="808080"/>
+                </a:solidFill>
+                <a:effectLst/>
+                <a:uLnTx/>
+                <a:uFill>
+                  <a:solidFill>
+                    <a:srgbClr val="FFFFFF"/>
+                  </a:solidFill>
+                </a:uFill>
+                <a:latin typeface="Calibri"/>
+              </a:rPr>
+              <a:t> good team spirit</a:t>
             </a:r>
             <a:endParaRPr kumimoji="0" lang="en-US" sz="1800" b="0" i="0" u="none" strike="noStrike" kern="1200" cap="none" spc="-1" normalizeH="0" baseline="0" noProof="0" dirty="0">
               <a:ln>
@@ -18900,7 +14094,7 @@
                 <a:spcPts val="0"/>
               </a:spcAft>
               <a:buClr>
-                <a:srgbClr val="5F5F5F"/>
+                <a:srgbClr val="808080"/>
               </a:buClr>
               <a:buSzPct val="45000"/>
               <a:buFont typeface="Wingdings" charset="2"/>
@@ -18914,7 +14108,7 @@
                   <a:noFill/>
                 </a:ln>
                 <a:solidFill>
-                  <a:srgbClr val="5F5F5F"/>
+                  <a:srgbClr val="808080"/>
                 </a:solidFill>
                 <a:effectLst/>
                 <a:uLnTx/>
@@ -18925,7 +14119,7 @@
                 </a:uFill>
                 <a:latin typeface="Calibri"/>
               </a:rPr>
-              <a:t>High team spirit</a:t>
+              <a:t>Good role distribution</a:t>
             </a:r>
             <a:endParaRPr kumimoji="0" lang="en-US" sz="1800" b="0" i="0" u="none" strike="noStrike" kern="1200" cap="none" spc="-1" normalizeH="0" baseline="0" noProof="0" dirty="0">
               <a:ln>
@@ -18945,7 +14139,7 @@
             </a:endParaRPr>
           </a:p>
           <a:p>
-            <a:pPr marL="216000" marR="0" lvl="0" indent="-216000" algn="l" defTabSz="914400" rtl="0" eaLnBrk="1" fontAlgn="auto" latinLnBrk="0" hangingPunct="1">
+            <a:pPr marL="216000" marR="0" lvl="0" indent="-216000" algn="just" defTabSz="914400" rtl="0" eaLnBrk="1" fontAlgn="auto" latinLnBrk="0" hangingPunct="1">
               <a:lnSpc>
                 <a:spcPct val="120000"/>
               </a:lnSpc>
@@ -18956,7 +14150,7 @@
                 <a:spcPts val="0"/>
               </a:spcAft>
               <a:buClr>
-                <a:srgbClr val="5F5F5F"/>
+                <a:srgbClr val="808080"/>
               </a:buClr>
               <a:buSzPct val="45000"/>
               <a:buFont typeface="Wingdings" charset="2"/>
@@ -18970,7 +14164,7 @@
                   <a:noFill/>
                 </a:ln>
                 <a:solidFill>
-                  <a:srgbClr val="5F5F5F"/>
+                  <a:srgbClr val="808080"/>
                 </a:solidFill>
                 <a:effectLst/>
                 <a:uLnTx/>
@@ -18981,42 +14175,7 @@
                 </a:uFill>
                 <a:latin typeface="Calibri"/>
               </a:rPr>
-              <a:t>Good overall team competence</a:t>
-            </a:r>
-          </a:p>
-          <a:p>
-            <a:pPr marL="216000" marR="0" lvl="0" indent="-216000" algn="l" defTabSz="914400" rtl="0" eaLnBrk="1" fontAlgn="auto" latinLnBrk="0" hangingPunct="1">
-              <a:lnSpc>
-                <a:spcPct val="120000"/>
-              </a:lnSpc>
-              <a:spcBef>
-                <a:spcPts val="0"/>
-              </a:spcBef>
-              <a:spcAft>
-                <a:spcPts val="0"/>
-              </a:spcAft>
-              <a:buClr>
-                <a:srgbClr val="5F5F5F"/>
-              </a:buClr>
-              <a:buSzPct val="45000"/>
-              <a:buFont typeface="Wingdings" charset="2"/>
-              <a:buChar char=""/>
-              <a:tabLst/>
-              <a:defRPr/>
-            </a:pPr>
-            <a:r>
-              <a:rPr lang="en-US" sz="1200" spc="-1" dirty="0">
-                <a:solidFill>
-                  <a:srgbClr val="5F5F5F"/>
-                </a:solidFill>
-                <a:uFill>
-                  <a:solidFill>
-                    <a:srgbClr val="FFFFFF"/>
-                  </a:solidFill>
-                </a:uFill>
-                <a:latin typeface="Calibri"/>
-              </a:rPr>
-              <a:t>Frequent communication</a:t>
+              <a:t>We have chosen tools for later iterations</a:t>
             </a:r>
             <a:endParaRPr kumimoji="0" lang="en-US" sz="1800" b="0" i="0" u="none" strike="noStrike" kern="1200" cap="none" spc="-1" normalizeH="0" baseline="0" noProof="0" dirty="0">
               <a:ln>
@@ -19035,44 +14194,8 @@
               <a:latin typeface="Arial"/>
             </a:endParaRPr>
           </a:p>
-        </p:txBody>
-      </p:sp>
-      <p:sp>
-        <p:nvSpPr>
-          <p:cNvPr id="201" name="CustomShape 8"/>
-          <p:cNvSpPr/>
-          <p:nvPr/>
-        </p:nvSpPr>
-        <p:spPr>
-          <a:xfrm>
-            <a:off x="441360" y="3316320"/>
-            <a:ext cx="2426760" cy="350640"/>
-          </a:xfrm>
-          <a:prstGeom prst="rect">
-            <a:avLst/>
-          </a:prstGeom>
-          <a:noFill/>
-          <a:ln>
-            <a:noFill/>
-          </a:ln>
-        </p:spPr>
-        <p:style>
-          <a:lnRef idx="0">
-            <a:scrgbClr r="0" g="0" b="0"/>
-          </a:lnRef>
-          <a:fillRef idx="0">
-            <a:scrgbClr r="0" g="0" b="0"/>
-          </a:fillRef>
-          <a:effectRef idx="0">
-            <a:scrgbClr r="0" g="0" b="0"/>
-          </a:effectRef>
-          <a:fontRef idx="minor"/>
-        </p:style>
-        <p:txBody>
-          <a:bodyPr lIns="90000" tIns="45000" rIns="90000" bIns="45000"/>
-          <a:lstStyle/>
-          <a:p>
-            <a:pPr marL="0" marR="0" lvl="0" indent="0" algn="l" defTabSz="914400" rtl="0" eaLnBrk="1" fontAlgn="auto" latinLnBrk="0" hangingPunct="1">
+          <a:p>
+            <a:pPr marL="216000" marR="0" lvl="0" indent="-216000" algn="just" defTabSz="914400" rtl="0" eaLnBrk="1" fontAlgn="auto" latinLnBrk="0" hangingPunct="1">
               <a:lnSpc>
                 <a:spcPct val="120000"/>
               </a:lnSpc>
@@ -19082,20 +14205,22 @@
               <a:spcAft>
                 <a:spcPts val="0"/>
               </a:spcAft>
-              <a:buClrTx/>
-              <a:buSzTx/>
-              <a:buFontTx/>
-              <a:buNone/>
+              <a:buClr>
+                <a:srgbClr val="808080"/>
+              </a:buClr>
+              <a:buSzPct val="45000"/>
+              <a:buFont typeface="Wingdings" charset="2"/>
+              <a:buChar char=""/>
               <a:tabLst/>
               <a:defRPr/>
             </a:pPr>
             <a:r>
-              <a:rPr kumimoji="0" lang="en-US" sz="1400" b="1" i="0" u="none" strike="noStrike" kern="1200" cap="none" spc="-1" normalizeH="0" baseline="0" noProof="0">
+              <a:rPr kumimoji="0" lang="en-US" sz="1200" b="0" i="0" u="none" strike="noStrike" kern="1200" cap="none" spc="-1" normalizeH="0" baseline="0" noProof="0" dirty="0">
                 <a:ln>
                   <a:noFill/>
                 </a:ln>
                 <a:solidFill>
-                  <a:srgbClr val="5F5F5F"/>
+                  <a:srgbClr val="808080"/>
                 </a:solidFill>
                 <a:effectLst/>
                 <a:uLnTx/>
@@ -19104,11 +14229,11 @@
                     <a:srgbClr val="FFFFFF"/>
                   </a:solidFill>
                 </a:uFill>
-                <a:latin typeface="Rockwell"/>
+                <a:latin typeface="Calibri"/>
               </a:rPr>
-              <a:t>The Good</a:t>
+              <a:t>We have a good project plan</a:t>
             </a:r>
-            <a:endParaRPr kumimoji="0" lang="en-US" sz="1800" b="0" i="0" u="none" strike="noStrike" kern="1200" cap="none" spc="-1" normalizeH="0" baseline="0" noProof="0">
+            <a:endParaRPr kumimoji="0" lang="en-US" sz="1800" b="0" i="0" u="none" strike="noStrike" kern="1200" cap="none" spc="-1" normalizeH="0" baseline="0" noProof="0" dirty="0">
               <a:ln>
                 <a:noFill/>
               </a:ln>
@@ -19125,457 +14250,10 @@
               <a:latin typeface="Arial"/>
             </a:endParaRPr>
           </a:p>
-        </p:txBody>
-      </p:sp>
-      <p:pic>
-        <p:nvPicPr>
-          <p:cNvPr id="202" name="Bilde 201"/>
-          <p:cNvPicPr/>
-          <p:nvPr/>
-        </p:nvPicPr>
-        <p:blipFill>
-          <a:blip r:embed="rId9"/>
-          <a:stretch/>
-        </p:blipFill>
-        <p:spPr>
-          <a:xfrm>
-            <a:off x="546480" y="1920240"/>
-            <a:ext cx="1373760" cy="1348920"/>
-          </a:xfrm>
-          <a:prstGeom prst="rect">
-            <a:avLst/>
-          </a:prstGeom>
-          <a:ln>
-            <a:noFill/>
-          </a:ln>
-        </p:spPr>
-      </p:pic>
-    </p:spTree>
-    <p:extLst>
-      <p:ext uri="{BB962C8B-B14F-4D97-AF65-F5344CB8AC3E}">
-        <p14:creationId xmlns:p14="http://schemas.microsoft.com/office/powerpoint/2010/main" val="4128302923"/>
-      </p:ext>
-    </p:extLst>
-  </p:cSld>
-  <p:clrMapOvr>
-    <a:masterClrMapping/>
-  </p:clrMapOvr>
-  <p:timing>
-    <p:tnLst>
-      <p:par>
-        <p:cTn id="1" dur="indefinite" restart="never" nodeType="tmRoot">
-          <p:childTnLst>
-            <p:seq>
-              <p:cTn id="2" nodeType="mainSeq">
-                <p:childTnLst>
-                  <p:par>
-                    <p:cTn id="3" fill="freeze">
-                      <p:stCondLst>
-                        <p:cond delay="0"/>
-                      </p:stCondLst>
-                      <p:childTnLst>
-                        <p:par>
-                          <p:cTn id="4" fill="freeze">
-                            <p:stCondLst>
-                              <p:cond delay="0"/>
-                            </p:stCondLst>
-                            <p:childTnLst>
-                              <p:par>
-                                <p:cTn id="5" presetID="29" presetClass="entr" fill="hold" nodeType="withEffect">
-                                  <p:stCondLst>
-                                    <p:cond delay="0"/>
-                                  </p:stCondLst>
-                                  <p:childTnLst>
-                                    <p:set>
-                                      <p:cBhvr>
-                                        <p:cTn id="6" dur="1" fill="hold">
-                                          <p:stCondLst>
-                                            <p:cond delay="0"/>
-                                          </p:stCondLst>
-                                        </p:cTn>
-                                        <p:tgtEl>
-                                          <p:spTgt spid="189"/>
-                                        </p:tgtEl>
-                                        <p:attrNameLst>
-                                          <p:attrName>style.visibility</p:attrName>
-                                        </p:attrNameLst>
-                                      </p:cBhvr>
-                                      <p:to>
-                                        <p:strVal val="visible"/>
-                                      </p:to>
-                                    </p:set>
-                                    <p:anim calcmode="lin" valueType="num">
-                                      <p:cBhvr additive="repl">
-                                        <p:cTn id="7" dur="1000" fill="hold"/>
-                                        <p:tgtEl>
-                                          <p:spTgt spid="189"/>
-                                        </p:tgtEl>
-                                        <p:attrNameLst>
-                                          <p:attrName>ppt_x</p:attrName>
-                                        </p:attrNameLst>
-                                      </p:cBhvr>
-                                      <p:tavLst>
-                                        <p:tav tm="0">
-                                          <p:val>
-                                            <p:strVal val="#ppt_x-.2"/>
-                                          </p:val>
-                                        </p:tav>
-                                        <p:tav tm="100000">
-                                          <p:val>
-                                            <p:strVal val="#ppt_x"/>
-                                          </p:val>
-                                        </p:tav>
-                                      </p:tavLst>
-                                    </p:anim>
-                                    <p:anim calcmode="lin" valueType="num">
-                                      <p:cBhvr additive="repl">
-                                        <p:cTn id="8" dur="1000" fill="hold"/>
-                                        <p:tgtEl>
-                                          <p:spTgt spid="189"/>
-                                        </p:tgtEl>
-                                        <p:attrNameLst>
-                                          <p:attrName>ppt_y</p:attrName>
-                                        </p:attrNameLst>
-                                      </p:cBhvr>
-                                      <p:tavLst>
-                                        <p:tav tm="0">
-                                          <p:val>
-                                            <p:strVal val="#ppt_y"/>
-                                          </p:val>
-                                        </p:tav>
-                                        <p:tav tm="100000">
-                                          <p:val>
-                                            <p:strVal val="#ppt_y"/>
-                                          </p:val>
-                                        </p:tav>
-                                      </p:tavLst>
-                                    </p:anim>
-                                    <p:animEffect transition="out" filter="wipe(right)">
-                                      <p:cBhvr additive="repl">
-                                        <p:cTn id="9" dur="1000"/>
-                                        <p:tgtEl>
-                                          <p:spTgt spid="189"/>
-                                        </p:tgtEl>
-                                      </p:cBhvr>
-                                    </p:animEffect>
-                                  </p:childTnLst>
-                                </p:cTn>
-                              </p:par>
-                              <p:par>
-                                <p:cTn id="10" presetID="29" presetClass="entr" fill="hold" nodeType="withEffect">
-                                  <p:stCondLst>
-                                    <p:cond delay="0"/>
-                                  </p:stCondLst>
-                                  <p:childTnLst>
-                                    <p:set>
-                                      <p:cBhvr>
-                                        <p:cTn id="11" dur="1" fill="hold">
-                                          <p:stCondLst>
-                                            <p:cond delay="0"/>
-                                          </p:stCondLst>
-                                        </p:cTn>
-                                        <p:tgtEl>
-                                          <p:spTgt spid="188"/>
-                                        </p:tgtEl>
-                                        <p:attrNameLst>
-                                          <p:attrName>style.visibility</p:attrName>
-                                        </p:attrNameLst>
-                                      </p:cBhvr>
-                                      <p:to>
-                                        <p:strVal val="visible"/>
-                                      </p:to>
-                                    </p:set>
-                                    <p:anim calcmode="lin" valueType="num">
-                                      <p:cBhvr additive="repl">
-                                        <p:cTn id="12" dur="1000" fill="hold"/>
-                                        <p:tgtEl>
-                                          <p:spTgt spid="188"/>
-                                        </p:tgtEl>
-                                        <p:attrNameLst>
-                                          <p:attrName>ppt_x</p:attrName>
-                                        </p:attrNameLst>
-                                      </p:cBhvr>
-                                      <p:tavLst>
-                                        <p:tav tm="0">
-                                          <p:val>
-                                            <p:strVal val="#ppt_x-.2"/>
-                                          </p:val>
-                                        </p:tav>
-                                        <p:tav tm="100000">
-                                          <p:val>
-                                            <p:strVal val="#ppt_x"/>
-                                          </p:val>
-                                        </p:tav>
-                                      </p:tavLst>
-                                    </p:anim>
-                                    <p:anim calcmode="lin" valueType="num">
-                                      <p:cBhvr additive="repl">
-                                        <p:cTn id="13" dur="1000" fill="hold"/>
-                                        <p:tgtEl>
-                                          <p:spTgt spid="188"/>
-                                        </p:tgtEl>
-                                        <p:attrNameLst>
-                                          <p:attrName>ppt_y</p:attrName>
-                                        </p:attrNameLst>
-                                      </p:cBhvr>
-                                      <p:tavLst>
-                                        <p:tav tm="0">
-                                          <p:val>
-                                            <p:strVal val="#ppt_y"/>
-                                          </p:val>
-                                        </p:tav>
-                                        <p:tav tm="100000">
-                                          <p:val>
-                                            <p:strVal val="#ppt_y"/>
-                                          </p:val>
-                                        </p:tav>
-                                      </p:tavLst>
-                                    </p:anim>
-                                    <p:animEffect transition="out" filter="wipe(right)">
-                                      <p:cBhvr additive="repl">
-                                        <p:cTn id="14" dur="1000"/>
-                                        <p:tgtEl>
-                                          <p:spTgt spid="188"/>
-                                        </p:tgtEl>
-                                      </p:cBhvr>
-                                    </p:animEffect>
-                                  </p:childTnLst>
-                                </p:cTn>
-                              </p:par>
-                            </p:childTnLst>
-                          </p:cTn>
-                        </p:par>
-                        <p:par>
-                          <p:cTn id="15" fill="freeze">
-                            <p:stCondLst>
-                              <p:cond delay="1000"/>
-                            </p:stCondLst>
-                            <p:childTnLst>
-                              <p:par>
-                                <p:cTn id="16" presetID="10" presetClass="entr" fill="hold" nodeType="afterEffect">
-                                  <p:stCondLst>
-                                    <p:cond delay="0"/>
-                                  </p:stCondLst>
-                                  <p:childTnLst>
-                                    <p:set>
-                                      <p:cBhvr>
-                                        <p:cTn id="17" dur="1" fill="hold">
-                                          <p:stCondLst>
-                                            <p:cond delay="0"/>
-                                          </p:stCondLst>
-                                        </p:cTn>
-                                        <p:tgtEl>
-                                          <p:spTgt spid="190"/>
-                                        </p:tgtEl>
-                                        <p:attrNameLst>
-                                          <p:attrName>style.visibility</p:attrName>
-                                        </p:attrNameLst>
-                                      </p:cBhvr>
-                                      <p:to>
-                                        <p:strVal val="visible"/>
-                                      </p:to>
-                                    </p:set>
-                                    <p:animEffect transition="in" filter="fade">
-                                      <p:cBhvr additive="repl">
-                                        <p:cTn id="18" dur="2000"/>
-                                        <p:tgtEl>
-                                          <p:spTgt spid="190"/>
-                                        </p:tgtEl>
-                                      </p:cBhvr>
-                                    </p:animEffect>
-                                  </p:childTnLst>
-                                </p:cTn>
-                              </p:par>
-                              <p:par>
-                                <p:cTn id="19" presetID="10" presetClass="entr" fill="hold" nodeType="withEffect">
-                                  <p:stCondLst>
-                                    <p:cond delay="0"/>
-                                  </p:stCondLst>
-                                  <p:childTnLst>
-                                    <p:set>
-                                      <p:cBhvr>
-                                        <p:cTn id="20" dur="1" fill="hold">
-                                          <p:stCondLst>
-                                            <p:cond delay="0"/>
-                                          </p:stCondLst>
-                                        </p:cTn>
-                                        <p:tgtEl>
-                                          <p:spTgt spid="201"/>
-                                        </p:tgtEl>
-                                        <p:attrNameLst>
-                                          <p:attrName>style.visibility</p:attrName>
-                                        </p:attrNameLst>
-                                      </p:cBhvr>
-                                      <p:to>
-                                        <p:strVal val="visible"/>
-                                      </p:to>
-                                    </p:set>
-                                    <p:animEffect transition="in" filter="fade">
-                                      <p:cBhvr additive="repl">
-                                        <p:cTn id="21" dur="2000"/>
-                                        <p:tgtEl>
-                                          <p:spTgt spid="201"/>
-                                        </p:tgtEl>
-                                      </p:cBhvr>
-                                    </p:animEffect>
-                                  </p:childTnLst>
-                                </p:cTn>
-                              </p:par>
-                              <p:par>
-                                <p:cTn id="22" presetID="10" presetClass="entr" fill="hold" nodeType="withEffect">
-                                  <p:stCondLst>
-                                    <p:cond delay="0"/>
-                                  </p:stCondLst>
-                                  <p:childTnLst>
-                                    <p:set>
-                                      <p:cBhvr>
-                                        <p:cTn id="23" dur="1" fill="hold">
-                                          <p:stCondLst>
-                                            <p:cond delay="0"/>
-                                          </p:stCondLst>
-                                        </p:cTn>
-                                        <p:tgtEl>
-                                          <p:spTgt spid="200"/>
-                                        </p:tgtEl>
-                                        <p:attrNameLst>
-                                          <p:attrName>style.visibility</p:attrName>
-                                        </p:attrNameLst>
-                                      </p:cBhvr>
-                                      <p:to>
-                                        <p:strVal val="visible"/>
-                                      </p:to>
-                                    </p:set>
-                                    <p:animEffect transition="in" filter="fade">
-                                      <p:cBhvr additive="repl">
-                                        <p:cTn id="24" dur="2000"/>
-                                        <p:tgtEl>
-                                          <p:spTgt spid="200"/>
-                                        </p:tgtEl>
-                                      </p:cBhvr>
-                                    </p:animEffect>
-                                  </p:childTnLst>
-                                </p:cTn>
-                              </p:par>
-                            </p:childTnLst>
-                          </p:cTn>
-                        </p:par>
-                      </p:childTnLst>
-                    </p:cTn>
-                  </p:par>
-                </p:childTnLst>
-              </p:cTn>
-              <p:prevCondLst>
-                <p:cond evt="onPrev" delay="0">
-                  <p:tgtEl>
-                    <p:sldTgt/>
-                  </p:tgtEl>
-                </p:cond>
-              </p:prevCondLst>
-              <p:nextCondLst>
-                <p:cond evt="onNext" delay="0">
-                  <p:tgtEl>
-                    <p:sldTgt/>
-                  </p:tgtEl>
-                </p:cond>
-              </p:nextCondLst>
-            </p:seq>
-          </p:childTnLst>
-        </p:cTn>
-      </p:par>
-    </p:tnLst>
-  </p:timing>
-</p:sld>
-</file>
-
-<file path=ppt/slides/slide9.xml><?xml version="1.0" encoding="utf-8"?>
-<p:sld xmlns:a="http://schemas.openxmlformats.org/drawingml/2006/main" xmlns:r="http://schemas.openxmlformats.org/officeDocument/2006/relationships" xmlns:p="http://schemas.openxmlformats.org/presentationml/2006/main">
-  <p:cSld>
-    <p:bg>
-      <p:bgPr>
-        <a:blipFill>
-          <a:blip r:embed="rId2"/>
-          <a:stretch>
-            <a:fillRect/>
-          </a:stretch>
-        </a:blipFill>
-        <a:effectLst/>
-      </p:bgPr>
-    </p:bg>
-    <p:spTree>
-      <p:nvGrpSpPr>
-        <p:cNvPr id="1" name=""/>
-        <p:cNvGrpSpPr/>
-        <p:nvPr/>
-      </p:nvGrpSpPr>
-      <p:grpSpPr>
-        <a:xfrm>
-          <a:off x="0" y="0"/>
-          <a:ext cx="0" cy="0"/>
-          <a:chOff x="0" y="0"/>
-          <a:chExt cx="0" cy="0"/>
-        </a:xfrm>
-      </p:grpSpPr>
-      <p:pic>
-        <p:nvPicPr>
-          <p:cNvPr id="203" name="Imagen 5"/>
-          <p:cNvPicPr/>
-          <p:nvPr/>
-        </p:nvPicPr>
-        <p:blipFill>
-          <a:blip r:embed="rId3"/>
-          <a:stretch/>
-        </p:blipFill>
-        <p:spPr>
-          <a:xfrm>
-            <a:off x="3354480" y="5965920"/>
-            <a:ext cx="761760" cy="718920"/>
-          </a:xfrm>
-          <a:prstGeom prst="rect">
-            <a:avLst/>
-          </a:prstGeom>
-          <a:ln>
-            <a:noFill/>
-          </a:ln>
-        </p:spPr>
-      </p:pic>
-      <p:sp>
-        <p:nvSpPr>
-          <p:cNvPr id="204" name="CustomShape 1"/>
-          <p:cNvSpPr/>
-          <p:nvPr/>
-        </p:nvSpPr>
-        <p:spPr>
-          <a:xfrm>
-            <a:off x="398520" y="260280"/>
-            <a:ext cx="7413480" cy="863280"/>
-          </a:xfrm>
-          <a:prstGeom prst="rect">
-            <a:avLst/>
-          </a:prstGeom>
-          <a:noFill/>
-          <a:ln>
-            <a:noFill/>
-          </a:ln>
-        </p:spPr>
-        <p:style>
-          <a:lnRef idx="0">
-            <a:scrgbClr r="0" g="0" b="0"/>
-          </a:lnRef>
-          <a:fillRef idx="0">
-            <a:scrgbClr r="0" g="0" b="0"/>
-          </a:fillRef>
-          <a:effectRef idx="0">
-            <a:scrgbClr r="0" g="0" b="0"/>
-          </a:effectRef>
-          <a:fontRef idx="minor"/>
-        </p:style>
-        <p:txBody>
-          <a:bodyPr lIns="90000" tIns="45000" rIns="90000" bIns="45000" anchor="ctr"/>
-          <a:lstStyle/>
-          <a:p>
-            <a:pPr marL="0" marR="0" lvl="0" indent="0" algn="l" defTabSz="914400" rtl="0" eaLnBrk="1" fontAlgn="auto" latinLnBrk="0" hangingPunct="1">
+          <a:p>
+            <a:pPr marL="216000" marR="0" lvl="0" indent="-216000" algn="just" defTabSz="914400" rtl="0" eaLnBrk="1" fontAlgn="auto" latinLnBrk="0" hangingPunct="1">
               <a:lnSpc>
-                <a:spcPts val="2032"/>
+                <a:spcPct val="120000"/>
               </a:lnSpc>
               <a:spcBef>
                 <a:spcPts val="0"/>
@@ -19583,20 +14261,22 @@
               <a:spcAft>
                 <a:spcPts val="0"/>
               </a:spcAft>
-              <a:buClrTx/>
-              <a:buSzTx/>
-              <a:buFontTx/>
-              <a:buNone/>
+              <a:buClr>
+                <a:srgbClr val="808080"/>
+              </a:buClr>
+              <a:buSzPct val="45000"/>
+              <a:buFont typeface="Wingdings" charset="2"/>
+              <a:buChar char=""/>
               <a:tabLst/>
               <a:defRPr/>
             </a:pPr>
             <a:r>
-              <a:rPr kumimoji="0" lang="en-US" sz="4930" b="1" i="0" u="none" strike="noStrike" kern="1200" cap="none" spc="-1" normalizeH="0" baseline="0" noProof="0">
+              <a:rPr kumimoji="0" lang="en-US" sz="1200" b="0" i="0" u="none" strike="noStrike" kern="1200" cap="none" spc="-1" normalizeH="0" baseline="0" noProof="0" dirty="0">
                 <a:ln>
                   <a:noFill/>
                 </a:ln>
                 <a:solidFill>
-                  <a:srgbClr val="404040"/>
+                  <a:srgbClr val="808080"/>
                 </a:solidFill>
                 <a:effectLst/>
                 <a:uLnTx/>
@@ -19605,49 +14285,11 @@
                     <a:srgbClr val="FFFFFF"/>
                   </a:solidFill>
                 </a:uFill>
-                <a:latin typeface="Rockwell"/>
+                <a:latin typeface="Calibri"/>
               </a:rPr>
-              <a:t>THE GOOD</a:t>
+              <a:t>All deliverables are done</a:t>
             </a:r>
-            <a:r>
-              <a:rPr kumimoji="0" lang="en-US" sz="2800" b="1" i="0" u="none" strike="noStrike" kern="1200" cap="none" spc="-1" normalizeH="0" baseline="0" noProof="0">
-                <a:ln>
-                  <a:noFill/>
-                </a:ln>
-                <a:solidFill>
-                  <a:srgbClr val="404040"/>
-                </a:solidFill>
-                <a:effectLst/>
-                <a:uLnTx/>
-                <a:uFill>
-                  <a:solidFill>
-                    <a:srgbClr val="FFFFFF"/>
-                  </a:solidFill>
-                </a:uFill>
-                <a:latin typeface="Rockwell"/>
-              </a:rPr>
-              <a:t>,</a:t>
-            </a:r>
-            <a:r>
-              <a:rPr kumimoji="0" lang="en-US" sz="4930" b="1" i="0" u="none" strike="noStrike" kern="1200" cap="none" spc="-1" normalizeH="0" baseline="0" noProof="0">
-                <a:ln>
-                  <a:noFill/>
-                </a:ln>
-                <a:solidFill>
-                  <a:srgbClr val="404040"/>
-                </a:solidFill>
-                <a:effectLst/>
-                <a:uLnTx/>
-                <a:uFill>
-                  <a:solidFill>
-                    <a:srgbClr val="FFFFFF"/>
-                  </a:solidFill>
-                </a:uFill>
-                <a:latin typeface="Rockwell"/>
-              </a:rPr>
-              <a:t> THE BAD</a:t>
-            </a:r>
-            <a:endParaRPr kumimoji="0" lang="en-US" sz="1800" b="0" i="0" u="none" strike="noStrike" kern="1200" cap="none" spc="-1" normalizeH="0" baseline="0" noProof="0">
+            <a:endParaRPr kumimoji="0" lang="en-US" sz="1800" b="0" i="0" u="none" strike="noStrike" kern="1200" cap="none" spc="-1" normalizeH="0" baseline="0" noProof="0" dirty="0">
               <a:ln>
                 <a:noFill/>
               </a:ln>
@@ -19666,192 +14308,38 @@
           </a:p>
         </p:txBody>
       </p:sp>
-      <p:sp>
-        <p:nvSpPr>
-          <p:cNvPr id="205" name="Line 2"/>
-          <p:cNvSpPr/>
+      <p:pic>
+        <p:nvPicPr>
+          <p:cNvPr id="299" name="Imagen 6"/>
+          <p:cNvPicPr/>
           <p:nvPr/>
-        </p:nvSpPr>
+        </p:nvPicPr>
+        <p:blipFill>
+          <a:blip r:embed="rId8"/>
+          <a:stretch/>
+        </p:blipFill>
         <p:spPr>
           <a:xfrm>
-            <a:off x="4473720" y="2103120"/>
-            <a:ext cx="360" cy="3017880"/>
-          </a:xfrm>
-          <a:prstGeom prst="line">
-            <a:avLst/>
-          </a:prstGeom>
-          <a:ln w="9360">
-            <a:solidFill>
-              <a:srgbClr val="D9D9D9"/>
-            </a:solidFill>
-            <a:round/>
-          </a:ln>
-        </p:spPr>
-        <p:style>
-          <a:lnRef idx="0">
-            <a:scrgbClr r="0" g="0" b="0"/>
-          </a:lnRef>
-          <a:fillRef idx="0">
-            <a:scrgbClr r="0" g="0" b="0"/>
-          </a:fillRef>
-          <a:effectRef idx="0">
-            <a:scrgbClr r="0" g="0" b="0"/>
-          </a:effectRef>
-          <a:fontRef idx="minor"/>
-        </p:style>
-      </p:sp>
-      <p:sp>
-        <p:nvSpPr>
-          <p:cNvPr id="206" name="Line 3"/>
-          <p:cNvSpPr/>
-          <p:nvPr/>
-        </p:nvSpPr>
-        <p:spPr>
-          <a:xfrm>
-            <a:off x="4480200" y="2103120"/>
-            <a:ext cx="360" cy="3017880"/>
-          </a:xfrm>
-          <a:prstGeom prst="line">
-            <a:avLst/>
-          </a:prstGeom>
-          <a:ln w="9360">
-            <a:solidFill>
-              <a:srgbClr val="FFFFFF"/>
-            </a:solidFill>
-            <a:round/>
-          </a:ln>
-        </p:spPr>
-        <p:style>
-          <a:lnRef idx="0">
-            <a:scrgbClr r="0" g="0" b="0"/>
-          </a:lnRef>
-          <a:fillRef idx="0">
-            <a:scrgbClr r="0" g="0" b="0"/>
-          </a:fillRef>
-          <a:effectRef idx="0">
-            <a:scrgbClr r="0" g="0" b="0"/>
-          </a:effectRef>
-          <a:fontRef idx="minor"/>
-        </p:style>
-      </p:sp>
-      <p:sp>
-        <p:nvSpPr>
-          <p:cNvPr id="207" name="CustomShape 4"/>
-          <p:cNvSpPr/>
-          <p:nvPr/>
-        </p:nvSpPr>
-        <p:spPr>
-          <a:xfrm>
-            <a:off x="395280" y="736560"/>
-            <a:ext cx="7056720" cy="863280"/>
-          </a:xfrm>
-          <a:prstGeom prst="rect">
-            <a:avLst/>
-          </a:prstGeom>
-          <a:noFill/>
+            <a:off x="5124600" y="6251400"/>
+            <a:ext cx="177480" cy="175680"/>
+          </a:xfrm>
+          <a:prstGeom prst="rect">
+            <a:avLst/>
+          </a:prstGeom>
           <a:ln>
             <a:noFill/>
           </a:ln>
         </p:spPr>
-        <p:style>
-          <a:lnRef idx="0">
-            <a:scrgbClr r="0" g="0" b="0"/>
-          </a:lnRef>
-          <a:fillRef idx="0">
-            <a:scrgbClr r="0" g="0" b="0"/>
-          </a:fillRef>
-          <a:effectRef idx="0">
-            <a:scrgbClr r="0" g="0" b="0"/>
-          </a:effectRef>
-          <a:fontRef idx="minor"/>
-        </p:style>
-        <p:txBody>
-          <a:bodyPr lIns="90000" tIns="45000" rIns="90000" bIns="45000" anchor="ctr"/>
-          <a:lstStyle/>
-          <a:p>
-            <a:pPr marL="0" marR="0" lvl="0" indent="0" algn="l" defTabSz="914400" rtl="0" eaLnBrk="1" fontAlgn="auto" latinLnBrk="0" hangingPunct="1">
-              <a:lnSpc>
-                <a:spcPts val="2032"/>
-              </a:lnSpc>
-              <a:spcBef>
-                <a:spcPts val="0"/>
-              </a:spcBef>
-              <a:spcAft>
-                <a:spcPts val="0"/>
-              </a:spcAft>
-              <a:buClrTx/>
-              <a:buSzTx/>
-              <a:buFontTx/>
-              <a:buNone/>
-              <a:tabLst/>
-              <a:defRPr/>
-            </a:pPr>
-            <a:r>
-              <a:rPr kumimoji="0" lang="en-US" sz="3600" b="1" i="0" u="none" strike="noStrike" kern="1200" cap="none" spc="-1" normalizeH="0" baseline="0" noProof="0">
-                <a:ln>
-                  <a:noFill/>
-                </a:ln>
-                <a:solidFill>
-                  <a:srgbClr val="404040"/>
-                </a:solidFill>
-                <a:effectLst/>
-                <a:uLnTx/>
-                <a:uFill>
-                  <a:solidFill>
-                    <a:srgbClr val="FFFFFF"/>
-                  </a:solidFill>
-                </a:uFill>
-                <a:latin typeface="Rockwell"/>
-              </a:rPr>
-              <a:t>THE </a:t>
-            </a:r>
-            <a:r>
-              <a:rPr kumimoji="0" lang="en-US" sz="3600" b="1" i="0" u="none" strike="noStrike" kern="1200" cap="none" spc="-1" normalizeH="0" baseline="0" noProof="0">
-                <a:ln>
-                  <a:noFill/>
-                </a:ln>
-                <a:solidFill>
-                  <a:srgbClr val="FFC000"/>
-                </a:solidFill>
-                <a:effectLst/>
-                <a:uLnTx/>
-                <a:uFill>
-                  <a:solidFill>
-                    <a:srgbClr val="FFFFFF"/>
-                  </a:solidFill>
-                </a:uFill>
-                <a:latin typeface="Rockwell"/>
-              </a:rPr>
-              <a:t>UGLY</a:t>
-            </a:r>
-            <a:endParaRPr kumimoji="0" lang="en-US" sz="1800" b="0" i="0" u="none" strike="noStrike" kern="1200" cap="none" spc="-1" normalizeH="0" baseline="0" noProof="0">
-              <a:ln>
-                <a:noFill/>
-              </a:ln>
-              <a:solidFill>
-                <a:srgbClr val="000000"/>
-              </a:solidFill>
-              <a:effectLst/>
-              <a:uLnTx/>
-              <a:uFill>
-                <a:solidFill>
-                  <a:srgbClr val="FFFFFF"/>
-                </a:solidFill>
-              </a:uFill>
-              <a:latin typeface="Arial"/>
-            </a:endParaRPr>
-          </a:p>
-        </p:txBody>
-      </p:sp>
-      <p:sp>
-        <p:nvSpPr>
-          <p:cNvPr id="208" name="CustomShape 5"/>
+      </p:pic>
+      <p:sp>
+        <p:nvSpPr>
+          <p:cNvPr id="300" name="CustomShape 10"/>
           <p:cNvSpPr/>
           <p:nvPr/>
         </p:nvSpPr>
         <p:spPr>
           <a:xfrm>
-            <a:off x="395280" y="1298520"/>
+            <a:off x="484200" y="3292920"/>
             <a:ext cx="4519080" cy="474480"/>
           </a:xfrm>
           <a:prstGeom prst="rect">
@@ -19912,7 +14400,7 @@
                 </a:uFill>
                 <a:latin typeface="Rockwell"/>
               </a:rPr>
-              <a:t>Our good and bad moments</a:t>
+              <a:t>In retrospect...</a:t>
             </a:r>
             <a:endParaRPr kumimoji="0" lang="en-US" sz="1800" b="0" i="0" u="none" strike="noStrike" kern="1200" cap="none" spc="-1" normalizeH="0" baseline="0" noProof="0">
               <a:ln>
@@ -19933,62 +14421,16 @@
           </a:p>
         </p:txBody>
       </p:sp>
-      <p:pic>
-        <p:nvPicPr>
-          <p:cNvPr id="209" name="27 Imagen"/>
-          <p:cNvPicPr/>
-          <p:nvPr/>
-        </p:nvPicPr>
-        <p:blipFill>
-          <a:blip r:embed="rId4"/>
-          <a:stretch/>
-        </p:blipFill>
-        <p:spPr>
-          <a:xfrm>
-            <a:off x="4167360" y="6170760"/>
-            <a:ext cx="363240" cy="302760"/>
-          </a:xfrm>
-          <a:prstGeom prst="rect">
-            <a:avLst/>
-          </a:prstGeom>
-          <a:ln>
-            <a:noFill/>
-          </a:ln>
-        </p:spPr>
-      </p:pic>
-      <p:pic>
-        <p:nvPicPr>
-          <p:cNvPr id="210" name="28 Imagen"/>
-          <p:cNvPicPr/>
-          <p:nvPr/>
-        </p:nvPicPr>
-        <p:blipFill>
-          <a:blip r:embed="rId4"/>
-          <a:stretch/>
-        </p:blipFill>
-        <p:spPr>
-          <a:xfrm>
-            <a:off x="4741920" y="6170760"/>
-            <a:ext cx="363240" cy="302760"/>
-          </a:xfrm>
-          <a:prstGeom prst="rect">
-            <a:avLst/>
-          </a:prstGeom>
-          <a:ln>
-            <a:noFill/>
-          </a:ln>
-        </p:spPr>
-      </p:pic>
-      <p:sp>
-        <p:nvSpPr>
-          <p:cNvPr id="211" name="CustomShape 6"/>
+      <p:sp>
+        <p:nvSpPr>
+          <p:cNvPr id="301" name="CustomShape 11"/>
           <p:cNvSpPr/>
           <p:nvPr/>
         </p:nvSpPr>
         <p:spPr>
           <a:xfrm>
-            <a:off x="4193640" y="6181560"/>
-            <a:ext cx="286200" cy="272880"/>
+            <a:off x="477720" y="3789040"/>
+            <a:ext cx="3553920" cy="1903232"/>
           </a:xfrm>
           <a:prstGeom prst="rect">
             <a:avLst/>
@@ -20011,12 +14453,369 @@
           <a:fontRef idx="minor"/>
         </p:style>
         <p:txBody>
-          <a:bodyPr wrap="none" lIns="90000" tIns="45000" rIns="90000" bIns="45000"/>
+          <a:bodyPr lIns="90000" tIns="45000" rIns="90000" bIns="45000"/>
+          <a:lstStyle/>
+          <a:p>
+            <a:pPr marL="216000" marR="0" lvl="0" indent="-216000" algn="just" defTabSz="914400" rtl="0" eaLnBrk="1" fontAlgn="auto" latinLnBrk="0" hangingPunct="1">
+              <a:lnSpc>
+                <a:spcPct val="120000"/>
+              </a:lnSpc>
+              <a:spcBef>
+                <a:spcPts val="0"/>
+              </a:spcBef>
+              <a:spcAft>
+                <a:spcPts val="0"/>
+              </a:spcAft>
+              <a:buClr>
+                <a:srgbClr val="808080"/>
+              </a:buClr>
+              <a:buSzPct val="45000"/>
+              <a:buFont typeface="Wingdings" charset="2"/>
+              <a:buChar char=""/>
+              <a:tabLst/>
+              <a:defRPr/>
+            </a:pPr>
+            <a:r>
+              <a:rPr kumimoji="0" lang="en-US" sz="1200" b="0" i="0" u="none" strike="noStrike" kern="1200" cap="none" spc="-1" normalizeH="0" baseline="0" noProof="0" dirty="0">
+                <a:ln>
+                  <a:noFill/>
+                </a:ln>
+                <a:solidFill>
+                  <a:srgbClr val="808080"/>
+                </a:solidFill>
+                <a:effectLst/>
+                <a:uLnTx/>
+                <a:uFill>
+                  <a:solidFill>
+                    <a:srgbClr val="FFFFFF"/>
+                  </a:solidFill>
+                </a:uFill>
+                <a:latin typeface="Calibri"/>
+              </a:rPr>
+              <a:t>Minutes “meeting review” section</a:t>
+            </a:r>
+            <a:endParaRPr lang="en-US" spc="-1" dirty="0">
+              <a:solidFill>
+                <a:srgbClr val="000000"/>
+              </a:solidFill>
+              <a:uFill>
+                <a:solidFill>
+                  <a:srgbClr val="FFFFFF"/>
+                </a:solidFill>
+              </a:uFill>
+              <a:latin typeface="Arial"/>
+            </a:endParaRPr>
+          </a:p>
+          <a:p>
+            <a:pPr marL="673200" lvl="1" indent="-216000" algn="just" fontAlgn="auto">
+              <a:lnSpc>
+                <a:spcPct val="120000"/>
+              </a:lnSpc>
+              <a:spcBef>
+                <a:spcPts val="0"/>
+              </a:spcBef>
+              <a:spcAft>
+                <a:spcPts val="0"/>
+              </a:spcAft>
+              <a:buClr>
+                <a:srgbClr val="808080"/>
+              </a:buClr>
+              <a:buSzPct val="45000"/>
+              <a:buFont typeface="Wingdings" charset="2"/>
+              <a:buChar char=""/>
+              <a:defRPr/>
+            </a:pPr>
+            <a:r>
+              <a:rPr lang="en-US" sz="1200" spc="-1" dirty="0">
+                <a:solidFill>
+                  <a:srgbClr val="808080"/>
+                </a:solidFill>
+                <a:uFill>
+                  <a:solidFill>
+                    <a:srgbClr val="FFFFFF"/>
+                  </a:solidFill>
+                </a:uFill>
+                <a:latin typeface="Calibri"/>
+              </a:rPr>
+              <a:t>Recurring issue: focus</a:t>
+            </a:r>
+          </a:p>
+          <a:p>
+            <a:pPr marL="216000" indent="-216000" fontAlgn="auto">
+              <a:lnSpc>
+                <a:spcPct val="120000"/>
+              </a:lnSpc>
+              <a:spcBef>
+                <a:spcPts val="0"/>
+              </a:spcBef>
+              <a:spcAft>
+                <a:spcPts val="0"/>
+              </a:spcAft>
+              <a:buClr>
+                <a:srgbClr val="808080"/>
+              </a:buClr>
+              <a:buSzPct val="45000"/>
+              <a:buFont typeface="Wingdings" charset="2"/>
+              <a:buChar char=""/>
+              <a:defRPr/>
+            </a:pPr>
+            <a:r>
+              <a:rPr kumimoji="0" lang="en-US" sz="1200" b="0" i="0" u="none" strike="noStrike" kern="1200" cap="none" spc="-1" normalizeH="0" baseline="0" noProof="0" dirty="0">
+                <a:ln>
+                  <a:noFill/>
+                </a:ln>
+                <a:solidFill>
+                  <a:srgbClr val="808080"/>
+                </a:solidFill>
+                <a:effectLst/>
+                <a:uLnTx/>
+                <a:uFill>
+                  <a:solidFill>
+                    <a:srgbClr val="FFFFFF"/>
+                  </a:solidFill>
+                </a:uFill>
+                <a:latin typeface="Calibri"/>
+              </a:rPr>
+              <a:t>Meeting discussion transition:</a:t>
+            </a:r>
+          </a:p>
+          <a:p>
+            <a:pPr marL="673200" lvl="1" indent="-216000" fontAlgn="auto">
+              <a:lnSpc>
+                <a:spcPct val="120000"/>
+              </a:lnSpc>
+              <a:spcBef>
+                <a:spcPts val="0"/>
+              </a:spcBef>
+              <a:spcAft>
+                <a:spcPts val="0"/>
+              </a:spcAft>
+              <a:buClr>
+                <a:srgbClr val="808080"/>
+              </a:buClr>
+              <a:buSzPct val="45000"/>
+              <a:buFont typeface="Wingdings" charset="2"/>
+              <a:buChar char=""/>
+              <a:defRPr/>
+            </a:pPr>
+            <a:r>
+              <a:rPr kumimoji="0" lang="en-US" sz="1200" b="0" i="0" u="none" strike="noStrike" kern="1200" cap="none" spc="-1" normalizeH="0" baseline="0" noProof="0" dirty="0">
+                <a:ln>
+                  <a:noFill/>
+                </a:ln>
+                <a:solidFill>
+                  <a:srgbClr val="808080"/>
+                </a:solidFill>
+                <a:effectLst/>
+                <a:uLnTx/>
+                <a:uFill>
+                  <a:solidFill>
+                    <a:srgbClr val="FFFFFF"/>
+                  </a:solidFill>
+                </a:uFill>
+                <a:latin typeface="Calibri"/>
+              </a:rPr>
+              <a:t>wide → narrow</a:t>
+            </a:r>
+            <a:endParaRPr kumimoji="0" lang="en-US" b="0" i="0" u="none" strike="noStrike" kern="1200" cap="none" spc="-1" normalizeH="0" baseline="0" noProof="0" dirty="0">
+              <a:ln>
+                <a:noFill/>
+              </a:ln>
+              <a:solidFill>
+                <a:srgbClr val="000000"/>
+              </a:solidFill>
+              <a:effectLst/>
+              <a:uLnTx/>
+              <a:uFill>
+                <a:solidFill>
+                  <a:srgbClr val="FFFFFF"/>
+                </a:solidFill>
+              </a:uFill>
+              <a:latin typeface="Arial"/>
+            </a:endParaRPr>
+          </a:p>
+          <a:p>
+            <a:pPr marL="216000" marR="0" lvl="0" indent="-216000" algn="l" defTabSz="914400" rtl="0" eaLnBrk="1" fontAlgn="auto" latinLnBrk="0" hangingPunct="1">
+              <a:lnSpc>
+                <a:spcPct val="120000"/>
+              </a:lnSpc>
+              <a:spcBef>
+                <a:spcPts val="0"/>
+              </a:spcBef>
+              <a:spcAft>
+                <a:spcPts val="0"/>
+              </a:spcAft>
+              <a:buClr>
+                <a:srgbClr val="808080"/>
+              </a:buClr>
+              <a:buSzPct val="45000"/>
+              <a:buFont typeface="Wingdings" charset="2"/>
+              <a:buChar char=""/>
+              <a:tabLst/>
+              <a:defRPr/>
+            </a:pPr>
+            <a:r>
+              <a:rPr kumimoji="0" lang="en-US" sz="1200" b="0" i="0" u="none" strike="noStrike" kern="1200" cap="none" spc="-1" normalizeH="0" baseline="0" noProof="0" dirty="0">
+                <a:ln>
+                  <a:noFill/>
+                </a:ln>
+                <a:solidFill>
+                  <a:srgbClr val="808080"/>
+                </a:solidFill>
+                <a:effectLst/>
+                <a:uLnTx/>
+                <a:uFill>
+                  <a:solidFill>
+                    <a:srgbClr val="FFFFFF"/>
+                  </a:solidFill>
+                </a:uFill>
+                <a:latin typeface="Calibri"/>
+              </a:rPr>
+              <a:t>Deliverables: abstract → concrete</a:t>
+            </a:r>
+          </a:p>
+          <a:p>
+            <a:pPr marL="216000" marR="0" lvl="0" indent="-216000" algn="l" defTabSz="914400" rtl="0" eaLnBrk="1" fontAlgn="auto" latinLnBrk="0" hangingPunct="1">
+              <a:lnSpc>
+                <a:spcPct val="120000"/>
+              </a:lnSpc>
+              <a:spcBef>
+                <a:spcPts val="0"/>
+              </a:spcBef>
+              <a:spcAft>
+                <a:spcPts val="0"/>
+              </a:spcAft>
+              <a:buClr>
+                <a:srgbClr val="808080"/>
+              </a:buClr>
+              <a:buSzPct val="45000"/>
+              <a:buFont typeface="Wingdings" charset="2"/>
+              <a:buChar char=""/>
+              <a:tabLst/>
+              <a:defRPr/>
+            </a:pPr>
+            <a:r>
+              <a:rPr lang="en-US" sz="1200" spc="-1" dirty="0">
+                <a:solidFill>
+                  <a:srgbClr val="808080"/>
+                </a:solidFill>
+                <a:uFill>
+                  <a:solidFill>
+                    <a:srgbClr val="FFFFFF"/>
+                  </a:solidFill>
+                </a:uFill>
+                <a:latin typeface="Calibri"/>
+              </a:rPr>
+              <a:t>Need to improve issue tracking and commit tagging with GitLab</a:t>
+            </a:r>
+            <a:endParaRPr kumimoji="0" lang="en-US" sz="1200" b="0" i="0" u="none" strike="noStrike" kern="1200" cap="none" spc="-1" normalizeH="0" baseline="0" noProof="0" dirty="0">
+              <a:ln>
+                <a:noFill/>
+              </a:ln>
+              <a:solidFill>
+                <a:srgbClr val="808080"/>
+              </a:solidFill>
+              <a:effectLst/>
+              <a:uLnTx/>
+              <a:uFill>
+                <a:solidFill>
+                  <a:srgbClr val="FFFFFF"/>
+                </a:solidFill>
+              </a:uFill>
+              <a:latin typeface="Calibri"/>
+            </a:endParaRPr>
+          </a:p>
+          <a:p>
+            <a:pPr marL="216000" marR="0" lvl="0" indent="-216000" algn="l" defTabSz="914400" rtl="0" eaLnBrk="1" fontAlgn="auto" latinLnBrk="0" hangingPunct="1">
+              <a:lnSpc>
+                <a:spcPct val="120000"/>
+              </a:lnSpc>
+              <a:spcBef>
+                <a:spcPts val="0"/>
+              </a:spcBef>
+              <a:spcAft>
+                <a:spcPts val="0"/>
+              </a:spcAft>
+              <a:buClr>
+                <a:srgbClr val="808080"/>
+              </a:buClr>
+              <a:buSzPct val="45000"/>
+              <a:buFont typeface="Wingdings" charset="2"/>
+              <a:buChar char=""/>
+              <a:tabLst/>
+              <a:defRPr/>
+            </a:pPr>
+            <a:r>
+              <a:rPr kumimoji="0" lang="en-US" sz="1200" b="0" i="0" u="none" strike="noStrike" kern="1200" cap="none" spc="-1" normalizeH="0" baseline="0" noProof="0" dirty="0">
+                <a:ln>
+                  <a:noFill/>
+                </a:ln>
+                <a:solidFill>
+                  <a:srgbClr val="808080"/>
+                </a:solidFill>
+                <a:effectLst/>
+                <a:uLnTx/>
+                <a:uFill>
+                  <a:solidFill>
+                    <a:srgbClr val="FFFFFF"/>
+                  </a:solidFill>
+                </a:uFill>
+                <a:latin typeface="Calibri"/>
+              </a:rPr>
+              <a:t>Took on a lot of work by making our own renderer and AI</a:t>
+            </a:r>
+            <a:endParaRPr lang="en-US" spc="-1" dirty="0">
+              <a:solidFill>
+                <a:srgbClr val="000000"/>
+              </a:solidFill>
+              <a:uFill>
+                <a:solidFill>
+                  <a:srgbClr val="FFFFFF"/>
+                </a:solidFill>
+              </a:uFill>
+              <a:latin typeface="Arial"/>
+            </a:endParaRPr>
+          </a:p>
+        </p:txBody>
+      </p:sp>
+      <p:sp>
+        <p:nvSpPr>
+          <p:cNvPr id="302" name="CustomShape 12"/>
+          <p:cNvSpPr/>
+          <p:nvPr/>
+        </p:nvSpPr>
+        <p:spPr>
+          <a:xfrm>
+            <a:off x="4669920" y="3291840"/>
+            <a:ext cx="4519080" cy="474480"/>
+          </a:xfrm>
+          <a:prstGeom prst="rect">
+            <a:avLst/>
+          </a:prstGeom>
+          <a:noFill/>
+          <a:ln>
+            <a:noFill/>
+          </a:ln>
+        </p:spPr>
+        <p:style>
+          <a:lnRef idx="0">
+            <a:scrgbClr r="0" g="0" b="0"/>
+          </a:lnRef>
+          <a:fillRef idx="0">
+            <a:scrgbClr r="0" g="0" b="0"/>
+          </a:fillRef>
+          <a:effectRef idx="0">
+            <a:scrgbClr r="0" g="0" b="0"/>
+          </a:effectRef>
+          <a:fontRef idx="minor"/>
+        </p:style>
+        <p:txBody>
+          <a:bodyPr lIns="90000" tIns="45000" rIns="90000" bIns="45000" anchor="ctr"/>
           <a:lstStyle/>
           <a:p>
             <a:pPr marL="0" marR="0" lvl="0" indent="0" algn="l" defTabSz="914400" rtl="0" eaLnBrk="1" fontAlgn="auto" latinLnBrk="0" hangingPunct="1">
               <a:lnSpc>
-                <a:spcPct val="100000"/>
+                <a:spcPts val="2032"/>
               </a:lnSpc>
               <a:spcBef>
                 <a:spcPts val="0"/>
@@ -20032,20 +14831,25 @@
               <a:defRPr/>
             </a:pPr>
             <a:r>
-              <a:rPr lang="en-US" sz="1200" b="1" spc="-1" dirty="0">
-                <a:solidFill>
-                  <a:srgbClr val="FFC000"/>
-                </a:solidFill>
+              <a:rPr kumimoji="0" lang="en-US" sz="1600" b="1" i="0" u="none" strike="noStrike" kern="1200" cap="none" spc="-1" normalizeH="0" baseline="0" noProof="0">
+                <a:ln>
+                  <a:noFill/>
+                </a:ln>
+                <a:solidFill>
+                  <a:srgbClr val="404040"/>
+                </a:solidFill>
+                <a:effectLst/>
+                <a:uLnTx/>
                 <a:uFill>
                   <a:solidFill>
                     <a:srgbClr val="FFFFFF"/>
                   </a:solidFill>
                 </a:uFill>
-                <a:latin typeface="Calibri"/>
+                <a:latin typeface="Rockwell"/>
               </a:rPr>
-              <a:t>7</a:t>
+              <a:t>In conclusion:</a:t>
             </a:r>
-            <a:endParaRPr kumimoji="0" lang="en-US" sz="1800" b="0" i="0" u="none" strike="noStrike" kern="1200" cap="none" spc="-1" normalizeH="0" baseline="0" noProof="0" dirty="0">
+            <a:endParaRPr kumimoji="0" lang="en-US" sz="1800" b="0" i="0" u="none" strike="noStrike" kern="1200" cap="none" spc="-1" normalizeH="0" baseline="0" noProof="0">
               <a:ln>
                 <a:noFill/>
               </a:ln>
@@ -20066,14 +14870,14 @@
       </p:sp>
       <p:sp>
         <p:nvSpPr>
-          <p:cNvPr id="212" name="CustomShape 7"/>
+          <p:cNvPr id="303" name="CustomShape 13"/>
           <p:cNvSpPr/>
           <p:nvPr/>
         </p:nvSpPr>
         <p:spPr>
           <a:xfrm>
-            <a:off x="4449240" y="6181560"/>
-            <a:ext cx="351720" cy="272880"/>
+            <a:off x="4663440" y="3789040"/>
+            <a:ext cx="3553920" cy="1512360"/>
           </a:xfrm>
           <a:prstGeom prst="rect">
             <a:avLst/>
@@ -20096,368 +14900,6 @@
           <a:fontRef idx="minor"/>
         </p:style>
         <p:txBody>
-          <a:bodyPr wrap="none" lIns="90000" tIns="45000" rIns="90000" bIns="45000"/>
-          <a:lstStyle/>
-          <a:p>
-            <a:pPr marL="0" marR="0" lvl="0" indent="0" algn="l" defTabSz="914400" rtl="0" eaLnBrk="1" fontAlgn="auto" latinLnBrk="0" hangingPunct="1">
-              <a:lnSpc>
-                <a:spcPct val="100000"/>
-              </a:lnSpc>
-              <a:spcBef>
-                <a:spcPts val="0"/>
-              </a:spcBef>
-              <a:spcAft>
-                <a:spcPts val="0"/>
-              </a:spcAft>
-              <a:buClrTx/>
-              <a:buSzTx/>
-              <a:buFontTx/>
-              <a:buNone/>
-              <a:tabLst/>
-              <a:defRPr/>
-            </a:pPr>
-            <a:r>
-              <a:rPr kumimoji="0" lang="en-US" sz="1200" b="1" i="1" u="none" strike="noStrike" kern="1200" cap="none" spc="-1" normalizeH="0" baseline="0" noProof="0">
-                <a:ln>
-                  <a:noFill/>
-                </a:ln>
-                <a:solidFill>
-                  <a:srgbClr val="A6A6A6"/>
-                </a:solidFill>
-                <a:effectLst/>
-                <a:uLnTx/>
-                <a:uFill>
-                  <a:solidFill>
-                    <a:srgbClr val="FFFFFF"/>
-                  </a:solidFill>
-                </a:uFill>
-                <a:latin typeface="Calibri"/>
-              </a:rPr>
-              <a:t>of</a:t>
-            </a:r>
-            <a:endParaRPr kumimoji="0" lang="en-US" sz="1800" b="0" i="0" u="none" strike="noStrike" kern="1200" cap="none" spc="-1" normalizeH="0" baseline="0" noProof="0">
-              <a:ln>
-                <a:noFill/>
-              </a:ln>
-              <a:solidFill>
-                <a:srgbClr val="000000"/>
-              </a:solidFill>
-              <a:effectLst/>
-              <a:uLnTx/>
-              <a:uFill>
-                <a:solidFill>
-                  <a:srgbClr val="FFFFFF"/>
-                </a:solidFill>
-              </a:uFill>
-              <a:latin typeface="Arial"/>
-            </a:endParaRPr>
-          </a:p>
-        </p:txBody>
-      </p:sp>
-      <p:sp>
-        <p:nvSpPr>
-          <p:cNvPr id="213" name="CustomShape 8"/>
-          <p:cNvSpPr/>
-          <p:nvPr/>
-        </p:nvSpPr>
-        <p:spPr>
-          <a:xfrm>
-            <a:off x="4776480" y="6181560"/>
-            <a:ext cx="286200" cy="272880"/>
-          </a:xfrm>
-          <a:prstGeom prst="rect">
-            <a:avLst/>
-          </a:prstGeom>
-          <a:noFill/>
-          <a:ln>
-            <a:noFill/>
-          </a:ln>
-        </p:spPr>
-        <p:style>
-          <a:lnRef idx="0">
-            <a:scrgbClr r="0" g="0" b="0"/>
-          </a:lnRef>
-          <a:fillRef idx="0">
-            <a:scrgbClr r="0" g="0" b="0"/>
-          </a:fillRef>
-          <a:effectRef idx="0">
-            <a:scrgbClr r="0" g="0" b="0"/>
-          </a:effectRef>
-          <a:fontRef idx="minor"/>
-        </p:style>
-        <p:txBody>
-          <a:bodyPr wrap="none" lIns="90000" tIns="45000" rIns="90000" bIns="45000"/>
-          <a:lstStyle/>
-          <a:p>
-            <a:pPr marL="0" marR="0" lvl="0" indent="0" algn="l" defTabSz="914400" rtl="0" eaLnBrk="1" fontAlgn="auto" latinLnBrk="0" hangingPunct="1">
-              <a:lnSpc>
-                <a:spcPct val="100000"/>
-              </a:lnSpc>
-              <a:spcBef>
-                <a:spcPts val="0"/>
-              </a:spcBef>
-              <a:spcAft>
-                <a:spcPts val="0"/>
-              </a:spcAft>
-              <a:buClrTx/>
-              <a:buSzTx/>
-              <a:buFontTx/>
-              <a:buNone/>
-              <a:tabLst/>
-              <a:defRPr/>
-            </a:pPr>
-            <a:r>
-              <a:rPr kumimoji="0" lang="en-US" sz="1200" b="1" i="0" u="none" strike="noStrike" kern="1200" cap="none" spc="-1" normalizeH="0" baseline="0" noProof="0">
-                <a:ln>
-                  <a:noFill/>
-                </a:ln>
-                <a:solidFill>
-                  <a:srgbClr val="808080"/>
-                </a:solidFill>
-                <a:effectLst/>
-                <a:uLnTx/>
-                <a:uFill>
-                  <a:solidFill>
-                    <a:srgbClr val="FFFFFF"/>
-                  </a:solidFill>
-                </a:uFill>
-                <a:latin typeface="Calibri"/>
-              </a:rPr>
-              <a:t>8</a:t>
-            </a:r>
-            <a:endParaRPr kumimoji="0" lang="en-US" sz="1800" b="0" i="0" u="none" strike="noStrike" kern="1200" cap="none" spc="-1" normalizeH="0" baseline="0" noProof="0">
-              <a:ln>
-                <a:noFill/>
-              </a:ln>
-              <a:solidFill>
-                <a:srgbClr val="000000"/>
-              </a:solidFill>
-              <a:effectLst/>
-              <a:uLnTx/>
-              <a:uFill>
-                <a:solidFill>
-                  <a:srgbClr val="FFFFFF"/>
-                </a:solidFill>
-              </a:uFill>
-              <a:latin typeface="Arial"/>
-            </a:endParaRPr>
-          </a:p>
-        </p:txBody>
-      </p:sp>
-      <p:pic>
-        <p:nvPicPr>
-          <p:cNvPr id="214" name="Imagen 5"/>
-          <p:cNvPicPr/>
-          <p:nvPr/>
-        </p:nvPicPr>
-        <p:blipFill>
-          <a:blip r:embed="rId5"/>
-          <a:stretch/>
-        </p:blipFill>
-        <p:spPr>
-          <a:xfrm>
-            <a:off x="5127480" y="5983200"/>
-            <a:ext cx="763200" cy="720360"/>
-          </a:xfrm>
-          <a:prstGeom prst="rect">
-            <a:avLst/>
-          </a:prstGeom>
-          <a:ln>
-            <a:noFill/>
-          </a:ln>
-        </p:spPr>
-      </p:pic>
-      <p:pic>
-        <p:nvPicPr>
-          <p:cNvPr id="215" name="Imagen 6"/>
-          <p:cNvPicPr/>
-          <p:nvPr/>
-        </p:nvPicPr>
-        <p:blipFill>
-          <a:blip r:embed="rId6"/>
-          <a:stretch/>
-        </p:blipFill>
-        <p:spPr>
-          <a:xfrm>
-            <a:off x="5124600" y="6251400"/>
-            <a:ext cx="177480" cy="175680"/>
-          </a:xfrm>
-          <a:prstGeom prst="rect">
-            <a:avLst/>
-          </a:prstGeom>
-          <a:ln>
-            <a:noFill/>
-          </a:ln>
-        </p:spPr>
-      </p:pic>
-      <p:pic>
-        <p:nvPicPr>
-          <p:cNvPr id="216" name="Imagen 6"/>
-          <p:cNvPicPr/>
-          <p:nvPr/>
-        </p:nvPicPr>
-        <p:blipFill>
-          <a:blip r:embed="rId7"/>
-          <a:stretch/>
-        </p:blipFill>
-        <p:spPr>
-          <a:xfrm>
-            <a:off x="3933720" y="6251400"/>
-            <a:ext cx="175680" cy="175680"/>
-          </a:xfrm>
-          <a:prstGeom prst="rect">
-            <a:avLst/>
-          </a:prstGeom>
-          <a:ln>
-            <a:noFill/>
-          </a:ln>
-        </p:spPr>
-      </p:pic>
-      <p:pic>
-        <p:nvPicPr>
-          <p:cNvPr id="217" name="Imagen 5"/>
-          <p:cNvPicPr/>
-          <p:nvPr/>
-        </p:nvPicPr>
-        <p:blipFill>
-          <a:blip r:embed="rId8"/>
-          <a:stretch/>
-        </p:blipFill>
-        <p:spPr>
-          <a:xfrm>
-            <a:off x="1649520" y="5756400"/>
-            <a:ext cx="1193400" cy="1128240"/>
-          </a:xfrm>
-          <a:prstGeom prst="rect">
-            <a:avLst/>
-          </a:prstGeom>
-          <a:ln>
-            <a:noFill/>
-          </a:ln>
-        </p:spPr>
-      </p:pic>
-      <p:sp>
-        <p:nvSpPr>
-          <p:cNvPr id="219" name="CustomShape 10"/>
-          <p:cNvSpPr/>
-          <p:nvPr/>
-        </p:nvSpPr>
-        <p:spPr>
-          <a:xfrm>
-            <a:off x="441360" y="3316320"/>
-            <a:ext cx="2426760" cy="350640"/>
-          </a:xfrm>
-          <a:prstGeom prst="rect">
-            <a:avLst/>
-          </a:prstGeom>
-          <a:noFill/>
-          <a:ln>
-            <a:noFill/>
-          </a:ln>
-        </p:spPr>
-        <p:style>
-          <a:lnRef idx="0">
-            <a:scrgbClr r="0" g="0" b="0"/>
-          </a:lnRef>
-          <a:fillRef idx="0">
-            <a:scrgbClr r="0" g="0" b="0"/>
-          </a:fillRef>
-          <a:effectRef idx="0">
-            <a:scrgbClr r="0" g="0" b="0"/>
-          </a:effectRef>
-          <a:fontRef idx="minor"/>
-        </p:style>
-        <p:txBody>
-          <a:bodyPr lIns="90000" tIns="45000" rIns="90000" bIns="45000"/>
-          <a:lstStyle/>
-          <a:p>
-            <a:pPr marL="0" marR="0" lvl="0" indent="0" algn="l" defTabSz="914400" rtl="0" eaLnBrk="1" fontAlgn="auto" latinLnBrk="0" hangingPunct="1">
-              <a:lnSpc>
-                <a:spcPct val="120000"/>
-              </a:lnSpc>
-              <a:spcBef>
-                <a:spcPts val="0"/>
-              </a:spcBef>
-              <a:spcAft>
-                <a:spcPts val="0"/>
-              </a:spcAft>
-              <a:buClrTx/>
-              <a:buSzTx/>
-              <a:buFontTx/>
-              <a:buNone/>
-              <a:tabLst/>
-              <a:defRPr/>
-            </a:pPr>
-            <a:r>
-              <a:rPr kumimoji="0" lang="en-US" sz="1400" b="1" i="0" u="none" strike="noStrike" kern="1200" cap="none" spc="-1" normalizeH="0" baseline="0" noProof="0">
-                <a:ln>
-                  <a:noFill/>
-                </a:ln>
-                <a:solidFill>
-                  <a:srgbClr val="5F5F5F"/>
-                </a:solidFill>
-                <a:effectLst/>
-                <a:uLnTx/>
-                <a:uFill>
-                  <a:solidFill>
-                    <a:srgbClr val="FFFFFF"/>
-                  </a:solidFill>
-                </a:uFill>
-                <a:latin typeface="Rockwell"/>
-              </a:rPr>
-              <a:t>The Good</a:t>
-            </a:r>
-            <a:endParaRPr kumimoji="0" lang="en-US" sz="1800" b="0" i="0" u="none" strike="noStrike" kern="1200" cap="none" spc="-1" normalizeH="0" baseline="0" noProof="0">
-              <a:ln>
-                <a:noFill/>
-              </a:ln>
-              <a:solidFill>
-                <a:srgbClr val="000000"/>
-              </a:solidFill>
-              <a:effectLst/>
-              <a:uLnTx/>
-              <a:uFill>
-                <a:solidFill>
-                  <a:srgbClr val="FFFFFF"/>
-                </a:solidFill>
-              </a:uFill>
-              <a:latin typeface="Arial"/>
-            </a:endParaRPr>
-          </a:p>
-        </p:txBody>
-      </p:sp>
-      <p:sp>
-        <p:nvSpPr>
-          <p:cNvPr id="220" name="CustomShape 11"/>
-          <p:cNvSpPr/>
-          <p:nvPr/>
-        </p:nvSpPr>
-        <p:spPr>
-          <a:xfrm>
-            <a:off x="4937760" y="3688560"/>
-            <a:ext cx="2426760" cy="1523520"/>
-          </a:xfrm>
-          <a:prstGeom prst="rect">
-            <a:avLst/>
-          </a:prstGeom>
-          <a:noFill/>
-          <a:ln>
-            <a:noFill/>
-          </a:ln>
-        </p:spPr>
-        <p:style>
-          <a:lnRef idx="0">
-            <a:scrgbClr r="0" g="0" b="0"/>
-          </a:lnRef>
-          <a:fillRef idx="0">
-            <a:scrgbClr r="0" g="0" b="0"/>
-          </a:fillRef>
-          <a:effectRef idx="0">
-            <a:scrgbClr r="0" g="0" b="0"/>
-          </a:effectRef>
-          <a:fontRef idx="minor"/>
-        </p:style>
-        <p:txBody>
           <a:bodyPr lIns="90000" tIns="45000" rIns="90000" bIns="45000"/>
           <a:lstStyle/>
           <a:p>
@@ -20472,7 +14914,7 @@
                 <a:spcPts val="0"/>
               </a:spcAft>
               <a:buClr>
-                <a:srgbClr val="5F5F5F"/>
+                <a:srgbClr val="808080"/>
               </a:buClr>
               <a:buSzPct val="45000"/>
               <a:buFont typeface="Wingdings" charset="2"/>
@@ -20486,7 +14928,7 @@
                   <a:noFill/>
                 </a:ln>
                 <a:solidFill>
-                  <a:srgbClr val="5F5F5F"/>
+                  <a:srgbClr val="808080"/>
                 </a:solidFill>
                 <a:effectLst/>
                 <a:uLnTx/>
@@ -20497,7 +14939,7 @@
                 </a:uFill>
                 <a:latin typeface="Calibri"/>
               </a:rPr>
-              <a:t>Hard to keep focused</a:t>
+              <a:t>Our process has changed as we have learned from our experience</a:t>
             </a:r>
           </a:p>
           <a:p>
@@ -20512,324 +14954,7 @@
                 <a:spcPts val="0"/>
               </a:spcAft>
               <a:buClr>
-                <a:srgbClr val="5F5F5F"/>
-              </a:buClr>
-              <a:buSzPct val="45000"/>
-              <a:buFont typeface="Wingdings" charset="2"/>
-              <a:buChar char=""/>
-              <a:tabLst/>
-              <a:defRPr/>
-            </a:pPr>
-            <a:r>
-              <a:rPr lang="en-US" sz="1200" spc="-1" dirty="0">
-                <a:solidFill>
-                  <a:srgbClr val="5F5F5F"/>
-                </a:solidFill>
-                <a:uFill>
-                  <a:solidFill>
-                    <a:srgbClr val="FFFFFF"/>
-                  </a:solidFill>
-                </a:uFill>
-                <a:latin typeface="Calibri"/>
-              </a:rPr>
-              <a:t>Overkill time use on UI and AI</a:t>
-            </a:r>
-          </a:p>
-          <a:p>
-            <a:pPr marL="216000" marR="0" lvl="0" indent="-216000" algn="l" defTabSz="914400" rtl="0" eaLnBrk="1" fontAlgn="auto" latinLnBrk="0" hangingPunct="1">
-              <a:lnSpc>
-                <a:spcPct val="120000"/>
-              </a:lnSpc>
-              <a:spcBef>
-                <a:spcPts val="0"/>
-              </a:spcBef>
-              <a:spcAft>
-                <a:spcPts val="0"/>
-              </a:spcAft>
-              <a:buClr>
-                <a:srgbClr val="5F5F5F"/>
-              </a:buClr>
-              <a:buSzPct val="45000"/>
-              <a:buFont typeface="Wingdings" charset="2"/>
-              <a:buChar char=""/>
-              <a:tabLst/>
-              <a:defRPr/>
-            </a:pPr>
-            <a:r>
-              <a:rPr lang="en-US" sz="1200" spc="-1" dirty="0">
-                <a:solidFill>
-                  <a:srgbClr val="5F5F5F"/>
-                </a:solidFill>
-                <a:uFill>
-                  <a:solidFill>
-                    <a:srgbClr val="FFFFFF"/>
-                  </a:solidFill>
-                </a:uFill>
-                <a:latin typeface="Calibri"/>
-              </a:rPr>
-              <a:t>Maven issues</a:t>
-            </a:r>
-          </a:p>
-          <a:p>
-            <a:pPr marL="216000" marR="0" lvl="0" indent="-216000" algn="l" defTabSz="914400" rtl="0" eaLnBrk="1" fontAlgn="auto" latinLnBrk="0" hangingPunct="1">
-              <a:lnSpc>
-                <a:spcPct val="120000"/>
-              </a:lnSpc>
-              <a:spcBef>
-                <a:spcPts val="0"/>
-              </a:spcBef>
-              <a:spcAft>
-                <a:spcPts val="0"/>
-              </a:spcAft>
-              <a:buClr>
-                <a:srgbClr val="5F5F5F"/>
-              </a:buClr>
-              <a:buSzPct val="45000"/>
-              <a:buFont typeface="Wingdings" charset="2"/>
-              <a:buChar char=""/>
-              <a:tabLst/>
-              <a:defRPr/>
-            </a:pPr>
-            <a:endParaRPr lang="en-US" sz="1200" spc="-1" dirty="0">
-              <a:solidFill>
-                <a:srgbClr val="5F5F5F"/>
-              </a:solidFill>
-              <a:uFill>
-                <a:solidFill>
-                  <a:srgbClr val="FFFFFF"/>
-                </a:solidFill>
-              </a:uFill>
-              <a:latin typeface="Calibri"/>
-            </a:endParaRPr>
-          </a:p>
-          <a:p>
-            <a:pPr marL="216000" marR="0" lvl="0" indent="-216000" algn="l" defTabSz="914400" rtl="0" eaLnBrk="1" fontAlgn="auto" latinLnBrk="0" hangingPunct="1">
-              <a:lnSpc>
-                <a:spcPct val="120000"/>
-              </a:lnSpc>
-              <a:spcBef>
-                <a:spcPts val="0"/>
-              </a:spcBef>
-              <a:spcAft>
-                <a:spcPts val="0"/>
-              </a:spcAft>
-              <a:buClr>
-                <a:srgbClr val="5F5F5F"/>
-              </a:buClr>
-              <a:buSzPct val="45000"/>
-              <a:buFont typeface="Wingdings" charset="2"/>
-              <a:buChar char=""/>
-              <a:tabLst/>
-              <a:defRPr/>
-            </a:pPr>
-            <a:endParaRPr kumimoji="0" lang="en-US" sz="1800" b="0" i="0" u="none" strike="noStrike" kern="1200" cap="none" spc="-1" normalizeH="0" baseline="0" noProof="0" dirty="0">
-              <a:ln>
-                <a:noFill/>
-              </a:ln>
-              <a:solidFill>
-                <a:srgbClr val="000000"/>
-              </a:solidFill>
-              <a:effectLst/>
-              <a:uLnTx/>
-              <a:uFill>
-                <a:solidFill>
-                  <a:srgbClr val="FFFFFF"/>
-                </a:solidFill>
-              </a:uFill>
-              <a:latin typeface="Arial"/>
-            </a:endParaRPr>
-          </a:p>
-        </p:txBody>
-      </p:sp>
-      <p:sp>
-        <p:nvSpPr>
-          <p:cNvPr id="221" name="CustomShape 12"/>
-          <p:cNvSpPr/>
-          <p:nvPr/>
-        </p:nvSpPr>
-        <p:spPr>
-          <a:xfrm>
-            <a:off x="4937760" y="3291840"/>
-            <a:ext cx="2426760" cy="350640"/>
-          </a:xfrm>
-          <a:prstGeom prst="rect">
-            <a:avLst/>
-          </a:prstGeom>
-          <a:noFill/>
-          <a:ln>
-            <a:noFill/>
-          </a:ln>
-        </p:spPr>
-        <p:style>
-          <a:lnRef idx="0">
-            <a:scrgbClr r="0" g="0" b="0"/>
-          </a:lnRef>
-          <a:fillRef idx="0">
-            <a:scrgbClr r="0" g="0" b="0"/>
-          </a:fillRef>
-          <a:effectRef idx="0">
-            <a:scrgbClr r="0" g="0" b="0"/>
-          </a:effectRef>
-          <a:fontRef idx="minor"/>
-        </p:style>
-        <p:txBody>
-          <a:bodyPr lIns="90000" tIns="45000" rIns="90000" bIns="45000"/>
-          <a:lstStyle/>
-          <a:p>
-            <a:pPr marL="0" marR="0" lvl="0" indent="0" algn="l" defTabSz="914400" rtl="0" eaLnBrk="1" fontAlgn="auto" latinLnBrk="0" hangingPunct="1">
-              <a:lnSpc>
-                <a:spcPct val="120000"/>
-              </a:lnSpc>
-              <a:spcBef>
-                <a:spcPts val="0"/>
-              </a:spcBef>
-              <a:spcAft>
-                <a:spcPts val="0"/>
-              </a:spcAft>
-              <a:buClrTx/>
-              <a:buSzTx/>
-              <a:buFontTx/>
-              <a:buNone/>
-              <a:tabLst/>
-              <a:defRPr/>
-            </a:pPr>
-            <a:r>
-              <a:rPr kumimoji="0" lang="en-US" sz="1400" b="1" i="0" u="none" strike="noStrike" kern="1200" cap="none" spc="-1" normalizeH="0" baseline="0" noProof="0">
-                <a:ln>
-                  <a:noFill/>
-                </a:ln>
-                <a:solidFill>
-                  <a:srgbClr val="5F5F5F"/>
-                </a:solidFill>
-                <a:effectLst/>
-                <a:uLnTx/>
-                <a:uFill>
-                  <a:solidFill>
-                    <a:srgbClr val="FFFFFF"/>
-                  </a:solidFill>
-                </a:uFill>
-                <a:latin typeface="Rockwell"/>
-              </a:rPr>
-              <a:t>The Bad</a:t>
-            </a:r>
-            <a:endParaRPr kumimoji="0" lang="en-US" sz="1800" b="0" i="0" u="none" strike="noStrike" kern="1200" cap="none" spc="-1" normalizeH="0" baseline="0" noProof="0">
-              <a:ln>
-                <a:noFill/>
-              </a:ln>
-              <a:solidFill>
-                <a:srgbClr val="000000"/>
-              </a:solidFill>
-              <a:effectLst/>
-              <a:uLnTx/>
-              <a:uFill>
-                <a:solidFill>
-                  <a:srgbClr val="FFFFFF"/>
-                </a:solidFill>
-              </a:uFill>
-              <a:latin typeface="Arial"/>
-            </a:endParaRPr>
-          </a:p>
-        </p:txBody>
-      </p:sp>
-      <p:pic>
-        <p:nvPicPr>
-          <p:cNvPr id="222" name="Bilde 221"/>
-          <p:cNvPicPr/>
-          <p:nvPr/>
-        </p:nvPicPr>
-        <p:blipFill>
-          <a:blip r:embed="rId9"/>
-          <a:stretch/>
-        </p:blipFill>
-        <p:spPr>
-          <a:xfrm>
-            <a:off x="546480" y="1920240"/>
-            <a:ext cx="1373760" cy="1348920"/>
-          </a:xfrm>
-          <a:prstGeom prst="rect">
-            <a:avLst/>
-          </a:prstGeom>
-          <a:ln>
-            <a:noFill/>
-          </a:ln>
-        </p:spPr>
-      </p:pic>
-      <p:pic>
-        <p:nvPicPr>
-          <p:cNvPr id="223" name="Bilde 222"/>
-          <p:cNvPicPr/>
-          <p:nvPr/>
-        </p:nvPicPr>
-        <p:blipFill>
-          <a:blip r:embed="rId10"/>
-          <a:stretch/>
-        </p:blipFill>
-        <p:spPr>
-          <a:xfrm>
-            <a:off x="5007960" y="1990440"/>
-            <a:ext cx="1301400" cy="1301400"/>
-          </a:xfrm>
-          <a:prstGeom prst="rect">
-            <a:avLst/>
-          </a:prstGeom>
-          <a:ln>
-            <a:noFill/>
-          </a:ln>
-        </p:spPr>
-      </p:pic>
-      <p:sp>
-        <p:nvSpPr>
-          <p:cNvPr id="23" name="CustomShape 7">
-            <a:extLst>
-              <a:ext uri="{FF2B5EF4-FFF2-40B4-BE49-F238E27FC236}">
-                <a16:creationId xmlns:a16="http://schemas.microsoft.com/office/drawing/2014/main" id="{77A4E5D6-1A49-4CF9-AF4A-2EDEB5927786}"/>
-              </a:ext>
-            </a:extLst>
-          </p:cNvPr>
-          <p:cNvSpPr/>
-          <p:nvPr/>
-        </p:nvSpPr>
-        <p:spPr>
-          <a:xfrm>
-            <a:off x="396808" y="3760971"/>
-            <a:ext cx="3338552" cy="1523520"/>
-          </a:xfrm>
-          <a:prstGeom prst="rect">
-            <a:avLst/>
-          </a:prstGeom>
-          <a:noFill/>
-          <a:ln>
-            <a:noFill/>
-          </a:ln>
-        </p:spPr>
-        <p:style>
-          <a:lnRef idx="0">
-            <a:scrgbClr r="0" g="0" b="0"/>
-          </a:lnRef>
-          <a:fillRef idx="0">
-            <a:scrgbClr r="0" g="0" b="0"/>
-          </a:fillRef>
-          <a:effectRef idx="0">
-            <a:scrgbClr r="0" g="0" b="0"/>
-          </a:effectRef>
-          <a:fontRef idx="minor"/>
-        </p:style>
-        <p:txBody>
-          <a:bodyPr lIns="90000" tIns="45000" rIns="90000" bIns="45000"/>
-          <a:lstStyle/>
-          <a:p>
-            <a:pPr marL="216000" marR="0" lvl="0" indent="-216000" algn="l" defTabSz="914400" rtl="0" eaLnBrk="1" fontAlgn="auto" latinLnBrk="0" hangingPunct="1">
-              <a:lnSpc>
-                <a:spcPct val="120000"/>
-              </a:lnSpc>
-              <a:spcBef>
-                <a:spcPts val="0"/>
-              </a:spcBef>
-              <a:spcAft>
-                <a:spcPts val="0"/>
-              </a:spcAft>
-              <a:buClr>
-                <a:srgbClr val="5F5F5F"/>
+                <a:srgbClr val="808080"/>
               </a:buClr>
               <a:buSzPct val="45000"/>
               <a:buFont typeface="Wingdings" charset="2"/>
@@ -20843,7 +14968,7 @@
                   <a:noFill/>
                 </a:ln>
                 <a:solidFill>
-                  <a:srgbClr val="5F5F5F"/>
+                  <a:srgbClr val="808080"/>
                 </a:solidFill>
                 <a:effectLst/>
                 <a:uLnTx/>
@@ -20854,578 +14979,203 @@
                 </a:uFill>
                 <a:latin typeface="Calibri"/>
               </a:rPr>
-              <a:t>Quick to get organized, assigning roles</a:t>
+              <a:t>We made a chess game.</a:t>
             </a:r>
-            <a:endParaRPr kumimoji="0" lang="en-US" sz="1800" b="0" i="0" u="none" strike="noStrike" kern="1200" cap="none" spc="-1" normalizeH="0" baseline="0" noProof="0" dirty="0">
-              <a:ln>
-                <a:noFill/>
-              </a:ln>
-              <a:solidFill>
-                <a:srgbClr val="000000"/>
-              </a:solidFill>
-              <a:effectLst/>
-              <a:uLnTx/>
-              <a:uFill>
-                <a:solidFill>
-                  <a:srgbClr val="FFFFFF"/>
-                </a:solidFill>
-              </a:uFill>
-              <a:latin typeface="Arial"/>
-            </a:endParaRPr>
-          </a:p>
-          <a:p>
-            <a:pPr marL="216000" marR="0" lvl="0" indent="-216000" algn="just" defTabSz="914400" rtl="0" eaLnBrk="1" fontAlgn="auto" latinLnBrk="0" hangingPunct="1">
-              <a:lnSpc>
-                <a:spcPct val="120000"/>
-              </a:lnSpc>
-              <a:spcBef>
-                <a:spcPts val="0"/>
-              </a:spcBef>
-              <a:spcAft>
-                <a:spcPts val="0"/>
-              </a:spcAft>
-              <a:buClr>
-                <a:srgbClr val="5F5F5F"/>
-              </a:buClr>
-              <a:buSzPct val="45000"/>
-              <a:buFont typeface="Wingdings" charset="2"/>
-              <a:buChar char=""/>
-              <a:tabLst/>
-              <a:defRPr/>
-            </a:pPr>
-            <a:r>
-              <a:rPr kumimoji="0" lang="en-US" sz="1200" b="0" i="0" u="none" strike="noStrike" kern="1200" cap="none" spc="-1" normalizeH="0" baseline="0" noProof="0" dirty="0">
-                <a:ln>
-                  <a:noFill/>
-                </a:ln>
-                <a:solidFill>
-                  <a:srgbClr val="5F5F5F"/>
-                </a:solidFill>
-                <a:effectLst/>
-                <a:uLnTx/>
-                <a:uFill>
-                  <a:solidFill>
-                    <a:srgbClr val="FFFFFF"/>
-                  </a:solidFill>
-                </a:uFill>
-                <a:latin typeface="Calibri"/>
-              </a:rPr>
-              <a:t>High team spirit</a:t>
-            </a:r>
-            <a:endParaRPr kumimoji="0" lang="en-US" sz="1800" b="0" i="0" u="none" strike="noStrike" kern="1200" cap="none" spc="-1" normalizeH="0" baseline="0" noProof="0" dirty="0">
-              <a:ln>
-                <a:noFill/>
-              </a:ln>
-              <a:solidFill>
-                <a:srgbClr val="000000"/>
-              </a:solidFill>
-              <a:effectLst/>
-              <a:uLnTx/>
-              <a:uFill>
-                <a:solidFill>
-                  <a:srgbClr val="FFFFFF"/>
-                </a:solidFill>
-              </a:uFill>
-              <a:latin typeface="Arial"/>
-            </a:endParaRPr>
-          </a:p>
-          <a:p>
-            <a:pPr marL="216000" marR="0" lvl="0" indent="-216000" algn="l" defTabSz="914400" rtl="0" eaLnBrk="1" fontAlgn="auto" latinLnBrk="0" hangingPunct="1">
-              <a:lnSpc>
-                <a:spcPct val="120000"/>
-              </a:lnSpc>
-              <a:spcBef>
-                <a:spcPts val="0"/>
-              </a:spcBef>
-              <a:spcAft>
-                <a:spcPts val="0"/>
-              </a:spcAft>
-              <a:buClr>
-                <a:srgbClr val="5F5F5F"/>
-              </a:buClr>
-              <a:buSzPct val="45000"/>
-              <a:buFont typeface="Wingdings" charset="2"/>
-              <a:buChar char=""/>
-              <a:tabLst/>
-              <a:defRPr/>
-            </a:pPr>
-            <a:r>
-              <a:rPr kumimoji="0" lang="en-US" sz="1200" b="0" i="0" u="none" strike="noStrike" kern="1200" cap="none" spc="-1" normalizeH="0" baseline="0" noProof="0" dirty="0">
-                <a:ln>
-                  <a:noFill/>
-                </a:ln>
-                <a:solidFill>
-                  <a:srgbClr val="5F5F5F"/>
-                </a:solidFill>
-                <a:effectLst/>
-                <a:uLnTx/>
-                <a:uFill>
-                  <a:solidFill>
-                    <a:srgbClr val="FFFFFF"/>
-                  </a:solidFill>
-                </a:uFill>
-                <a:latin typeface="Calibri"/>
-              </a:rPr>
-              <a:t>Good overall team competence</a:t>
-            </a:r>
-          </a:p>
-          <a:p>
-            <a:pPr marL="216000" marR="0" lvl="0" indent="-216000" algn="l" defTabSz="914400" rtl="0" eaLnBrk="1" fontAlgn="auto" latinLnBrk="0" hangingPunct="1">
-              <a:lnSpc>
-                <a:spcPct val="120000"/>
-              </a:lnSpc>
-              <a:spcBef>
-                <a:spcPts val="0"/>
-              </a:spcBef>
-              <a:spcAft>
-                <a:spcPts val="0"/>
-              </a:spcAft>
-              <a:buClr>
-                <a:srgbClr val="5F5F5F"/>
-              </a:buClr>
-              <a:buSzPct val="45000"/>
-              <a:buFont typeface="Wingdings" charset="2"/>
-              <a:buChar char=""/>
-              <a:tabLst/>
-              <a:defRPr/>
-            </a:pPr>
-            <a:r>
-              <a:rPr lang="en-US" sz="1200" spc="-1" dirty="0">
-                <a:solidFill>
-                  <a:srgbClr val="5F5F5F"/>
-                </a:solidFill>
-                <a:uFill>
-                  <a:solidFill>
-                    <a:srgbClr val="FFFFFF"/>
-                  </a:solidFill>
-                </a:uFill>
-                <a:latin typeface="Calibri"/>
-              </a:rPr>
-              <a:t>Frequent communication</a:t>
-            </a:r>
-            <a:endParaRPr kumimoji="0" lang="en-US" sz="1800" b="0" i="0" u="none" strike="noStrike" kern="1200" cap="none" spc="-1" normalizeH="0" baseline="0" noProof="0" dirty="0">
-              <a:ln>
-                <a:noFill/>
-              </a:ln>
-              <a:solidFill>
-                <a:srgbClr val="000000"/>
-              </a:solidFill>
-              <a:effectLst/>
-              <a:uLnTx/>
-              <a:uFill>
-                <a:solidFill>
-                  <a:srgbClr val="FFFFFF"/>
-                </a:solidFill>
-              </a:uFill>
-              <a:latin typeface="Arial"/>
-            </a:endParaRPr>
           </a:p>
         </p:txBody>
       </p:sp>
     </p:spTree>
     <p:extLst>
       <p:ext uri="{BB962C8B-B14F-4D97-AF65-F5344CB8AC3E}">
-        <p14:creationId xmlns:p14="http://schemas.microsoft.com/office/powerpoint/2010/main" val="1424156353"/>
+        <p14:creationId xmlns:p14="http://schemas.microsoft.com/office/powerpoint/2010/main" val="828667984"/>
       </p:ext>
     </p:extLst>
   </p:cSld>
   <p:clrMapOvr>
     <a:masterClrMapping/>
   </p:clrMapOvr>
-  <p:timing>
-    <p:tnLst>
-      <p:par>
-        <p:cTn id="1" dur="indefinite" restart="never" nodeType="tmRoot">
-          <p:childTnLst>
-            <p:seq>
-              <p:cTn id="2" nodeType="mainSeq">
-                <p:childTnLst>
-                  <p:par>
-                    <p:cTn id="3" fill="freeze">
-                      <p:stCondLst>
-                        <p:cond delay="0"/>
-                      </p:stCondLst>
-                      <p:childTnLst>
-                        <p:par>
-                          <p:cTn id="4" fill="freeze">
-                            <p:stCondLst>
-                              <p:cond delay="0"/>
-                            </p:stCondLst>
-                            <p:childTnLst>
-                              <p:par>
-                                <p:cTn id="5" presetID="29" presetClass="entr" fill="hold" nodeType="withEffect">
-                                  <p:stCondLst>
-                                    <p:cond delay="0"/>
-                                  </p:stCondLst>
-                                  <p:childTnLst>
-                                    <p:set>
-                                      <p:cBhvr>
-                                        <p:cTn id="6" dur="1" fill="hold">
-                                          <p:stCondLst>
-                                            <p:cond delay="0"/>
-                                          </p:stCondLst>
-                                        </p:cTn>
-                                        <p:tgtEl>
-                                          <p:spTgt spid="207"/>
-                                        </p:tgtEl>
-                                        <p:attrNameLst>
-                                          <p:attrName>style.visibility</p:attrName>
-                                        </p:attrNameLst>
-                                      </p:cBhvr>
-                                      <p:to>
-                                        <p:strVal val="visible"/>
-                                      </p:to>
-                                    </p:set>
-                                    <p:anim calcmode="lin" valueType="num">
-                                      <p:cBhvr additive="repl">
-                                        <p:cTn id="7" dur="1000" fill="hold"/>
-                                        <p:tgtEl>
-                                          <p:spTgt spid="207"/>
-                                        </p:tgtEl>
-                                        <p:attrNameLst>
-                                          <p:attrName>ppt_x</p:attrName>
-                                        </p:attrNameLst>
-                                      </p:cBhvr>
-                                      <p:tavLst>
-                                        <p:tav tm="0">
-                                          <p:val>
-                                            <p:strVal val="#ppt_x-.2"/>
-                                          </p:val>
-                                        </p:tav>
-                                        <p:tav tm="100000">
-                                          <p:val>
-                                            <p:strVal val="#ppt_x"/>
-                                          </p:val>
-                                        </p:tav>
-                                      </p:tavLst>
-                                    </p:anim>
-                                    <p:anim calcmode="lin" valueType="num">
-                                      <p:cBhvr additive="repl">
-                                        <p:cTn id="8" dur="1000" fill="hold"/>
-                                        <p:tgtEl>
-                                          <p:spTgt spid="207"/>
-                                        </p:tgtEl>
-                                        <p:attrNameLst>
-                                          <p:attrName>ppt_y</p:attrName>
-                                        </p:attrNameLst>
-                                      </p:cBhvr>
-                                      <p:tavLst>
-                                        <p:tav tm="0">
-                                          <p:val>
-                                            <p:strVal val="#ppt_y"/>
-                                          </p:val>
-                                        </p:tav>
-                                        <p:tav tm="100000">
-                                          <p:val>
-                                            <p:strVal val="#ppt_y"/>
-                                          </p:val>
-                                        </p:tav>
-                                      </p:tavLst>
-                                    </p:anim>
-                                    <p:animEffect transition="out" filter="wipe(right)">
-                                      <p:cBhvr additive="repl">
-                                        <p:cTn id="9" dur="1000"/>
-                                        <p:tgtEl>
-                                          <p:spTgt spid="207"/>
-                                        </p:tgtEl>
-                                      </p:cBhvr>
-                                    </p:animEffect>
-                                  </p:childTnLst>
-                                </p:cTn>
-                              </p:par>
-                              <p:par>
-                                <p:cTn id="10" presetID="29" presetClass="entr" fill="hold" nodeType="withEffect">
-                                  <p:stCondLst>
-                                    <p:cond delay="0"/>
-                                  </p:stCondLst>
-                                  <p:childTnLst>
-                                    <p:set>
-                                      <p:cBhvr>
-                                        <p:cTn id="11" dur="1" fill="hold">
-                                          <p:stCondLst>
-                                            <p:cond delay="0"/>
-                                          </p:stCondLst>
-                                        </p:cTn>
-                                        <p:tgtEl>
-                                          <p:spTgt spid="204"/>
-                                        </p:tgtEl>
-                                        <p:attrNameLst>
-                                          <p:attrName>style.visibility</p:attrName>
-                                        </p:attrNameLst>
-                                      </p:cBhvr>
-                                      <p:to>
-                                        <p:strVal val="visible"/>
-                                      </p:to>
-                                    </p:set>
-                                    <p:anim calcmode="lin" valueType="num">
-                                      <p:cBhvr additive="repl">
-                                        <p:cTn id="12" dur="1000" fill="hold"/>
-                                        <p:tgtEl>
-                                          <p:spTgt spid="204"/>
-                                        </p:tgtEl>
-                                        <p:attrNameLst>
-                                          <p:attrName>ppt_x</p:attrName>
-                                        </p:attrNameLst>
-                                      </p:cBhvr>
-                                      <p:tavLst>
-                                        <p:tav tm="0">
-                                          <p:val>
-                                            <p:strVal val="#ppt_x-.2"/>
-                                          </p:val>
-                                        </p:tav>
-                                        <p:tav tm="100000">
-                                          <p:val>
-                                            <p:strVal val="#ppt_x"/>
-                                          </p:val>
-                                        </p:tav>
-                                      </p:tavLst>
-                                    </p:anim>
-                                    <p:anim calcmode="lin" valueType="num">
-                                      <p:cBhvr additive="repl">
-                                        <p:cTn id="13" dur="1000" fill="hold"/>
-                                        <p:tgtEl>
-                                          <p:spTgt spid="204"/>
-                                        </p:tgtEl>
-                                        <p:attrNameLst>
-                                          <p:attrName>ppt_y</p:attrName>
-                                        </p:attrNameLst>
-                                      </p:cBhvr>
-                                      <p:tavLst>
-                                        <p:tav tm="0">
-                                          <p:val>
-                                            <p:strVal val="#ppt_y"/>
-                                          </p:val>
-                                        </p:tav>
-                                        <p:tav tm="100000">
-                                          <p:val>
-                                            <p:strVal val="#ppt_y"/>
-                                          </p:val>
-                                        </p:tav>
-                                      </p:tavLst>
-                                    </p:anim>
-                                    <p:animEffect transition="out" filter="wipe(right)">
-                                      <p:cBhvr additive="repl">
-                                        <p:cTn id="14" dur="1000"/>
-                                        <p:tgtEl>
-                                          <p:spTgt spid="204"/>
-                                        </p:tgtEl>
-                                      </p:cBhvr>
-                                    </p:animEffect>
-                                  </p:childTnLst>
-                                </p:cTn>
-                              </p:par>
-                            </p:childTnLst>
-                          </p:cTn>
-                        </p:par>
-                        <p:par>
-                          <p:cTn id="15" fill="freeze">
-                            <p:stCondLst>
-                              <p:cond delay="1000"/>
-                            </p:stCondLst>
-                            <p:childTnLst>
-                              <p:par>
-                                <p:cTn id="16" presetID="10" presetClass="entr" fill="hold" nodeType="afterEffect">
-                                  <p:stCondLst>
-                                    <p:cond delay="0"/>
-                                  </p:stCondLst>
-                                  <p:childTnLst>
-                                    <p:set>
-                                      <p:cBhvr>
-                                        <p:cTn id="17" dur="1" fill="hold">
-                                          <p:stCondLst>
-                                            <p:cond delay="0"/>
-                                          </p:stCondLst>
-                                        </p:cTn>
-                                        <p:tgtEl>
-                                          <p:spTgt spid="208"/>
-                                        </p:tgtEl>
-                                        <p:attrNameLst>
-                                          <p:attrName>style.visibility</p:attrName>
-                                        </p:attrNameLst>
-                                      </p:cBhvr>
-                                      <p:to>
-                                        <p:strVal val="visible"/>
-                                      </p:to>
-                                    </p:set>
-                                    <p:animEffect transition="in" filter="fade">
-                                      <p:cBhvr additive="repl">
-                                        <p:cTn id="18" dur="2000"/>
-                                        <p:tgtEl>
-                                          <p:spTgt spid="208"/>
-                                        </p:tgtEl>
-                                      </p:cBhvr>
-                                    </p:animEffect>
-                                  </p:childTnLst>
-                                </p:cTn>
-                              </p:par>
-                              <p:par>
-                                <p:cTn id="19" presetID="10" presetClass="entr" fill="hold" nodeType="withEffect">
-                                  <p:stCondLst>
-                                    <p:cond delay="0"/>
-                                  </p:stCondLst>
-                                  <p:childTnLst>
-                                    <p:set>
-                                      <p:cBhvr>
-                                        <p:cTn id="20" dur="1" fill="hold">
-                                          <p:stCondLst>
-                                            <p:cond delay="0"/>
-                                          </p:stCondLst>
-                                        </p:cTn>
-                                        <p:tgtEl>
-                                          <p:spTgt spid="219"/>
-                                        </p:tgtEl>
-                                        <p:attrNameLst>
-                                          <p:attrName>style.visibility</p:attrName>
-                                        </p:attrNameLst>
-                                      </p:cBhvr>
-                                      <p:to>
-                                        <p:strVal val="visible"/>
-                                      </p:to>
-                                    </p:set>
-                                    <p:animEffect transition="in" filter="fade">
-                                      <p:cBhvr additive="repl">
-                                        <p:cTn id="21" dur="2000"/>
-                                        <p:tgtEl>
-                                          <p:spTgt spid="219"/>
-                                        </p:tgtEl>
-                                      </p:cBhvr>
-                                    </p:animEffect>
-                                  </p:childTnLst>
-                                </p:cTn>
-                              </p:par>
-                              <p:par>
-                                <p:cTn id="22" presetID="10" presetClass="entr" fill="hold" nodeType="withEffect">
-                                  <p:stCondLst>
-                                    <p:cond delay="0"/>
-                                  </p:stCondLst>
-                                  <p:childTnLst>
-                                    <p:set>
-                                      <p:cBhvr>
-                                        <p:cTn id="23" dur="1" fill="hold">
-                                          <p:stCondLst>
-                                            <p:cond delay="0"/>
-                                          </p:stCondLst>
-                                        </p:cTn>
-                                        <p:tgtEl>
-                                          <p:spTgt spid="220"/>
-                                        </p:tgtEl>
-                                        <p:attrNameLst>
-                                          <p:attrName>style.visibility</p:attrName>
-                                        </p:attrNameLst>
-                                      </p:cBhvr>
-                                      <p:to>
-                                        <p:strVal val="visible"/>
-                                      </p:to>
-                                    </p:set>
-                                    <p:animEffect transition="in" filter="fade">
-                                      <p:cBhvr additive="repl">
-                                        <p:cTn id="24" dur="2000"/>
-                                        <p:tgtEl>
-                                          <p:spTgt spid="220"/>
-                                        </p:tgtEl>
-                                      </p:cBhvr>
-                                    </p:animEffect>
-                                  </p:childTnLst>
-                                </p:cTn>
-                              </p:par>
-                              <p:par>
-                                <p:cTn id="25" presetID="10" presetClass="entr" fill="hold" nodeType="withEffect">
-                                  <p:stCondLst>
-                                    <p:cond delay="0"/>
-                                  </p:stCondLst>
-                                  <p:childTnLst>
-                                    <p:set>
-                                      <p:cBhvr>
-                                        <p:cTn id="26" dur="1" fill="hold">
-                                          <p:stCondLst>
-                                            <p:cond delay="0"/>
-                                          </p:stCondLst>
-                                        </p:cTn>
-                                        <p:tgtEl>
-                                          <p:spTgt spid="221"/>
-                                        </p:tgtEl>
-                                        <p:attrNameLst>
-                                          <p:attrName>style.visibility</p:attrName>
-                                        </p:attrNameLst>
-                                      </p:cBhvr>
-                                      <p:to>
-                                        <p:strVal val="visible"/>
-                                      </p:to>
-                                    </p:set>
-                                    <p:animEffect transition="in" filter="fade">
-                                      <p:cBhvr additive="repl">
-                                        <p:cTn id="27" dur="2000"/>
-                                        <p:tgtEl>
-                                          <p:spTgt spid="221"/>
-                                        </p:tgtEl>
-                                      </p:cBhvr>
-                                    </p:animEffect>
-                                  </p:childTnLst>
-                                </p:cTn>
-                              </p:par>
-                              <p:par>
-                                <p:cTn id="28" presetID="10" presetClass="entr" fill="hold" nodeType="withEffect">
-                                  <p:stCondLst>
-                                    <p:cond delay="0"/>
-                                  </p:stCondLst>
-                                  <p:childTnLst>
-                                    <p:set>
-                                      <p:cBhvr>
-                                        <p:cTn id="29" dur="1" fill="hold">
-                                          <p:stCondLst>
-                                            <p:cond delay="0"/>
-                                          </p:stCondLst>
-                                        </p:cTn>
-                                        <p:tgtEl>
-                                          <p:spTgt spid="23"/>
-                                        </p:tgtEl>
-                                        <p:attrNameLst>
-                                          <p:attrName>style.visibility</p:attrName>
-                                        </p:attrNameLst>
-                                      </p:cBhvr>
-                                      <p:to>
-                                        <p:strVal val="visible"/>
-                                      </p:to>
-                                    </p:set>
-                                    <p:animEffect transition="in" filter="fade">
-                                      <p:cBhvr additive="repl">
-                                        <p:cTn id="30" dur="2000"/>
-                                        <p:tgtEl>
-                                          <p:spTgt spid="23"/>
-                                        </p:tgtEl>
-                                      </p:cBhvr>
-                                    </p:animEffect>
-                                  </p:childTnLst>
-                                </p:cTn>
-                              </p:par>
-                            </p:childTnLst>
-                          </p:cTn>
-                        </p:par>
-                      </p:childTnLst>
-                    </p:cTn>
-                  </p:par>
-                </p:childTnLst>
-              </p:cTn>
-              <p:prevCondLst>
-                <p:cond evt="onPrev" delay="0">
-                  <p:tgtEl>
-                    <p:sldTgt/>
-                  </p:tgtEl>
-                </p:cond>
-              </p:prevCondLst>
-              <p:nextCondLst>
-                <p:cond evt="onNext" delay="0">
-                  <p:tgtEl>
-                    <p:sldTgt/>
-                  </p:tgtEl>
-                </p:cond>
-              </p:nextCondLst>
-            </p:seq>
-          </p:childTnLst>
-        </p:cTn>
-      </p:par>
-    </p:tnLst>
-  </p:timing>
+</p:sld>
+</file>
+
+<file path=ppt/slides/slide9.xml><?xml version="1.0" encoding="utf-8"?>
+<p:sld xmlns:a="http://schemas.openxmlformats.org/drawingml/2006/main" xmlns:r="http://schemas.openxmlformats.org/officeDocument/2006/relationships" xmlns:p="http://schemas.openxmlformats.org/presentationml/2006/main">
+  <p:cSld>
+    <p:bg>
+      <p:bgPr>
+        <a:blipFill dpi="0" rotWithShape="0">
+          <a:blip r:embed="rId2"/>
+          <a:srcRect/>
+          <a:stretch>
+            <a:fillRect/>
+          </a:stretch>
+        </a:blipFill>
+        <a:effectLst/>
+      </p:bgPr>
+    </p:bg>
+    <p:spTree>
+      <p:nvGrpSpPr>
+        <p:cNvPr id="1" name=""/>
+        <p:cNvGrpSpPr/>
+        <p:nvPr/>
+      </p:nvGrpSpPr>
+      <p:grpSpPr>
+        <a:xfrm>
+          <a:off x="0" y="0"/>
+          <a:ext cx="0" cy="0"/>
+          <a:chOff x="0" y="0"/>
+          <a:chExt cx="0" cy="0"/>
+        </a:xfrm>
+      </p:grpSpPr>
+      <p:sp>
+        <p:nvSpPr>
+          <p:cNvPr id="4" name="1 Título"/>
+          <p:cNvSpPr txBox="1">
+            <a:spLocks/>
+          </p:cNvSpPr>
+          <p:nvPr/>
+        </p:nvSpPr>
+        <p:spPr>
+          <a:xfrm>
+            <a:off x="323850" y="1412875"/>
+            <a:ext cx="5902325" cy="863600"/>
+          </a:xfrm>
+          <a:prstGeom prst="rect">
+            <a:avLst/>
+          </a:prstGeom>
+        </p:spPr>
+        <p:txBody>
+          <a:bodyPr anchor="ctr"/>
+          <a:lstStyle>
+            <a:lvl1pPr>
+              <a:defRPr>
+                <a:solidFill>
+                  <a:schemeClr val="tx1"/>
+                </a:solidFill>
+                <a:latin typeface="Calibri" pitchFamily="34" charset="0"/>
+              </a:defRPr>
+            </a:lvl1pPr>
+            <a:lvl2pPr marL="742950" indent="-285750">
+              <a:defRPr>
+                <a:solidFill>
+                  <a:schemeClr val="tx1"/>
+                </a:solidFill>
+                <a:latin typeface="Calibri" pitchFamily="34" charset="0"/>
+              </a:defRPr>
+            </a:lvl2pPr>
+            <a:lvl3pPr marL="1143000" indent="-228600">
+              <a:defRPr>
+                <a:solidFill>
+                  <a:schemeClr val="tx1"/>
+                </a:solidFill>
+                <a:latin typeface="Calibri" pitchFamily="34" charset="0"/>
+              </a:defRPr>
+            </a:lvl3pPr>
+            <a:lvl4pPr marL="1600200" indent="-228600">
+              <a:defRPr>
+                <a:solidFill>
+                  <a:schemeClr val="tx1"/>
+                </a:solidFill>
+                <a:latin typeface="Calibri" pitchFamily="34" charset="0"/>
+              </a:defRPr>
+            </a:lvl4pPr>
+            <a:lvl5pPr marL="2057400" indent="-228600">
+              <a:defRPr>
+                <a:solidFill>
+                  <a:schemeClr val="tx1"/>
+                </a:solidFill>
+                <a:latin typeface="Calibri" pitchFamily="34" charset="0"/>
+              </a:defRPr>
+            </a:lvl5pPr>
+            <a:lvl6pPr marL="2514600" indent="-228600" fontAlgn="base">
+              <a:spcBef>
+                <a:spcPct val="0"/>
+              </a:spcBef>
+              <a:spcAft>
+                <a:spcPct val="0"/>
+              </a:spcAft>
+              <a:defRPr>
+                <a:solidFill>
+                  <a:schemeClr val="tx1"/>
+                </a:solidFill>
+                <a:latin typeface="Calibri" pitchFamily="34" charset="0"/>
+              </a:defRPr>
+            </a:lvl6pPr>
+            <a:lvl7pPr marL="2971800" indent="-228600" fontAlgn="base">
+              <a:spcBef>
+                <a:spcPct val="0"/>
+              </a:spcBef>
+              <a:spcAft>
+                <a:spcPct val="0"/>
+              </a:spcAft>
+              <a:defRPr>
+                <a:solidFill>
+                  <a:schemeClr val="tx1"/>
+                </a:solidFill>
+                <a:latin typeface="Calibri" pitchFamily="34" charset="0"/>
+              </a:defRPr>
+            </a:lvl7pPr>
+            <a:lvl8pPr marL="3429000" indent="-228600" fontAlgn="base">
+              <a:spcBef>
+                <a:spcPct val="0"/>
+              </a:spcBef>
+              <a:spcAft>
+                <a:spcPct val="0"/>
+              </a:spcAft>
+              <a:defRPr>
+                <a:solidFill>
+                  <a:schemeClr val="tx1"/>
+                </a:solidFill>
+                <a:latin typeface="Calibri" pitchFamily="34" charset="0"/>
+              </a:defRPr>
+            </a:lvl8pPr>
+            <a:lvl9pPr marL="3886200" indent="-228600" fontAlgn="base">
+              <a:spcBef>
+                <a:spcPct val="0"/>
+              </a:spcBef>
+              <a:spcAft>
+                <a:spcPct val="0"/>
+              </a:spcAft>
+              <a:defRPr>
+                <a:solidFill>
+                  <a:schemeClr val="tx1"/>
+                </a:solidFill>
+                <a:latin typeface="Calibri" pitchFamily="34" charset="0"/>
+              </a:defRPr>
+            </a:lvl9pPr>
+          </a:lstStyle>
+          <a:p>
+            <a:pPr>
+              <a:lnSpc>
+                <a:spcPts val="5763"/>
+              </a:lnSpc>
+            </a:pPr>
+            <a:r>
+              <a:rPr lang="es-HN" sz="4900" b="1">
+                <a:solidFill>
+                  <a:srgbClr val="404040"/>
+                </a:solidFill>
+                <a:latin typeface="Rockwell" pitchFamily="18" charset="0"/>
+              </a:rPr>
+              <a:t>THANK </a:t>
+            </a:r>
+            <a:r>
+              <a:rPr lang="es-HN" sz="4900" b="1">
+                <a:solidFill>
+                  <a:srgbClr val="FFC000"/>
+                </a:solidFill>
+                <a:latin typeface="Rockwell" pitchFamily="18" charset="0"/>
+              </a:rPr>
+              <a:t>YOU</a:t>
+            </a:r>
+          </a:p>
+        </p:txBody>
+      </p:sp>
+    </p:spTree>
+  </p:cSld>
+  <p:clrMapOvr>
+    <a:masterClrMapping/>
+  </p:clrMapOvr>
+  <p:transition/>
 </p:sld>
 </file>
 

--- a/docs/presentation/Presentasjon oblig3.pptx
+++ b/docs/presentation/Presentasjon oblig3.pptx
@@ -6202,7 +6202,7 @@
                 </a14:imgProps>
               </a:ext>
               <a:ext uri="{28A0092B-C50C-407E-A947-70E740481C1C}">
-                <a14:useLocalDpi xmlns:a14="http://schemas.microsoft.com/office/drawing/2010/main" val="0"/>
+                <a14:useLocalDpi xmlns:a14="http://schemas.microsoft.com/office/drawing/2010/main"/>
               </a:ext>
             </a:extLst>
           </a:blip>
@@ -6269,7 +6269,7 @@
           <a:blip r:embed="rId3">
             <a:extLst>
               <a:ext uri="{28A0092B-C50C-407E-A947-70E740481C1C}">
-                <a14:useLocalDpi xmlns:a14="http://schemas.microsoft.com/office/drawing/2010/main" val="0"/>
+                <a14:useLocalDpi xmlns:a14="http://schemas.microsoft.com/office/drawing/2010/main"/>
               </a:ext>
             </a:extLst>
           </a:blip>
@@ -6676,7 +6676,7 @@
           <a:blip r:embed="rId4">
             <a:extLst>
               <a:ext uri="{28A0092B-C50C-407E-A947-70E740481C1C}">
-                <a14:useLocalDpi xmlns:a14="http://schemas.microsoft.com/office/drawing/2010/main" val="0"/>
+                <a14:useLocalDpi xmlns:a14="http://schemas.microsoft.com/office/drawing/2010/main"/>
               </a:ext>
             </a:extLst>
           </a:blip>
@@ -6730,7 +6730,7 @@
           <a:blip r:embed="rId4">
             <a:extLst>
               <a:ext uri="{28A0092B-C50C-407E-A947-70E740481C1C}">
-                <a14:useLocalDpi xmlns:a14="http://schemas.microsoft.com/office/drawing/2010/main" val="0"/>
+                <a14:useLocalDpi xmlns:a14="http://schemas.microsoft.com/office/drawing/2010/main"/>
               </a:ext>
             </a:extLst>
           </a:blip>
@@ -7049,7 +7049,7 @@
           <a:blip r:embed="rId5">
             <a:extLst>
               <a:ext uri="{28A0092B-C50C-407E-A947-70E740481C1C}">
-                <a14:useLocalDpi xmlns:a14="http://schemas.microsoft.com/office/drawing/2010/main" val="0"/>
+                <a14:useLocalDpi xmlns:a14="http://schemas.microsoft.com/office/drawing/2010/main"/>
               </a:ext>
             </a:extLst>
           </a:blip>
@@ -7102,10 +7102,10 @@
           <p:nvPr/>
         </p:nvPicPr>
         <p:blipFill>
-          <a:blip r:embed="rId6" cstate="print">
+          <a:blip r:embed="rId6" cstate="screen">
             <a:extLst>
               <a:ext uri="{28A0092B-C50C-407E-A947-70E740481C1C}">
-                <a14:useLocalDpi xmlns:a14="http://schemas.microsoft.com/office/drawing/2010/main" val="0"/>
+                <a14:useLocalDpi xmlns:a14="http://schemas.microsoft.com/office/drawing/2010/main"/>
               </a:ext>
             </a:extLst>
           </a:blip>
@@ -7158,10 +7158,10 @@
           <p:nvPr/>
         </p:nvPicPr>
         <p:blipFill>
-          <a:blip r:embed="rId7" cstate="print">
+          <a:blip r:embed="rId7" cstate="screen">
             <a:extLst>
               <a:ext uri="{28A0092B-C50C-407E-A947-70E740481C1C}">
-                <a14:useLocalDpi xmlns:a14="http://schemas.microsoft.com/office/drawing/2010/main" val="0"/>
+                <a14:useLocalDpi xmlns:a14="http://schemas.microsoft.com/office/drawing/2010/main"/>
               </a:ext>
             </a:extLst>
           </a:blip>
@@ -7215,7 +7215,7 @@
           <a:blip r:embed="rId8">
             <a:extLst>
               <a:ext uri="{28A0092B-C50C-407E-A947-70E740481C1C}">
-                <a14:useLocalDpi xmlns:a14="http://schemas.microsoft.com/office/drawing/2010/main" val="0"/>
+                <a14:useLocalDpi xmlns:a14="http://schemas.microsoft.com/office/drawing/2010/main"/>
               </a:ext>
             </a:extLst>
           </a:blip>
@@ -7753,7 +7753,7 @@
           <a:blip r:embed="rId3">
             <a:extLst>
               <a:ext uri="{28A0092B-C50C-407E-A947-70E740481C1C}">
-                <a14:useLocalDpi xmlns:a14="http://schemas.microsoft.com/office/drawing/2010/main" val="0"/>
+                <a14:useLocalDpi xmlns:a14="http://schemas.microsoft.com/office/drawing/2010/main"/>
               </a:ext>
             </a:extLst>
           </a:blip>
@@ -8190,7 +8190,7 @@
           <a:blip r:embed="rId4">
             <a:extLst>
               <a:ext uri="{28A0092B-C50C-407E-A947-70E740481C1C}">
-                <a14:useLocalDpi xmlns:a14="http://schemas.microsoft.com/office/drawing/2010/main" val="0"/>
+                <a14:useLocalDpi xmlns:a14="http://schemas.microsoft.com/office/drawing/2010/main"/>
               </a:ext>
             </a:extLst>
           </a:blip>
@@ -8244,7 +8244,7 @@
           <a:blip r:embed="rId4">
             <a:extLst>
               <a:ext uri="{28A0092B-C50C-407E-A947-70E740481C1C}">
-                <a14:useLocalDpi xmlns:a14="http://schemas.microsoft.com/office/drawing/2010/main" val="0"/>
+                <a14:useLocalDpi xmlns:a14="http://schemas.microsoft.com/office/drawing/2010/main"/>
               </a:ext>
             </a:extLst>
           </a:blip>
@@ -8563,7 +8563,7 @@
           <a:blip r:embed="rId5">
             <a:extLst>
               <a:ext uri="{28A0092B-C50C-407E-A947-70E740481C1C}">
-                <a14:useLocalDpi xmlns:a14="http://schemas.microsoft.com/office/drawing/2010/main" val="0"/>
+                <a14:useLocalDpi xmlns:a14="http://schemas.microsoft.com/office/drawing/2010/main"/>
               </a:ext>
             </a:extLst>
           </a:blip>
@@ -8616,10 +8616,10 @@
           <p:nvPr/>
         </p:nvPicPr>
         <p:blipFill>
-          <a:blip r:embed="rId6" cstate="print">
+          <a:blip r:embed="rId6" cstate="screen">
             <a:extLst>
               <a:ext uri="{28A0092B-C50C-407E-A947-70E740481C1C}">
-                <a14:useLocalDpi xmlns:a14="http://schemas.microsoft.com/office/drawing/2010/main" val="0"/>
+                <a14:useLocalDpi xmlns:a14="http://schemas.microsoft.com/office/drawing/2010/main"/>
               </a:ext>
             </a:extLst>
           </a:blip>
@@ -8672,10 +8672,10 @@
           <p:nvPr/>
         </p:nvPicPr>
         <p:blipFill>
-          <a:blip r:embed="rId7" cstate="print">
+          <a:blip r:embed="rId7" cstate="screen">
             <a:extLst>
               <a:ext uri="{28A0092B-C50C-407E-A947-70E740481C1C}">
-                <a14:useLocalDpi xmlns:a14="http://schemas.microsoft.com/office/drawing/2010/main" val="0"/>
+                <a14:useLocalDpi xmlns:a14="http://schemas.microsoft.com/office/drawing/2010/main"/>
               </a:ext>
             </a:extLst>
           </a:blip>
@@ -8729,7 +8729,7 @@
           <a:blip r:embed="rId8">
             <a:extLst>
               <a:ext uri="{28A0092B-C50C-407E-A947-70E740481C1C}">
-                <a14:useLocalDpi xmlns:a14="http://schemas.microsoft.com/office/drawing/2010/main" val="0"/>
+                <a14:useLocalDpi xmlns:a14="http://schemas.microsoft.com/office/drawing/2010/main"/>
               </a:ext>
             </a:extLst>
           </a:blip>
@@ -8921,7 +8921,7 @@
           <a:blip r:embed="rId3">
             <a:extLst>
               <a:ext uri="{28A0092B-C50C-407E-A947-70E740481C1C}">
-                <a14:useLocalDpi xmlns:a14="http://schemas.microsoft.com/office/drawing/2010/main" val="0"/>
+                <a14:useLocalDpi xmlns:a14="http://schemas.microsoft.com/office/drawing/2010/main"/>
               </a:ext>
             </a:extLst>
           </a:blip>
@@ -9229,7 +9229,7 @@
           <a:blip r:embed="rId4">
             <a:extLst>
               <a:ext uri="{28A0092B-C50C-407E-A947-70E740481C1C}">
-                <a14:useLocalDpi xmlns:a14="http://schemas.microsoft.com/office/drawing/2010/main" val="0"/>
+                <a14:useLocalDpi xmlns:a14="http://schemas.microsoft.com/office/drawing/2010/main"/>
               </a:ext>
             </a:extLst>
           </a:blip>
@@ -9283,7 +9283,7 @@
           <a:blip r:embed="rId4">
             <a:extLst>
               <a:ext uri="{28A0092B-C50C-407E-A947-70E740481C1C}">
-                <a14:useLocalDpi xmlns:a14="http://schemas.microsoft.com/office/drawing/2010/main" val="0"/>
+                <a14:useLocalDpi xmlns:a14="http://schemas.microsoft.com/office/drawing/2010/main"/>
               </a:ext>
             </a:extLst>
           </a:blip>
@@ -9602,7 +9602,7 @@
           <a:blip r:embed="rId5">
             <a:extLst>
               <a:ext uri="{28A0092B-C50C-407E-A947-70E740481C1C}">
-                <a14:useLocalDpi xmlns:a14="http://schemas.microsoft.com/office/drawing/2010/main" val="0"/>
+                <a14:useLocalDpi xmlns:a14="http://schemas.microsoft.com/office/drawing/2010/main"/>
               </a:ext>
             </a:extLst>
           </a:blip>
@@ -9655,10 +9655,10 @@
           <p:nvPr/>
         </p:nvPicPr>
         <p:blipFill>
-          <a:blip r:embed="rId6" cstate="print">
+          <a:blip r:embed="rId6" cstate="screen">
             <a:extLst>
               <a:ext uri="{28A0092B-C50C-407E-A947-70E740481C1C}">
-                <a14:useLocalDpi xmlns:a14="http://schemas.microsoft.com/office/drawing/2010/main" val="0"/>
+                <a14:useLocalDpi xmlns:a14="http://schemas.microsoft.com/office/drawing/2010/main"/>
               </a:ext>
             </a:extLst>
           </a:blip>
@@ -9711,10 +9711,10 @@
           <p:nvPr/>
         </p:nvPicPr>
         <p:blipFill>
-          <a:blip r:embed="rId7" cstate="print">
+          <a:blip r:embed="rId7" cstate="screen">
             <a:extLst>
               <a:ext uri="{28A0092B-C50C-407E-A947-70E740481C1C}">
-                <a14:useLocalDpi xmlns:a14="http://schemas.microsoft.com/office/drawing/2010/main" val="0"/>
+                <a14:useLocalDpi xmlns:a14="http://schemas.microsoft.com/office/drawing/2010/main"/>
               </a:ext>
             </a:extLst>
           </a:blip>
@@ -9768,7 +9768,7 @@
           <a:blip r:embed="rId8">
             <a:extLst>
               <a:ext uri="{28A0092B-C50C-407E-A947-70E740481C1C}">
-                <a14:useLocalDpi xmlns:a14="http://schemas.microsoft.com/office/drawing/2010/main" val="0"/>
+                <a14:useLocalDpi xmlns:a14="http://schemas.microsoft.com/office/drawing/2010/main"/>
               </a:ext>
             </a:extLst>
           </a:blip>
@@ -9960,7 +9960,7 @@
           <a:blip r:embed="rId3">
             <a:extLst>
               <a:ext uri="{28A0092B-C50C-407E-A947-70E740481C1C}">
-                <a14:useLocalDpi xmlns:a14="http://schemas.microsoft.com/office/drawing/2010/main" val="0"/>
+                <a14:useLocalDpi xmlns:a14="http://schemas.microsoft.com/office/drawing/2010/main"/>
               </a:ext>
             </a:extLst>
           </a:blip>
@@ -10268,7 +10268,7 @@
           <a:blip r:embed="rId4">
             <a:extLst>
               <a:ext uri="{28A0092B-C50C-407E-A947-70E740481C1C}">
-                <a14:useLocalDpi xmlns:a14="http://schemas.microsoft.com/office/drawing/2010/main" val="0"/>
+                <a14:useLocalDpi xmlns:a14="http://schemas.microsoft.com/office/drawing/2010/main"/>
               </a:ext>
             </a:extLst>
           </a:blip>
@@ -10322,7 +10322,7 @@
           <a:blip r:embed="rId4">
             <a:extLst>
               <a:ext uri="{28A0092B-C50C-407E-A947-70E740481C1C}">
-                <a14:useLocalDpi xmlns:a14="http://schemas.microsoft.com/office/drawing/2010/main" val="0"/>
+                <a14:useLocalDpi xmlns:a14="http://schemas.microsoft.com/office/drawing/2010/main"/>
               </a:ext>
             </a:extLst>
           </a:blip>
@@ -10641,7 +10641,7 @@
           <a:blip r:embed="rId5">
             <a:extLst>
               <a:ext uri="{28A0092B-C50C-407E-A947-70E740481C1C}">
-                <a14:useLocalDpi xmlns:a14="http://schemas.microsoft.com/office/drawing/2010/main" val="0"/>
+                <a14:useLocalDpi xmlns:a14="http://schemas.microsoft.com/office/drawing/2010/main"/>
               </a:ext>
             </a:extLst>
           </a:blip>
@@ -10694,10 +10694,10 @@
           <p:nvPr/>
         </p:nvPicPr>
         <p:blipFill>
-          <a:blip r:embed="rId6" cstate="print">
+          <a:blip r:embed="rId6" cstate="screen">
             <a:extLst>
               <a:ext uri="{28A0092B-C50C-407E-A947-70E740481C1C}">
-                <a14:useLocalDpi xmlns:a14="http://schemas.microsoft.com/office/drawing/2010/main" val="0"/>
+                <a14:useLocalDpi xmlns:a14="http://schemas.microsoft.com/office/drawing/2010/main"/>
               </a:ext>
             </a:extLst>
           </a:blip>
@@ -10750,10 +10750,10 @@
           <p:nvPr/>
         </p:nvPicPr>
         <p:blipFill>
-          <a:blip r:embed="rId7" cstate="print">
+          <a:blip r:embed="rId7" cstate="screen">
             <a:extLst>
               <a:ext uri="{28A0092B-C50C-407E-A947-70E740481C1C}">
-                <a14:useLocalDpi xmlns:a14="http://schemas.microsoft.com/office/drawing/2010/main" val="0"/>
+                <a14:useLocalDpi xmlns:a14="http://schemas.microsoft.com/office/drawing/2010/main"/>
               </a:ext>
             </a:extLst>
           </a:blip>
@@ -10807,7 +10807,7 @@
           <a:blip r:embed="rId8">
             <a:extLst>
               <a:ext uri="{28A0092B-C50C-407E-A947-70E740481C1C}">
-                <a14:useLocalDpi xmlns:a14="http://schemas.microsoft.com/office/drawing/2010/main" val="0"/>
+                <a14:useLocalDpi xmlns:a14="http://schemas.microsoft.com/office/drawing/2010/main"/>
               </a:ext>
             </a:extLst>
           </a:blip>
@@ -10964,7 +10964,7 @@
     <p:bg>
       <p:bgPr>
         <a:blipFill dpi="0" rotWithShape="0">
-          <a:blip r:embed="rId2"/>
+          <a:blip r:embed="rId4"/>
           <a:srcRect/>
           <a:stretch>
             <a:fillRect/>
@@ -10996,10 +10996,10 @@
           <p:nvPr/>
         </p:nvPicPr>
         <p:blipFill>
-          <a:blip r:embed="rId3">
+          <a:blip r:embed="rId5">
             <a:extLst>
               <a:ext uri="{28A0092B-C50C-407E-A947-70E740481C1C}">
-                <a14:useLocalDpi xmlns:a14="http://schemas.microsoft.com/office/drawing/2010/main" val="0"/>
+                <a14:useLocalDpi xmlns:a14="http://schemas.microsoft.com/office/drawing/2010/main"/>
               </a:ext>
             </a:extLst>
           </a:blip>
@@ -11304,10 +11304,10 @@
           <p:nvPr/>
         </p:nvPicPr>
         <p:blipFill>
-          <a:blip r:embed="rId4">
+          <a:blip r:embed="rId6">
             <a:extLst>
               <a:ext uri="{28A0092B-C50C-407E-A947-70E740481C1C}">
-                <a14:useLocalDpi xmlns:a14="http://schemas.microsoft.com/office/drawing/2010/main" val="0"/>
+                <a14:useLocalDpi xmlns:a14="http://schemas.microsoft.com/office/drawing/2010/main"/>
               </a:ext>
             </a:extLst>
           </a:blip>
@@ -11358,10 +11358,10 @@
           <p:nvPr/>
         </p:nvPicPr>
         <p:blipFill>
-          <a:blip r:embed="rId4">
+          <a:blip r:embed="rId6">
             <a:extLst>
               <a:ext uri="{28A0092B-C50C-407E-A947-70E740481C1C}">
-                <a14:useLocalDpi xmlns:a14="http://schemas.microsoft.com/office/drawing/2010/main" val="0"/>
+                <a14:useLocalDpi xmlns:a14="http://schemas.microsoft.com/office/drawing/2010/main"/>
               </a:ext>
             </a:extLst>
           </a:blip>
@@ -11672,10 +11672,10 @@
           <p:nvPr/>
         </p:nvPicPr>
         <p:blipFill>
-          <a:blip r:embed="rId5">
+          <a:blip r:embed="rId7">
             <a:extLst>
               <a:ext uri="{28A0092B-C50C-407E-A947-70E740481C1C}">
-                <a14:useLocalDpi xmlns:a14="http://schemas.microsoft.com/office/drawing/2010/main" val="0"/>
+                <a14:useLocalDpi xmlns:a14="http://schemas.microsoft.com/office/drawing/2010/main"/>
               </a:ext>
             </a:extLst>
           </a:blip>
@@ -11728,10 +11728,10 @@
           <p:nvPr/>
         </p:nvPicPr>
         <p:blipFill>
-          <a:blip r:embed="rId6" cstate="print">
+          <a:blip r:embed="rId8" cstate="screen">
             <a:extLst>
               <a:ext uri="{28A0092B-C50C-407E-A947-70E740481C1C}">
-                <a14:useLocalDpi xmlns:a14="http://schemas.microsoft.com/office/drawing/2010/main" val="0"/>
+                <a14:useLocalDpi xmlns:a14="http://schemas.microsoft.com/office/drawing/2010/main"/>
               </a:ext>
             </a:extLst>
           </a:blip>
@@ -11784,10 +11784,10 @@
           <p:nvPr/>
         </p:nvPicPr>
         <p:blipFill>
-          <a:blip r:embed="rId7" cstate="print">
+          <a:blip r:embed="rId9" cstate="screen">
             <a:extLst>
               <a:ext uri="{28A0092B-C50C-407E-A947-70E740481C1C}">
-                <a14:useLocalDpi xmlns:a14="http://schemas.microsoft.com/office/drawing/2010/main" val="0"/>
+                <a14:useLocalDpi xmlns:a14="http://schemas.microsoft.com/office/drawing/2010/main"/>
               </a:ext>
             </a:extLst>
           </a:blip>
@@ -11838,10 +11838,10 @@
           <p:nvPr/>
         </p:nvPicPr>
         <p:blipFill>
-          <a:blip r:embed="rId8">
+          <a:blip r:embed="rId10">
             <a:extLst>
               <a:ext uri="{28A0092B-C50C-407E-A947-70E740481C1C}">
-                <a14:useLocalDpi xmlns:a14="http://schemas.microsoft.com/office/drawing/2010/main" val="0"/>
+                <a14:useLocalDpi xmlns:a14="http://schemas.microsoft.com/office/drawing/2010/main"/>
               </a:ext>
             </a:extLst>
           </a:blip>
@@ -11951,34 +11951,36 @@
       </p:sp>
       <p:pic>
         <p:nvPicPr>
-          <p:cNvPr id="4" name="Bilde 3">
+          <p:cNvPr id="2" name="2018-03-22_22-15-49">
+            <a:hlinkClick r:id="" action="ppaction://media"/>
             <a:extLst>
               <a:ext uri="{FF2B5EF4-FFF2-40B4-BE49-F238E27FC236}">
-                <a16:creationId xmlns:a16="http://schemas.microsoft.com/office/drawing/2014/main" id="{533C0616-E4E7-4DE4-9BC5-7ED07C4F08E7}"/>
+                <a16:creationId xmlns:a16="http://schemas.microsoft.com/office/drawing/2014/main" id="{DF867674-6BDF-406A-A01D-E13C358DCE6E}"/>
               </a:ext>
             </a:extLst>
           </p:cNvPr>
           <p:cNvPicPr>
             <a:picLocks noChangeAspect="1"/>
           </p:cNvPicPr>
-          <p:nvPr/>
+          <p:nvPr>
+            <a:videoFile r:link="rId2"/>
+            <p:extLst>
+              <p:ext uri="{DAA4B4D4-6D71-4841-9C94-3DE7FCFB9230}">
+                <p14:media xmlns:p14="http://schemas.microsoft.com/office/powerpoint/2010/main" r:embed="rId1"/>
+              </p:ext>
+            </p:extLst>
+          </p:nvPr>
         </p:nvPicPr>
         <p:blipFill>
-          <a:blip r:embed="rId9">
-            <a:extLst>
-              <a:ext uri="{28A0092B-C50C-407E-A947-70E740481C1C}">
-                <a14:useLocalDpi xmlns:a14="http://schemas.microsoft.com/office/drawing/2010/main" val="0"/>
-              </a:ext>
-            </a:extLst>
-          </a:blip>
+          <a:blip r:embed="rId11"/>
           <a:stretch>
             <a:fillRect/>
           </a:stretch>
         </p:blipFill>
         <p:spPr>
           <a:xfrm>
-            <a:off x="1798220" y="22225"/>
-            <a:ext cx="5942132" cy="5859706"/>
+            <a:off x="233164" y="476672"/>
+            <a:ext cx="8677673" cy="4888830"/>
           </a:xfrm>
           <a:prstGeom prst="rect">
             <a:avLst/>
@@ -11995,6 +11997,141 @@
   <p:clrMapOvr>
     <a:masterClrMapping/>
   </p:clrMapOvr>
+  <p:timing>
+    <p:tnLst>
+      <p:par>
+        <p:cTn id="1" dur="indefinite" restart="never" nodeType="tmRoot">
+          <p:childTnLst>
+            <p:seq concurrent="1" nextAc="seek">
+              <p:cTn id="2" dur="indefinite" nodeType="mainSeq">
+                <p:childTnLst>
+                  <p:par>
+                    <p:cTn id="3" fill="hold">
+                      <p:stCondLst>
+                        <p:cond delay="indefinite"/>
+                      </p:stCondLst>
+                      <p:childTnLst>
+                        <p:par>
+                          <p:cTn id="4" fill="hold">
+                            <p:stCondLst>
+                              <p:cond delay="0"/>
+                            </p:stCondLst>
+                            <p:childTnLst>
+                              <p:par>
+                                <p:cTn id="5" presetID="1" presetClass="mediacall" presetSubtype="0" fill="hold" nodeType="clickEffect">
+                                  <p:stCondLst>
+                                    <p:cond delay="0"/>
+                                  </p:stCondLst>
+                                  <p:childTnLst>
+                                    <p:cmd type="call" cmd="playFrom(0.0)">
+                                      <p:cBhvr>
+                                        <p:cTn id="6" dur="28267" fill="hold"/>
+                                        <p:tgtEl>
+                                          <p:spTgt spid="2"/>
+                                        </p:tgtEl>
+                                      </p:cBhvr>
+                                    </p:cmd>
+                                  </p:childTnLst>
+                                </p:cTn>
+                              </p:par>
+                            </p:childTnLst>
+                          </p:cTn>
+                        </p:par>
+                      </p:childTnLst>
+                    </p:cTn>
+                  </p:par>
+                </p:childTnLst>
+              </p:cTn>
+              <p:prevCondLst>
+                <p:cond evt="onPrev" delay="0">
+                  <p:tgtEl>
+                    <p:sldTgt/>
+                  </p:tgtEl>
+                </p:cond>
+              </p:prevCondLst>
+              <p:nextCondLst>
+                <p:cond evt="onNext" delay="0">
+                  <p:tgtEl>
+                    <p:sldTgt/>
+                  </p:tgtEl>
+                </p:cond>
+              </p:nextCondLst>
+            </p:seq>
+            <p:video>
+              <p:cMediaNode vol="80000">
+                <p:cTn id="7" fill="hold" display="0">
+                  <p:stCondLst>
+                    <p:cond delay="indefinite"/>
+                  </p:stCondLst>
+                </p:cTn>
+                <p:tgtEl>
+                  <p:spTgt spid="2"/>
+                </p:tgtEl>
+              </p:cMediaNode>
+            </p:video>
+            <p:seq concurrent="1" nextAc="seek">
+              <p:cTn id="8" restart="whenNotActive" fill="hold" evtFilter="cancelBubble" nodeType="interactiveSeq">
+                <p:stCondLst>
+                  <p:cond evt="onClick" delay="0">
+                    <p:tgtEl>
+                      <p:spTgt spid="2"/>
+                    </p:tgtEl>
+                  </p:cond>
+                </p:stCondLst>
+                <p:endSync evt="end" delay="0">
+                  <p:rtn val="all"/>
+                </p:endSync>
+                <p:childTnLst>
+                  <p:par>
+                    <p:cTn id="9" fill="hold">
+                      <p:stCondLst>
+                        <p:cond delay="0"/>
+                      </p:stCondLst>
+                      <p:childTnLst>
+                        <p:par>
+                          <p:cTn id="10" fill="hold">
+                            <p:stCondLst>
+                              <p:cond delay="0"/>
+                            </p:stCondLst>
+                            <p:childTnLst>
+                              <p:par>
+                                <p:cTn id="11" presetID="2" presetClass="mediacall" presetSubtype="0" fill="hold" nodeType="clickEffect">
+                                  <p:stCondLst>
+                                    <p:cond delay="0"/>
+                                  </p:stCondLst>
+                                  <p:childTnLst>
+                                    <p:cmd type="call" cmd="togglePause">
+                                      <p:cBhvr>
+                                        <p:cTn id="12" dur="1" fill="hold"/>
+                                        <p:tgtEl>
+                                          <p:spTgt spid="2"/>
+                                        </p:tgtEl>
+                                      </p:cBhvr>
+                                    </p:cmd>
+                                  </p:childTnLst>
+                                </p:cTn>
+                              </p:par>
+                            </p:childTnLst>
+                          </p:cTn>
+                        </p:par>
+                      </p:childTnLst>
+                    </p:cTn>
+                  </p:par>
+                </p:childTnLst>
+              </p:cTn>
+              <p:nextCondLst>
+                <p:cond evt="onClick" delay="0">
+                  <p:tgtEl>
+                    <p:spTgt spid="2"/>
+                  </p:tgtEl>
+                </p:cond>
+              </p:nextCondLst>
+            </p:seq>
+          </p:childTnLst>
+        </p:cTn>
+      </p:par>
+    </p:tnLst>
+  </p:timing>
 </p:sld>
 </file>
 
@@ -12039,7 +12176,7 @@
           <a:blip r:embed="rId3">
             <a:extLst>
               <a:ext uri="{28A0092B-C50C-407E-A947-70E740481C1C}">
-                <a14:useLocalDpi xmlns:a14="http://schemas.microsoft.com/office/drawing/2010/main" val="0"/>
+                <a14:useLocalDpi xmlns:a14="http://schemas.microsoft.com/office/drawing/2010/main"/>
               </a:ext>
             </a:extLst>
           </a:blip>
@@ -12357,7 +12494,7 @@
           <a:blip r:embed="rId4">
             <a:extLst>
               <a:ext uri="{28A0092B-C50C-407E-A947-70E740481C1C}">
-                <a14:useLocalDpi xmlns:a14="http://schemas.microsoft.com/office/drawing/2010/main" val="0"/>
+                <a14:useLocalDpi xmlns:a14="http://schemas.microsoft.com/office/drawing/2010/main"/>
               </a:ext>
             </a:extLst>
           </a:blip>
@@ -12411,7 +12548,7 @@
           <a:blip r:embed="rId4">
             <a:extLst>
               <a:ext uri="{28A0092B-C50C-407E-A947-70E740481C1C}">
-                <a14:useLocalDpi xmlns:a14="http://schemas.microsoft.com/office/drawing/2010/main" val="0"/>
+                <a14:useLocalDpi xmlns:a14="http://schemas.microsoft.com/office/drawing/2010/main"/>
               </a:ext>
             </a:extLst>
           </a:blip>
@@ -12722,7 +12859,7 @@
           <a:blip r:embed="rId5">
             <a:extLst>
               <a:ext uri="{28A0092B-C50C-407E-A947-70E740481C1C}">
-                <a14:useLocalDpi xmlns:a14="http://schemas.microsoft.com/office/drawing/2010/main" val="0"/>
+                <a14:useLocalDpi xmlns:a14="http://schemas.microsoft.com/office/drawing/2010/main"/>
               </a:ext>
             </a:extLst>
           </a:blip>
@@ -12775,10 +12912,10 @@
           <p:nvPr/>
         </p:nvPicPr>
         <p:blipFill>
-          <a:blip r:embed="rId6" cstate="print">
+          <a:blip r:embed="rId6" cstate="screen">
             <a:extLst>
               <a:ext uri="{28A0092B-C50C-407E-A947-70E740481C1C}">
-                <a14:useLocalDpi xmlns:a14="http://schemas.microsoft.com/office/drawing/2010/main" val="0"/>
+                <a14:useLocalDpi xmlns:a14="http://schemas.microsoft.com/office/drawing/2010/main"/>
               </a:ext>
             </a:extLst>
           </a:blip>
@@ -12831,10 +12968,10 @@
           <p:nvPr/>
         </p:nvPicPr>
         <p:blipFill>
-          <a:blip r:embed="rId7" cstate="print">
+          <a:blip r:embed="rId7" cstate="screen">
             <a:extLst>
               <a:ext uri="{28A0092B-C50C-407E-A947-70E740481C1C}">
-                <a14:useLocalDpi xmlns:a14="http://schemas.microsoft.com/office/drawing/2010/main" val="0"/>
+                <a14:useLocalDpi xmlns:a14="http://schemas.microsoft.com/office/drawing/2010/main"/>
               </a:ext>
             </a:extLst>
           </a:blip>
@@ -12888,7 +13025,7 @@
           <a:blip r:embed="rId8">
             <a:extLst>
               <a:ext uri="{28A0092B-C50C-407E-A947-70E740481C1C}">
-                <a14:useLocalDpi xmlns:a14="http://schemas.microsoft.com/office/drawing/2010/main" val="0"/>
+                <a14:useLocalDpi xmlns:a14="http://schemas.microsoft.com/office/drawing/2010/main"/>
               </a:ext>
             </a:extLst>
           </a:blip>
@@ -13866,7 +14003,13 @@
           <p:nvPr/>
         </p:nvPicPr>
         <p:blipFill>
-          <a:blip r:embed="rId6"/>
+          <a:blip r:embed="rId6" cstate="screen">
+            <a:extLst>
+              <a:ext uri="{28A0092B-C50C-407E-A947-70E740481C1C}">
+                <a14:useLocalDpi xmlns:a14="http://schemas.microsoft.com/office/drawing/2010/main"/>
+              </a:ext>
+            </a:extLst>
+          </a:blip>
           <a:stretch/>
         </p:blipFill>
         <p:spPr>
@@ -14315,7 +14458,13 @@
           <p:nvPr/>
         </p:nvPicPr>
         <p:blipFill>
-          <a:blip r:embed="rId8"/>
+          <a:blip r:embed="rId8" cstate="screen">
+            <a:extLst>
+              <a:ext uri="{28A0092B-C50C-407E-A947-70E740481C1C}">
+                <a14:useLocalDpi xmlns:a14="http://schemas.microsoft.com/office/drawing/2010/main"/>
+              </a:ext>
+            </a:extLst>
+          </a:blip>
           <a:stretch/>
         </p:blipFill>
         <p:spPr>

--- a/docs/presentation/Presentasjon oblig3.pptx
+++ b/docs/presentation/Presentasjon oblig3.pptx
@@ -13,8 +13,10 @@
     <p:sldId id="272" r:id="rId7"/>
     <p:sldId id="273" r:id="rId8"/>
     <p:sldId id="267" r:id="rId9"/>
-    <p:sldId id="270" r:id="rId10"/>
-    <p:sldId id="263" r:id="rId11"/>
+    <p:sldId id="268" r:id="rId10"/>
+    <p:sldId id="269" r:id="rId11"/>
+    <p:sldId id="270" r:id="rId12"/>
+    <p:sldId id="263" r:id="rId13"/>
   </p:sldIdLst>
   <p:sldSz cx="9144000" cy="6858000" type="screen4x3"/>
   <p:notesSz cx="6858000" cy="9144000"/>
@@ -6042,6 +6044,211 @@
       </p:sp>
       <p:sp>
         <p:nvSpPr>
+          <p:cNvPr id="5" name="2 Marcador de contenido"/>
+          <p:cNvSpPr txBox="1">
+            <a:spLocks/>
+          </p:cNvSpPr>
+          <p:nvPr/>
+        </p:nvSpPr>
+        <p:spPr>
+          <a:xfrm>
+            <a:off x="1258888" y="2357438"/>
+            <a:ext cx="3169096" cy="863600"/>
+          </a:xfrm>
+          <a:prstGeom prst="rect">
+            <a:avLst/>
+          </a:prstGeom>
+        </p:spPr>
+        <p:txBody>
+          <a:bodyPr>
+            <a:noAutofit/>
+          </a:bodyPr>
+          <a:lstStyle>
+            <a:lvl1pPr marL="0" indent="0" algn="ctr" defTabSz="914400" rtl="0" eaLnBrk="1" latinLnBrk="0" hangingPunct="1">
+              <a:spcBef>
+                <a:spcPct val="20000"/>
+              </a:spcBef>
+              <a:buFont typeface="Arial" pitchFamily="34" charset="0"/>
+              <a:buNone/>
+              <a:defRPr sz="3200" kern="1200">
+                <a:solidFill>
+                  <a:schemeClr val="tx1">
+                    <a:tint val="75000"/>
+                  </a:schemeClr>
+                </a:solidFill>
+                <a:latin typeface="+mn-lt"/>
+                <a:ea typeface="+mn-ea"/>
+                <a:cs typeface="+mn-cs"/>
+              </a:defRPr>
+            </a:lvl1pPr>
+            <a:lvl2pPr marL="457200" indent="0" algn="ctr" defTabSz="914400" rtl="0" eaLnBrk="1" latinLnBrk="0" hangingPunct="1">
+              <a:spcBef>
+                <a:spcPct val="20000"/>
+              </a:spcBef>
+              <a:buFont typeface="Arial" pitchFamily="34" charset="0"/>
+              <a:buNone/>
+              <a:defRPr sz="2800" kern="1200">
+                <a:solidFill>
+                  <a:schemeClr val="tx1">
+                    <a:tint val="75000"/>
+                  </a:schemeClr>
+                </a:solidFill>
+                <a:latin typeface="+mn-lt"/>
+                <a:ea typeface="+mn-ea"/>
+                <a:cs typeface="+mn-cs"/>
+              </a:defRPr>
+            </a:lvl2pPr>
+            <a:lvl3pPr marL="914400" indent="0" algn="ctr" defTabSz="914400" rtl="0" eaLnBrk="1" latinLnBrk="0" hangingPunct="1">
+              <a:spcBef>
+                <a:spcPct val="20000"/>
+              </a:spcBef>
+              <a:buFont typeface="Arial" pitchFamily="34" charset="0"/>
+              <a:buNone/>
+              <a:defRPr sz="2400" kern="1200">
+                <a:solidFill>
+                  <a:schemeClr val="tx1">
+                    <a:tint val="75000"/>
+                  </a:schemeClr>
+                </a:solidFill>
+                <a:latin typeface="+mn-lt"/>
+                <a:ea typeface="+mn-ea"/>
+                <a:cs typeface="+mn-cs"/>
+              </a:defRPr>
+            </a:lvl3pPr>
+            <a:lvl4pPr marL="1371600" indent="0" algn="ctr" defTabSz="914400" rtl="0" eaLnBrk="1" latinLnBrk="0" hangingPunct="1">
+              <a:spcBef>
+                <a:spcPct val="20000"/>
+              </a:spcBef>
+              <a:buFont typeface="Arial" pitchFamily="34" charset="0"/>
+              <a:buNone/>
+              <a:defRPr sz="2000" kern="1200">
+                <a:solidFill>
+                  <a:schemeClr val="tx1">
+                    <a:tint val="75000"/>
+                  </a:schemeClr>
+                </a:solidFill>
+                <a:latin typeface="+mn-lt"/>
+                <a:ea typeface="+mn-ea"/>
+                <a:cs typeface="+mn-cs"/>
+              </a:defRPr>
+            </a:lvl4pPr>
+            <a:lvl5pPr marL="1828800" indent="0" algn="ctr" defTabSz="914400" rtl="0" eaLnBrk="1" latinLnBrk="0" hangingPunct="1">
+              <a:spcBef>
+                <a:spcPct val="20000"/>
+              </a:spcBef>
+              <a:buFont typeface="Arial" pitchFamily="34" charset="0"/>
+              <a:buNone/>
+              <a:defRPr sz="2000" kern="1200">
+                <a:solidFill>
+                  <a:schemeClr val="tx1">
+                    <a:tint val="75000"/>
+                  </a:schemeClr>
+                </a:solidFill>
+                <a:latin typeface="+mn-lt"/>
+                <a:ea typeface="+mn-ea"/>
+                <a:cs typeface="+mn-cs"/>
+              </a:defRPr>
+            </a:lvl5pPr>
+            <a:lvl6pPr marL="2286000" indent="0" algn="ctr" defTabSz="914400" rtl="0" eaLnBrk="1" latinLnBrk="0" hangingPunct="1">
+              <a:spcBef>
+                <a:spcPct val="20000"/>
+              </a:spcBef>
+              <a:buFont typeface="Arial" pitchFamily="34" charset="0"/>
+              <a:buNone/>
+              <a:defRPr sz="2000" kern="1200">
+                <a:solidFill>
+                  <a:schemeClr val="tx1">
+                    <a:tint val="75000"/>
+                  </a:schemeClr>
+                </a:solidFill>
+                <a:latin typeface="+mn-lt"/>
+                <a:ea typeface="+mn-ea"/>
+                <a:cs typeface="+mn-cs"/>
+              </a:defRPr>
+            </a:lvl6pPr>
+            <a:lvl7pPr marL="2743200" indent="0" algn="ctr" defTabSz="914400" rtl="0" eaLnBrk="1" latinLnBrk="0" hangingPunct="1">
+              <a:spcBef>
+                <a:spcPct val="20000"/>
+              </a:spcBef>
+              <a:buFont typeface="Arial" pitchFamily="34" charset="0"/>
+              <a:buNone/>
+              <a:defRPr sz="2000" kern="1200">
+                <a:solidFill>
+                  <a:schemeClr val="tx1">
+                    <a:tint val="75000"/>
+                  </a:schemeClr>
+                </a:solidFill>
+                <a:latin typeface="+mn-lt"/>
+                <a:ea typeface="+mn-ea"/>
+                <a:cs typeface="+mn-cs"/>
+              </a:defRPr>
+            </a:lvl7pPr>
+            <a:lvl8pPr marL="3200400" indent="0" algn="ctr" defTabSz="914400" rtl="0" eaLnBrk="1" latinLnBrk="0" hangingPunct="1">
+              <a:spcBef>
+                <a:spcPct val="20000"/>
+              </a:spcBef>
+              <a:buFont typeface="Arial" pitchFamily="34" charset="0"/>
+              <a:buNone/>
+              <a:defRPr sz="2000" kern="1200">
+                <a:solidFill>
+                  <a:schemeClr val="tx1">
+                    <a:tint val="75000"/>
+                  </a:schemeClr>
+                </a:solidFill>
+                <a:latin typeface="+mn-lt"/>
+                <a:ea typeface="+mn-ea"/>
+                <a:cs typeface="+mn-cs"/>
+              </a:defRPr>
+            </a:lvl8pPr>
+            <a:lvl9pPr marL="3657600" indent="0" algn="ctr" defTabSz="914400" rtl="0" eaLnBrk="1" latinLnBrk="0" hangingPunct="1">
+              <a:spcBef>
+                <a:spcPct val="20000"/>
+              </a:spcBef>
+              <a:buFont typeface="Arial" pitchFamily="34" charset="0"/>
+              <a:buNone/>
+              <a:defRPr sz="2000" kern="1200">
+                <a:solidFill>
+                  <a:schemeClr val="tx1">
+                    <a:tint val="75000"/>
+                  </a:schemeClr>
+                </a:solidFill>
+                <a:latin typeface="+mn-lt"/>
+                <a:ea typeface="+mn-ea"/>
+                <a:cs typeface="+mn-cs"/>
+              </a:defRPr>
+            </a:lvl9pPr>
+          </a:lstStyle>
+          <a:p>
+            <a:pPr algn="just" fontAlgn="auto">
+              <a:spcAft>
+                <a:spcPts val="0"/>
+              </a:spcAft>
+              <a:defRPr/>
+            </a:pPr>
+            <a:r>
+              <a:rPr lang="en-US" sz="2800" b="1" dirty="0">
+                <a:solidFill>
+                  <a:schemeClr val="tx1">
+                    <a:lumMod val="50000"/>
+                    <a:lumOff val="50000"/>
+                  </a:schemeClr>
+                </a:solidFill>
+              </a:rPr>
+              <a:t>TEAM PRESENTATION</a:t>
+            </a:r>
+            <a:endParaRPr lang="es-ES" sz="2800" b="1" dirty="0">
+              <a:solidFill>
+                <a:schemeClr val="tx1">
+                  <a:lumMod val="50000"/>
+                  <a:lumOff val="50000"/>
+                </a:schemeClr>
+              </a:solidFill>
+            </a:endParaRPr>
+          </a:p>
+        </p:txBody>
+      </p:sp>
+      <p:sp>
+        <p:nvSpPr>
           <p:cNvPr id="6" name="1 Título"/>
           <p:cNvSpPr txBox="1">
             <a:spLocks/>
@@ -6177,47 +6384,56 @@
       </p:sp>
       <p:pic>
         <p:nvPicPr>
-          <p:cNvPr id="9" name="Bilde 8">
-            <a:extLst>
-              <a:ext uri="{FF2B5EF4-FFF2-40B4-BE49-F238E27FC236}">
-                <a16:creationId xmlns:a16="http://schemas.microsoft.com/office/drawing/2014/main" id="{75BFEC23-41B4-4539-9AC4-9E1E80CF4230}"/>
-              </a:ext>
-            </a:extLst>
-          </p:cNvPr>
+          <p:cNvPr id="13321" name="Imagen 4" descr="C:\Users\Design\Documents\Edu\Product Launch\icons\applications.png"/>
           <p:cNvPicPr>
-            <a:picLocks noChangeAspect="1"/>
+            <a:picLocks noChangeAspect="1" noChangeArrowheads="1"/>
           </p:cNvPicPr>
           <p:nvPr/>
         </p:nvPicPr>
         <p:blipFill>
           <a:blip r:embed="rId3">
             <a:extLst>
-              <a:ext uri="{BEBA8EAE-BF5A-486C-A8C5-ECC9F3942E4B}">
-                <a14:imgProps xmlns:a14="http://schemas.microsoft.com/office/drawing/2010/main">
-                  <a14:imgLayer r:embed="rId4">
-                    <a14:imgEffect>
-                      <a14:artisticLineDrawing/>
-                    </a14:imgEffect>
-                  </a14:imgLayer>
-                </a14:imgProps>
-              </a:ext>
               <a:ext uri="{28A0092B-C50C-407E-A947-70E740481C1C}">
-                <a14:useLocalDpi xmlns:a14="http://schemas.microsoft.com/office/drawing/2010/main"/>
+                <a14:useLocalDpi xmlns:a14="http://schemas.microsoft.com/office/drawing/2010/main" val="0"/>
               </a:ext>
             </a:extLst>
           </a:blip>
+          <a:srcRect/>
           <a:stretch>
             <a:fillRect/>
           </a:stretch>
         </p:blipFill>
-        <p:spPr>
-          <a:xfrm>
-            <a:off x="376871" y="3026543"/>
-            <a:ext cx="8390259" cy="690489"/>
+        <p:spPr bwMode="auto">
+          <a:xfrm>
+            <a:off x="658813" y="2428875"/>
+            <a:ext cx="457200" cy="457200"/>
           </a:xfrm>
           <a:prstGeom prst="rect">
             <a:avLst/>
           </a:prstGeom>
+          <a:noFill/>
+          <a:ln>
+            <a:noFill/>
+          </a:ln>
+          <a:extLst>
+            <a:ext uri="{909E8E84-426E-40DD-AFC4-6F175D3DCCD1}">
+              <a14:hiddenFill xmlns:a14="http://schemas.microsoft.com/office/drawing/2010/main">
+                <a:solidFill>
+                  <a:srgbClr val="FFFFFF"/>
+                </a:solidFill>
+              </a14:hiddenFill>
+            </a:ext>
+            <a:ext uri="{91240B29-F687-4F45-9708-019B960494DF}">
+              <a14:hiddenLine xmlns:a14="http://schemas.microsoft.com/office/drawing/2010/main" w="9525">
+                <a:solidFill>
+                  <a:srgbClr val="000000"/>
+                </a:solidFill>
+                <a:miter lim="800000"/>
+                <a:headEnd/>
+                <a:tailEnd/>
+              </a14:hiddenLine>
+            </a:ext>
+          </a:extLst>
         </p:spPr>
       </p:pic>
     </p:spTree>
@@ -6225,6 +6441,2899 @@
   <p:clrMapOvr>
     <a:masterClrMapping/>
   </p:clrMapOvr>
+  <p:timing>
+    <p:tnLst>
+      <p:par>
+        <p:cTn id="1" dur="indefinite" restart="never" nodeType="tmRoot">
+          <p:childTnLst>
+            <p:seq concurrent="1" nextAc="seek">
+              <p:cTn id="2" dur="indefinite" nodeType="mainSeq">
+                <p:childTnLst>
+                  <p:par>
+                    <p:cTn id="3" fill="hold" nodeType="clickPar">
+                      <p:stCondLst>
+                        <p:cond delay="indefinite"/>
+                        <p:cond evt="onBegin" delay="0">
+                          <p:tn val="2"/>
+                        </p:cond>
+                      </p:stCondLst>
+                      <p:childTnLst>
+                        <p:par>
+                          <p:cTn id="4" fill="hold" nodeType="withGroup">
+                            <p:stCondLst>
+                              <p:cond delay="0"/>
+                            </p:stCondLst>
+                            <p:childTnLst>
+                              <p:par>
+                                <p:cTn id="5" presetID="41" presetClass="entr" presetSubtype="0" fill="hold" grpId="0" nodeType="withEffect">
+                                  <p:stCondLst>
+                                    <p:cond delay="0"/>
+                                  </p:stCondLst>
+                                  <p:iterate type="lt">
+                                    <p:tmPct val="10000"/>
+                                  </p:iterate>
+                                  <p:childTnLst>
+                                    <p:set>
+                                      <p:cBhvr>
+                                        <p:cTn id="6" dur="1" fill="hold">
+                                          <p:stCondLst>
+                                            <p:cond delay="0"/>
+                                          </p:stCondLst>
+                                        </p:cTn>
+                                        <p:tgtEl>
+                                          <p:spTgt spid="4"/>
+                                        </p:tgtEl>
+                                        <p:attrNameLst>
+                                          <p:attrName>style.visibility</p:attrName>
+                                        </p:attrNameLst>
+                                      </p:cBhvr>
+                                      <p:to>
+                                        <p:strVal val="visible"/>
+                                      </p:to>
+                                    </p:set>
+                                    <p:anim calcmode="lin" valueType="num">
+                                      <p:cBhvr>
+                                        <p:cTn id="7" dur="500" fill="hold"/>
+                                        <p:tgtEl>
+                                          <p:spTgt spid="4"/>
+                                        </p:tgtEl>
+                                        <p:attrNameLst>
+                                          <p:attrName>ppt_x</p:attrName>
+                                        </p:attrNameLst>
+                                      </p:cBhvr>
+                                      <p:tavLst>
+                                        <p:tav tm="0">
+                                          <p:val>
+                                            <p:strVal val="#ppt_x"/>
+                                          </p:val>
+                                        </p:tav>
+                                        <p:tav tm="50000">
+                                          <p:val>
+                                            <p:strVal val="#ppt_x+.1"/>
+                                          </p:val>
+                                        </p:tav>
+                                        <p:tav tm="100000">
+                                          <p:val>
+                                            <p:strVal val="#ppt_x"/>
+                                          </p:val>
+                                        </p:tav>
+                                      </p:tavLst>
+                                    </p:anim>
+                                    <p:anim calcmode="lin" valueType="num">
+                                      <p:cBhvr>
+                                        <p:cTn id="8" dur="500" fill="hold"/>
+                                        <p:tgtEl>
+                                          <p:spTgt spid="4"/>
+                                        </p:tgtEl>
+                                        <p:attrNameLst>
+                                          <p:attrName>ppt_y</p:attrName>
+                                        </p:attrNameLst>
+                                      </p:cBhvr>
+                                      <p:tavLst>
+                                        <p:tav tm="0">
+                                          <p:val>
+                                            <p:strVal val="#ppt_y"/>
+                                          </p:val>
+                                        </p:tav>
+                                        <p:tav tm="100000">
+                                          <p:val>
+                                            <p:strVal val="#ppt_y"/>
+                                          </p:val>
+                                        </p:tav>
+                                      </p:tavLst>
+                                    </p:anim>
+                                    <p:anim calcmode="lin" valueType="num">
+                                      <p:cBhvr>
+                                        <p:cTn id="9" dur="500" fill="hold"/>
+                                        <p:tgtEl>
+                                          <p:spTgt spid="4"/>
+                                        </p:tgtEl>
+                                        <p:attrNameLst>
+                                          <p:attrName>ppt_h</p:attrName>
+                                        </p:attrNameLst>
+                                      </p:cBhvr>
+                                      <p:tavLst>
+                                        <p:tav tm="0">
+                                          <p:val>
+                                            <p:strVal val="#ppt_h/10"/>
+                                          </p:val>
+                                        </p:tav>
+                                        <p:tav tm="50000">
+                                          <p:val>
+                                            <p:strVal val="#ppt_h+.01"/>
+                                          </p:val>
+                                        </p:tav>
+                                        <p:tav tm="100000">
+                                          <p:val>
+                                            <p:strVal val="#ppt_h"/>
+                                          </p:val>
+                                        </p:tav>
+                                      </p:tavLst>
+                                    </p:anim>
+                                    <p:anim calcmode="lin" valueType="num">
+                                      <p:cBhvr>
+                                        <p:cTn id="10" dur="500" fill="hold"/>
+                                        <p:tgtEl>
+                                          <p:spTgt spid="4"/>
+                                        </p:tgtEl>
+                                        <p:attrNameLst>
+                                          <p:attrName>ppt_w</p:attrName>
+                                        </p:attrNameLst>
+                                      </p:cBhvr>
+                                      <p:tavLst>
+                                        <p:tav tm="0">
+                                          <p:val>
+                                            <p:strVal val="#ppt_w/10"/>
+                                          </p:val>
+                                        </p:tav>
+                                        <p:tav tm="50000">
+                                          <p:val>
+                                            <p:strVal val="#ppt_w+.01"/>
+                                          </p:val>
+                                        </p:tav>
+                                        <p:tav tm="100000">
+                                          <p:val>
+                                            <p:strVal val="#ppt_w"/>
+                                          </p:val>
+                                        </p:tav>
+                                      </p:tavLst>
+                                    </p:anim>
+                                    <p:animEffect transition="in" filter="fade">
+                                      <p:cBhvr>
+                                        <p:cTn id="11" dur="500" tmFilter="0,0; .5, 1; 1, 1"/>
+                                        <p:tgtEl>
+                                          <p:spTgt spid="4"/>
+                                        </p:tgtEl>
+                                      </p:cBhvr>
+                                    </p:animEffect>
+                                  </p:childTnLst>
+                                </p:cTn>
+                              </p:par>
+                            </p:childTnLst>
+                          </p:cTn>
+                        </p:par>
+                        <p:par>
+                          <p:cTn id="12" fill="hold" nodeType="afterGroup">
+                            <p:stCondLst>
+                              <p:cond delay="750"/>
+                            </p:stCondLst>
+                            <p:childTnLst>
+                              <p:par>
+                                <p:cTn id="13" presetID="29" presetClass="entr" presetSubtype="0" fill="hold" grpId="1" nodeType="afterEffect">
+                                  <p:stCondLst>
+                                    <p:cond delay="0"/>
+                                  </p:stCondLst>
+                                  <p:childTnLst>
+                                    <p:set>
+                                      <p:cBhvr>
+                                        <p:cTn id="14" dur="1" fill="hold">
+                                          <p:stCondLst>
+                                            <p:cond delay="0"/>
+                                          </p:stCondLst>
+                                        </p:cTn>
+                                        <p:tgtEl>
+                                          <p:spTgt spid="6"/>
+                                        </p:tgtEl>
+                                        <p:attrNameLst>
+                                          <p:attrName>style.visibility</p:attrName>
+                                        </p:attrNameLst>
+                                      </p:cBhvr>
+                                      <p:to>
+                                        <p:strVal val="visible"/>
+                                      </p:to>
+                                    </p:set>
+                                    <p:anim calcmode="lin" valueType="num">
+                                      <p:cBhvr>
+                                        <p:cTn id="15" dur="1000" fill="hold"/>
+                                        <p:tgtEl>
+                                          <p:spTgt spid="6"/>
+                                        </p:tgtEl>
+                                        <p:attrNameLst>
+                                          <p:attrName>ppt_x</p:attrName>
+                                        </p:attrNameLst>
+                                      </p:cBhvr>
+                                      <p:tavLst>
+                                        <p:tav tm="0">
+                                          <p:val>
+                                            <p:strVal val="#ppt_x-.2"/>
+                                          </p:val>
+                                        </p:tav>
+                                        <p:tav tm="100000">
+                                          <p:val>
+                                            <p:strVal val="#ppt_x"/>
+                                          </p:val>
+                                        </p:tav>
+                                      </p:tavLst>
+                                    </p:anim>
+                                    <p:anim calcmode="lin" valueType="num">
+                                      <p:cBhvr>
+                                        <p:cTn id="16" dur="1000" fill="hold"/>
+                                        <p:tgtEl>
+                                          <p:spTgt spid="6"/>
+                                        </p:tgtEl>
+                                        <p:attrNameLst>
+                                          <p:attrName>ppt_y</p:attrName>
+                                        </p:attrNameLst>
+                                      </p:cBhvr>
+                                      <p:tavLst>
+                                        <p:tav tm="0">
+                                          <p:val>
+                                            <p:strVal val="#ppt_y"/>
+                                          </p:val>
+                                        </p:tav>
+                                        <p:tav tm="100000">
+                                          <p:val>
+                                            <p:strVal val="#ppt_y"/>
+                                          </p:val>
+                                        </p:tav>
+                                      </p:tavLst>
+                                    </p:anim>
+                                    <p:animEffect transition="in" filter="wipe(right)" prLst="gradientSize: 0.1">
+                                      <p:cBhvr>
+                                        <p:cTn id="17" dur="1000"/>
+                                        <p:tgtEl>
+                                          <p:spTgt spid="6"/>
+                                        </p:tgtEl>
+                                      </p:cBhvr>
+                                    </p:animEffect>
+                                  </p:childTnLst>
+                                </p:cTn>
+                              </p:par>
+                              <p:par>
+                                <p:cTn id="18" presetID="29" presetClass="entr" presetSubtype="0" fill="hold" grpId="0" nodeType="withEffect">
+                                  <p:stCondLst>
+                                    <p:cond delay="0"/>
+                                  </p:stCondLst>
+                                  <p:childTnLst>
+                                    <p:set>
+                                      <p:cBhvr>
+                                        <p:cTn id="19" dur="1" fill="hold">
+                                          <p:stCondLst>
+                                            <p:cond delay="0"/>
+                                          </p:stCondLst>
+                                        </p:cTn>
+                                        <p:tgtEl>
+                                          <p:spTgt spid="7"/>
+                                        </p:tgtEl>
+                                        <p:attrNameLst>
+                                          <p:attrName>style.visibility</p:attrName>
+                                        </p:attrNameLst>
+                                      </p:cBhvr>
+                                      <p:to>
+                                        <p:strVal val="visible"/>
+                                      </p:to>
+                                    </p:set>
+                                    <p:anim calcmode="lin" valueType="num">
+                                      <p:cBhvr>
+                                        <p:cTn id="20" dur="1000" fill="hold"/>
+                                        <p:tgtEl>
+                                          <p:spTgt spid="7"/>
+                                        </p:tgtEl>
+                                        <p:attrNameLst>
+                                          <p:attrName>ppt_x</p:attrName>
+                                        </p:attrNameLst>
+                                      </p:cBhvr>
+                                      <p:tavLst>
+                                        <p:tav tm="0">
+                                          <p:val>
+                                            <p:strVal val="#ppt_x-.2"/>
+                                          </p:val>
+                                        </p:tav>
+                                        <p:tav tm="100000">
+                                          <p:val>
+                                            <p:strVal val="#ppt_x"/>
+                                          </p:val>
+                                        </p:tav>
+                                      </p:tavLst>
+                                    </p:anim>
+                                    <p:anim calcmode="lin" valueType="num">
+                                      <p:cBhvr>
+                                        <p:cTn id="21" dur="1000" fill="hold"/>
+                                        <p:tgtEl>
+                                          <p:spTgt spid="7"/>
+                                        </p:tgtEl>
+                                        <p:attrNameLst>
+                                          <p:attrName>ppt_y</p:attrName>
+                                        </p:attrNameLst>
+                                      </p:cBhvr>
+                                      <p:tavLst>
+                                        <p:tav tm="0">
+                                          <p:val>
+                                            <p:strVal val="#ppt_y"/>
+                                          </p:val>
+                                        </p:tav>
+                                        <p:tav tm="100000">
+                                          <p:val>
+                                            <p:strVal val="#ppt_y"/>
+                                          </p:val>
+                                        </p:tav>
+                                      </p:tavLst>
+                                    </p:anim>
+                                    <p:animEffect transition="in" filter="wipe(right)" prLst="gradientSize: 0.1">
+                                      <p:cBhvr>
+                                        <p:cTn id="22" dur="1000"/>
+                                        <p:tgtEl>
+                                          <p:spTgt spid="7"/>
+                                        </p:tgtEl>
+                                      </p:cBhvr>
+                                    </p:animEffect>
+                                  </p:childTnLst>
+                                </p:cTn>
+                              </p:par>
+                              <p:par>
+                                <p:cTn id="23" presetID="10" presetClass="entr" presetSubtype="0" fill="hold" grpId="0" nodeType="withEffect">
+                                  <p:stCondLst>
+                                    <p:cond delay="0"/>
+                                  </p:stCondLst>
+                                  <p:childTnLst>
+                                    <p:set>
+                                      <p:cBhvr>
+                                        <p:cTn id="24" dur="1" fill="hold">
+                                          <p:stCondLst>
+                                            <p:cond delay="0"/>
+                                          </p:stCondLst>
+                                        </p:cTn>
+                                        <p:tgtEl>
+                                          <p:spTgt spid="5"/>
+                                        </p:tgtEl>
+                                        <p:attrNameLst>
+                                          <p:attrName>style.visibility</p:attrName>
+                                        </p:attrNameLst>
+                                      </p:cBhvr>
+                                      <p:to>
+                                        <p:strVal val="visible"/>
+                                      </p:to>
+                                    </p:set>
+                                    <p:animEffect transition="in" filter="fade">
+                                      <p:cBhvr>
+                                        <p:cTn id="25" dur="2000"/>
+                                        <p:tgtEl>
+                                          <p:spTgt spid="5"/>
+                                        </p:tgtEl>
+                                      </p:cBhvr>
+                                    </p:animEffect>
+                                  </p:childTnLst>
+                                </p:cTn>
+                              </p:par>
+                            </p:childTnLst>
+                          </p:cTn>
+                        </p:par>
+                        <p:par>
+                          <p:cTn id="26" fill="hold" nodeType="afterGroup">
+                            <p:stCondLst>
+                              <p:cond delay="2750"/>
+                            </p:stCondLst>
+                            <p:childTnLst>
+                              <p:par>
+                                <p:cTn id="27" presetID="10" presetClass="entr" presetSubtype="0" fill="hold" nodeType="afterEffect">
+                                  <p:stCondLst>
+                                    <p:cond delay="0"/>
+                                  </p:stCondLst>
+                                  <p:childTnLst>
+                                    <p:set>
+                                      <p:cBhvr>
+                                        <p:cTn id="28" dur="1" fill="hold">
+                                          <p:stCondLst>
+                                            <p:cond delay="0"/>
+                                          </p:stCondLst>
+                                        </p:cTn>
+                                        <p:tgtEl>
+                                          <p:spTgt spid="13321"/>
+                                        </p:tgtEl>
+                                        <p:attrNameLst>
+                                          <p:attrName>style.visibility</p:attrName>
+                                        </p:attrNameLst>
+                                      </p:cBhvr>
+                                      <p:to>
+                                        <p:strVal val="visible"/>
+                                      </p:to>
+                                    </p:set>
+                                    <p:animEffect transition="in" filter="fade">
+                                      <p:cBhvr>
+                                        <p:cTn id="29" dur="2000"/>
+                                        <p:tgtEl>
+                                          <p:spTgt spid="13321"/>
+                                        </p:tgtEl>
+                                      </p:cBhvr>
+                                    </p:animEffect>
+                                  </p:childTnLst>
+                                </p:cTn>
+                              </p:par>
+                            </p:childTnLst>
+                          </p:cTn>
+                        </p:par>
+                      </p:childTnLst>
+                    </p:cTn>
+                  </p:par>
+                </p:childTnLst>
+              </p:cTn>
+              <p:prevCondLst>
+                <p:cond evt="onPrev" delay="0">
+                  <p:tgtEl>
+                    <p:sldTgt/>
+                  </p:tgtEl>
+                </p:cond>
+              </p:prevCondLst>
+              <p:nextCondLst>
+                <p:cond evt="onNext" delay="0">
+                  <p:tgtEl>
+                    <p:sldTgt/>
+                  </p:tgtEl>
+                </p:cond>
+              </p:nextCondLst>
+            </p:seq>
+          </p:childTnLst>
+        </p:cTn>
+      </p:par>
+    </p:tnLst>
+    <p:bldLst>
+      <p:bldP spid="4" grpId="0"/>
+      <p:bldP spid="5" grpId="0"/>
+      <p:bldP spid="6" grpId="1"/>
+      <p:bldP spid="7" grpId="0"/>
+    </p:bldLst>
+  </p:timing>
+</p:sld>
+</file>
+
+<file path=ppt/slides/slide10.xml><?xml version="1.0" encoding="utf-8"?>
+<p:sld xmlns:a="http://schemas.openxmlformats.org/drawingml/2006/main" xmlns:r="http://schemas.openxmlformats.org/officeDocument/2006/relationships" xmlns:p="http://schemas.openxmlformats.org/presentationml/2006/main">
+  <p:cSld>
+    <p:bg>
+      <p:bgPr>
+        <a:blipFill>
+          <a:blip r:embed="rId2"/>
+          <a:stretch>
+            <a:fillRect/>
+          </a:stretch>
+        </a:blipFill>
+        <a:effectLst/>
+      </p:bgPr>
+    </p:bg>
+    <p:spTree>
+      <p:nvGrpSpPr>
+        <p:cNvPr id="1" name=""/>
+        <p:cNvGrpSpPr/>
+        <p:nvPr/>
+      </p:nvGrpSpPr>
+      <p:grpSpPr>
+        <a:xfrm>
+          <a:off x="0" y="0"/>
+          <a:ext cx="0" cy="0"/>
+          <a:chOff x="0" y="0"/>
+          <a:chExt cx="0" cy="0"/>
+        </a:xfrm>
+      </p:grpSpPr>
+      <p:pic>
+        <p:nvPicPr>
+          <p:cNvPr id="284" name="Imagen 5"/>
+          <p:cNvPicPr/>
+          <p:nvPr/>
+        </p:nvPicPr>
+        <p:blipFill>
+          <a:blip r:embed="rId3"/>
+          <a:stretch/>
+        </p:blipFill>
+        <p:spPr>
+          <a:xfrm>
+            <a:off x="3354480" y="5965920"/>
+            <a:ext cx="761760" cy="718920"/>
+          </a:xfrm>
+          <a:prstGeom prst="rect">
+            <a:avLst/>
+          </a:prstGeom>
+          <a:ln>
+            <a:noFill/>
+          </a:ln>
+        </p:spPr>
+      </p:pic>
+      <p:sp>
+        <p:nvSpPr>
+          <p:cNvPr id="285" name="CustomShape 1"/>
+          <p:cNvSpPr/>
+          <p:nvPr/>
+        </p:nvSpPr>
+        <p:spPr>
+          <a:xfrm>
+            <a:off x="398520" y="260280"/>
+            <a:ext cx="5109840" cy="863280"/>
+          </a:xfrm>
+          <a:prstGeom prst="rect">
+            <a:avLst/>
+          </a:prstGeom>
+          <a:noFill/>
+          <a:ln>
+            <a:noFill/>
+          </a:ln>
+        </p:spPr>
+        <p:style>
+          <a:lnRef idx="0">
+            <a:scrgbClr r="0" g="0" b="0"/>
+          </a:lnRef>
+          <a:fillRef idx="0">
+            <a:scrgbClr r="0" g="0" b="0"/>
+          </a:fillRef>
+          <a:effectRef idx="0">
+            <a:scrgbClr r="0" g="0" b="0"/>
+          </a:effectRef>
+          <a:fontRef idx="minor"/>
+        </p:style>
+        <p:txBody>
+          <a:bodyPr lIns="90000" tIns="45000" rIns="90000" bIns="45000" anchor="ctr"/>
+          <a:lstStyle/>
+          <a:p>
+            <a:pPr marL="0" marR="0" lvl="0" indent="0" algn="l" defTabSz="914400" rtl="0" eaLnBrk="1" fontAlgn="auto" latinLnBrk="0" hangingPunct="1">
+              <a:lnSpc>
+                <a:spcPts val="2032"/>
+              </a:lnSpc>
+              <a:spcBef>
+                <a:spcPts val="0"/>
+              </a:spcBef>
+              <a:spcAft>
+                <a:spcPts val="0"/>
+              </a:spcAft>
+              <a:buClrTx/>
+              <a:buSzTx/>
+              <a:buFontTx/>
+              <a:buNone/>
+              <a:tabLst/>
+              <a:defRPr/>
+            </a:pPr>
+            <a:r>
+              <a:rPr kumimoji="0" lang="en-US" sz="4930" b="1" i="0" u="none" strike="noStrike" kern="1200" cap="none" spc="-1" normalizeH="0" baseline="0" noProof="0">
+                <a:ln>
+                  <a:noFill/>
+                </a:ln>
+                <a:solidFill>
+                  <a:srgbClr val="404040"/>
+                </a:solidFill>
+                <a:effectLst/>
+                <a:uLnTx/>
+                <a:uFill>
+                  <a:solidFill>
+                    <a:srgbClr val="FFFFFF"/>
+                  </a:solidFill>
+                </a:uFill>
+                <a:latin typeface="Rockwell"/>
+              </a:rPr>
+              <a:t>Retrospective</a:t>
+            </a:r>
+            <a:endParaRPr kumimoji="0" lang="en-US" sz="1800" b="0" i="0" u="none" strike="noStrike" kern="1200" cap="none" spc="-1" normalizeH="0" baseline="0" noProof="0">
+              <a:ln>
+                <a:noFill/>
+              </a:ln>
+              <a:solidFill>
+                <a:srgbClr val="000000"/>
+              </a:solidFill>
+              <a:effectLst/>
+              <a:uLnTx/>
+              <a:uFill>
+                <a:solidFill>
+                  <a:srgbClr val="FFFFFF"/>
+                </a:solidFill>
+              </a:uFill>
+              <a:latin typeface="Arial"/>
+            </a:endParaRPr>
+          </a:p>
+        </p:txBody>
+      </p:sp>
+      <p:sp>
+        <p:nvSpPr>
+          <p:cNvPr id="286" name="CustomShape 2"/>
+          <p:cNvSpPr/>
+          <p:nvPr/>
+        </p:nvSpPr>
+        <p:spPr>
+          <a:xfrm>
+            <a:off x="395280" y="736560"/>
+            <a:ext cx="5832360" cy="863280"/>
+          </a:xfrm>
+          <a:prstGeom prst="rect">
+            <a:avLst/>
+          </a:prstGeom>
+          <a:noFill/>
+          <a:ln>
+            <a:noFill/>
+          </a:ln>
+        </p:spPr>
+        <p:style>
+          <a:lnRef idx="0">
+            <a:scrgbClr r="0" g="0" b="0"/>
+          </a:lnRef>
+          <a:fillRef idx="0">
+            <a:scrgbClr r="0" g="0" b="0"/>
+          </a:fillRef>
+          <a:effectRef idx="0">
+            <a:scrgbClr r="0" g="0" b="0"/>
+          </a:effectRef>
+          <a:fontRef idx="minor"/>
+        </p:style>
+        <p:txBody>
+          <a:bodyPr lIns="90000" tIns="45000" rIns="90000" bIns="45000" anchor="ctr"/>
+          <a:lstStyle/>
+          <a:p>
+            <a:pPr marL="0" marR="0" lvl="0" indent="0" algn="l" defTabSz="914400" rtl="0" eaLnBrk="1" fontAlgn="auto" latinLnBrk="0" hangingPunct="1">
+              <a:lnSpc>
+                <a:spcPts val="2032"/>
+              </a:lnSpc>
+              <a:spcBef>
+                <a:spcPts val="0"/>
+              </a:spcBef>
+              <a:spcAft>
+                <a:spcPts val="0"/>
+              </a:spcAft>
+              <a:buClrTx/>
+              <a:buSzTx/>
+              <a:buFontTx/>
+              <a:buNone/>
+              <a:tabLst/>
+              <a:defRPr/>
+            </a:pPr>
+            <a:r>
+              <a:rPr kumimoji="0" lang="en-US" sz="3600" b="1" i="0" u="none" strike="noStrike" kern="1200" cap="none" spc="-1" normalizeH="0" baseline="0" noProof="0">
+                <a:ln>
+                  <a:noFill/>
+                </a:ln>
+                <a:solidFill>
+                  <a:srgbClr val="FFC000"/>
+                </a:solidFill>
+                <a:effectLst/>
+                <a:uLnTx/>
+                <a:uFill>
+                  <a:solidFill>
+                    <a:srgbClr val="FFFFFF"/>
+                  </a:solidFill>
+                </a:uFill>
+                <a:latin typeface="Rockwell"/>
+              </a:rPr>
+              <a:t>SUMMARY</a:t>
+            </a:r>
+            <a:endParaRPr kumimoji="0" lang="en-US" sz="1800" b="0" i="0" u="none" strike="noStrike" kern="1200" cap="none" spc="-1" normalizeH="0" baseline="0" noProof="0">
+              <a:ln>
+                <a:noFill/>
+              </a:ln>
+              <a:solidFill>
+                <a:srgbClr val="000000"/>
+              </a:solidFill>
+              <a:effectLst/>
+              <a:uLnTx/>
+              <a:uFill>
+                <a:solidFill>
+                  <a:srgbClr val="FFFFFF"/>
+                </a:solidFill>
+              </a:uFill>
+              <a:latin typeface="Arial"/>
+            </a:endParaRPr>
+          </a:p>
+        </p:txBody>
+      </p:sp>
+      <p:sp>
+        <p:nvSpPr>
+          <p:cNvPr id="287" name="CustomShape 3"/>
+          <p:cNvSpPr/>
+          <p:nvPr/>
+        </p:nvSpPr>
+        <p:spPr>
+          <a:xfrm>
+            <a:off x="484200" y="1298520"/>
+            <a:ext cx="4519080" cy="474480"/>
+          </a:xfrm>
+          <a:prstGeom prst="rect">
+            <a:avLst/>
+          </a:prstGeom>
+          <a:noFill/>
+          <a:ln>
+            <a:noFill/>
+          </a:ln>
+        </p:spPr>
+        <p:style>
+          <a:lnRef idx="0">
+            <a:scrgbClr r="0" g="0" b="0"/>
+          </a:lnRef>
+          <a:fillRef idx="0">
+            <a:scrgbClr r="0" g="0" b="0"/>
+          </a:fillRef>
+          <a:effectRef idx="0">
+            <a:scrgbClr r="0" g="0" b="0"/>
+          </a:effectRef>
+          <a:fontRef idx="minor"/>
+        </p:style>
+        <p:txBody>
+          <a:bodyPr lIns="90000" tIns="45000" rIns="90000" bIns="45000" anchor="ctr"/>
+          <a:lstStyle/>
+          <a:p>
+            <a:pPr marL="0" marR="0" lvl="0" indent="0" algn="l" defTabSz="914400" rtl="0" eaLnBrk="1" fontAlgn="auto" latinLnBrk="0" hangingPunct="1">
+              <a:lnSpc>
+                <a:spcPts val="2032"/>
+              </a:lnSpc>
+              <a:spcBef>
+                <a:spcPts val="0"/>
+              </a:spcBef>
+              <a:spcAft>
+                <a:spcPts val="0"/>
+              </a:spcAft>
+              <a:buClrTx/>
+              <a:buSzTx/>
+              <a:buFontTx/>
+              <a:buNone/>
+              <a:tabLst/>
+              <a:defRPr/>
+            </a:pPr>
+            <a:r>
+              <a:rPr kumimoji="0" lang="en-US" sz="1600" b="1" i="0" u="none" strike="noStrike" kern="1200" cap="none" spc="-1" normalizeH="0" baseline="0" noProof="0">
+                <a:ln>
+                  <a:noFill/>
+                </a:ln>
+                <a:solidFill>
+                  <a:srgbClr val="404040"/>
+                </a:solidFill>
+                <a:effectLst/>
+                <a:uLnTx/>
+                <a:uFill>
+                  <a:solidFill>
+                    <a:srgbClr val="FFFFFF"/>
+                  </a:solidFill>
+                </a:uFill>
+                <a:latin typeface="Rockwell"/>
+              </a:rPr>
+              <a:t>Results of this project</a:t>
+            </a:r>
+            <a:endParaRPr kumimoji="0" lang="en-US" sz="1800" b="0" i="0" u="none" strike="noStrike" kern="1200" cap="none" spc="-1" normalizeH="0" baseline="0" noProof="0">
+              <a:ln>
+                <a:noFill/>
+              </a:ln>
+              <a:solidFill>
+                <a:srgbClr val="000000"/>
+              </a:solidFill>
+              <a:effectLst/>
+              <a:uLnTx/>
+              <a:uFill>
+                <a:solidFill>
+                  <a:srgbClr val="FFFFFF"/>
+                </a:solidFill>
+              </a:uFill>
+              <a:latin typeface="Arial"/>
+            </a:endParaRPr>
+          </a:p>
+        </p:txBody>
+      </p:sp>
+      <p:pic>
+        <p:nvPicPr>
+          <p:cNvPr id="288" name="27 Imagen"/>
+          <p:cNvPicPr/>
+          <p:nvPr/>
+        </p:nvPicPr>
+        <p:blipFill>
+          <a:blip r:embed="rId4"/>
+          <a:stretch/>
+        </p:blipFill>
+        <p:spPr>
+          <a:xfrm>
+            <a:off x="4167360" y="6170760"/>
+            <a:ext cx="363240" cy="302760"/>
+          </a:xfrm>
+          <a:prstGeom prst="rect">
+            <a:avLst/>
+          </a:prstGeom>
+          <a:ln>
+            <a:noFill/>
+          </a:ln>
+        </p:spPr>
+      </p:pic>
+      <p:pic>
+        <p:nvPicPr>
+          <p:cNvPr id="289" name="28 Imagen"/>
+          <p:cNvPicPr/>
+          <p:nvPr/>
+        </p:nvPicPr>
+        <p:blipFill>
+          <a:blip r:embed="rId4"/>
+          <a:stretch/>
+        </p:blipFill>
+        <p:spPr>
+          <a:xfrm>
+            <a:off x="4741920" y="6170760"/>
+            <a:ext cx="363240" cy="302760"/>
+          </a:xfrm>
+          <a:prstGeom prst="rect">
+            <a:avLst/>
+          </a:prstGeom>
+          <a:ln>
+            <a:noFill/>
+          </a:ln>
+        </p:spPr>
+      </p:pic>
+      <p:sp>
+        <p:nvSpPr>
+          <p:cNvPr id="290" name="CustomShape 4"/>
+          <p:cNvSpPr/>
+          <p:nvPr/>
+        </p:nvSpPr>
+        <p:spPr>
+          <a:xfrm>
+            <a:off x="4193640" y="6181560"/>
+            <a:ext cx="286200" cy="272880"/>
+          </a:xfrm>
+          <a:prstGeom prst="rect">
+            <a:avLst/>
+          </a:prstGeom>
+          <a:noFill/>
+          <a:ln>
+            <a:noFill/>
+          </a:ln>
+        </p:spPr>
+        <p:style>
+          <a:lnRef idx="0">
+            <a:scrgbClr r="0" g="0" b="0"/>
+          </a:lnRef>
+          <a:fillRef idx="0">
+            <a:scrgbClr r="0" g="0" b="0"/>
+          </a:fillRef>
+          <a:effectRef idx="0">
+            <a:scrgbClr r="0" g="0" b="0"/>
+          </a:effectRef>
+          <a:fontRef idx="minor"/>
+        </p:style>
+        <p:txBody>
+          <a:bodyPr wrap="none" lIns="90000" tIns="45000" rIns="90000" bIns="45000"/>
+          <a:lstStyle/>
+          <a:p>
+            <a:pPr marL="0" marR="0" lvl="0" indent="0" algn="l" defTabSz="914400" rtl="0" eaLnBrk="1" fontAlgn="auto" latinLnBrk="0" hangingPunct="1">
+              <a:lnSpc>
+                <a:spcPct val="100000"/>
+              </a:lnSpc>
+              <a:spcBef>
+                <a:spcPts val="0"/>
+              </a:spcBef>
+              <a:spcAft>
+                <a:spcPts val="0"/>
+              </a:spcAft>
+              <a:buClrTx/>
+              <a:buSzTx/>
+              <a:buFontTx/>
+              <a:buNone/>
+              <a:tabLst/>
+              <a:defRPr/>
+            </a:pPr>
+            <a:r>
+              <a:rPr kumimoji="0" lang="en-US" sz="1200" b="1" i="0" u="none" strike="noStrike" kern="1200" cap="none" spc="-1" normalizeH="0" baseline="0" noProof="0">
+                <a:ln>
+                  <a:noFill/>
+                </a:ln>
+                <a:solidFill>
+                  <a:srgbClr val="FFC000"/>
+                </a:solidFill>
+                <a:effectLst/>
+                <a:uLnTx/>
+                <a:uFill>
+                  <a:solidFill>
+                    <a:srgbClr val="FFFFFF"/>
+                  </a:solidFill>
+                </a:uFill>
+                <a:latin typeface="Calibri"/>
+              </a:rPr>
+              <a:t>8</a:t>
+            </a:r>
+            <a:endParaRPr kumimoji="0" lang="en-US" sz="1800" b="0" i="0" u="none" strike="noStrike" kern="1200" cap="none" spc="-1" normalizeH="0" baseline="0" noProof="0">
+              <a:ln>
+                <a:noFill/>
+              </a:ln>
+              <a:solidFill>
+                <a:srgbClr val="000000"/>
+              </a:solidFill>
+              <a:effectLst/>
+              <a:uLnTx/>
+              <a:uFill>
+                <a:solidFill>
+                  <a:srgbClr val="FFFFFF"/>
+                </a:solidFill>
+              </a:uFill>
+              <a:latin typeface="Arial"/>
+            </a:endParaRPr>
+          </a:p>
+        </p:txBody>
+      </p:sp>
+      <p:sp>
+        <p:nvSpPr>
+          <p:cNvPr id="291" name="CustomShape 5"/>
+          <p:cNvSpPr/>
+          <p:nvPr/>
+        </p:nvSpPr>
+        <p:spPr>
+          <a:xfrm>
+            <a:off x="4449240" y="6181560"/>
+            <a:ext cx="351720" cy="272880"/>
+          </a:xfrm>
+          <a:prstGeom prst="rect">
+            <a:avLst/>
+          </a:prstGeom>
+          <a:noFill/>
+          <a:ln>
+            <a:noFill/>
+          </a:ln>
+        </p:spPr>
+        <p:style>
+          <a:lnRef idx="0">
+            <a:scrgbClr r="0" g="0" b="0"/>
+          </a:lnRef>
+          <a:fillRef idx="0">
+            <a:scrgbClr r="0" g="0" b="0"/>
+          </a:fillRef>
+          <a:effectRef idx="0">
+            <a:scrgbClr r="0" g="0" b="0"/>
+          </a:effectRef>
+          <a:fontRef idx="minor"/>
+        </p:style>
+        <p:txBody>
+          <a:bodyPr wrap="none" lIns="90000" tIns="45000" rIns="90000" bIns="45000"/>
+          <a:lstStyle/>
+          <a:p>
+            <a:pPr marL="0" marR="0" lvl="0" indent="0" algn="l" defTabSz="914400" rtl="0" eaLnBrk="1" fontAlgn="auto" latinLnBrk="0" hangingPunct="1">
+              <a:lnSpc>
+                <a:spcPct val="100000"/>
+              </a:lnSpc>
+              <a:spcBef>
+                <a:spcPts val="0"/>
+              </a:spcBef>
+              <a:spcAft>
+                <a:spcPts val="0"/>
+              </a:spcAft>
+              <a:buClrTx/>
+              <a:buSzTx/>
+              <a:buFontTx/>
+              <a:buNone/>
+              <a:tabLst/>
+              <a:defRPr/>
+            </a:pPr>
+            <a:r>
+              <a:rPr kumimoji="0" lang="en-US" sz="1200" b="1" i="1" u="none" strike="noStrike" kern="1200" cap="none" spc="-1" normalizeH="0" baseline="0" noProof="0">
+                <a:ln>
+                  <a:noFill/>
+                </a:ln>
+                <a:solidFill>
+                  <a:srgbClr val="A6A6A6"/>
+                </a:solidFill>
+                <a:effectLst/>
+                <a:uLnTx/>
+                <a:uFill>
+                  <a:solidFill>
+                    <a:srgbClr val="FFFFFF"/>
+                  </a:solidFill>
+                </a:uFill>
+                <a:latin typeface="Calibri"/>
+              </a:rPr>
+              <a:t>of</a:t>
+            </a:r>
+            <a:endParaRPr kumimoji="0" lang="en-US" sz="1800" b="0" i="0" u="none" strike="noStrike" kern="1200" cap="none" spc="-1" normalizeH="0" baseline="0" noProof="0">
+              <a:ln>
+                <a:noFill/>
+              </a:ln>
+              <a:solidFill>
+                <a:srgbClr val="000000"/>
+              </a:solidFill>
+              <a:effectLst/>
+              <a:uLnTx/>
+              <a:uFill>
+                <a:solidFill>
+                  <a:srgbClr val="FFFFFF"/>
+                </a:solidFill>
+              </a:uFill>
+              <a:latin typeface="Arial"/>
+            </a:endParaRPr>
+          </a:p>
+        </p:txBody>
+      </p:sp>
+      <p:sp>
+        <p:nvSpPr>
+          <p:cNvPr id="292" name="CustomShape 6"/>
+          <p:cNvSpPr/>
+          <p:nvPr/>
+        </p:nvSpPr>
+        <p:spPr>
+          <a:xfrm>
+            <a:off x="4776480" y="6181560"/>
+            <a:ext cx="286200" cy="272880"/>
+          </a:xfrm>
+          <a:prstGeom prst="rect">
+            <a:avLst/>
+          </a:prstGeom>
+          <a:noFill/>
+          <a:ln>
+            <a:noFill/>
+          </a:ln>
+        </p:spPr>
+        <p:style>
+          <a:lnRef idx="0">
+            <a:scrgbClr r="0" g="0" b="0"/>
+          </a:lnRef>
+          <a:fillRef idx="0">
+            <a:scrgbClr r="0" g="0" b="0"/>
+          </a:fillRef>
+          <a:effectRef idx="0">
+            <a:scrgbClr r="0" g="0" b="0"/>
+          </a:effectRef>
+          <a:fontRef idx="minor"/>
+        </p:style>
+        <p:txBody>
+          <a:bodyPr wrap="none" lIns="90000" tIns="45000" rIns="90000" bIns="45000"/>
+          <a:lstStyle/>
+          <a:p>
+            <a:pPr marL="0" marR="0" lvl="0" indent="0" algn="l" defTabSz="914400" rtl="0" eaLnBrk="1" fontAlgn="auto" latinLnBrk="0" hangingPunct="1">
+              <a:lnSpc>
+                <a:spcPct val="100000"/>
+              </a:lnSpc>
+              <a:spcBef>
+                <a:spcPts val="0"/>
+              </a:spcBef>
+              <a:spcAft>
+                <a:spcPts val="0"/>
+              </a:spcAft>
+              <a:buClrTx/>
+              <a:buSzTx/>
+              <a:buFontTx/>
+              <a:buNone/>
+              <a:tabLst/>
+              <a:defRPr/>
+            </a:pPr>
+            <a:r>
+              <a:rPr kumimoji="0" lang="en-US" sz="1200" b="1" i="0" u="none" strike="noStrike" kern="1200" cap="none" spc="-1" normalizeH="0" baseline="0" noProof="0">
+                <a:ln>
+                  <a:noFill/>
+                </a:ln>
+                <a:solidFill>
+                  <a:srgbClr val="808080"/>
+                </a:solidFill>
+                <a:effectLst/>
+                <a:uLnTx/>
+                <a:uFill>
+                  <a:solidFill>
+                    <a:srgbClr val="FFFFFF"/>
+                  </a:solidFill>
+                </a:uFill>
+                <a:latin typeface="Calibri"/>
+              </a:rPr>
+              <a:t>8</a:t>
+            </a:r>
+            <a:endParaRPr kumimoji="0" lang="en-US" sz="1800" b="0" i="0" u="none" strike="noStrike" kern="1200" cap="none" spc="-1" normalizeH="0" baseline="0" noProof="0">
+              <a:ln>
+                <a:noFill/>
+              </a:ln>
+              <a:solidFill>
+                <a:srgbClr val="000000"/>
+              </a:solidFill>
+              <a:effectLst/>
+              <a:uLnTx/>
+              <a:uFill>
+                <a:solidFill>
+                  <a:srgbClr val="FFFFFF"/>
+                </a:solidFill>
+              </a:uFill>
+              <a:latin typeface="Arial"/>
+            </a:endParaRPr>
+          </a:p>
+        </p:txBody>
+      </p:sp>
+      <p:pic>
+        <p:nvPicPr>
+          <p:cNvPr id="293" name="Imagen 5"/>
+          <p:cNvPicPr/>
+          <p:nvPr/>
+        </p:nvPicPr>
+        <p:blipFill>
+          <a:blip r:embed="rId5"/>
+          <a:stretch/>
+        </p:blipFill>
+        <p:spPr>
+          <a:xfrm>
+            <a:off x="5127480" y="5983200"/>
+            <a:ext cx="763200" cy="720360"/>
+          </a:xfrm>
+          <a:prstGeom prst="rect">
+            <a:avLst/>
+          </a:prstGeom>
+          <a:ln>
+            <a:noFill/>
+          </a:ln>
+        </p:spPr>
+      </p:pic>
+      <p:pic>
+        <p:nvPicPr>
+          <p:cNvPr id="294" name="Imagen 6"/>
+          <p:cNvPicPr/>
+          <p:nvPr/>
+        </p:nvPicPr>
+        <p:blipFill>
+          <a:blip r:embed="rId6"/>
+          <a:stretch/>
+        </p:blipFill>
+        <p:spPr>
+          <a:xfrm>
+            <a:off x="3933720" y="6251400"/>
+            <a:ext cx="175680" cy="175680"/>
+          </a:xfrm>
+          <a:prstGeom prst="rect">
+            <a:avLst/>
+          </a:prstGeom>
+          <a:ln>
+            <a:noFill/>
+          </a:ln>
+        </p:spPr>
+      </p:pic>
+      <p:pic>
+        <p:nvPicPr>
+          <p:cNvPr id="295" name="Imagen 5"/>
+          <p:cNvPicPr/>
+          <p:nvPr/>
+        </p:nvPicPr>
+        <p:blipFill>
+          <a:blip r:embed="rId7"/>
+          <a:stretch/>
+        </p:blipFill>
+        <p:spPr>
+          <a:xfrm>
+            <a:off x="1649520" y="5756400"/>
+            <a:ext cx="1193400" cy="1128240"/>
+          </a:xfrm>
+          <a:prstGeom prst="rect">
+            <a:avLst/>
+          </a:prstGeom>
+          <a:ln>
+            <a:noFill/>
+          </a:ln>
+        </p:spPr>
+      </p:pic>
+      <p:sp>
+        <p:nvSpPr>
+          <p:cNvPr id="296" name="Line 7"/>
+          <p:cNvSpPr/>
+          <p:nvPr/>
+        </p:nvSpPr>
+        <p:spPr>
+          <a:xfrm>
+            <a:off x="4427280" y="1873080"/>
+            <a:ext cx="360" cy="3716280"/>
+          </a:xfrm>
+          <a:prstGeom prst="line">
+            <a:avLst/>
+          </a:prstGeom>
+          <a:ln w="9360">
+            <a:solidFill>
+              <a:srgbClr val="D9D9D9"/>
+            </a:solidFill>
+            <a:round/>
+          </a:ln>
+        </p:spPr>
+        <p:style>
+          <a:lnRef idx="0">
+            <a:scrgbClr r="0" g="0" b="0"/>
+          </a:lnRef>
+          <a:fillRef idx="0">
+            <a:scrgbClr r="0" g="0" b="0"/>
+          </a:fillRef>
+          <a:effectRef idx="0">
+            <a:scrgbClr r="0" g="0" b="0"/>
+          </a:effectRef>
+          <a:fontRef idx="minor"/>
+        </p:style>
+      </p:sp>
+      <p:sp>
+        <p:nvSpPr>
+          <p:cNvPr id="297" name="Line 8"/>
+          <p:cNvSpPr/>
+          <p:nvPr/>
+        </p:nvSpPr>
+        <p:spPr>
+          <a:xfrm>
+            <a:off x="4421160" y="1873080"/>
+            <a:ext cx="360" cy="3716280"/>
+          </a:xfrm>
+          <a:prstGeom prst="line">
+            <a:avLst/>
+          </a:prstGeom>
+          <a:ln w="9360">
+            <a:solidFill>
+              <a:srgbClr val="FFFFFF"/>
+            </a:solidFill>
+            <a:round/>
+          </a:ln>
+        </p:spPr>
+        <p:style>
+          <a:lnRef idx="0">
+            <a:scrgbClr r="0" g="0" b="0"/>
+          </a:lnRef>
+          <a:fillRef idx="0">
+            <a:scrgbClr r="0" g="0" b="0"/>
+          </a:fillRef>
+          <a:effectRef idx="0">
+            <a:scrgbClr r="0" g="0" b="0"/>
+          </a:effectRef>
+          <a:fontRef idx="minor"/>
+        </p:style>
+      </p:sp>
+      <p:sp>
+        <p:nvSpPr>
+          <p:cNvPr id="298" name="CustomShape 9"/>
+          <p:cNvSpPr/>
+          <p:nvPr/>
+        </p:nvSpPr>
+        <p:spPr>
+          <a:xfrm>
+            <a:off x="477720" y="1979640"/>
+            <a:ext cx="3553920" cy="1512360"/>
+          </a:xfrm>
+          <a:prstGeom prst="rect">
+            <a:avLst/>
+          </a:prstGeom>
+          <a:noFill/>
+          <a:ln>
+            <a:noFill/>
+          </a:ln>
+        </p:spPr>
+        <p:style>
+          <a:lnRef idx="0">
+            <a:scrgbClr r="0" g="0" b="0"/>
+          </a:lnRef>
+          <a:fillRef idx="0">
+            <a:scrgbClr r="0" g="0" b="0"/>
+          </a:fillRef>
+          <a:effectRef idx="0">
+            <a:scrgbClr r="0" g="0" b="0"/>
+          </a:effectRef>
+          <a:fontRef idx="minor"/>
+        </p:style>
+        <p:txBody>
+          <a:bodyPr lIns="90000" tIns="45000" rIns="90000" bIns="45000"/>
+          <a:lstStyle/>
+          <a:p>
+            <a:pPr marL="216000" marR="0" lvl="0" indent="-216000" algn="just" defTabSz="914400" rtl="0" eaLnBrk="1" fontAlgn="auto" latinLnBrk="0" hangingPunct="1">
+              <a:lnSpc>
+                <a:spcPct val="120000"/>
+              </a:lnSpc>
+              <a:spcBef>
+                <a:spcPts val="0"/>
+              </a:spcBef>
+              <a:spcAft>
+                <a:spcPts val="0"/>
+              </a:spcAft>
+              <a:buClr>
+                <a:srgbClr val="808080"/>
+              </a:buClr>
+              <a:buSzPct val="45000"/>
+              <a:buFont typeface="Wingdings" charset="2"/>
+              <a:buChar char=""/>
+              <a:tabLst/>
+              <a:defRPr/>
+            </a:pPr>
+            <a:r>
+              <a:rPr kumimoji="0" lang="en-US" sz="1200" b="0" i="0" u="none" strike="noStrike" kern="1200" cap="none" spc="-1" normalizeH="0" baseline="0" noProof="0" dirty="0">
+                <a:ln>
+                  <a:noFill/>
+                </a:ln>
+                <a:solidFill>
+                  <a:srgbClr val="808080"/>
+                </a:solidFill>
+                <a:effectLst/>
+                <a:uLnTx/>
+                <a:uFill>
+                  <a:solidFill>
+                    <a:srgbClr val="FFFFFF"/>
+                  </a:solidFill>
+                </a:uFill>
+                <a:latin typeface="Calibri"/>
+              </a:rPr>
+              <a:t>Meeting/communication organization</a:t>
+            </a:r>
+            <a:endParaRPr kumimoji="0" lang="en-US" sz="1800" b="0" i="0" u="none" strike="noStrike" kern="1200" cap="none" spc="-1" normalizeH="0" baseline="0" noProof="0" dirty="0">
+              <a:ln>
+                <a:noFill/>
+              </a:ln>
+              <a:solidFill>
+                <a:srgbClr val="000000"/>
+              </a:solidFill>
+              <a:effectLst/>
+              <a:uLnTx/>
+              <a:uFill>
+                <a:solidFill>
+                  <a:srgbClr val="FFFFFF"/>
+                </a:solidFill>
+              </a:uFill>
+              <a:latin typeface="Arial"/>
+            </a:endParaRPr>
+          </a:p>
+          <a:p>
+            <a:pPr marL="216000" marR="0" lvl="0" indent="-216000" algn="just" defTabSz="914400" rtl="0" eaLnBrk="1" fontAlgn="auto" latinLnBrk="0" hangingPunct="1">
+              <a:lnSpc>
+                <a:spcPct val="120000"/>
+              </a:lnSpc>
+              <a:spcBef>
+                <a:spcPts val="0"/>
+              </a:spcBef>
+              <a:spcAft>
+                <a:spcPts val="0"/>
+              </a:spcAft>
+              <a:buClr>
+                <a:srgbClr val="808080"/>
+              </a:buClr>
+              <a:buSzPct val="45000"/>
+              <a:buFont typeface="Wingdings" charset="2"/>
+              <a:buChar char=""/>
+              <a:tabLst/>
+              <a:defRPr/>
+            </a:pPr>
+            <a:r>
+              <a:rPr kumimoji="0" lang="en-US" sz="1200" b="0" i="0" u="none" strike="noStrike" kern="1200" cap="none" spc="-1" normalizeH="0" baseline="0" noProof="0" dirty="0">
+                <a:ln>
+                  <a:noFill/>
+                </a:ln>
+                <a:solidFill>
+                  <a:srgbClr val="808080"/>
+                </a:solidFill>
+                <a:effectLst/>
+                <a:uLnTx/>
+                <a:uFill>
+                  <a:solidFill>
+                    <a:srgbClr val="FFFFFF"/>
+                  </a:solidFill>
+                </a:uFill>
+                <a:latin typeface="Calibri"/>
+              </a:rPr>
+              <a:t>Role distribution</a:t>
+            </a:r>
+            <a:endParaRPr kumimoji="0" lang="en-US" sz="1800" b="0" i="0" u="none" strike="noStrike" kern="1200" cap="none" spc="-1" normalizeH="0" baseline="0" noProof="0" dirty="0">
+              <a:ln>
+                <a:noFill/>
+              </a:ln>
+              <a:solidFill>
+                <a:srgbClr val="000000"/>
+              </a:solidFill>
+              <a:effectLst/>
+              <a:uLnTx/>
+              <a:uFill>
+                <a:solidFill>
+                  <a:srgbClr val="FFFFFF"/>
+                </a:solidFill>
+              </a:uFill>
+              <a:latin typeface="Arial"/>
+            </a:endParaRPr>
+          </a:p>
+          <a:p>
+            <a:pPr marL="216000" marR="0" lvl="0" indent="-216000" algn="just" defTabSz="914400" rtl="0" eaLnBrk="1" fontAlgn="auto" latinLnBrk="0" hangingPunct="1">
+              <a:lnSpc>
+                <a:spcPct val="120000"/>
+              </a:lnSpc>
+              <a:spcBef>
+                <a:spcPts val="0"/>
+              </a:spcBef>
+              <a:spcAft>
+                <a:spcPts val="0"/>
+              </a:spcAft>
+              <a:buClr>
+                <a:srgbClr val="808080"/>
+              </a:buClr>
+              <a:buSzPct val="45000"/>
+              <a:buFont typeface="Wingdings" charset="2"/>
+              <a:buChar char=""/>
+              <a:tabLst/>
+              <a:defRPr/>
+            </a:pPr>
+            <a:r>
+              <a:rPr kumimoji="0" lang="en-US" sz="1200" b="0" i="0" u="none" strike="noStrike" kern="1200" cap="none" spc="-1" normalizeH="0" baseline="0" noProof="0" dirty="0">
+                <a:ln>
+                  <a:noFill/>
+                </a:ln>
+                <a:solidFill>
+                  <a:srgbClr val="808080"/>
+                </a:solidFill>
+                <a:effectLst/>
+                <a:uLnTx/>
+                <a:uFill>
+                  <a:solidFill>
+                    <a:srgbClr val="FFFFFF"/>
+                  </a:solidFill>
+                </a:uFill>
+                <a:latin typeface="Calibri"/>
+              </a:rPr>
+              <a:t>Tools for later iterations chosen</a:t>
+            </a:r>
+            <a:endParaRPr kumimoji="0" lang="en-US" sz="1800" b="0" i="0" u="none" strike="noStrike" kern="1200" cap="none" spc="-1" normalizeH="0" baseline="0" noProof="0" dirty="0">
+              <a:ln>
+                <a:noFill/>
+              </a:ln>
+              <a:solidFill>
+                <a:srgbClr val="000000"/>
+              </a:solidFill>
+              <a:effectLst/>
+              <a:uLnTx/>
+              <a:uFill>
+                <a:solidFill>
+                  <a:srgbClr val="FFFFFF"/>
+                </a:solidFill>
+              </a:uFill>
+              <a:latin typeface="Arial"/>
+            </a:endParaRPr>
+          </a:p>
+          <a:p>
+            <a:pPr marL="216000" marR="0" lvl="0" indent="-216000" algn="just" defTabSz="914400" rtl="0" eaLnBrk="1" fontAlgn="auto" latinLnBrk="0" hangingPunct="1">
+              <a:lnSpc>
+                <a:spcPct val="120000"/>
+              </a:lnSpc>
+              <a:spcBef>
+                <a:spcPts val="0"/>
+              </a:spcBef>
+              <a:spcAft>
+                <a:spcPts val="0"/>
+              </a:spcAft>
+              <a:buClr>
+                <a:srgbClr val="808080"/>
+              </a:buClr>
+              <a:buSzPct val="45000"/>
+              <a:buFont typeface="Wingdings" charset="2"/>
+              <a:buChar char=""/>
+              <a:tabLst/>
+              <a:defRPr/>
+            </a:pPr>
+            <a:r>
+              <a:rPr kumimoji="0" lang="en-US" sz="1200" b="0" i="0" u="none" strike="noStrike" kern="1200" cap="none" spc="-1" normalizeH="0" baseline="0" noProof="0" dirty="0">
+                <a:ln>
+                  <a:noFill/>
+                </a:ln>
+                <a:solidFill>
+                  <a:srgbClr val="808080"/>
+                </a:solidFill>
+                <a:effectLst/>
+                <a:uLnTx/>
+                <a:uFill>
+                  <a:solidFill>
+                    <a:srgbClr val="FFFFFF"/>
+                  </a:solidFill>
+                </a:uFill>
+                <a:latin typeface="Calibri"/>
+              </a:rPr>
+              <a:t>General project plan</a:t>
+            </a:r>
+            <a:endParaRPr kumimoji="0" lang="en-US" sz="1800" b="0" i="0" u="none" strike="noStrike" kern="1200" cap="none" spc="-1" normalizeH="0" baseline="0" noProof="0" dirty="0">
+              <a:ln>
+                <a:noFill/>
+              </a:ln>
+              <a:solidFill>
+                <a:srgbClr val="000000"/>
+              </a:solidFill>
+              <a:effectLst/>
+              <a:uLnTx/>
+              <a:uFill>
+                <a:solidFill>
+                  <a:srgbClr val="FFFFFF"/>
+                </a:solidFill>
+              </a:uFill>
+              <a:latin typeface="Arial"/>
+            </a:endParaRPr>
+          </a:p>
+          <a:p>
+            <a:pPr marL="216000" marR="0" lvl="0" indent="-216000" algn="just" defTabSz="914400" rtl="0" eaLnBrk="1" fontAlgn="auto" latinLnBrk="0" hangingPunct="1">
+              <a:lnSpc>
+                <a:spcPct val="120000"/>
+              </a:lnSpc>
+              <a:spcBef>
+                <a:spcPts val="0"/>
+              </a:spcBef>
+              <a:spcAft>
+                <a:spcPts val="0"/>
+              </a:spcAft>
+              <a:buClr>
+                <a:srgbClr val="808080"/>
+              </a:buClr>
+              <a:buSzPct val="45000"/>
+              <a:buFont typeface="Wingdings" charset="2"/>
+              <a:buChar char=""/>
+              <a:tabLst/>
+              <a:defRPr/>
+            </a:pPr>
+            <a:r>
+              <a:rPr kumimoji="0" lang="en-US" sz="1200" b="0" i="0" u="none" strike="noStrike" kern="1200" cap="none" spc="-1" normalizeH="0" baseline="0" noProof="0" dirty="0">
+                <a:ln>
+                  <a:noFill/>
+                </a:ln>
+                <a:solidFill>
+                  <a:srgbClr val="808080"/>
+                </a:solidFill>
+                <a:effectLst/>
+                <a:uLnTx/>
+                <a:uFill>
+                  <a:solidFill>
+                    <a:srgbClr val="FFFFFF"/>
+                  </a:solidFill>
+                </a:uFill>
+                <a:latin typeface="Calibri"/>
+              </a:rPr>
+              <a:t>Deliverables</a:t>
+            </a:r>
+            <a:endParaRPr kumimoji="0" lang="en-US" sz="1800" b="0" i="0" u="none" strike="noStrike" kern="1200" cap="none" spc="-1" normalizeH="0" baseline="0" noProof="0" dirty="0">
+              <a:ln>
+                <a:noFill/>
+              </a:ln>
+              <a:solidFill>
+                <a:srgbClr val="000000"/>
+              </a:solidFill>
+              <a:effectLst/>
+              <a:uLnTx/>
+              <a:uFill>
+                <a:solidFill>
+                  <a:srgbClr val="FFFFFF"/>
+                </a:solidFill>
+              </a:uFill>
+              <a:latin typeface="Arial"/>
+            </a:endParaRPr>
+          </a:p>
+        </p:txBody>
+      </p:sp>
+      <p:pic>
+        <p:nvPicPr>
+          <p:cNvPr id="299" name="Imagen 6"/>
+          <p:cNvPicPr/>
+          <p:nvPr/>
+        </p:nvPicPr>
+        <p:blipFill>
+          <a:blip r:embed="rId8"/>
+          <a:stretch/>
+        </p:blipFill>
+        <p:spPr>
+          <a:xfrm>
+            <a:off x="5124600" y="6251400"/>
+            <a:ext cx="177480" cy="175680"/>
+          </a:xfrm>
+          <a:prstGeom prst="rect">
+            <a:avLst/>
+          </a:prstGeom>
+          <a:ln>
+            <a:noFill/>
+          </a:ln>
+        </p:spPr>
+      </p:pic>
+      <p:sp>
+        <p:nvSpPr>
+          <p:cNvPr id="300" name="CustomShape 10"/>
+          <p:cNvSpPr/>
+          <p:nvPr/>
+        </p:nvSpPr>
+        <p:spPr>
+          <a:xfrm>
+            <a:off x="484200" y="3292920"/>
+            <a:ext cx="4519080" cy="474480"/>
+          </a:xfrm>
+          <a:prstGeom prst="rect">
+            <a:avLst/>
+          </a:prstGeom>
+          <a:noFill/>
+          <a:ln>
+            <a:noFill/>
+          </a:ln>
+        </p:spPr>
+        <p:style>
+          <a:lnRef idx="0">
+            <a:scrgbClr r="0" g="0" b="0"/>
+          </a:lnRef>
+          <a:fillRef idx="0">
+            <a:scrgbClr r="0" g="0" b="0"/>
+          </a:fillRef>
+          <a:effectRef idx="0">
+            <a:scrgbClr r="0" g="0" b="0"/>
+          </a:effectRef>
+          <a:fontRef idx="minor"/>
+        </p:style>
+        <p:txBody>
+          <a:bodyPr lIns="90000" tIns="45000" rIns="90000" bIns="45000" anchor="ctr"/>
+          <a:lstStyle/>
+          <a:p>
+            <a:pPr marL="0" marR="0" lvl="0" indent="0" algn="l" defTabSz="914400" rtl="0" eaLnBrk="1" fontAlgn="auto" latinLnBrk="0" hangingPunct="1">
+              <a:lnSpc>
+                <a:spcPts val="2032"/>
+              </a:lnSpc>
+              <a:spcBef>
+                <a:spcPts val="0"/>
+              </a:spcBef>
+              <a:spcAft>
+                <a:spcPts val="0"/>
+              </a:spcAft>
+              <a:buClrTx/>
+              <a:buSzTx/>
+              <a:buFontTx/>
+              <a:buNone/>
+              <a:tabLst/>
+              <a:defRPr/>
+            </a:pPr>
+            <a:r>
+              <a:rPr kumimoji="0" lang="en-US" sz="1600" b="1" i="0" u="none" strike="noStrike" kern="1200" cap="none" spc="-1" normalizeH="0" baseline="0" noProof="0">
+                <a:ln>
+                  <a:noFill/>
+                </a:ln>
+                <a:solidFill>
+                  <a:srgbClr val="404040"/>
+                </a:solidFill>
+                <a:effectLst/>
+                <a:uLnTx/>
+                <a:uFill>
+                  <a:solidFill>
+                    <a:srgbClr val="FFFFFF"/>
+                  </a:solidFill>
+                </a:uFill>
+                <a:latin typeface="Rockwell"/>
+              </a:rPr>
+              <a:t>In retrospect...</a:t>
+            </a:r>
+            <a:endParaRPr kumimoji="0" lang="en-US" sz="1800" b="0" i="0" u="none" strike="noStrike" kern="1200" cap="none" spc="-1" normalizeH="0" baseline="0" noProof="0">
+              <a:ln>
+                <a:noFill/>
+              </a:ln>
+              <a:solidFill>
+                <a:srgbClr val="000000"/>
+              </a:solidFill>
+              <a:effectLst/>
+              <a:uLnTx/>
+              <a:uFill>
+                <a:solidFill>
+                  <a:srgbClr val="FFFFFF"/>
+                </a:solidFill>
+              </a:uFill>
+              <a:latin typeface="Arial"/>
+            </a:endParaRPr>
+          </a:p>
+        </p:txBody>
+      </p:sp>
+      <p:sp>
+        <p:nvSpPr>
+          <p:cNvPr id="301" name="CustomShape 11"/>
+          <p:cNvSpPr/>
+          <p:nvPr/>
+        </p:nvSpPr>
+        <p:spPr>
+          <a:xfrm>
+            <a:off x="477720" y="3974040"/>
+            <a:ext cx="3553920" cy="1512360"/>
+          </a:xfrm>
+          <a:prstGeom prst="rect">
+            <a:avLst/>
+          </a:prstGeom>
+          <a:noFill/>
+          <a:ln>
+            <a:noFill/>
+          </a:ln>
+        </p:spPr>
+        <p:style>
+          <a:lnRef idx="0">
+            <a:scrgbClr r="0" g="0" b="0"/>
+          </a:lnRef>
+          <a:fillRef idx="0">
+            <a:scrgbClr r="0" g="0" b="0"/>
+          </a:fillRef>
+          <a:effectRef idx="0">
+            <a:scrgbClr r="0" g="0" b="0"/>
+          </a:effectRef>
+          <a:fontRef idx="minor"/>
+        </p:style>
+        <p:txBody>
+          <a:bodyPr lIns="90000" tIns="45000" rIns="90000" bIns="45000"/>
+          <a:lstStyle/>
+          <a:p>
+            <a:pPr marL="216000" marR="0" lvl="0" indent="-216000" algn="just" defTabSz="914400" rtl="0" eaLnBrk="1" fontAlgn="auto" latinLnBrk="0" hangingPunct="1">
+              <a:lnSpc>
+                <a:spcPct val="120000"/>
+              </a:lnSpc>
+              <a:spcBef>
+                <a:spcPts val="0"/>
+              </a:spcBef>
+              <a:spcAft>
+                <a:spcPts val="0"/>
+              </a:spcAft>
+              <a:buClr>
+                <a:srgbClr val="808080"/>
+              </a:buClr>
+              <a:buSzPct val="45000"/>
+              <a:buFont typeface="Wingdings" charset="2"/>
+              <a:buChar char=""/>
+              <a:tabLst/>
+              <a:defRPr/>
+            </a:pPr>
+            <a:r>
+              <a:rPr kumimoji="0" lang="en-US" sz="1200" b="0" i="0" u="none" strike="noStrike" kern="1200" cap="none" spc="-1" normalizeH="0" baseline="0" noProof="0" dirty="0">
+                <a:ln>
+                  <a:noFill/>
+                </a:ln>
+                <a:solidFill>
+                  <a:srgbClr val="808080"/>
+                </a:solidFill>
+                <a:effectLst/>
+                <a:uLnTx/>
+                <a:uFill>
+                  <a:solidFill>
+                    <a:srgbClr val="FFFFFF"/>
+                  </a:solidFill>
+                </a:uFill>
+                <a:latin typeface="Calibri"/>
+              </a:rPr>
+              <a:t>Minutes “Meeting review” section</a:t>
+            </a:r>
+            <a:endParaRPr kumimoji="0" lang="en-US" sz="1800" b="0" i="0" u="none" strike="noStrike" kern="1200" cap="none" spc="-1" normalizeH="0" baseline="0" noProof="0" dirty="0">
+              <a:ln>
+                <a:noFill/>
+              </a:ln>
+              <a:solidFill>
+                <a:srgbClr val="000000"/>
+              </a:solidFill>
+              <a:effectLst/>
+              <a:uLnTx/>
+              <a:uFill>
+                <a:solidFill>
+                  <a:srgbClr val="FFFFFF"/>
+                </a:solidFill>
+              </a:uFill>
+              <a:latin typeface="Arial"/>
+            </a:endParaRPr>
+          </a:p>
+          <a:p>
+            <a:pPr marL="432000" marR="0" lvl="1" indent="-216000" algn="just" defTabSz="914400" rtl="0" eaLnBrk="1" fontAlgn="auto" latinLnBrk="0" hangingPunct="1">
+              <a:lnSpc>
+                <a:spcPct val="120000"/>
+              </a:lnSpc>
+              <a:spcBef>
+                <a:spcPts val="0"/>
+              </a:spcBef>
+              <a:spcAft>
+                <a:spcPts val="0"/>
+              </a:spcAft>
+              <a:buClr>
+                <a:srgbClr val="000000"/>
+              </a:buClr>
+              <a:buSzPct val="45000"/>
+              <a:buFont typeface="Wingdings" charset="2"/>
+              <a:buChar char=""/>
+              <a:tabLst/>
+              <a:defRPr/>
+            </a:pPr>
+            <a:r>
+              <a:rPr kumimoji="0" lang="en-US" sz="1200" b="0" i="0" u="none" strike="noStrike" kern="1200" cap="none" spc="-1" normalizeH="0" baseline="0" noProof="0" dirty="0">
+                <a:ln>
+                  <a:noFill/>
+                </a:ln>
+                <a:solidFill>
+                  <a:srgbClr val="808080"/>
+                </a:solidFill>
+                <a:effectLst/>
+                <a:uLnTx/>
+                <a:uFill>
+                  <a:solidFill>
+                    <a:srgbClr val="FFFFFF"/>
+                  </a:solidFill>
+                </a:uFill>
+                <a:latin typeface="Calibri"/>
+              </a:rPr>
+              <a:t>Recurring: focus</a:t>
+            </a:r>
+            <a:endParaRPr kumimoji="0" lang="en-US" sz="1800" b="0" i="0" u="none" strike="noStrike" kern="1200" cap="none" spc="-1" normalizeH="0" baseline="0" noProof="0" dirty="0">
+              <a:ln>
+                <a:noFill/>
+              </a:ln>
+              <a:solidFill>
+                <a:srgbClr val="000000"/>
+              </a:solidFill>
+              <a:effectLst/>
+              <a:uLnTx/>
+              <a:uFill>
+                <a:solidFill>
+                  <a:srgbClr val="FFFFFF"/>
+                </a:solidFill>
+              </a:uFill>
+              <a:latin typeface="Arial"/>
+            </a:endParaRPr>
+          </a:p>
+          <a:p>
+            <a:pPr marL="216000" marR="0" lvl="0" indent="-216000" algn="l" defTabSz="914400" rtl="0" eaLnBrk="1" fontAlgn="auto" latinLnBrk="0" hangingPunct="1">
+              <a:lnSpc>
+                <a:spcPct val="120000"/>
+              </a:lnSpc>
+              <a:spcBef>
+                <a:spcPts val="0"/>
+              </a:spcBef>
+              <a:spcAft>
+                <a:spcPts val="0"/>
+              </a:spcAft>
+              <a:buClr>
+                <a:srgbClr val="808080"/>
+              </a:buClr>
+              <a:buSzPct val="45000"/>
+              <a:buFont typeface="Wingdings" charset="2"/>
+              <a:buChar char=""/>
+              <a:tabLst/>
+              <a:defRPr/>
+            </a:pPr>
+            <a:r>
+              <a:rPr kumimoji="0" lang="en-US" sz="1200" b="0" i="0" u="none" strike="noStrike" kern="1200" cap="none" spc="-1" normalizeH="0" baseline="0" noProof="0" dirty="0">
+                <a:ln>
+                  <a:noFill/>
+                </a:ln>
+                <a:solidFill>
+                  <a:srgbClr val="808080"/>
+                </a:solidFill>
+                <a:effectLst/>
+                <a:uLnTx/>
+                <a:uFill>
+                  <a:solidFill>
+                    <a:srgbClr val="FFFFFF"/>
+                  </a:solidFill>
+                </a:uFill>
+                <a:latin typeface="Calibri"/>
+              </a:rPr>
+              <a:t>Meeting discussion transition:
+wide → narrow</a:t>
+            </a:r>
+            <a:endParaRPr kumimoji="0" lang="en-US" sz="1800" b="0" i="0" u="none" strike="noStrike" kern="1200" cap="none" spc="-1" normalizeH="0" baseline="0" noProof="0" dirty="0">
+              <a:ln>
+                <a:noFill/>
+              </a:ln>
+              <a:solidFill>
+                <a:srgbClr val="000000"/>
+              </a:solidFill>
+              <a:effectLst/>
+              <a:uLnTx/>
+              <a:uFill>
+                <a:solidFill>
+                  <a:srgbClr val="FFFFFF"/>
+                </a:solidFill>
+              </a:uFill>
+              <a:latin typeface="Arial"/>
+            </a:endParaRPr>
+          </a:p>
+          <a:p>
+            <a:pPr marL="216000" marR="0" lvl="0" indent="-216000" algn="l" defTabSz="914400" rtl="0" eaLnBrk="1" fontAlgn="auto" latinLnBrk="0" hangingPunct="1">
+              <a:lnSpc>
+                <a:spcPct val="120000"/>
+              </a:lnSpc>
+              <a:spcBef>
+                <a:spcPts val="0"/>
+              </a:spcBef>
+              <a:spcAft>
+                <a:spcPts val="0"/>
+              </a:spcAft>
+              <a:buClr>
+                <a:srgbClr val="808080"/>
+              </a:buClr>
+              <a:buSzPct val="45000"/>
+              <a:buFont typeface="Wingdings" charset="2"/>
+              <a:buChar char=""/>
+              <a:tabLst/>
+              <a:defRPr/>
+            </a:pPr>
+            <a:r>
+              <a:rPr kumimoji="0" lang="en-US" sz="1200" b="0" i="0" u="none" strike="noStrike" kern="1200" cap="none" spc="-1" normalizeH="0" baseline="0" noProof="0" dirty="0">
+                <a:ln>
+                  <a:noFill/>
+                </a:ln>
+                <a:solidFill>
+                  <a:srgbClr val="808080"/>
+                </a:solidFill>
+                <a:effectLst/>
+                <a:uLnTx/>
+                <a:uFill>
+                  <a:solidFill>
+                    <a:srgbClr val="FFFFFF"/>
+                  </a:solidFill>
+                </a:uFill>
+                <a:latin typeface="Calibri"/>
+              </a:rPr>
+              <a:t>Deliverables: abstract → concrete</a:t>
+            </a:r>
+            <a:endParaRPr kumimoji="0" lang="en-US" sz="1800" b="0" i="0" u="none" strike="noStrike" kern="1200" cap="none" spc="-1" normalizeH="0" baseline="0" noProof="0" dirty="0">
+              <a:ln>
+                <a:noFill/>
+              </a:ln>
+              <a:solidFill>
+                <a:srgbClr val="000000"/>
+              </a:solidFill>
+              <a:effectLst/>
+              <a:uLnTx/>
+              <a:uFill>
+                <a:solidFill>
+                  <a:srgbClr val="FFFFFF"/>
+                </a:solidFill>
+              </a:uFill>
+              <a:latin typeface="Arial"/>
+            </a:endParaRPr>
+          </a:p>
+        </p:txBody>
+      </p:sp>
+      <p:sp>
+        <p:nvSpPr>
+          <p:cNvPr id="302" name="CustomShape 12"/>
+          <p:cNvSpPr/>
+          <p:nvPr/>
+        </p:nvSpPr>
+        <p:spPr>
+          <a:xfrm>
+            <a:off x="4669920" y="3291840"/>
+            <a:ext cx="4519080" cy="474480"/>
+          </a:xfrm>
+          <a:prstGeom prst="rect">
+            <a:avLst/>
+          </a:prstGeom>
+          <a:noFill/>
+          <a:ln>
+            <a:noFill/>
+          </a:ln>
+        </p:spPr>
+        <p:style>
+          <a:lnRef idx="0">
+            <a:scrgbClr r="0" g="0" b="0"/>
+          </a:lnRef>
+          <a:fillRef idx="0">
+            <a:scrgbClr r="0" g="0" b="0"/>
+          </a:fillRef>
+          <a:effectRef idx="0">
+            <a:scrgbClr r="0" g="0" b="0"/>
+          </a:effectRef>
+          <a:fontRef idx="minor"/>
+        </p:style>
+        <p:txBody>
+          <a:bodyPr lIns="90000" tIns="45000" rIns="90000" bIns="45000" anchor="ctr"/>
+          <a:lstStyle/>
+          <a:p>
+            <a:pPr marL="0" marR="0" lvl="0" indent="0" algn="l" defTabSz="914400" rtl="0" eaLnBrk="1" fontAlgn="auto" latinLnBrk="0" hangingPunct="1">
+              <a:lnSpc>
+                <a:spcPts val="2032"/>
+              </a:lnSpc>
+              <a:spcBef>
+                <a:spcPts val="0"/>
+              </a:spcBef>
+              <a:spcAft>
+                <a:spcPts val="0"/>
+              </a:spcAft>
+              <a:buClrTx/>
+              <a:buSzTx/>
+              <a:buFontTx/>
+              <a:buNone/>
+              <a:tabLst/>
+              <a:defRPr/>
+            </a:pPr>
+            <a:r>
+              <a:rPr kumimoji="0" lang="en-US" sz="1600" b="1" i="0" u="none" strike="noStrike" kern="1200" cap="none" spc="-1" normalizeH="0" baseline="0" noProof="0">
+                <a:ln>
+                  <a:noFill/>
+                </a:ln>
+                <a:solidFill>
+                  <a:srgbClr val="404040"/>
+                </a:solidFill>
+                <a:effectLst/>
+                <a:uLnTx/>
+                <a:uFill>
+                  <a:solidFill>
+                    <a:srgbClr val="FFFFFF"/>
+                  </a:solidFill>
+                </a:uFill>
+                <a:latin typeface="Rockwell"/>
+              </a:rPr>
+              <a:t>In conclusion:</a:t>
+            </a:r>
+            <a:endParaRPr kumimoji="0" lang="en-US" sz="1800" b="0" i="0" u="none" strike="noStrike" kern="1200" cap="none" spc="-1" normalizeH="0" baseline="0" noProof="0">
+              <a:ln>
+                <a:noFill/>
+              </a:ln>
+              <a:solidFill>
+                <a:srgbClr val="000000"/>
+              </a:solidFill>
+              <a:effectLst/>
+              <a:uLnTx/>
+              <a:uFill>
+                <a:solidFill>
+                  <a:srgbClr val="FFFFFF"/>
+                </a:solidFill>
+              </a:uFill>
+              <a:latin typeface="Arial"/>
+            </a:endParaRPr>
+          </a:p>
+        </p:txBody>
+      </p:sp>
+      <p:sp>
+        <p:nvSpPr>
+          <p:cNvPr id="303" name="CustomShape 13"/>
+          <p:cNvSpPr/>
+          <p:nvPr/>
+        </p:nvSpPr>
+        <p:spPr>
+          <a:xfrm>
+            <a:off x="4663440" y="3972960"/>
+            <a:ext cx="3553920" cy="1512360"/>
+          </a:xfrm>
+          <a:prstGeom prst="rect">
+            <a:avLst/>
+          </a:prstGeom>
+          <a:noFill/>
+          <a:ln>
+            <a:noFill/>
+          </a:ln>
+        </p:spPr>
+        <p:style>
+          <a:lnRef idx="0">
+            <a:scrgbClr r="0" g="0" b="0"/>
+          </a:lnRef>
+          <a:fillRef idx="0">
+            <a:scrgbClr r="0" g="0" b="0"/>
+          </a:fillRef>
+          <a:effectRef idx="0">
+            <a:scrgbClr r="0" g="0" b="0"/>
+          </a:effectRef>
+          <a:fontRef idx="minor"/>
+        </p:style>
+        <p:txBody>
+          <a:bodyPr lIns="90000" tIns="45000" rIns="90000" bIns="45000"/>
+          <a:lstStyle/>
+          <a:p>
+            <a:pPr marL="216000" marR="0" lvl="0" indent="-216000" algn="l" defTabSz="914400" rtl="0" eaLnBrk="1" fontAlgn="auto" latinLnBrk="0" hangingPunct="1">
+              <a:lnSpc>
+                <a:spcPct val="120000"/>
+              </a:lnSpc>
+              <a:spcBef>
+                <a:spcPts val="0"/>
+              </a:spcBef>
+              <a:spcAft>
+                <a:spcPts val="0"/>
+              </a:spcAft>
+              <a:buClr>
+                <a:srgbClr val="808080"/>
+              </a:buClr>
+              <a:buSzPct val="45000"/>
+              <a:buFont typeface="Wingdings" charset="2"/>
+              <a:buChar char=""/>
+              <a:tabLst/>
+              <a:defRPr/>
+            </a:pPr>
+            <a:r>
+              <a:rPr kumimoji="0" lang="en-US" sz="1200" b="0" i="0" u="none" strike="noStrike" kern="1200" cap="none" spc="-1" normalizeH="0" baseline="0" noProof="0">
+                <a:ln>
+                  <a:noFill/>
+                </a:ln>
+                <a:solidFill>
+                  <a:srgbClr val="808080"/>
+                </a:solidFill>
+                <a:effectLst/>
+                <a:uLnTx/>
+                <a:uFill>
+                  <a:solidFill>
+                    <a:srgbClr val="FFFFFF"/>
+                  </a:solidFill>
+                </a:uFill>
+                <a:latin typeface="Calibri"/>
+              </a:rPr>
+              <a:t>Group has largely been experimenting</a:t>
+            </a:r>
+            <a:endParaRPr kumimoji="0" lang="en-US" sz="1800" b="0" i="0" u="none" strike="noStrike" kern="1200" cap="none" spc="-1" normalizeH="0" baseline="0" noProof="0">
+              <a:ln>
+                <a:noFill/>
+              </a:ln>
+              <a:solidFill>
+                <a:srgbClr val="000000"/>
+              </a:solidFill>
+              <a:effectLst/>
+              <a:uLnTx/>
+              <a:uFill>
+                <a:solidFill>
+                  <a:srgbClr val="FFFFFF"/>
+                </a:solidFill>
+              </a:uFill>
+              <a:latin typeface="Arial"/>
+            </a:endParaRPr>
+          </a:p>
+          <a:p>
+            <a:pPr marL="216000" marR="0" lvl="0" indent="-216000" algn="l" defTabSz="914400" rtl="0" eaLnBrk="1" fontAlgn="auto" latinLnBrk="0" hangingPunct="1">
+              <a:lnSpc>
+                <a:spcPct val="120000"/>
+              </a:lnSpc>
+              <a:spcBef>
+                <a:spcPts val="0"/>
+              </a:spcBef>
+              <a:spcAft>
+                <a:spcPts val="0"/>
+              </a:spcAft>
+              <a:buClr>
+                <a:srgbClr val="808080"/>
+              </a:buClr>
+              <a:buSzPct val="45000"/>
+              <a:buFont typeface="Wingdings" charset="2"/>
+              <a:buChar char=""/>
+              <a:tabLst/>
+              <a:defRPr/>
+            </a:pPr>
+            <a:r>
+              <a:rPr kumimoji="0" lang="en-US" sz="1200" b="0" i="0" u="none" strike="noStrike" kern="1200" cap="none" spc="-1" normalizeH="0" baseline="0" noProof="0">
+                <a:ln>
+                  <a:noFill/>
+                </a:ln>
+                <a:solidFill>
+                  <a:srgbClr val="808080"/>
+                </a:solidFill>
+                <a:effectLst/>
+                <a:uLnTx/>
+                <a:uFill>
+                  <a:solidFill>
+                    <a:srgbClr val="FFFFFF"/>
+                  </a:solidFill>
+                </a:uFill>
+                <a:latin typeface="Calibri"/>
+              </a:rPr>
+              <a:t>Process has changed a lot in a short space of time</a:t>
+            </a:r>
+            <a:endParaRPr kumimoji="0" lang="en-US" sz="1800" b="0" i="0" u="none" strike="noStrike" kern="1200" cap="none" spc="-1" normalizeH="0" baseline="0" noProof="0">
+              <a:ln>
+                <a:noFill/>
+              </a:ln>
+              <a:solidFill>
+                <a:srgbClr val="000000"/>
+              </a:solidFill>
+              <a:effectLst/>
+              <a:uLnTx/>
+              <a:uFill>
+                <a:solidFill>
+                  <a:srgbClr val="FFFFFF"/>
+                </a:solidFill>
+              </a:uFill>
+              <a:latin typeface="Arial"/>
+            </a:endParaRPr>
+          </a:p>
+          <a:p>
+            <a:pPr marL="216000" marR="0" lvl="0" indent="-216000" algn="l" defTabSz="914400" rtl="0" eaLnBrk="1" fontAlgn="auto" latinLnBrk="0" hangingPunct="1">
+              <a:lnSpc>
+                <a:spcPct val="120000"/>
+              </a:lnSpc>
+              <a:spcBef>
+                <a:spcPts val="0"/>
+              </a:spcBef>
+              <a:spcAft>
+                <a:spcPts val="0"/>
+              </a:spcAft>
+              <a:buClr>
+                <a:srgbClr val="808080"/>
+              </a:buClr>
+              <a:buSzPct val="45000"/>
+              <a:buFont typeface="Wingdings" charset="2"/>
+              <a:buChar char=""/>
+              <a:tabLst/>
+              <a:defRPr/>
+            </a:pPr>
+            <a:r>
+              <a:rPr kumimoji="0" lang="en-US" sz="1200" b="1" i="0" u="none" strike="noStrike" kern="1200" cap="none" spc="-1" normalizeH="0" baseline="0" noProof="0">
+                <a:ln>
+                  <a:noFill/>
+                </a:ln>
+                <a:solidFill>
+                  <a:srgbClr val="808080"/>
+                </a:solidFill>
+                <a:effectLst/>
+                <a:uLnTx/>
+                <a:uFill>
+                  <a:solidFill>
+                    <a:srgbClr val="FFFFFF"/>
+                  </a:solidFill>
+                </a:uFill>
+                <a:latin typeface="Calibri"/>
+              </a:rPr>
+              <a:t>This is a starting point</a:t>
+            </a:r>
+            <a:endParaRPr kumimoji="0" lang="en-US" sz="1800" b="0" i="0" u="none" strike="noStrike" kern="1200" cap="none" spc="-1" normalizeH="0" baseline="0" noProof="0">
+              <a:ln>
+                <a:noFill/>
+              </a:ln>
+              <a:solidFill>
+                <a:srgbClr val="000000"/>
+              </a:solidFill>
+              <a:effectLst/>
+              <a:uLnTx/>
+              <a:uFill>
+                <a:solidFill>
+                  <a:srgbClr val="FFFFFF"/>
+                </a:solidFill>
+              </a:uFill>
+              <a:latin typeface="Arial"/>
+            </a:endParaRPr>
+          </a:p>
+        </p:txBody>
+      </p:sp>
+    </p:spTree>
+    <p:extLst>
+      <p:ext uri="{BB962C8B-B14F-4D97-AF65-F5344CB8AC3E}">
+        <p14:creationId xmlns:p14="http://schemas.microsoft.com/office/powerpoint/2010/main" val="828667984"/>
+      </p:ext>
+    </p:extLst>
+  </p:cSld>
+  <p:clrMapOvr>
+    <a:masterClrMapping/>
+  </p:clrMapOvr>
+  <p:timing>
+    <p:tnLst>
+      <p:par>
+        <p:cTn id="1" dur="indefinite" restart="never" nodeType="tmRoot">
+          <p:childTnLst>
+            <p:seq>
+              <p:cTn id="2" nodeType="mainSeq">
+                <p:childTnLst>
+                  <p:par>
+                    <p:cTn id="3" fill="freeze">
+                      <p:stCondLst>
+                        <p:cond delay="0"/>
+                      </p:stCondLst>
+                      <p:childTnLst>
+                        <p:par>
+                          <p:cTn id="4" fill="freeze">
+                            <p:stCondLst>
+                              <p:cond delay="0"/>
+                            </p:stCondLst>
+                            <p:childTnLst>
+                              <p:par>
+                                <p:cTn id="5" presetID="29" presetClass="entr" fill="hold" nodeType="withEffect">
+                                  <p:stCondLst>
+                                    <p:cond delay="0"/>
+                                  </p:stCondLst>
+                                  <p:childTnLst>
+                                    <p:set>
+                                      <p:cBhvr>
+                                        <p:cTn id="6" dur="1" fill="hold">
+                                          <p:stCondLst>
+                                            <p:cond delay="0"/>
+                                          </p:stCondLst>
+                                        </p:cTn>
+                                        <p:tgtEl>
+                                          <p:spTgt spid="286"/>
+                                        </p:tgtEl>
+                                        <p:attrNameLst>
+                                          <p:attrName>style.visibility</p:attrName>
+                                        </p:attrNameLst>
+                                      </p:cBhvr>
+                                      <p:to>
+                                        <p:strVal val="visible"/>
+                                      </p:to>
+                                    </p:set>
+                                    <p:anim calcmode="lin" valueType="num">
+                                      <p:cBhvr additive="repl">
+                                        <p:cTn id="7" dur="1000" fill="hold"/>
+                                        <p:tgtEl>
+                                          <p:spTgt spid="286"/>
+                                        </p:tgtEl>
+                                        <p:attrNameLst>
+                                          <p:attrName>ppt_x</p:attrName>
+                                        </p:attrNameLst>
+                                      </p:cBhvr>
+                                      <p:tavLst>
+                                        <p:tav tm="0">
+                                          <p:val>
+                                            <p:strVal val="#ppt_x-.2"/>
+                                          </p:val>
+                                        </p:tav>
+                                        <p:tav tm="100000">
+                                          <p:val>
+                                            <p:strVal val="#ppt_x"/>
+                                          </p:val>
+                                        </p:tav>
+                                      </p:tavLst>
+                                    </p:anim>
+                                    <p:anim calcmode="lin" valueType="num">
+                                      <p:cBhvr additive="repl">
+                                        <p:cTn id="8" dur="1000" fill="hold"/>
+                                        <p:tgtEl>
+                                          <p:spTgt spid="286"/>
+                                        </p:tgtEl>
+                                        <p:attrNameLst>
+                                          <p:attrName>ppt_y</p:attrName>
+                                        </p:attrNameLst>
+                                      </p:cBhvr>
+                                      <p:tavLst>
+                                        <p:tav tm="0">
+                                          <p:val>
+                                            <p:strVal val="#ppt_y"/>
+                                          </p:val>
+                                        </p:tav>
+                                        <p:tav tm="100000">
+                                          <p:val>
+                                            <p:strVal val="#ppt_y"/>
+                                          </p:val>
+                                        </p:tav>
+                                      </p:tavLst>
+                                    </p:anim>
+                                    <p:animEffect transition="out" filter="wipe(right)">
+                                      <p:cBhvr additive="repl">
+                                        <p:cTn id="9" dur="1000"/>
+                                        <p:tgtEl>
+                                          <p:spTgt spid="286"/>
+                                        </p:tgtEl>
+                                      </p:cBhvr>
+                                    </p:animEffect>
+                                  </p:childTnLst>
+                                </p:cTn>
+                              </p:par>
+                              <p:par>
+                                <p:cTn id="10" presetID="29" presetClass="entr" fill="hold" nodeType="withEffect">
+                                  <p:stCondLst>
+                                    <p:cond delay="0"/>
+                                  </p:stCondLst>
+                                  <p:childTnLst>
+                                    <p:set>
+                                      <p:cBhvr>
+                                        <p:cTn id="11" dur="1" fill="hold">
+                                          <p:stCondLst>
+                                            <p:cond delay="0"/>
+                                          </p:stCondLst>
+                                        </p:cTn>
+                                        <p:tgtEl>
+                                          <p:spTgt spid="285"/>
+                                        </p:tgtEl>
+                                        <p:attrNameLst>
+                                          <p:attrName>style.visibility</p:attrName>
+                                        </p:attrNameLst>
+                                      </p:cBhvr>
+                                      <p:to>
+                                        <p:strVal val="visible"/>
+                                      </p:to>
+                                    </p:set>
+                                    <p:anim calcmode="lin" valueType="num">
+                                      <p:cBhvr additive="repl">
+                                        <p:cTn id="12" dur="1000" fill="hold"/>
+                                        <p:tgtEl>
+                                          <p:spTgt spid="285"/>
+                                        </p:tgtEl>
+                                        <p:attrNameLst>
+                                          <p:attrName>ppt_x</p:attrName>
+                                        </p:attrNameLst>
+                                      </p:cBhvr>
+                                      <p:tavLst>
+                                        <p:tav tm="0">
+                                          <p:val>
+                                            <p:strVal val="#ppt_x-.2"/>
+                                          </p:val>
+                                        </p:tav>
+                                        <p:tav tm="100000">
+                                          <p:val>
+                                            <p:strVal val="#ppt_x"/>
+                                          </p:val>
+                                        </p:tav>
+                                      </p:tavLst>
+                                    </p:anim>
+                                    <p:anim calcmode="lin" valueType="num">
+                                      <p:cBhvr additive="repl">
+                                        <p:cTn id="13" dur="1000" fill="hold"/>
+                                        <p:tgtEl>
+                                          <p:spTgt spid="285"/>
+                                        </p:tgtEl>
+                                        <p:attrNameLst>
+                                          <p:attrName>ppt_y</p:attrName>
+                                        </p:attrNameLst>
+                                      </p:cBhvr>
+                                      <p:tavLst>
+                                        <p:tav tm="0">
+                                          <p:val>
+                                            <p:strVal val="#ppt_y"/>
+                                          </p:val>
+                                        </p:tav>
+                                        <p:tav tm="100000">
+                                          <p:val>
+                                            <p:strVal val="#ppt_y"/>
+                                          </p:val>
+                                        </p:tav>
+                                      </p:tavLst>
+                                    </p:anim>
+                                    <p:animEffect transition="out" filter="wipe(right)">
+                                      <p:cBhvr additive="repl">
+                                        <p:cTn id="14" dur="1000"/>
+                                        <p:tgtEl>
+                                          <p:spTgt spid="285"/>
+                                        </p:tgtEl>
+                                      </p:cBhvr>
+                                    </p:animEffect>
+                                  </p:childTnLst>
+                                </p:cTn>
+                              </p:par>
+                            </p:childTnLst>
+                          </p:cTn>
+                        </p:par>
+                        <p:par>
+                          <p:cTn id="15" fill="freeze">
+                            <p:stCondLst>
+                              <p:cond delay="1000"/>
+                            </p:stCondLst>
+                            <p:childTnLst>
+                              <p:par>
+                                <p:cTn id="16" presetID="10" presetClass="entr" fill="hold" nodeType="afterEffect">
+                                  <p:stCondLst>
+                                    <p:cond delay="0"/>
+                                  </p:stCondLst>
+                                  <p:childTnLst>
+                                    <p:set>
+                                      <p:cBhvr>
+                                        <p:cTn id="17" dur="1" fill="hold">
+                                          <p:stCondLst>
+                                            <p:cond delay="0"/>
+                                          </p:stCondLst>
+                                        </p:cTn>
+                                        <p:tgtEl>
+                                          <p:spTgt spid="287"/>
+                                        </p:tgtEl>
+                                        <p:attrNameLst>
+                                          <p:attrName>style.visibility</p:attrName>
+                                        </p:attrNameLst>
+                                      </p:cBhvr>
+                                      <p:to>
+                                        <p:strVal val="visible"/>
+                                      </p:to>
+                                    </p:set>
+                                    <p:animEffect transition="in" filter="fade">
+                                      <p:cBhvr additive="repl">
+                                        <p:cTn id="18" dur="2000"/>
+                                        <p:tgtEl>
+                                          <p:spTgt spid="287"/>
+                                        </p:tgtEl>
+                                      </p:cBhvr>
+                                    </p:animEffect>
+                                  </p:childTnLst>
+                                </p:cTn>
+                              </p:par>
+                              <p:par>
+                                <p:cTn id="19" presetID="10" presetClass="entr" fill="hold" nodeType="withEffect">
+                                  <p:stCondLst>
+                                    <p:cond delay="0"/>
+                                  </p:stCondLst>
+                                  <p:childTnLst>
+                                    <p:set>
+                                      <p:cBhvr>
+                                        <p:cTn id="20" dur="1" fill="hold">
+                                          <p:stCondLst>
+                                            <p:cond delay="0"/>
+                                          </p:stCondLst>
+                                        </p:cTn>
+                                        <p:tgtEl>
+                                          <p:spTgt spid="298"/>
+                                        </p:tgtEl>
+                                        <p:attrNameLst>
+                                          <p:attrName>style.visibility</p:attrName>
+                                        </p:attrNameLst>
+                                      </p:cBhvr>
+                                      <p:to>
+                                        <p:strVal val="visible"/>
+                                      </p:to>
+                                    </p:set>
+                                    <p:animEffect transition="in" filter="fade">
+                                      <p:cBhvr additive="repl">
+                                        <p:cTn id="21" dur="2000"/>
+                                        <p:tgtEl>
+                                          <p:spTgt spid="298"/>
+                                        </p:tgtEl>
+                                      </p:cBhvr>
+                                    </p:animEffect>
+                                  </p:childTnLst>
+                                </p:cTn>
+                              </p:par>
+                            </p:childTnLst>
+                          </p:cTn>
+                        </p:par>
+                      </p:childTnLst>
+                    </p:cTn>
+                  </p:par>
+                </p:childTnLst>
+              </p:cTn>
+              <p:prevCondLst>
+                <p:cond evt="onPrev" delay="0">
+                  <p:tgtEl>
+                    <p:sldTgt/>
+                  </p:tgtEl>
+                </p:cond>
+              </p:prevCondLst>
+              <p:nextCondLst>
+                <p:cond evt="onNext" delay="0">
+                  <p:tgtEl>
+                    <p:sldTgt/>
+                  </p:tgtEl>
+                </p:cond>
+              </p:nextCondLst>
+            </p:seq>
+          </p:childTnLst>
+        </p:cTn>
+      </p:par>
+    </p:tnLst>
+  </p:timing>
+</p:sld>
+</file>
+
+<file path=ppt/slides/slide11.xml><?xml version="1.0" encoding="utf-8"?>
+<p:sld xmlns:a="http://schemas.openxmlformats.org/drawingml/2006/main" xmlns:r="http://schemas.openxmlformats.org/officeDocument/2006/relationships" xmlns:p="http://schemas.openxmlformats.org/presentationml/2006/main">
+  <p:cSld>
+    <p:bg>
+      <p:bgPr>
+        <a:blipFill dpi="0" rotWithShape="0">
+          <a:blip r:embed="rId2"/>
+          <a:srcRect/>
+          <a:stretch>
+            <a:fillRect/>
+          </a:stretch>
+        </a:blipFill>
+        <a:effectLst/>
+      </p:bgPr>
+    </p:bg>
+    <p:spTree>
+      <p:nvGrpSpPr>
+        <p:cNvPr id="1" name=""/>
+        <p:cNvGrpSpPr/>
+        <p:nvPr/>
+      </p:nvGrpSpPr>
+      <p:grpSpPr>
+        <a:xfrm>
+          <a:off x="0" y="0"/>
+          <a:ext cx="0" cy="0"/>
+          <a:chOff x="0" y="0"/>
+          <a:chExt cx="0" cy="0"/>
+        </a:xfrm>
+      </p:grpSpPr>
+      <p:sp>
+        <p:nvSpPr>
+          <p:cNvPr id="4" name="1 Título"/>
+          <p:cNvSpPr txBox="1">
+            <a:spLocks/>
+          </p:cNvSpPr>
+          <p:nvPr/>
+        </p:nvSpPr>
+        <p:spPr>
+          <a:xfrm>
+            <a:off x="323850" y="1412875"/>
+            <a:ext cx="5902325" cy="863600"/>
+          </a:xfrm>
+          <a:prstGeom prst="rect">
+            <a:avLst/>
+          </a:prstGeom>
+        </p:spPr>
+        <p:txBody>
+          <a:bodyPr anchor="ctr"/>
+          <a:lstStyle>
+            <a:lvl1pPr>
+              <a:defRPr>
+                <a:solidFill>
+                  <a:schemeClr val="tx1"/>
+                </a:solidFill>
+                <a:latin typeface="Calibri" pitchFamily="34" charset="0"/>
+              </a:defRPr>
+            </a:lvl1pPr>
+            <a:lvl2pPr marL="742950" indent="-285750">
+              <a:defRPr>
+                <a:solidFill>
+                  <a:schemeClr val="tx1"/>
+                </a:solidFill>
+                <a:latin typeface="Calibri" pitchFamily="34" charset="0"/>
+              </a:defRPr>
+            </a:lvl2pPr>
+            <a:lvl3pPr marL="1143000" indent="-228600">
+              <a:defRPr>
+                <a:solidFill>
+                  <a:schemeClr val="tx1"/>
+                </a:solidFill>
+                <a:latin typeface="Calibri" pitchFamily="34" charset="0"/>
+              </a:defRPr>
+            </a:lvl3pPr>
+            <a:lvl4pPr marL="1600200" indent="-228600">
+              <a:defRPr>
+                <a:solidFill>
+                  <a:schemeClr val="tx1"/>
+                </a:solidFill>
+                <a:latin typeface="Calibri" pitchFamily="34" charset="0"/>
+              </a:defRPr>
+            </a:lvl4pPr>
+            <a:lvl5pPr marL="2057400" indent="-228600">
+              <a:defRPr>
+                <a:solidFill>
+                  <a:schemeClr val="tx1"/>
+                </a:solidFill>
+                <a:latin typeface="Calibri" pitchFamily="34" charset="0"/>
+              </a:defRPr>
+            </a:lvl5pPr>
+            <a:lvl6pPr marL="2514600" indent="-228600" fontAlgn="base">
+              <a:spcBef>
+                <a:spcPct val="0"/>
+              </a:spcBef>
+              <a:spcAft>
+                <a:spcPct val="0"/>
+              </a:spcAft>
+              <a:defRPr>
+                <a:solidFill>
+                  <a:schemeClr val="tx1"/>
+                </a:solidFill>
+                <a:latin typeface="Calibri" pitchFamily="34" charset="0"/>
+              </a:defRPr>
+            </a:lvl6pPr>
+            <a:lvl7pPr marL="2971800" indent="-228600" fontAlgn="base">
+              <a:spcBef>
+                <a:spcPct val="0"/>
+              </a:spcBef>
+              <a:spcAft>
+                <a:spcPct val="0"/>
+              </a:spcAft>
+              <a:defRPr>
+                <a:solidFill>
+                  <a:schemeClr val="tx1"/>
+                </a:solidFill>
+                <a:latin typeface="Calibri" pitchFamily="34" charset="0"/>
+              </a:defRPr>
+            </a:lvl7pPr>
+            <a:lvl8pPr marL="3429000" indent="-228600" fontAlgn="base">
+              <a:spcBef>
+                <a:spcPct val="0"/>
+              </a:spcBef>
+              <a:spcAft>
+                <a:spcPct val="0"/>
+              </a:spcAft>
+              <a:defRPr>
+                <a:solidFill>
+                  <a:schemeClr val="tx1"/>
+                </a:solidFill>
+                <a:latin typeface="Calibri" pitchFamily="34" charset="0"/>
+              </a:defRPr>
+            </a:lvl8pPr>
+            <a:lvl9pPr marL="3886200" indent="-228600" fontAlgn="base">
+              <a:spcBef>
+                <a:spcPct val="0"/>
+              </a:spcBef>
+              <a:spcAft>
+                <a:spcPct val="0"/>
+              </a:spcAft>
+              <a:defRPr>
+                <a:solidFill>
+                  <a:schemeClr val="tx1"/>
+                </a:solidFill>
+                <a:latin typeface="Calibri" pitchFamily="34" charset="0"/>
+              </a:defRPr>
+            </a:lvl9pPr>
+          </a:lstStyle>
+          <a:p>
+            <a:pPr>
+              <a:lnSpc>
+                <a:spcPts val="5763"/>
+              </a:lnSpc>
+            </a:pPr>
+            <a:r>
+              <a:rPr lang="es-HN" sz="4900" b="1">
+                <a:solidFill>
+                  <a:srgbClr val="404040"/>
+                </a:solidFill>
+                <a:latin typeface="Rockwell" pitchFamily="18" charset="0"/>
+              </a:rPr>
+              <a:t>THANK </a:t>
+            </a:r>
+            <a:r>
+              <a:rPr lang="es-HN" sz="4900" b="1">
+                <a:solidFill>
+                  <a:srgbClr val="FFC000"/>
+                </a:solidFill>
+                <a:latin typeface="Rockwell" pitchFamily="18" charset="0"/>
+              </a:rPr>
+              <a:t>YOU</a:t>
+            </a:r>
+          </a:p>
+        </p:txBody>
+      </p:sp>
+    </p:spTree>
+  </p:cSld>
+  <p:clrMapOvr>
+    <a:masterClrMapping/>
+  </p:clrMapOvr>
+  <p:transition/>
+  <p:timing>
+    <p:tnLst>
+      <p:par>
+        <p:cTn id="1" dur="indefinite" restart="never" nodeType="tmRoot">
+          <p:childTnLst>
+            <p:seq concurrent="1" nextAc="seek">
+              <p:cTn id="2" dur="indefinite" nodeType="mainSeq">
+                <p:childTnLst>
+                  <p:par>
+                    <p:cTn id="3" fill="hold" nodeType="clickPar">
+                      <p:stCondLst>
+                        <p:cond delay="indefinite"/>
+                        <p:cond evt="onBegin" delay="0">
+                          <p:tn val="2"/>
+                        </p:cond>
+                      </p:stCondLst>
+                      <p:childTnLst>
+                        <p:par>
+                          <p:cTn id="4" fill="hold" nodeType="withGroup">
+                            <p:stCondLst>
+                              <p:cond delay="0"/>
+                            </p:stCondLst>
+                            <p:childTnLst>
+                              <p:par>
+                                <p:cTn id="5" presetID="41" presetClass="entr" presetSubtype="0" fill="hold" grpId="0" nodeType="withEffect">
+                                  <p:stCondLst>
+                                    <p:cond delay="0"/>
+                                  </p:stCondLst>
+                                  <p:iterate type="lt">
+                                    <p:tmPct val="10000"/>
+                                  </p:iterate>
+                                  <p:childTnLst>
+                                    <p:set>
+                                      <p:cBhvr>
+                                        <p:cTn id="6" dur="1" fill="hold">
+                                          <p:stCondLst>
+                                            <p:cond delay="0"/>
+                                          </p:stCondLst>
+                                        </p:cTn>
+                                        <p:tgtEl>
+                                          <p:spTgt spid="4"/>
+                                        </p:tgtEl>
+                                        <p:attrNameLst>
+                                          <p:attrName>style.visibility</p:attrName>
+                                        </p:attrNameLst>
+                                      </p:cBhvr>
+                                      <p:to>
+                                        <p:strVal val="visible"/>
+                                      </p:to>
+                                    </p:set>
+                                    <p:anim calcmode="lin" valueType="num">
+                                      <p:cBhvr>
+                                        <p:cTn id="7" dur="500" fill="hold"/>
+                                        <p:tgtEl>
+                                          <p:spTgt spid="4"/>
+                                        </p:tgtEl>
+                                        <p:attrNameLst>
+                                          <p:attrName>ppt_x</p:attrName>
+                                        </p:attrNameLst>
+                                      </p:cBhvr>
+                                      <p:tavLst>
+                                        <p:tav tm="0">
+                                          <p:val>
+                                            <p:strVal val="#ppt_x"/>
+                                          </p:val>
+                                        </p:tav>
+                                        <p:tav tm="50000">
+                                          <p:val>
+                                            <p:strVal val="#ppt_x+.1"/>
+                                          </p:val>
+                                        </p:tav>
+                                        <p:tav tm="100000">
+                                          <p:val>
+                                            <p:strVal val="#ppt_x"/>
+                                          </p:val>
+                                        </p:tav>
+                                      </p:tavLst>
+                                    </p:anim>
+                                    <p:anim calcmode="lin" valueType="num">
+                                      <p:cBhvr>
+                                        <p:cTn id="8" dur="500" fill="hold"/>
+                                        <p:tgtEl>
+                                          <p:spTgt spid="4"/>
+                                        </p:tgtEl>
+                                        <p:attrNameLst>
+                                          <p:attrName>ppt_y</p:attrName>
+                                        </p:attrNameLst>
+                                      </p:cBhvr>
+                                      <p:tavLst>
+                                        <p:tav tm="0">
+                                          <p:val>
+                                            <p:strVal val="#ppt_y"/>
+                                          </p:val>
+                                        </p:tav>
+                                        <p:tav tm="100000">
+                                          <p:val>
+                                            <p:strVal val="#ppt_y"/>
+                                          </p:val>
+                                        </p:tav>
+                                      </p:tavLst>
+                                    </p:anim>
+                                    <p:anim calcmode="lin" valueType="num">
+                                      <p:cBhvr>
+                                        <p:cTn id="9" dur="500" fill="hold"/>
+                                        <p:tgtEl>
+                                          <p:spTgt spid="4"/>
+                                        </p:tgtEl>
+                                        <p:attrNameLst>
+                                          <p:attrName>ppt_h</p:attrName>
+                                        </p:attrNameLst>
+                                      </p:cBhvr>
+                                      <p:tavLst>
+                                        <p:tav tm="0">
+                                          <p:val>
+                                            <p:strVal val="#ppt_h/10"/>
+                                          </p:val>
+                                        </p:tav>
+                                        <p:tav tm="50000">
+                                          <p:val>
+                                            <p:strVal val="#ppt_h+.01"/>
+                                          </p:val>
+                                        </p:tav>
+                                        <p:tav tm="100000">
+                                          <p:val>
+                                            <p:strVal val="#ppt_h"/>
+                                          </p:val>
+                                        </p:tav>
+                                      </p:tavLst>
+                                    </p:anim>
+                                    <p:anim calcmode="lin" valueType="num">
+                                      <p:cBhvr>
+                                        <p:cTn id="10" dur="500" fill="hold"/>
+                                        <p:tgtEl>
+                                          <p:spTgt spid="4"/>
+                                        </p:tgtEl>
+                                        <p:attrNameLst>
+                                          <p:attrName>ppt_w</p:attrName>
+                                        </p:attrNameLst>
+                                      </p:cBhvr>
+                                      <p:tavLst>
+                                        <p:tav tm="0">
+                                          <p:val>
+                                            <p:strVal val="#ppt_w/10"/>
+                                          </p:val>
+                                        </p:tav>
+                                        <p:tav tm="50000">
+                                          <p:val>
+                                            <p:strVal val="#ppt_w+.01"/>
+                                          </p:val>
+                                        </p:tav>
+                                        <p:tav tm="100000">
+                                          <p:val>
+                                            <p:strVal val="#ppt_w"/>
+                                          </p:val>
+                                        </p:tav>
+                                      </p:tavLst>
+                                    </p:anim>
+                                    <p:animEffect transition="in" filter="fade">
+                                      <p:cBhvr>
+                                        <p:cTn id="11" dur="500" tmFilter="0,0; .5, 1; 1, 1"/>
+                                        <p:tgtEl>
+                                          <p:spTgt spid="4"/>
+                                        </p:tgtEl>
+                                      </p:cBhvr>
+                                    </p:animEffect>
+                                  </p:childTnLst>
+                                </p:cTn>
+                              </p:par>
+                            </p:childTnLst>
+                          </p:cTn>
+                        </p:par>
+                      </p:childTnLst>
+                    </p:cTn>
+                  </p:par>
+                </p:childTnLst>
+              </p:cTn>
+              <p:prevCondLst>
+                <p:cond evt="onPrev" delay="0">
+                  <p:tgtEl>
+                    <p:sldTgt/>
+                  </p:tgtEl>
+                </p:cond>
+              </p:prevCondLst>
+              <p:nextCondLst>
+                <p:cond evt="onNext" delay="0">
+                  <p:tgtEl>
+                    <p:sldTgt/>
+                  </p:tgtEl>
+                </p:cond>
+              </p:nextCondLst>
+            </p:seq>
+          </p:childTnLst>
+        </p:cTn>
+      </p:par>
+    </p:tnLst>
+    <p:bldLst>
+      <p:bldP spid="4" grpId="0"/>
+    </p:bldLst>
+  </p:timing>
 </p:sld>
 </file>
 
@@ -6269,7 +9378,7 @@
           <a:blip r:embed="rId3">
             <a:extLst>
               <a:ext uri="{28A0092B-C50C-407E-A947-70E740481C1C}">
-                <a14:useLocalDpi xmlns:a14="http://schemas.microsoft.com/office/drawing/2010/main"/>
+                <a14:useLocalDpi xmlns:a14="http://schemas.microsoft.com/office/drawing/2010/main" val="0"/>
               </a:ext>
             </a:extLst>
           </a:blip>
@@ -6676,7 +9785,7 @@
           <a:blip r:embed="rId4">
             <a:extLst>
               <a:ext uri="{28A0092B-C50C-407E-A947-70E740481C1C}">
-                <a14:useLocalDpi xmlns:a14="http://schemas.microsoft.com/office/drawing/2010/main"/>
+                <a14:useLocalDpi xmlns:a14="http://schemas.microsoft.com/office/drawing/2010/main" val="0"/>
               </a:ext>
             </a:extLst>
           </a:blip>
@@ -6730,7 +9839,7 @@
           <a:blip r:embed="rId4">
             <a:extLst>
               <a:ext uri="{28A0092B-C50C-407E-A947-70E740481C1C}">
-                <a14:useLocalDpi xmlns:a14="http://schemas.microsoft.com/office/drawing/2010/main"/>
+                <a14:useLocalDpi xmlns:a14="http://schemas.microsoft.com/office/drawing/2010/main" val="0"/>
               </a:ext>
             </a:extLst>
           </a:blip>
@@ -7049,7 +10158,7 @@
           <a:blip r:embed="rId5">
             <a:extLst>
               <a:ext uri="{28A0092B-C50C-407E-A947-70E740481C1C}">
-                <a14:useLocalDpi xmlns:a14="http://schemas.microsoft.com/office/drawing/2010/main"/>
+                <a14:useLocalDpi xmlns:a14="http://schemas.microsoft.com/office/drawing/2010/main" val="0"/>
               </a:ext>
             </a:extLst>
           </a:blip>
@@ -7102,10 +10211,10 @@
           <p:nvPr/>
         </p:nvPicPr>
         <p:blipFill>
-          <a:blip r:embed="rId6" cstate="screen">
+          <a:blip r:embed="rId6" cstate="print">
             <a:extLst>
               <a:ext uri="{28A0092B-C50C-407E-A947-70E740481C1C}">
-                <a14:useLocalDpi xmlns:a14="http://schemas.microsoft.com/office/drawing/2010/main"/>
+                <a14:useLocalDpi xmlns:a14="http://schemas.microsoft.com/office/drawing/2010/main" val="0"/>
               </a:ext>
             </a:extLst>
           </a:blip>
@@ -7158,10 +10267,10 @@
           <p:nvPr/>
         </p:nvPicPr>
         <p:blipFill>
-          <a:blip r:embed="rId7" cstate="screen">
+          <a:blip r:embed="rId7" cstate="print">
             <a:extLst>
               <a:ext uri="{28A0092B-C50C-407E-A947-70E740481C1C}">
-                <a14:useLocalDpi xmlns:a14="http://schemas.microsoft.com/office/drawing/2010/main"/>
+                <a14:useLocalDpi xmlns:a14="http://schemas.microsoft.com/office/drawing/2010/main" val="0"/>
               </a:ext>
             </a:extLst>
           </a:blip>
@@ -7215,7 +10324,7 @@
           <a:blip r:embed="rId8">
             <a:extLst>
               <a:ext uri="{28A0092B-C50C-407E-A947-70E740481C1C}">
-                <a14:useLocalDpi xmlns:a14="http://schemas.microsoft.com/office/drawing/2010/main"/>
+                <a14:useLocalDpi xmlns:a14="http://schemas.microsoft.com/office/drawing/2010/main" val="0"/>
               </a:ext>
             </a:extLst>
           </a:blip>
@@ -7709,6 +10818,335 @@
   <p:clrMapOvr>
     <a:masterClrMapping/>
   </p:clrMapOvr>
+  <p:timing>
+    <p:tnLst>
+      <p:par>
+        <p:cTn id="1" dur="indefinite" restart="never" nodeType="tmRoot">
+          <p:childTnLst>
+            <p:seq concurrent="1" nextAc="seek">
+              <p:cTn id="2" dur="indefinite" nodeType="mainSeq">
+                <p:childTnLst>
+                  <p:par>
+                    <p:cTn id="3" fill="hold" nodeType="clickPar">
+                      <p:stCondLst>
+                        <p:cond delay="indefinite"/>
+                        <p:cond evt="onBegin" delay="0">
+                          <p:tn val="2"/>
+                        </p:cond>
+                      </p:stCondLst>
+                      <p:childTnLst>
+                        <p:par>
+                          <p:cTn id="4" fill="hold" nodeType="withGroup">
+                            <p:stCondLst>
+                              <p:cond delay="0"/>
+                            </p:stCondLst>
+                            <p:childTnLst>
+                              <p:par>
+                                <p:cTn id="5" presetID="29" presetClass="entr" presetSubtype="0" fill="hold" grpId="0" nodeType="withEffect">
+                                  <p:stCondLst>
+                                    <p:cond delay="0"/>
+                                  </p:stCondLst>
+                                  <p:childTnLst>
+                                    <p:set>
+                                      <p:cBhvr>
+                                        <p:cTn id="6" dur="1" fill="hold">
+                                          <p:stCondLst>
+                                            <p:cond delay="0"/>
+                                          </p:stCondLst>
+                                        </p:cTn>
+                                        <p:tgtEl>
+                                          <p:spTgt spid="20"/>
+                                        </p:tgtEl>
+                                        <p:attrNameLst>
+                                          <p:attrName>style.visibility</p:attrName>
+                                        </p:attrNameLst>
+                                      </p:cBhvr>
+                                      <p:to>
+                                        <p:strVal val="visible"/>
+                                      </p:to>
+                                    </p:set>
+                                    <p:anim calcmode="lin" valueType="num">
+                                      <p:cBhvr>
+                                        <p:cTn id="7" dur="1000" fill="hold"/>
+                                        <p:tgtEl>
+                                          <p:spTgt spid="20"/>
+                                        </p:tgtEl>
+                                        <p:attrNameLst>
+                                          <p:attrName>ppt_x</p:attrName>
+                                        </p:attrNameLst>
+                                      </p:cBhvr>
+                                      <p:tavLst>
+                                        <p:tav tm="0">
+                                          <p:val>
+                                            <p:strVal val="#ppt_x-.2"/>
+                                          </p:val>
+                                        </p:tav>
+                                        <p:tav tm="100000">
+                                          <p:val>
+                                            <p:strVal val="#ppt_x"/>
+                                          </p:val>
+                                        </p:tav>
+                                      </p:tavLst>
+                                    </p:anim>
+                                    <p:anim calcmode="lin" valueType="num">
+                                      <p:cBhvr>
+                                        <p:cTn id="8" dur="1000" fill="hold"/>
+                                        <p:tgtEl>
+                                          <p:spTgt spid="20"/>
+                                        </p:tgtEl>
+                                        <p:attrNameLst>
+                                          <p:attrName>ppt_y</p:attrName>
+                                        </p:attrNameLst>
+                                      </p:cBhvr>
+                                      <p:tavLst>
+                                        <p:tav tm="0">
+                                          <p:val>
+                                            <p:strVal val="#ppt_y"/>
+                                          </p:val>
+                                        </p:tav>
+                                        <p:tav tm="100000">
+                                          <p:val>
+                                            <p:strVal val="#ppt_y"/>
+                                          </p:val>
+                                        </p:tav>
+                                      </p:tavLst>
+                                    </p:anim>
+                                    <p:animEffect transition="in" filter="wipe(right)" prLst="gradientSize: 0.1">
+                                      <p:cBhvr>
+                                        <p:cTn id="9" dur="1000"/>
+                                        <p:tgtEl>
+                                          <p:spTgt spid="20"/>
+                                        </p:tgtEl>
+                                      </p:cBhvr>
+                                    </p:animEffect>
+                                  </p:childTnLst>
+                                </p:cTn>
+                              </p:par>
+                              <p:par>
+                                <p:cTn id="10" presetID="29" presetClass="entr" presetSubtype="0" fill="hold" grpId="0" nodeType="withEffect">
+                                  <p:stCondLst>
+                                    <p:cond delay="0"/>
+                                  </p:stCondLst>
+                                  <p:childTnLst>
+                                    <p:set>
+                                      <p:cBhvr>
+                                        <p:cTn id="11" dur="1" fill="hold">
+                                          <p:stCondLst>
+                                            <p:cond delay="0"/>
+                                          </p:stCondLst>
+                                        </p:cTn>
+                                        <p:tgtEl>
+                                          <p:spTgt spid="7"/>
+                                        </p:tgtEl>
+                                        <p:attrNameLst>
+                                          <p:attrName>style.visibility</p:attrName>
+                                        </p:attrNameLst>
+                                      </p:cBhvr>
+                                      <p:to>
+                                        <p:strVal val="visible"/>
+                                      </p:to>
+                                    </p:set>
+                                    <p:anim calcmode="lin" valueType="num">
+                                      <p:cBhvr>
+                                        <p:cTn id="12" dur="1000" fill="hold"/>
+                                        <p:tgtEl>
+                                          <p:spTgt spid="7"/>
+                                        </p:tgtEl>
+                                        <p:attrNameLst>
+                                          <p:attrName>ppt_x</p:attrName>
+                                        </p:attrNameLst>
+                                      </p:cBhvr>
+                                      <p:tavLst>
+                                        <p:tav tm="0">
+                                          <p:val>
+                                            <p:strVal val="#ppt_x-.2"/>
+                                          </p:val>
+                                        </p:tav>
+                                        <p:tav tm="100000">
+                                          <p:val>
+                                            <p:strVal val="#ppt_x"/>
+                                          </p:val>
+                                        </p:tav>
+                                      </p:tavLst>
+                                    </p:anim>
+                                    <p:anim calcmode="lin" valueType="num">
+                                      <p:cBhvr>
+                                        <p:cTn id="13" dur="1000" fill="hold"/>
+                                        <p:tgtEl>
+                                          <p:spTgt spid="7"/>
+                                        </p:tgtEl>
+                                        <p:attrNameLst>
+                                          <p:attrName>ppt_y</p:attrName>
+                                        </p:attrNameLst>
+                                      </p:cBhvr>
+                                      <p:tavLst>
+                                        <p:tav tm="0">
+                                          <p:val>
+                                            <p:strVal val="#ppt_y"/>
+                                          </p:val>
+                                        </p:tav>
+                                        <p:tav tm="100000">
+                                          <p:val>
+                                            <p:strVal val="#ppt_y"/>
+                                          </p:val>
+                                        </p:tav>
+                                      </p:tavLst>
+                                    </p:anim>
+                                    <p:animEffect transition="in" filter="wipe(right)" prLst="gradientSize: 0.1">
+                                      <p:cBhvr>
+                                        <p:cTn id="14" dur="1000"/>
+                                        <p:tgtEl>
+                                          <p:spTgt spid="7"/>
+                                        </p:tgtEl>
+                                      </p:cBhvr>
+                                    </p:animEffect>
+                                  </p:childTnLst>
+                                </p:cTn>
+                              </p:par>
+                              <p:par>
+                                <p:cTn id="15" presetID="10" presetClass="entr" presetSubtype="0" fill="hold" grpId="0" nodeType="withEffect">
+                                  <p:stCondLst>
+                                    <p:cond delay="0"/>
+                                  </p:stCondLst>
+                                  <p:childTnLst>
+                                    <p:set>
+                                      <p:cBhvr>
+                                        <p:cTn id="16" dur="1" fill="hold">
+                                          <p:stCondLst>
+                                            <p:cond delay="0"/>
+                                          </p:stCondLst>
+                                        </p:cTn>
+                                        <p:tgtEl>
+                                          <p:spTgt spid="24"/>
+                                        </p:tgtEl>
+                                        <p:attrNameLst>
+                                          <p:attrName>style.visibility</p:attrName>
+                                        </p:attrNameLst>
+                                      </p:cBhvr>
+                                      <p:to>
+                                        <p:strVal val="visible"/>
+                                      </p:to>
+                                    </p:set>
+                                    <p:animEffect transition="in" filter="fade">
+                                      <p:cBhvr>
+                                        <p:cTn id="17" dur="2000"/>
+                                        <p:tgtEl>
+                                          <p:spTgt spid="24"/>
+                                        </p:tgtEl>
+                                      </p:cBhvr>
+                                    </p:animEffect>
+                                  </p:childTnLst>
+                                </p:cTn>
+                              </p:par>
+                              <p:par>
+                                <p:cTn id="18" presetID="10" presetClass="entr" presetSubtype="0" fill="hold" grpId="0" nodeType="withEffect" nodePh="1">
+                                  <p:stCondLst>
+                                    <p:cond delay="0"/>
+                                  </p:stCondLst>
+                                  <p:endCondLst>
+                                    <p:cond evt="begin" delay="0">
+                                      <p:tn val="18"/>
+                                    </p:cond>
+                                  </p:endCondLst>
+                                  <p:childTnLst>
+                                    <p:set>
+                                      <p:cBhvr>
+                                        <p:cTn id="19" dur="1" fill="hold">
+                                          <p:stCondLst>
+                                            <p:cond delay="0"/>
+                                          </p:stCondLst>
+                                        </p:cTn>
+                                        <p:tgtEl>
+                                          <p:spTgt spid="26"/>
+                                        </p:tgtEl>
+                                        <p:attrNameLst>
+                                          <p:attrName>style.visibility</p:attrName>
+                                        </p:attrNameLst>
+                                      </p:cBhvr>
+                                      <p:to>
+                                        <p:strVal val="visible"/>
+                                      </p:to>
+                                    </p:set>
+                                    <p:animEffect transition="in" filter="fade">
+                                      <p:cBhvr>
+                                        <p:cTn id="20" dur="2000"/>
+                                        <p:tgtEl>
+                                          <p:spTgt spid="26"/>
+                                        </p:tgtEl>
+                                      </p:cBhvr>
+                                    </p:animEffect>
+                                  </p:childTnLst>
+                                </p:cTn>
+                              </p:par>
+                              <p:par>
+                                <p:cTn id="21" presetID="10" presetClass="entr" fill="hold" nodeType="withEffect">
+                                  <p:stCondLst>
+                                    <p:cond delay="0"/>
+                                  </p:stCondLst>
+                                  <p:childTnLst>
+                                    <p:set>
+                                      <p:cBhvr>
+                                        <p:cTn id="22" dur="1" fill="hold">
+                                          <p:stCondLst>
+                                            <p:cond delay="0"/>
+                                          </p:stCondLst>
+                                        </p:cTn>
+                                        <p:tgtEl>
+                                          <p:spTgt spid="21"/>
+                                        </p:tgtEl>
+                                        <p:attrNameLst>
+                                          <p:attrName>style.visibility</p:attrName>
+                                        </p:attrNameLst>
+                                      </p:cBhvr>
+                                      <p:to>
+                                        <p:strVal val="visible"/>
+                                      </p:to>
+                                    </p:set>
+                                    <p:animEffect transition="in" filter="fade">
+                                      <p:cBhvr additive="repl">
+                                        <p:cTn id="23" dur="2000"/>
+                                        <p:tgtEl>
+                                          <p:spTgt spid="21"/>
+                                        </p:tgtEl>
+                                      </p:cBhvr>
+                                    </p:animEffect>
+                                  </p:childTnLst>
+                                </p:cTn>
+                              </p:par>
+                            </p:childTnLst>
+                          </p:cTn>
+                        </p:par>
+                      </p:childTnLst>
+                    </p:cTn>
+                  </p:par>
+                </p:childTnLst>
+              </p:cTn>
+              <p:prevCondLst>
+                <p:cond evt="onPrev" delay="0">
+                  <p:tgtEl>
+                    <p:sldTgt/>
+                  </p:tgtEl>
+                </p:cond>
+              </p:prevCondLst>
+              <p:nextCondLst>
+                <p:cond evt="onNext" delay="0">
+                  <p:tgtEl>
+                    <p:sldTgt/>
+                  </p:tgtEl>
+                </p:cond>
+              </p:nextCondLst>
+            </p:seq>
+          </p:childTnLst>
+        </p:cTn>
+      </p:par>
+    </p:tnLst>
+    <p:bldLst>
+      <p:bldP spid="7" grpId="0"/>
+      <p:bldP spid="20" grpId="0"/>
+      <p:bldP spid="24" grpId="0"/>
+      <p:bldP spid="26" grpId="0"/>
+    </p:bldLst>
+  </p:timing>
 </p:sld>
 </file>
 
@@ -7753,7 +11191,7 @@
           <a:blip r:embed="rId3">
             <a:extLst>
               <a:ext uri="{28A0092B-C50C-407E-A947-70E740481C1C}">
-                <a14:useLocalDpi xmlns:a14="http://schemas.microsoft.com/office/drawing/2010/main"/>
+                <a14:useLocalDpi xmlns:a14="http://schemas.microsoft.com/office/drawing/2010/main" val="0"/>
               </a:ext>
             </a:extLst>
           </a:blip>
@@ -8190,7 +11628,7 @@
           <a:blip r:embed="rId4">
             <a:extLst>
               <a:ext uri="{28A0092B-C50C-407E-A947-70E740481C1C}">
-                <a14:useLocalDpi xmlns:a14="http://schemas.microsoft.com/office/drawing/2010/main"/>
+                <a14:useLocalDpi xmlns:a14="http://schemas.microsoft.com/office/drawing/2010/main" val="0"/>
               </a:ext>
             </a:extLst>
           </a:blip>
@@ -8244,7 +11682,7 @@
           <a:blip r:embed="rId4">
             <a:extLst>
               <a:ext uri="{28A0092B-C50C-407E-A947-70E740481C1C}">
-                <a14:useLocalDpi xmlns:a14="http://schemas.microsoft.com/office/drawing/2010/main"/>
+                <a14:useLocalDpi xmlns:a14="http://schemas.microsoft.com/office/drawing/2010/main" val="0"/>
               </a:ext>
             </a:extLst>
           </a:blip>
@@ -8563,7 +12001,7 @@
           <a:blip r:embed="rId5">
             <a:extLst>
               <a:ext uri="{28A0092B-C50C-407E-A947-70E740481C1C}">
-                <a14:useLocalDpi xmlns:a14="http://schemas.microsoft.com/office/drawing/2010/main"/>
+                <a14:useLocalDpi xmlns:a14="http://schemas.microsoft.com/office/drawing/2010/main" val="0"/>
               </a:ext>
             </a:extLst>
           </a:blip>
@@ -8616,10 +12054,10 @@
           <p:nvPr/>
         </p:nvPicPr>
         <p:blipFill>
-          <a:blip r:embed="rId6" cstate="screen">
+          <a:blip r:embed="rId6" cstate="print">
             <a:extLst>
               <a:ext uri="{28A0092B-C50C-407E-A947-70E740481C1C}">
-                <a14:useLocalDpi xmlns:a14="http://schemas.microsoft.com/office/drawing/2010/main"/>
+                <a14:useLocalDpi xmlns:a14="http://schemas.microsoft.com/office/drawing/2010/main" val="0"/>
               </a:ext>
             </a:extLst>
           </a:blip>
@@ -8672,10 +12110,10 @@
           <p:nvPr/>
         </p:nvPicPr>
         <p:blipFill>
-          <a:blip r:embed="rId7" cstate="screen">
+          <a:blip r:embed="rId7" cstate="print">
             <a:extLst>
               <a:ext uri="{28A0092B-C50C-407E-A947-70E740481C1C}">
-                <a14:useLocalDpi xmlns:a14="http://schemas.microsoft.com/office/drawing/2010/main"/>
+                <a14:useLocalDpi xmlns:a14="http://schemas.microsoft.com/office/drawing/2010/main" val="0"/>
               </a:ext>
             </a:extLst>
           </a:blip>
@@ -8729,7 +12167,7 @@
           <a:blip r:embed="rId8">
             <a:extLst>
               <a:ext uri="{28A0092B-C50C-407E-A947-70E740481C1C}">
-                <a14:useLocalDpi xmlns:a14="http://schemas.microsoft.com/office/drawing/2010/main"/>
+                <a14:useLocalDpi xmlns:a14="http://schemas.microsoft.com/office/drawing/2010/main" val="0"/>
               </a:ext>
             </a:extLst>
           </a:blip>
@@ -8877,6 +12315,381 @@
   <p:clrMapOvr>
     <a:masterClrMapping/>
   </p:clrMapOvr>
+  <p:timing>
+    <p:tnLst>
+      <p:par>
+        <p:cTn id="1" dur="indefinite" restart="never" nodeType="tmRoot">
+          <p:childTnLst>
+            <p:seq concurrent="1" nextAc="seek">
+              <p:cTn id="2" dur="indefinite" nodeType="mainSeq">
+                <p:childTnLst>
+                  <p:par>
+                    <p:cTn id="3" fill="hold" nodeType="clickPar">
+                      <p:stCondLst>
+                        <p:cond delay="indefinite"/>
+                        <p:cond evt="onBegin" delay="0">
+                          <p:tn val="2"/>
+                        </p:cond>
+                      </p:stCondLst>
+                      <p:childTnLst>
+                        <p:par>
+                          <p:cTn id="4" fill="hold" nodeType="withGroup">
+                            <p:stCondLst>
+                              <p:cond delay="0"/>
+                            </p:stCondLst>
+                            <p:childTnLst>
+                              <p:par>
+                                <p:cTn id="5" presetID="29" presetClass="entr" presetSubtype="0" fill="hold" grpId="0" nodeType="withEffect">
+                                  <p:stCondLst>
+                                    <p:cond delay="0"/>
+                                  </p:stCondLst>
+                                  <p:childTnLst>
+                                    <p:set>
+                                      <p:cBhvr>
+                                        <p:cTn id="6" dur="1" fill="hold">
+                                          <p:stCondLst>
+                                            <p:cond delay="0"/>
+                                          </p:stCondLst>
+                                        </p:cTn>
+                                        <p:tgtEl>
+                                          <p:spTgt spid="20"/>
+                                        </p:tgtEl>
+                                        <p:attrNameLst>
+                                          <p:attrName>style.visibility</p:attrName>
+                                        </p:attrNameLst>
+                                      </p:cBhvr>
+                                      <p:to>
+                                        <p:strVal val="visible"/>
+                                      </p:to>
+                                    </p:set>
+                                    <p:anim calcmode="lin" valueType="num">
+                                      <p:cBhvr>
+                                        <p:cTn id="7" dur="1000" fill="hold"/>
+                                        <p:tgtEl>
+                                          <p:spTgt spid="20"/>
+                                        </p:tgtEl>
+                                        <p:attrNameLst>
+                                          <p:attrName>ppt_x</p:attrName>
+                                        </p:attrNameLst>
+                                      </p:cBhvr>
+                                      <p:tavLst>
+                                        <p:tav tm="0">
+                                          <p:val>
+                                            <p:strVal val="#ppt_x-.2"/>
+                                          </p:val>
+                                        </p:tav>
+                                        <p:tav tm="100000">
+                                          <p:val>
+                                            <p:strVal val="#ppt_x"/>
+                                          </p:val>
+                                        </p:tav>
+                                      </p:tavLst>
+                                    </p:anim>
+                                    <p:anim calcmode="lin" valueType="num">
+                                      <p:cBhvr>
+                                        <p:cTn id="8" dur="1000" fill="hold"/>
+                                        <p:tgtEl>
+                                          <p:spTgt spid="20"/>
+                                        </p:tgtEl>
+                                        <p:attrNameLst>
+                                          <p:attrName>ppt_y</p:attrName>
+                                        </p:attrNameLst>
+                                      </p:cBhvr>
+                                      <p:tavLst>
+                                        <p:tav tm="0">
+                                          <p:val>
+                                            <p:strVal val="#ppt_y"/>
+                                          </p:val>
+                                        </p:tav>
+                                        <p:tav tm="100000">
+                                          <p:val>
+                                            <p:strVal val="#ppt_y"/>
+                                          </p:val>
+                                        </p:tav>
+                                      </p:tavLst>
+                                    </p:anim>
+                                    <p:animEffect transition="in" filter="wipe(right)" prLst="gradientSize: 0.1">
+                                      <p:cBhvr>
+                                        <p:cTn id="9" dur="1000"/>
+                                        <p:tgtEl>
+                                          <p:spTgt spid="20"/>
+                                        </p:tgtEl>
+                                      </p:cBhvr>
+                                    </p:animEffect>
+                                  </p:childTnLst>
+                                </p:cTn>
+                              </p:par>
+                              <p:par>
+                                <p:cTn id="10" presetID="29" presetClass="entr" presetSubtype="0" fill="hold" grpId="0" nodeType="withEffect">
+                                  <p:stCondLst>
+                                    <p:cond delay="0"/>
+                                  </p:stCondLst>
+                                  <p:childTnLst>
+                                    <p:set>
+                                      <p:cBhvr>
+                                        <p:cTn id="11" dur="1" fill="hold">
+                                          <p:stCondLst>
+                                            <p:cond delay="0"/>
+                                          </p:stCondLst>
+                                        </p:cTn>
+                                        <p:tgtEl>
+                                          <p:spTgt spid="7"/>
+                                        </p:tgtEl>
+                                        <p:attrNameLst>
+                                          <p:attrName>style.visibility</p:attrName>
+                                        </p:attrNameLst>
+                                      </p:cBhvr>
+                                      <p:to>
+                                        <p:strVal val="visible"/>
+                                      </p:to>
+                                    </p:set>
+                                    <p:anim calcmode="lin" valueType="num">
+                                      <p:cBhvr>
+                                        <p:cTn id="12" dur="1000" fill="hold"/>
+                                        <p:tgtEl>
+                                          <p:spTgt spid="7"/>
+                                        </p:tgtEl>
+                                        <p:attrNameLst>
+                                          <p:attrName>ppt_x</p:attrName>
+                                        </p:attrNameLst>
+                                      </p:cBhvr>
+                                      <p:tavLst>
+                                        <p:tav tm="0">
+                                          <p:val>
+                                            <p:strVal val="#ppt_x-.2"/>
+                                          </p:val>
+                                        </p:tav>
+                                        <p:tav tm="100000">
+                                          <p:val>
+                                            <p:strVal val="#ppt_x"/>
+                                          </p:val>
+                                        </p:tav>
+                                      </p:tavLst>
+                                    </p:anim>
+                                    <p:anim calcmode="lin" valueType="num">
+                                      <p:cBhvr>
+                                        <p:cTn id="13" dur="1000" fill="hold"/>
+                                        <p:tgtEl>
+                                          <p:spTgt spid="7"/>
+                                        </p:tgtEl>
+                                        <p:attrNameLst>
+                                          <p:attrName>ppt_y</p:attrName>
+                                        </p:attrNameLst>
+                                      </p:cBhvr>
+                                      <p:tavLst>
+                                        <p:tav tm="0">
+                                          <p:val>
+                                            <p:strVal val="#ppt_y"/>
+                                          </p:val>
+                                        </p:tav>
+                                        <p:tav tm="100000">
+                                          <p:val>
+                                            <p:strVal val="#ppt_y"/>
+                                          </p:val>
+                                        </p:tav>
+                                      </p:tavLst>
+                                    </p:anim>
+                                    <p:animEffect transition="in" filter="wipe(right)" prLst="gradientSize: 0.1">
+                                      <p:cBhvr>
+                                        <p:cTn id="14" dur="1000"/>
+                                        <p:tgtEl>
+                                          <p:spTgt spid="7"/>
+                                        </p:tgtEl>
+                                      </p:cBhvr>
+                                    </p:animEffect>
+                                  </p:childTnLst>
+                                </p:cTn>
+                              </p:par>
+                              <p:par>
+                                <p:cTn id="15" presetID="10" presetClass="entr" presetSubtype="0" fill="hold" grpId="0" nodeType="withEffect" nodePh="1">
+                                  <p:stCondLst>
+                                    <p:cond delay="0"/>
+                                  </p:stCondLst>
+                                  <p:endCondLst>
+                                    <p:cond evt="begin" delay="0">
+                                      <p:tn val="15"/>
+                                    </p:cond>
+                                  </p:endCondLst>
+                                  <p:childTnLst>
+                                    <p:set>
+                                      <p:cBhvr>
+                                        <p:cTn id="16" dur="1" fill="hold">
+                                          <p:stCondLst>
+                                            <p:cond delay="0"/>
+                                          </p:stCondLst>
+                                        </p:cTn>
+                                        <p:tgtEl>
+                                          <p:spTgt spid="24"/>
+                                        </p:tgtEl>
+                                        <p:attrNameLst>
+                                          <p:attrName>style.visibility</p:attrName>
+                                        </p:attrNameLst>
+                                      </p:cBhvr>
+                                      <p:to>
+                                        <p:strVal val="visible"/>
+                                      </p:to>
+                                    </p:set>
+                                    <p:animEffect transition="in" filter="fade">
+                                      <p:cBhvr>
+                                        <p:cTn id="17" dur="2000"/>
+                                        <p:tgtEl>
+                                          <p:spTgt spid="24"/>
+                                        </p:tgtEl>
+                                      </p:cBhvr>
+                                    </p:animEffect>
+                                  </p:childTnLst>
+                                </p:cTn>
+                              </p:par>
+                              <p:par>
+                                <p:cTn id="18" presetID="10" presetClass="entr" presetSubtype="0" fill="hold" grpId="0" nodeType="withEffect" nodePh="1">
+                                  <p:stCondLst>
+                                    <p:cond delay="0"/>
+                                  </p:stCondLst>
+                                  <p:endCondLst>
+                                    <p:cond evt="begin" delay="0">
+                                      <p:tn val="18"/>
+                                    </p:cond>
+                                  </p:endCondLst>
+                                  <p:childTnLst>
+                                    <p:set>
+                                      <p:cBhvr>
+                                        <p:cTn id="19" dur="1" fill="hold">
+                                          <p:stCondLst>
+                                            <p:cond delay="0"/>
+                                          </p:stCondLst>
+                                        </p:cTn>
+                                        <p:tgtEl>
+                                          <p:spTgt spid="26"/>
+                                        </p:tgtEl>
+                                        <p:attrNameLst>
+                                          <p:attrName>style.visibility</p:attrName>
+                                        </p:attrNameLst>
+                                      </p:cBhvr>
+                                      <p:to>
+                                        <p:strVal val="visible"/>
+                                      </p:to>
+                                    </p:set>
+                                    <p:animEffect transition="in" filter="fade">
+                                      <p:cBhvr>
+                                        <p:cTn id="20" dur="2000"/>
+                                        <p:tgtEl>
+                                          <p:spTgt spid="26"/>
+                                        </p:tgtEl>
+                                      </p:cBhvr>
+                                    </p:animEffect>
+                                  </p:childTnLst>
+                                </p:cTn>
+                              </p:par>
+                              <p:par>
+                                <p:cTn id="21" presetID="10" presetClass="entr" presetSubtype="0" fill="hold" grpId="0" nodeType="withEffect" nodePh="1">
+                                  <p:stCondLst>
+                                    <p:cond delay="0"/>
+                                  </p:stCondLst>
+                                  <p:endCondLst>
+                                    <p:cond evt="begin" delay="0">
+                                      <p:tn val="21"/>
+                                    </p:cond>
+                                  </p:endCondLst>
+                                  <p:childTnLst>
+                                    <p:set>
+                                      <p:cBhvr>
+                                        <p:cTn id="22" dur="1" fill="hold">
+                                          <p:stCondLst>
+                                            <p:cond delay="0"/>
+                                          </p:stCondLst>
+                                        </p:cTn>
+                                        <p:tgtEl>
+                                          <p:spTgt spid="27"/>
+                                        </p:tgtEl>
+                                        <p:attrNameLst>
+                                          <p:attrName>style.visibility</p:attrName>
+                                        </p:attrNameLst>
+                                      </p:cBhvr>
+                                      <p:to>
+                                        <p:strVal val="visible"/>
+                                      </p:to>
+                                    </p:set>
+                                    <p:animEffect transition="in" filter="fade">
+                                      <p:cBhvr>
+                                        <p:cTn id="23" dur="2000"/>
+                                        <p:tgtEl>
+                                          <p:spTgt spid="27"/>
+                                        </p:tgtEl>
+                                      </p:cBhvr>
+                                    </p:animEffect>
+                                  </p:childTnLst>
+                                </p:cTn>
+                              </p:par>
+                              <p:par>
+                                <p:cTn id="24" presetID="10" presetClass="entr" fill="hold" nodeType="withEffect">
+                                  <p:stCondLst>
+                                    <p:cond delay="0"/>
+                                  </p:stCondLst>
+                                  <p:childTnLst>
+                                    <p:set>
+                                      <p:cBhvr>
+                                        <p:cTn id="25" dur="1" fill="hold">
+                                          <p:stCondLst>
+                                            <p:cond delay="0"/>
+                                          </p:stCondLst>
+                                        </p:cTn>
+                                        <p:tgtEl>
+                                          <p:spTgt spid="21"/>
+                                        </p:tgtEl>
+                                        <p:attrNameLst>
+                                          <p:attrName>style.visibility</p:attrName>
+                                        </p:attrNameLst>
+                                      </p:cBhvr>
+                                      <p:to>
+                                        <p:strVal val="visible"/>
+                                      </p:to>
+                                    </p:set>
+                                    <p:animEffect transition="in" filter="fade">
+                                      <p:cBhvr additive="repl">
+                                        <p:cTn id="26" dur="2000"/>
+                                        <p:tgtEl>
+                                          <p:spTgt spid="21"/>
+                                        </p:tgtEl>
+                                      </p:cBhvr>
+                                    </p:animEffect>
+                                  </p:childTnLst>
+                                </p:cTn>
+                              </p:par>
+                            </p:childTnLst>
+                          </p:cTn>
+                        </p:par>
+                      </p:childTnLst>
+                    </p:cTn>
+                  </p:par>
+                </p:childTnLst>
+              </p:cTn>
+              <p:prevCondLst>
+                <p:cond evt="onPrev" delay="0">
+                  <p:tgtEl>
+                    <p:sldTgt/>
+                  </p:tgtEl>
+                </p:cond>
+              </p:prevCondLst>
+              <p:nextCondLst>
+                <p:cond evt="onNext" delay="0">
+                  <p:tgtEl>
+                    <p:sldTgt/>
+                  </p:tgtEl>
+                </p:cond>
+              </p:nextCondLst>
+            </p:seq>
+          </p:childTnLst>
+        </p:cTn>
+      </p:par>
+    </p:tnLst>
+    <p:bldLst>
+      <p:bldP spid="7" grpId="0"/>
+      <p:bldP spid="20" grpId="0"/>
+      <p:bldP spid="24" grpId="0"/>
+      <p:bldP spid="26" grpId="0"/>
+      <p:bldP spid="27" grpId="0"/>
+    </p:bldLst>
+  </p:timing>
 </p:sld>
 </file>
 
@@ -8921,7 +12734,7 @@
           <a:blip r:embed="rId3">
             <a:extLst>
               <a:ext uri="{28A0092B-C50C-407E-A947-70E740481C1C}">
-                <a14:useLocalDpi xmlns:a14="http://schemas.microsoft.com/office/drawing/2010/main"/>
+                <a14:useLocalDpi xmlns:a14="http://schemas.microsoft.com/office/drawing/2010/main" val="0"/>
               </a:ext>
             </a:extLst>
           </a:blip>
@@ -9229,7 +13042,7 @@
           <a:blip r:embed="rId4">
             <a:extLst>
               <a:ext uri="{28A0092B-C50C-407E-A947-70E740481C1C}">
-                <a14:useLocalDpi xmlns:a14="http://schemas.microsoft.com/office/drawing/2010/main"/>
+                <a14:useLocalDpi xmlns:a14="http://schemas.microsoft.com/office/drawing/2010/main" val="0"/>
               </a:ext>
             </a:extLst>
           </a:blip>
@@ -9283,7 +13096,7 @@
           <a:blip r:embed="rId4">
             <a:extLst>
               <a:ext uri="{28A0092B-C50C-407E-A947-70E740481C1C}">
-                <a14:useLocalDpi xmlns:a14="http://schemas.microsoft.com/office/drawing/2010/main"/>
+                <a14:useLocalDpi xmlns:a14="http://schemas.microsoft.com/office/drawing/2010/main" val="0"/>
               </a:ext>
             </a:extLst>
           </a:blip>
@@ -9602,7 +13415,7 @@
           <a:blip r:embed="rId5">
             <a:extLst>
               <a:ext uri="{28A0092B-C50C-407E-A947-70E740481C1C}">
-                <a14:useLocalDpi xmlns:a14="http://schemas.microsoft.com/office/drawing/2010/main"/>
+                <a14:useLocalDpi xmlns:a14="http://schemas.microsoft.com/office/drawing/2010/main" val="0"/>
               </a:ext>
             </a:extLst>
           </a:blip>
@@ -9655,10 +13468,10 @@
           <p:nvPr/>
         </p:nvPicPr>
         <p:blipFill>
-          <a:blip r:embed="rId6" cstate="screen">
+          <a:blip r:embed="rId6" cstate="print">
             <a:extLst>
               <a:ext uri="{28A0092B-C50C-407E-A947-70E740481C1C}">
-                <a14:useLocalDpi xmlns:a14="http://schemas.microsoft.com/office/drawing/2010/main"/>
+                <a14:useLocalDpi xmlns:a14="http://schemas.microsoft.com/office/drawing/2010/main" val="0"/>
               </a:ext>
             </a:extLst>
           </a:blip>
@@ -9711,10 +13524,10 @@
           <p:nvPr/>
         </p:nvPicPr>
         <p:blipFill>
-          <a:blip r:embed="rId7" cstate="screen">
+          <a:blip r:embed="rId7" cstate="print">
             <a:extLst>
               <a:ext uri="{28A0092B-C50C-407E-A947-70E740481C1C}">
-                <a14:useLocalDpi xmlns:a14="http://schemas.microsoft.com/office/drawing/2010/main"/>
+                <a14:useLocalDpi xmlns:a14="http://schemas.microsoft.com/office/drawing/2010/main" val="0"/>
               </a:ext>
             </a:extLst>
           </a:blip>
@@ -9768,7 +13581,7 @@
           <a:blip r:embed="rId8">
             <a:extLst>
               <a:ext uri="{28A0092B-C50C-407E-A947-70E740481C1C}">
-                <a14:useLocalDpi xmlns:a14="http://schemas.microsoft.com/office/drawing/2010/main"/>
+                <a14:useLocalDpi xmlns:a14="http://schemas.microsoft.com/office/drawing/2010/main" val="0"/>
               </a:ext>
             </a:extLst>
           </a:blip>
@@ -9878,10 +13691,10 @@
       </p:sp>
       <p:pic>
         <p:nvPicPr>
-          <p:cNvPr id="2" name="Bilde 1">
+          <p:cNvPr id="3" name="Bilde 2">
             <a:extLst>
               <a:ext uri="{FF2B5EF4-FFF2-40B4-BE49-F238E27FC236}">
-                <a16:creationId xmlns:a16="http://schemas.microsoft.com/office/drawing/2014/main" id="{56D3E899-40E1-4390-85B1-25FC3ACC07AA}"/>
+                <a16:creationId xmlns:a16="http://schemas.microsoft.com/office/drawing/2014/main" id="{159D97C6-678C-4ACD-8850-AF2250CB3C6E}"/>
               </a:ext>
             </a:extLst>
           </p:cNvPr>
@@ -9898,8 +13711,8 @@
         </p:blipFill>
         <p:spPr>
           <a:xfrm>
-            <a:off x="2323985" y="1268760"/>
-            <a:ext cx="4496031" cy="4038808"/>
+            <a:off x="2051720" y="119723"/>
+            <a:ext cx="5751165" cy="5743913"/>
           </a:xfrm>
           <a:prstGeom prst="rect">
             <a:avLst/>
@@ -9916,6 +13729,217 @@
   <p:clrMapOvr>
     <a:masterClrMapping/>
   </p:clrMapOvr>
+  <p:timing>
+    <p:tnLst>
+      <p:par>
+        <p:cTn id="1" dur="indefinite" restart="never" nodeType="tmRoot">
+          <p:childTnLst>
+            <p:seq concurrent="1" nextAc="seek">
+              <p:cTn id="2" dur="indefinite" nodeType="mainSeq">
+                <p:childTnLst>
+                  <p:par>
+                    <p:cTn id="3" fill="hold" nodeType="clickPar">
+                      <p:stCondLst>
+                        <p:cond delay="indefinite"/>
+                        <p:cond evt="onBegin" delay="0">
+                          <p:tn val="2"/>
+                        </p:cond>
+                      </p:stCondLst>
+                      <p:childTnLst>
+                        <p:par>
+                          <p:cTn id="4" fill="hold" nodeType="withGroup">
+                            <p:stCondLst>
+                              <p:cond delay="0"/>
+                            </p:stCondLst>
+                            <p:childTnLst>
+                              <p:par>
+                                <p:cTn id="5" presetID="10" presetClass="entr" presetSubtype="0" fill="hold" grpId="0" nodeType="withEffect" nodePh="1">
+                                  <p:stCondLst>
+                                    <p:cond delay="0"/>
+                                  </p:stCondLst>
+                                  <p:endCondLst>
+                                    <p:cond evt="begin" delay="0">
+                                      <p:tn val="5"/>
+                                    </p:cond>
+                                  </p:endCondLst>
+                                  <p:childTnLst>
+                                    <p:set>
+                                      <p:cBhvr>
+                                        <p:cTn id="6" dur="1" fill="hold">
+                                          <p:stCondLst>
+                                            <p:cond delay="0"/>
+                                          </p:stCondLst>
+                                        </p:cTn>
+                                        <p:tgtEl>
+                                          <p:spTgt spid="24"/>
+                                        </p:tgtEl>
+                                        <p:attrNameLst>
+                                          <p:attrName>style.visibility</p:attrName>
+                                        </p:attrNameLst>
+                                      </p:cBhvr>
+                                      <p:to>
+                                        <p:strVal val="visible"/>
+                                      </p:to>
+                                    </p:set>
+                                    <p:animEffect transition="in" filter="fade">
+                                      <p:cBhvr>
+                                        <p:cTn id="7" dur="2000"/>
+                                        <p:tgtEl>
+                                          <p:spTgt spid="24"/>
+                                        </p:tgtEl>
+                                      </p:cBhvr>
+                                    </p:animEffect>
+                                  </p:childTnLst>
+                                </p:cTn>
+                              </p:par>
+                              <p:par>
+                                <p:cTn id="8" presetID="10" presetClass="entr" presetSubtype="0" fill="hold" grpId="0" nodeType="withEffect" nodePh="1">
+                                  <p:stCondLst>
+                                    <p:cond delay="0"/>
+                                  </p:stCondLst>
+                                  <p:endCondLst>
+                                    <p:cond evt="begin" delay="0">
+                                      <p:tn val="8"/>
+                                    </p:cond>
+                                  </p:endCondLst>
+                                  <p:childTnLst>
+                                    <p:set>
+                                      <p:cBhvr>
+                                        <p:cTn id="9" dur="1" fill="hold">
+                                          <p:stCondLst>
+                                            <p:cond delay="0"/>
+                                          </p:stCondLst>
+                                        </p:cTn>
+                                        <p:tgtEl>
+                                          <p:spTgt spid="26"/>
+                                        </p:tgtEl>
+                                        <p:attrNameLst>
+                                          <p:attrName>style.visibility</p:attrName>
+                                        </p:attrNameLst>
+                                      </p:cBhvr>
+                                      <p:to>
+                                        <p:strVal val="visible"/>
+                                      </p:to>
+                                    </p:set>
+                                    <p:animEffect transition="in" filter="fade">
+                                      <p:cBhvr>
+                                        <p:cTn id="10" dur="2000"/>
+                                        <p:tgtEl>
+                                          <p:spTgt spid="26"/>
+                                        </p:tgtEl>
+                                      </p:cBhvr>
+                                    </p:animEffect>
+                                  </p:childTnLst>
+                                </p:cTn>
+                              </p:par>
+                              <p:par>
+                                <p:cTn id="11" presetID="10" presetClass="entr" presetSubtype="0" fill="hold" grpId="0" nodeType="withEffect" nodePh="1">
+                                  <p:stCondLst>
+                                    <p:cond delay="0"/>
+                                  </p:stCondLst>
+                                  <p:endCondLst>
+                                    <p:cond evt="begin" delay="0">
+                                      <p:tn val="11"/>
+                                    </p:cond>
+                                  </p:endCondLst>
+                                  <p:childTnLst>
+                                    <p:set>
+                                      <p:cBhvr>
+                                        <p:cTn id="12" dur="1" fill="hold">
+                                          <p:stCondLst>
+                                            <p:cond delay="0"/>
+                                          </p:stCondLst>
+                                        </p:cTn>
+                                        <p:tgtEl>
+                                          <p:spTgt spid="27"/>
+                                        </p:tgtEl>
+                                        <p:attrNameLst>
+                                          <p:attrName>style.visibility</p:attrName>
+                                        </p:attrNameLst>
+                                      </p:cBhvr>
+                                      <p:to>
+                                        <p:strVal val="visible"/>
+                                      </p:to>
+                                    </p:set>
+                                    <p:animEffect transition="in" filter="fade">
+                                      <p:cBhvr>
+                                        <p:cTn id="13" dur="2000"/>
+                                        <p:tgtEl>
+                                          <p:spTgt spid="27"/>
+                                        </p:tgtEl>
+                                      </p:cBhvr>
+                                    </p:animEffect>
+                                  </p:childTnLst>
+                                </p:cTn>
+                              </p:par>
+                              <p:par>
+                                <p:cTn id="14" presetID="10" presetClass="entr" fill="hold" nodeType="withEffect">
+                                  <p:stCondLst>
+                                    <p:cond delay="0"/>
+                                  </p:stCondLst>
+                                  <p:childTnLst>
+                                    <p:set>
+                                      <p:cBhvr>
+                                        <p:cTn id="15" dur="1" fill="hold">
+                                          <p:stCondLst>
+                                            <p:cond delay="0"/>
+                                          </p:stCondLst>
+                                        </p:cTn>
+                                        <p:tgtEl>
+                                          <p:spTgt spid="21"/>
+                                        </p:tgtEl>
+                                        <p:attrNameLst>
+                                          <p:attrName>style.visibility</p:attrName>
+                                        </p:attrNameLst>
+                                      </p:cBhvr>
+                                      <p:to>
+                                        <p:strVal val="visible"/>
+                                      </p:to>
+                                    </p:set>
+                                    <p:animEffect transition="in" filter="fade">
+                                      <p:cBhvr additive="repl">
+                                        <p:cTn id="16" dur="2000"/>
+                                        <p:tgtEl>
+                                          <p:spTgt spid="21"/>
+                                        </p:tgtEl>
+                                      </p:cBhvr>
+                                    </p:animEffect>
+                                  </p:childTnLst>
+                                </p:cTn>
+                              </p:par>
+                            </p:childTnLst>
+                          </p:cTn>
+                        </p:par>
+                      </p:childTnLst>
+                    </p:cTn>
+                  </p:par>
+                </p:childTnLst>
+              </p:cTn>
+              <p:prevCondLst>
+                <p:cond evt="onPrev" delay="0">
+                  <p:tgtEl>
+                    <p:sldTgt/>
+                  </p:tgtEl>
+                </p:cond>
+              </p:prevCondLst>
+              <p:nextCondLst>
+                <p:cond evt="onNext" delay="0">
+                  <p:tgtEl>
+                    <p:sldTgt/>
+                  </p:tgtEl>
+                </p:cond>
+              </p:nextCondLst>
+            </p:seq>
+          </p:childTnLst>
+        </p:cTn>
+      </p:par>
+    </p:tnLst>
+    <p:bldLst>
+      <p:bldP spid="24" grpId="0"/>
+      <p:bldP spid="26" grpId="0"/>
+      <p:bldP spid="27" grpId="0"/>
+    </p:bldLst>
+  </p:timing>
 </p:sld>
 </file>
 
@@ -9960,7 +13984,7 @@
           <a:blip r:embed="rId3">
             <a:extLst>
               <a:ext uri="{28A0092B-C50C-407E-A947-70E740481C1C}">
-                <a14:useLocalDpi xmlns:a14="http://schemas.microsoft.com/office/drawing/2010/main"/>
+                <a14:useLocalDpi xmlns:a14="http://schemas.microsoft.com/office/drawing/2010/main" val="0"/>
               </a:ext>
             </a:extLst>
           </a:blip>
@@ -10268,7 +14292,7 @@
           <a:blip r:embed="rId4">
             <a:extLst>
               <a:ext uri="{28A0092B-C50C-407E-A947-70E740481C1C}">
-                <a14:useLocalDpi xmlns:a14="http://schemas.microsoft.com/office/drawing/2010/main"/>
+                <a14:useLocalDpi xmlns:a14="http://schemas.microsoft.com/office/drawing/2010/main" val="0"/>
               </a:ext>
             </a:extLst>
           </a:blip>
@@ -10322,7 +14346,7 @@
           <a:blip r:embed="rId4">
             <a:extLst>
               <a:ext uri="{28A0092B-C50C-407E-A947-70E740481C1C}">
-                <a14:useLocalDpi xmlns:a14="http://schemas.microsoft.com/office/drawing/2010/main"/>
+                <a14:useLocalDpi xmlns:a14="http://schemas.microsoft.com/office/drawing/2010/main" val="0"/>
               </a:ext>
             </a:extLst>
           </a:blip>
@@ -10641,7 +14665,7 @@
           <a:blip r:embed="rId5">
             <a:extLst>
               <a:ext uri="{28A0092B-C50C-407E-A947-70E740481C1C}">
-                <a14:useLocalDpi xmlns:a14="http://schemas.microsoft.com/office/drawing/2010/main"/>
+                <a14:useLocalDpi xmlns:a14="http://schemas.microsoft.com/office/drawing/2010/main" val="0"/>
               </a:ext>
             </a:extLst>
           </a:blip>
@@ -10694,10 +14718,10 @@
           <p:nvPr/>
         </p:nvPicPr>
         <p:blipFill>
-          <a:blip r:embed="rId6" cstate="screen">
+          <a:blip r:embed="rId6" cstate="print">
             <a:extLst>
               <a:ext uri="{28A0092B-C50C-407E-A947-70E740481C1C}">
-                <a14:useLocalDpi xmlns:a14="http://schemas.microsoft.com/office/drawing/2010/main"/>
+                <a14:useLocalDpi xmlns:a14="http://schemas.microsoft.com/office/drawing/2010/main" val="0"/>
               </a:ext>
             </a:extLst>
           </a:blip>
@@ -10750,10 +14774,10 @@
           <p:nvPr/>
         </p:nvPicPr>
         <p:blipFill>
-          <a:blip r:embed="rId7" cstate="screen">
+          <a:blip r:embed="rId7" cstate="print">
             <a:extLst>
               <a:ext uri="{28A0092B-C50C-407E-A947-70E740481C1C}">
-                <a14:useLocalDpi xmlns:a14="http://schemas.microsoft.com/office/drawing/2010/main"/>
+                <a14:useLocalDpi xmlns:a14="http://schemas.microsoft.com/office/drawing/2010/main" val="0"/>
               </a:ext>
             </a:extLst>
           </a:blip>
@@ -10807,7 +14831,7 @@
           <a:blip r:embed="rId8">
             <a:extLst>
               <a:ext uri="{28A0092B-C50C-407E-A947-70E740481C1C}">
-                <a14:useLocalDpi xmlns:a14="http://schemas.microsoft.com/office/drawing/2010/main"/>
+                <a14:useLocalDpi xmlns:a14="http://schemas.microsoft.com/office/drawing/2010/main" val="0"/>
               </a:ext>
             </a:extLst>
           </a:blip>
@@ -10917,10 +14941,10 @@
       </p:sp>
       <p:pic>
         <p:nvPicPr>
-          <p:cNvPr id="3" name="Bilde 2">
+          <p:cNvPr id="2" name="Bilde 1">
             <a:extLst>
               <a:ext uri="{FF2B5EF4-FFF2-40B4-BE49-F238E27FC236}">
-                <a16:creationId xmlns:a16="http://schemas.microsoft.com/office/drawing/2014/main" id="{D368DA2D-6986-4426-9A4E-CBEFAC54BB31}"/>
+                <a16:creationId xmlns:a16="http://schemas.microsoft.com/office/drawing/2014/main" id="{C0912004-CF0D-45CE-9276-80990DE10028}"/>
               </a:ext>
             </a:extLst>
           </p:cNvPr>
@@ -10937,8 +14961,8 @@
         </p:blipFill>
         <p:spPr>
           <a:xfrm>
-            <a:off x="2273182" y="764704"/>
-            <a:ext cx="4597636" cy="5023108"/>
+            <a:off x="1856729" y="59957"/>
+            <a:ext cx="5829721" cy="5822397"/>
           </a:xfrm>
           <a:prstGeom prst="rect">
             <a:avLst/>
@@ -10955,6 +14979,217 @@
   <p:clrMapOvr>
     <a:masterClrMapping/>
   </p:clrMapOvr>
+  <p:timing>
+    <p:tnLst>
+      <p:par>
+        <p:cTn id="1" dur="indefinite" restart="never" nodeType="tmRoot">
+          <p:childTnLst>
+            <p:seq concurrent="1" nextAc="seek">
+              <p:cTn id="2" dur="indefinite" nodeType="mainSeq">
+                <p:childTnLst>
+                  <p:par>
+                    <p:cTn id="3" fill="hold" nodeType="clickPar">
+                      <p:stCondLst>
+                        <p:cond delay="indefinite"/>
+                        <p:cond evt="onBegin" delay="0">
+                          <p:tn val="2"/>
+                        </p:cond>
+                      </p:stCondLst>
+                      <p:childTnLst>
+                        <p:par>
+                          <p:cTn id="4" fill="hold" nodeType="withGroup">
+                            <p:stCondLst>
+                              <p:cond delay="0"/>
+                            </p:stCondLst>
+                            <p:childTnLst>
+                              <p:par>
+                                <p:cTn id="5" presetID="10" presetClass="entr" presetSubtype="0" fill="hold" grpId="0" nodeType="withEffect" nodePh="1">
+                                  <p:stCondLst>
+                                    <p:cond delay="0"/>
+                                  </p:stCondLst>
+                                  <p:endCondLst>
+                                    <p:cond evt="begin" delay="0">
+                                      <p:tn val="5"/>
+                                    </p:cond>
+                                  </p:endCondLst>
+                                  <p:childTnLst>
+                                    <p:set>
+                                      <p:cBhvr>
+                                        <p:cTn id="6" dur="1" fill="hold">
+                                          <p:stCondLst>
+                                            <p:cond delay="0"/>
+                                          </p:stCondLst>
+                                        </p:cTn>
+                                        <p:tgtEl>
+                                          <p:spTgt spid="24"/>
+                                        </p:tgtEl>
+                                        <p:attrNameLst>
+                                          <p:attrName>style.visibility</p:attrName>
+                                        </p:attrNameLst>
+                                      </p:cBhvr>
+                                      <p:to>
+                                        <p:strVal val="visible"/>
+                                      </p:to>
+                                    </p:set>
+                                    <p:animEffect transition="in" filter="fade">
+                                      <p:cBhvr>
+                                        <p:cTn id="7" dur="2000"/>
+                                        <p:tgtEl>
+                                          <p:spTgt spid="24"/>
+                                        </p:tgtEl>
+                                      </p:cBhvr>
+                                    </p:animEffect>
+                                  </p:childTnLst>
+                                </p:cTn>
+                              </p:par>
+                              <p:par>
+                                <p:cTn id="8" presetID="10" presetClass="entr" presetSubtype="0" fill="hold" grpId="0" nodeType="withEffect" nodePh="1">
+                                  <p:stCondLst>
+                                    <p:cond delay="0"/>
+                                  </p:stCondLst>
+                                  <p:endCondLst>
+                                    <p:cond evt="begin" delay="0">
+                                      <p:tn val="8"/>
+                                    </p:cond>
+                                  </p:endCondLst>
+                                  <p:childTnLst>
+                                    <p:set>
+                                      <p:cBhvr>
+                                        <p:cTn id="9" dur="1" fill="hold">
+                                          <p:stCondLst>
+                                            <p:cond delay="0"/>
+                                          </p:stCondLst>
+                                        </p:cTn>
+                                        <p:tgtEl>
+                                          <p:spTgt spid="26"/>
+                                        </p:tgtEl>
+                                        <p:attrNameLst>
+                                          <p:attrName>style.visibility</p:attrName>
+                                        </p:attrNameLst>
+                                      </p:cBhvr>
+                                      <p:to>
+                                        <p:strVal val="visible"/>
+                                      </p:to>
+                                    </p:set>
+                                    <p:animEffect transition="in" filter="fade">
+                                      <p:cBhvr>
+                                        <p:cTn id="10" dur="2000"/>
+                                        <p:tgtEl>
+                                          <p:spTgt spid="26"/>
+                                        </p:tgtEl>
+                                      </p:cBhvr>
+                                    </p:animEffect>
+                                  </p:childTnLst>
+                                </p:cTn>
+                              </p:par>
+                              <p:par>
+                                <p:cTn id="11" presetID="10" presetClass="entr" presetSubtype="0" fill="hold" grpId="0" nodeType="withEffect" nodePh="1">
+                                  <p:stCondLst>
+                                    <p:cond delay="0"/>
+                                  </p:stCondLst>
+                                  <p:endCondLst>
+                                    <p:cond evt="begin" delay="0">
+                                      <p:tn val="11"/>
+                                    </p:cond>
+                                  </p:endCondLst>
+                                  <p:childTnLst>
+                                    <p:set>
+                                      <p:cBhvr>
+                                        <p:cTn id="12" dur="1" fill="hold">
+                                          <p:stCondLst>
+                                            <p:cond delay="0"/>
+                                          </p:stCondLst>
+                                        </p:cTn>
+                                        <p:tgtEl>
+                                          <p:spTgt spid="27"/>
+                                        </p:tgtEl>
+                                        <p:attrNameLst>
+                                          <p:attrName>style.visibility</p:attrName>
+                                        </p:attrNameLst>
+                                      </p:cBhvr>
+                                      <p:to>
+                                        <p:strVal val="visible"/>
+                                      </p:to>
+                                    </p:set>
+                                    <p:animEffect transition="in" filter="fade">
+                                      <p:cBhvr>
+                                        <p:cTn id="13" dur="2000"/>
+                                        <p:tgtEl>
+                                          <p:spTgt spid="27"/>
+                                        </p:tgtEl>
+                                      </p:cBhvr>
+                                    </p:animEffect>
+                                  </p:childTnLst>
+                                </p:cTn>
+                              </p:par>
+                              <p:par>
+                                <p:cTn id="14" presetID="10" presetClass="entr" fill="hold" nodeType="withEffect">
+                                  <p:stCondLst>
+                                    <p:cond delay="0"/>
+                                  </p:stCondLst>
+                                  <p:childTnLst>
+                                    <p:set>
+                                      <p:cBhvr>
+                                        <p:cTn id="15" dur="1" fill="hold">
+                                          <p:stCondLst>
+                                            <p:cond delay="0"/>
+                                          </p:stCondLst>
+                                        </p:cTn>
+                                        <p:tgtEl>
+                                          <p:spTgt spid="21"/>
+                                        </p:tgtEl>
+                                        <p:attrNameLst>
+                                          <p:attrName>style.visibility</p:attrName>
+                                        </p:attrNameLst>
+                                      </p:cBhvr>
+                                      <p:to>
+                                        <p:strVal val="visible"/>
+                                      </p:to>
+                                    </p:set>
+                                    <p:animEffect transition="in" filter="fade">
+                                      <p:cBhvr additive="repl">
+                                        <p:cTn id="16" dur="2000"/>
+                                        <p:tgtEl>
+                                          <p:spTgt spid="21"/>
+                                        </p:tgtEl>
+                                      </p:cBhvr>
+                                    </p:animEffect>
+                                  </p:childTnLst>
+                                </p:cTn>
+                              </p:par>
+                            </p:childTnLst>
+                          </p:cTn>
+                        </p:par>
+                      </p:childTnLst>
+                    </p:cTn>
+                  </p:par>
+                </p:childTnLst>
+              </p:cTn>
+              <p:prevCondLst>
+                <p:cond evt="onPrev" delay="0">
+                  <p:tgtEl>
+                    <p:sldTgt/>
+                  </p:tgtEl>
+                </p:cond>
+              </p:prevCondLst>
+              <p:nextCondLst>
+                <p:cond evt="onNext" delay="0">
+                  <p:tgtEl>
+                    <p:sldTgt/>
+                  </p:tgtEl>
+                </p:cond>
+              </p:nextCondLst>
+            </p:seq>
+          </p:childTnLst>
+        </p:cTn>
+      </p:par>
+    </p:tnLst>
+    <p:bldLst>
+      <p:bldP spid="24" grpId="0"/>
+      <p:bldP spid="26" grpId="0"/>
+      <p:bldP spid="27" grpId="0"/>
+    </p:bldLst>
+  </p:timing>
 </p:sld>
 </file>
 
@@ -10964,7 +15199,7 @@
     <p:bg>
       <p:bgPr>
         <a:blipFill dpi="0" rotWithShape="0">
-          <a:blip r:embed="rId4"/>
+          <a:blip r:embed="rId2"/>
           <a:srcRect/>
           <a:stretch>
             <a:fillRect/>
@@ -10996,10 +15231,10 @@
           <p:nvPr/>
         </p:nvPicPr>
         <p:blipFill>
-          <a:blip r:embed="rId5">
+          <a:blip r:embed="rId3">
             <a:extLst>
               <a:ext uri="{28A0092B-C50C-407E-A947-70E740481C1C}">
-                <a14:useLocalDpi xmlns:a14="http://schemas.microsoft.com/office/drawing/2010/main"/>
+                <a14:useLocalDpi xmlns:a14="http://schemas.microsoft.com/office/drawing/2010/main" val="0"/>
               </a:ext>
             </a:extLst>
           </a:blip>
@@ -11304,10 +15539,10 @@
           <p:nvPr/>
         </p:nvPicPr>
         <p:blipFill>
-          <a:blip r:embed="rId6">
+          <a:blip r:embed="rId4">
             <a:extLst>
               <a:ext uri="{28A0092B-C50C-407E-A947-70E740481C1C}">
-                <a14:useLocalDpi xmlns:a14="http://schemas.microsoft.com/office/drawing/2010/main"/>
+                <a14:useLocalDpi xmlns:a14="http://schemas.microsoft.com/office/drawing/2010/main" val="0"/>
               </a:ext>
             </a:extLst>
           </a:blip>
@@ -11358,10 +15593,10 @@
           <p:nvPr/>
         </p:nvPicPr>
         <p:blipFill>
-          <a:blip r:embed="rId6">
+          <a:blip r:embed="rId4">
             <a:extLst>
               <a:ext uri="{28A0092B-C50C-407E-A947-70E740481C1C}">
-                <a14:useLocalDpi xmlns:a14="http://schemas.microsoft.com/office/drawing/2010/main"/>
+                <a14:useLocalDpi xmlns:a14="http://schemas.microsoft.com/office/drawing/2010/main" val="0"/>
               </a:ext>
             </a:extLst>
           </a:blip>
@@ -11672,10 +15907,10 @@
           <p:nvPr/>
         </p:nvPicPr>
         <p:blipFill>
-          <a:blip r:embed="rId7">
+          <a:blip r:embed="rId5">
             <a:extLst>
               <a:ext uri="{28A0092B-C50C-407E-A947-70E740481C1C}">
-                <a14:useLocalDpi xmlns:a14="http://schemas.microsoft.com/office/drawing/2010/main"/>
+                <a14:useLocalDpi xmlns:a14="http://schemas.microsoft.com/office/drawing/2010/main" val="0"/>
               </a:ext>
             </a:extLst>
           </a:blip>
@@ -11728,10 +15963,10 @@
           <p:nvPr/>
         </p:nvPicPr>
         <p:blipFill>
-          <a:blip r:embed="rId8" cstate="screen">
+          <a:blip r:embed="rId6" cstate="print">
             <a:extLst>
               <a:ext uri="{28A0092B-C50C-407E-A947-70E740481C1C}">
-                <a14:useLocalDpi xmlns:a14="http://schemas.microsoft.com/office/drawing/2010/main"/>
+                <a14:useLocalDpi xmlns:a14="http://schemas.microsoft.com/office/drawing/2010/main" val="0"/>
               </a:ext>
             </a:extLst>
           </a:blip>
@@ -11784,10 +16019,10 @@
           <p:nvPr/>
         </p:nvPicPr>
         <p:blipFill>
-          <a:blip r:embed="rId9" cstate="screen">
+          <a:blip r:embed="rId7" cstate="print">
             <a:extLst>
               <a:ext uri="{28A0092B-C50C-407E-A947-70E740481C1C}">
-                <a14:useLocalDpi xmlns:a14="http://schemas.microsoft.com/office/drawing/2010/main"/>
+                <a14:useLocalDpi xmlns:a14="http://schemas.microsoft.com/office/drawing/2010/main" val="0"/>
               </a:ext>
             </a:extLst>
           </a:blip>
@@ -11838,10 +16073,10 @@
           <p:nvPr/>
         </p:nvPicPr>
         <p:blipFill>
-          <a:blip r:embed="rId10">
+          <a:blip r:embed="rId8">
             <a:extLst>
               <a:ext uri="{28A0092B-C50C-407E-A947-70E740481C1C}">
-                <a14:useLocalDpi xmlns:a14="http://schemas.microsoft.com/office/drawing/2010/main"/>
+                <a14:useLocalDpi xmlns:a14="http://schemas.microsoft.com/office/drawing/2010/main" val="0"/>
               </a:ext>
             </a:extLst>
           </a:blip>
@@ -11951,36 +16186,34 @@
       </p:sp>
       <p:pic>
         <p:nvPicPr>
-          <p:cNvPr id="2" name="2018-03-22_22-15-49">
-            <a:hlinkClick r:id="" action="ppaction://media"/>
+          <p:cNvPr id="4" name="Bilde 3">
             <a:extLst>
               <a:ext uri="{FF2B5EF4-FFF2-40B4-BE49-F238E27FC236}">
-                <a16:creationId xmlns:a16="http://schemas.microsoft.com/office/drawing/2014/main" id="{DF867674-6BDF-406A-A01D-E13C358DCE6E}"/>
+                <a16:creationId xmlns:a16="http://schemas.microsoft.com/office/drawing/2014/main" id="{533C0616-E4E7-4DE4-9BC5-7ED07C4F08E7}"/>
               </a:ext>
             </a:extLst>
           </p:cNvPr>
           <p:cNvPicPr>
             <a:picLocks noChangeAspect="1"/>
           </p:cNvPicPr>
-          <p:nvPr>
-            <a:videoFile r:link="rId2"/>
-            <p:extLst>
-              <p:ext uri="{DAA4B4D4-6D71-4841-9C94-3DE7FCFB9230}">
-                <p14:media xmlns:p14="http://schemas.microsoft.com/office/powerpoint/2010/main" r:embed="rId1"/>
-              </p:ext>
-            </p:extLst>
-          </p:nvPr>
+          <p:nvPr/>
         </p:nvPicPr>
         <p:blipFill>
-          <a:blip r:embed="rId11"/>
+          <a:blip r:embed="rId9">
+            <a:extLst>
+              <a:ext uri="{28A0092B-C50C-407E-A947-70E740481C1C}">
+                <a14:useLocalDpi xmlns:a14="http://schemas.microsoft.com/office/drawing/2010/main" val="0"/>
+              </a:ext>
+            </a:extLst>
+          </a:blip>
           <a:stretch>
             <a:fillRect/>
           </a:stretch>
         </p:blipFill>
         <p:spPr>
           <a:xfrm>
-            <a:off x="233164" y="476672"/>
-            <a:ext cx="8677673" cy="4888830"/>
+            <a:off x="1798220" y="22225"/>
+            <a:ext cx="5942132" cy="5859706"/>
           </a:xfrm>
           <a:prstGeom prst="rect">
             <a:avLst/>
@@ -12006,31 +16239,172 @@
               <p:cTn id="2" dur="indefinite" nodeType="mainSeq">
                 <p:childTnLst>
                   <p:par>
-                    <p:cTn id="3" fill="hold">
+                    <p:cTn id="3" fill="hold" nodeType="clickPar">
                       <p:stCondLst>
                         <p:cond delay="indefinite"/>
+                        <p:cond evt="onBegin" delay="0">
+                          <p:tn val="2"/>
+                        </p:cond>
                       </p:stCondLst>
                       <p:childTnLst>
                         <p:par>
-                          <p:cTn id="4" fill="hold">
+                          <p:cTn id="4" fill="hold" nodeType="withGroup">
                             <p:stCondLst>
                               <p:cond delay="0"/>
                             </p:stCondLst>
                             <p:childTnLst>
                               <p:par>
-                                <p:cTn id="5" presetID="1" presetClass="mediacall" presetSubtype="0" fill="hold" nodeType="clickEffect">
+                                <p:cTn id="5" presetID="10" presetClass="entr" presetSubtype="0" fill="hold" grpId="0" nodeType="withEffect" nodePh="1">
+                                  <p:stCondLst>
+                                    <p:cond delay="0"/>
+                                  </p:stCondLst>
+                                  <p:endCondLst>
+                                    <p:cond evt="begin" delay="0">
+                                      <p:tn val="5"/>
+                                    </p:cond>
+                                  </p:endCondLst>
+                                  <p:childTnLst>
+                                    <p:set>
+                                      <p:cBhvr>
+                                        <p:cTn id="6" dur="1" fill="hold">
+                                          <p:stCondLst>
+                                            <p:cond delay="0"/>
+                                          </p:stCondLst>
+                                        </p:cTn>
+                                        <p:tgtEl>
+                                          <p:spTgt spid="24"/>
+                                        </p:tgtEl>
+                                        <p:attrNameLst>
+                                          <p:attrName>style.visibility</p:attrName>
+                                        </p:attrNameLst>
+                                      </p:cBhvr>
+                                      <p:to>
+                                        <p:strVal val="visible"/>
+                                      </p:to>
+                                    </p:set>
+                                    <p:animEffect transition="in" filter="fade">
+                                      <p:cBhvr>
+                                        <p:cTn id="7" dur="2000"/>
+                                        <p:tgtEl>
+                                          <p:spTgt spid="24"/>
+                                        </p:tgtEl>
+                                      </p:cBhvr>
+                                    </p:animEffect>
+                                  </p:childTnLst>
+                                </p:cTn>
+                              </p:par>
+                              <p:par>
+                                <p:cTn id="8" presetID="10" presetClass="entr" presetSubtype="0" fill="hold" grpId="0" nodeType="withEffect" nodePh="1">
+                                  <p:stCondLst>
+                                    <p:cond delay="0"/>
+                                  </p:stCondLst>
+                                  <p:endCondLst>
+                                    <p:cond evt="begin" delay="0">
+                                      <p:tn val="8"/>
+                                    </p:cond>
+                                  </p:endCondLst>
+                                  <p:childTnLst>
+                                    <p:set>
+                                      <p:cBhvr>
+                                        <p:cTn id="9" dur="1" fill="hold">
+                                          <p:stCondLst>
+                                            <p:cond delay="0"/>
+                                          </p:stCondLst>
+                                        </p:cTn>
+                                        <p:tgtEl>
+                                          <p:spTgt spid="26"/>
+                                        </p:tgtEl>
+                                        <p:attrNameLst>
+                                          <p:attrName>style.visibility</p:attrName>
+                                        </p:attrNameLst>
+                                      </p:cBhvr>
+                                      <p:to>
+                                        <p:strVal val="visible"/>
+                                      </p:to>
+                                    </p:set>
+                                    <p:animEffect transition="in" filter="fade">
+                                      <p:cBhvr>
+                                        <p:cTn id="10" dur="2000"/>
+                                        <p:tgtEl>
+                                          <p:spTgt spid="26"/>
+                                        </p:tgtEl>
+                                      </p:cBhvr>
+                                    </p:animEffect>
+                                  </p:childTnLst>
+                                </p:cTn>
+                              </p:par>
+                              <p:par>
+                                <p:cTn id="11" presetID="10" presetClass="entr" presetSubtype="0" fill="hold" grpId="0" nodeType="withEffect" nodePh="1">
+                                  <p:stCondLst>
+                                    <p:cond delay="0"/>
+                                  </p:stCondLst>
+                                  <p:endCondLst>
+                                    <p:cond evt="begin" delay="0">
+                                      <p:tn val="11"/>
+                                    </p:cond>
+                                  </p:endCondLst>
+                                  <p:childTnLst>
+                                    <p:set>
+                                      <p:cBhvr>
+                                        <p:cTn id="12" dur="1" fill="hold">
+                                          <p:stCondLst>
+                                            <p:cond delay="0"/>
+                                          </p:stCondLst>
+                                        </p:cTn>
+                                        <p:tgtEl>
+                                          <p:spTgt spid="27"/>
+                                        </p:tgtEl>
+                                        <p:attrNameLst>
+                                          <p:attrName>style.visibility</p:attrName>
+                                        </p:attrNameLst>
+                                      </p:cBhvr>
+                                      <p:to>
+                                        <p:strVal val="visible"/>
+                                      </p:to>
+                                    </p:set>
+                                    <p:animEffect transition="in" filter="fade">
+                                      <p:cBhvr>
+                                        <p:cTn id="13" dur="2000"/>
+                                        <p:tgtEl>
+                                          <p:spTgt spid="27"/>
+                                        </p:tgtEl>
+                                      </p:cBhvr>
+                                    </p:animEffect>
+                                  </p:childTnLst>
+                                </p:cTn>
+                              </p:par>
+                              <p:par>
+                                <p:cTn id="14" presetID="10" presetClass="entr" fill="hold" nodeType="withEffect">
                                   <p:stCondLst>
                                     <p:cond delay="0"/>
                                   </p:stCondLst>
                                   <p:childTnLst>
-                                    <p:cmd type="call" cmd="playFrom(0.0)">
+                                    <p:set>
                                       <p:cBhvr>
-                                        <p:cTn id="6" dur="28267" fill="hold"/>
+                                        <p:cTn id="15" dur="1" fill="hold">
+                                          <p:stCondLst>
+                                            <p:cond delay="0"/>
+                                          </p:stCondLst>
+                                        </p:cTn>
                                         <p:tgtEl>
-                                          <p:spTgt spid="2"/>
+                                          <p:spTgt spid="21"/>
+                                        </p:tgtEl>
+                                        <p:attrNameLst>
+                                          <p:attrName>style.visibility</p:attrName>
+                                        </p:attrNameLst>
+                                      </p:cBhvr>
+                                      <p:to>
+                                        <p:strVal val="visible"/>
+                                      </p:to>
+                                    </p:set>
+                                    <p:animEffect transition="in" filter="fade">
+                                      <p:cBhvr additive="repl">
+                                        <p:cTn id="16" dur="2000"/>
+                                        <p:tgtEl>
+                                          <p:spTgt spid="21"/>
                                         </p:tgtEl>
                                       </p:cBhvr>
-                                    </p:cmd>
+                                    </p:animEffect>
                                   </p:childTnLst>
                                 </p:cTn>
                               </p:par>
@@ -12057,80 +16431,15 @@
                 </p:cond>
               </p:nextCondLst>
             </p:seq>
-            <p:video>
-              <p:cMediaNode vol="80000">
-                <p:cTn id="7" fill="hold" display="0">
-                  <p:stCondLst>
-                    <p:cond delay="indefinite"/>
-                  </p:stCondLst>
-                </p:cTn>
-                <p:tgtEl>
-                  <p:spTgt spid="2"/>
-                </p:tgtEl>
-              </p:cMediaNode>
-            </p:video>
-            <p:seq concurrent="1" nextAc="seek">
-              <p:cTn id="8" restart="whenNotActive" fill="hold" evtFilter="cancelBubble" nodeType="interactiveSeq">
-                <p:stCondLst>
-                  <p:cond evt="onClick" delay="0">
-                    <p:tgtEl>
-                      <p:spTgt spid="2"/>
-                    </p:tgtEl>
-                  </p:cond>
-                </p:stCondLst>
-                <p:endSync evt="end" delay="0">
-                  <p:rtn val="all"/>
-                </p:endSync>
-                <p:childTnLst>
-                  <p:par>
-                    <p:cTn id="9" fill="hold">
-                      <p:stCondLst>
-                        <p:cond delay="0"/>
-                      </p:stCondLst>
-                      <p:childTnLst>
-                        <p:par>
-                          <p:cTn id="10" fill="hold">
-                            <p:stCondLst>
-                              <p:cond delay="0"/>
-                            </p:stCondLst>
-                            <p:childTnLst>
-                              <p:par>
-                                <p:cTn id="11" presetID="2" presetClass="mediacall" presetSubtype="0" fill="hold" nodeType="clickEffect">
-                                  <p:stCondLst>
-                                    <p:cond delay="0"/>
-                                  </p:stCondLst>
-                                  <p:childTnLst>
-                                    <p:cmd type="call" cmd="togglePause">
-                                      <p:cBhvr>
-                                        <p:cTn id="12" dur="1" fill="hold"/>
-                                        <p:tgtEl>
-                                          <p:spTgt spid="2"/>
-                                        </p:tgtEl>
-                                      </p:cBhvr>
-                                    </p:cmd>
-                                  </p:childTnLst>
-                                </p:cTn>
-                              </p:par>
-                            </p:childTnLst>
-                          </p:cTn>
-                        </p:par>
-                      </p:childTnLst>
-                    </p:cTn>
-                  </p:par>
-                </p:childTnLst>
-              </p:cTn>
-              <p:nextCondLst>
-                <p:cond evt="onClick" delay="0">
-                  <p:tgtEl>
-                    <p:spTgt spid="2"/>
-                  </p:tgtEl>
-                </p:cond>
-              </p:nextCondLst>
-            </p:seq>
           </p:childTnLst>
         </p:cTn>
       </p:par>
     </p:tnLst>
+    <p:bldLst>
+      <p:bldP spid="24" grpId="0"/>
+      <p:bldP spid="26" grpId="0"/>
+      <p:bldP spid="27" grpId="0"/>
+    </p:bldLst>
   </p:timing>
 </p:sld>
 </file>
@@ -12176,7 +16485,7 @@
           <a:blip r:embed="rId3">
             <a:extLst>
               <a:ext uri="{28A0092B-C50C-407E-A947-70E740481C1C}">
-                <a14:useLocalDpi xmlns:a14="http://schemas.microsoft.com/office/drawing/2010/main"/>
+                <a14:useLocalDpi xmlns:a14="http://schemas.microsoft.com/office/drawing/2010/main" val="0"/>
               </a:ext>
             </a:extLst>
           </a:blip>
@@ -12287,6 +16596,95 @@
           </a:p>
         </p:txBody>
       </p:sp>
+      <p:grpSp>
+        <p:nvGrpSpPr>
+          <p:cNvPr id="14340" name="13 Grupo"/>
+          <p:cNvGrpSpPr>
+            <a:grpSpLocks/>
+          </p:cNvGrpSpPr>
+          <p:nvPr/>
+        </p:nvGrpSpPr>
+        <p:grpSpPr bwMode="auto">
+          <a:xfrm>
+            <a:off x="4618038" y="2276475"/>
+            <a:ext cx="6350" cy="3017838"/>
+            <a:chOff x="4276603" y="1491264"/>
+            <a:chExt cx="319" cy="3377896"/>
+          </a:xfrm>
+        </p:grpSpPr>
+        <p:cxnSp>
+          <p:nvCxnSpPr>
+            <p:cNvPr id="10" name="9 Conector recto"/>
+            <p:cNvCxnSpPr/>
+            <p:nvPr/>
+          </p:nvCxnSpPr>
+          <p:spPr>
+            <a:xfrm>
+              <a:off x="4276603" y="1491264"/>
+              <a:ext cx="0" cy="3377896"/>
+            </a:xfrm>
+            <a:prstGeom prst="line">
+              <a:avLst/>
+            </a:prstGeom>
+            <a:ln>
+              <a:solidFill>
+                <a:schemeClr val="bg1">
+                  <a:lumMod val="85000"/>
+                </a:schemeClr>
+              </a:solidFill>
+            </a:ln>
+          </p:spPr>
+          <p:style>
+            <a:lnRef idx="1">
+              <a:schemeClr val="dk1"/>
+            </a:lnRef>
+            <a:fillRef idx="0">
+              <a:schemeClr val="dk1"/>
+            </a:fillRef>
+            <a:effectRef idx="0">
+              <a:schemeClr val="dk1"/>
+            </a:effectRef>
+            <a:fontRef idx="minor">
+              <a:schemeClr val="tx1"/>
+            </a:fontRef>
+          </p:style>
+        </p:cxnSp>
+        <p:cxnSp>
+          <p:nvCxnSpPr>
+            <p:cNvPr id="11" name="10 Conector recto"/>
+            <p:cNvCxnSpPr/>
+            <p:nvPr/>
+          </p:nvCxnSpPr>
+          <p:spPr>
+            <a:xfrm>
+              <a:off x="4276922" y="1491264"/>
+              <a:ext cx="0" cy="3377896"/>
+            </a:xfrm>
+            <a:prstGeom prst="line">
+              <a:avLst/>
+            </a:prstGeom>
+            <a:ln>
+              <a:solidFill>
+                <a:schemeClr val="bg1"/>
+              </a:solidFill>
+            </a:ln>
+          </p:spPr>
+          <p:style>
+            <a:lnRef idx="1">
+              <a:schemeClr val="dk1"/>
+            </a:lnRef>
+            <a:fillRef idx="0">
+              <a:schemeClr val="dk1"/>
+            </a:fillRef>
+            <a:effectRef idx="0">
+              <a:schemeClr val="dk1"/>
+            </a:effectRef>
+            <a:fontRef idx="minor">
+              <a:schemeClr val="tx1"/>
+            </a:fontRef>
+          </p:style>
+        </p:cxnSp>
+      </p:grpSp>
       <p:sp>
         <p:nvSpPr>
           <p:cNvPr id="20" name="1 Título"/>
@@ -12494,7 +16892,7 @@
           <a:blip r:embed="rId4">
             <a:extLst>
               <a:ext uri="{28A0092B-C50C-407E-A947-70E740481C1C}">
-                <a14:useLocalDpi xmlns:a14="http://schemas.microsoft.com/office/drawing/2010/main"/>
+                <a14:useLocalDpi xmlns:a14="http://schemas.microsoft.com/office/drawing/2010/main" val="0"/>
               </a:ext>
             </a:extLst>
           </a:blip>
@@ -12548,7 +16946,7 @@
           <a:blip r:embed="rId4">
             <a:extLst>
               <a:ext uri="{28A0092B-C50C-407E-A947-70E740481C1C}">
-                <a14:useLocalDpi xmlns:a14="http://schemas.microsoft.com/office/drawing/2010/main"/>
+                <a14:useLocalDpi xmlns:a14="http://schemas.microsoft.com/office/drawing/2010/main" val="0"/>
               </a:ext>
             </a:extLst>
           </a:blip>
@@ -12859,7 +17257,7 @@
           <a:blip r:embed="rId5">
             <a:extLst>
               <a:ext uri="{28A0092B-C50C-407E-A947-70E740481C1C}">
-                <a14:useLocalDpi xmlns:a14="http://schemas.microsoft.com/office/drawing/2010/main"/>
+                <a14:useLocalDpi xmlns:a14="http://schemas.microsoft.com/office/drawing/2010/main" val="0"/>
               </a:ext>
             </a:extLst>
           </a:blip>
@@ -12912,10 +17310,10 @@
           <p:nvPr/>
         </p:nvPicPr>
         <p:blipFill>
-          <a:blip r:embed="rId6" cstate="screen">
+          <a:blip r:embed="rId6" cstate="print">
             <a:extLst>
               <a:ext uri="{28A0092B-C50C-407E-A947-70E740481C1C}">
-                <a14:useLocalDpi xmlns:a14="http://schemas.microsoft.com/office/drawing/2010/main"/>
+                <a14:useLocalDpi xmlns:a14="http://schemas.microsoft.com/office/drawing/2010/main" val="0"/>
               </a:ext>
             </a:extLst>
           </a:blip>
@@ -12968,10 +17366,10 @@
           <p:nvPr/>
         </p:nvPicPr>
         <p:blipFill>
-          <a:blip r:embed="rId7" cstate="screen">
+          <a:blip r:embed="rId7" cstate="print">
             <a:extLst>
               <a:ext uri="{28A0092B-C50C-407E-A947-70E740481C1C}">
-                <a14:useLocalDpi xmlns:a14="http://schemas.microsoft.com/office/drawing/2010/main"/>
+                <a14:useLocalDpi xmlns:a14="http://schemas.microsoft.com/office/drawing/2010/main" val="0"/>
               </a:ext>
             </a:extLst>
           </a:blip>
@@ -13025,7 +17423,7 @@
           <a:blip r:embed="rId8">
             <a:extLst>
               <a:ext uri="{28A0092B-C50C-407E-A947-70E740481C1C}">
-                <a14:useLocalDpi xmlns:a14="http://schemas.microsoft.com/office/drawing/2010/main"/>
+                <a14:useLocalDpi xmlns:a14="http://schemas.microsoft.com/office/drawing/2010/main" val="0"/>
               </a:ext>
             </a:extLst>
           </a:blip>
@@ -13109,6 +17507,9 @@
           <a:lstStyle/>
           <a:p>
             <a:pPr marL="216000" indent="-216000" algn="just">
+              <a:lnSpc>
+                <a:spcPct val="100000"/>
+              </a:lnSpc>
               <a:buClr>
                 <a:srgbClr val="808080"/>
               </a:buClr>
@@ -13117,7 +17518,7 @@
               <a:buChar char=""/>
             </a:pPr>
             <a:r>
-              <a:rPr lang="en-US" sz="2400" spc="-1" dirty="0">
+              <a:rPr lang="en-US" sz="2400" b="0" strike="noStrike" spc="-1" dirty="0">
                 <a:solidFill>
                   <a:srgbClr val="808080"/>
                 </a:solidFill>
@@ -13126,20 +17527,10 @@
                     <a:srgbClr val="FFFFFF"/>
                   </a:solidFill>
                 </a:uFill>
+                <a:latin typeface="Calibri"/>
               </a:rPr>
-              <a:t>Scrum</a:t>
+              <a:t>Gitlab</a:t>
             </a:r>
-            <a:endParaRPr lang="en-US" sz="2400" b="0" strike="noStrike" spc="-1" dirty="0">
-              <a:solidFill>
-                <a:srgbClr val="808080"/>
-              </a:solidFill>
-              <a:uFill>
-                <a:solidFill>
-                  <a:srgbClr val="FFFFFF"/>
-                </a:solidFill>
-              </a:uFill>
-              <a:latin typeface="Calibri"/>
-            </a:endParaRPr>
           </a:p>
           <a:p>
             <a:pPr marL="216000" indent="-216000" algn="just">
@@ -13165,7 +17556,34 @@
                 </a:uFill>
                 <a:latin typeface="Calibri"/>
               </a:rPr>
-              <a:t>Gitlab</a:t>
+              <a:t>SCRUM</a:t>
+            </a:r>
+          </a:p>
+          <a:p>
+            <a:pPr marL="216000" indent="-216000" algn="just">
+              <a:lnSpc>
+                <a:spcPct val="100000"/>
+              </a:lnSpc>
+              <a:buClr>
+                <a:srgbClr val="808080"/>
+              </a:buClr>
+              <a:buSzPct val="45000"/>
+              <a:buFont typeface="Wingdings" charset="2"/>
+              <a:buChar char=""/>
+            </a:pPr>
+            <a:r>
+              <a:rPr lang="en-US" sz="2400" spc="-1" dirty="0">
+                <a:solidFill>
+                  <a:srgbClr val="808080"/>
+                </a:solidFill>
+                <a:uFill>
+                  <a:solidFill>
+                    <a:srgbClr val="FFFFFF"/>
+                  </a:solidFill>
+                </a:uFill>
+                <a:latin typeface="Calibri"/>
+              </a:rPr>
+              <a:t>LIBGDX</a:t>
             </a:r>
           </a:p>
           <a:p>
@@ -13219,7 +17637,7 @@
                 </a:uFill>
                 <a:latin typeface="Calibri"/>
               </a:rPr>
-              <a:t>JUnit</a:t>
+              <a:t>Junit</a:t>
             </a:r>
           </a:p>
           <a:p>
@@ -13248,67 +17666,6 @@
               </a:rPr>
               <a:t>JavaDoc</a:t>
             </a:r>
-            <a:endParaRPr lang="en-US" sz="2400" b="0" strike="noStrike" spc="-1" dirty="0">
-              <a:solidFill>
-                <a:srgbClr val="808080"/>
-              </a:solidFill>
-              <a:uFill>
-                <a:solidFill>
-                  <a:srgbClr val="FFFFFF"/>
-                </a:solidFill>
-              </a:uFill>
-              <a:latin typeface="Calibri"/>
-            </a:endParaRPr>
-          </a:p>
-          <a:p>
-            <a:pPr marL="216000" indent="-216000" algn="just">
-              <a:lnSpc>
-                <a:spcPct val="100000"/>
-              </a:lnSpc>
-              <a:buClr>
-                <a:srgbClr val="808080"/>
-              </a:buClr>
-              <a:buSzPct val="45000"/>
-              <a:buFont typeface="Wingdings" charset="2"/>
-              <a:buChar char=""/>
-            </a:pPr>
-            <a:r>
-              <a:rPr lang="en-US" sz="2400" spc="-1" dirty="0" err="1">
-                <a:solidFill>
-                  <a:srgbClr val="808080"/>
-                </a:solidFill>
-                <a:uFill>
-                  <a:solidFill>
-                    <a:srgbClr val="FFFFFF"/>
-                  </a:solidFill>
-                </a:uFill>
-              </a:rPr>
-              <a:t>LibGDX</a:t>
-            </a:r>
-            <a:endParaRPr lang="en-US" sz="2400" b="0" strike="noStrike" spc="-1" dirty="0">
-              <a:solidFill>
-                <a:srgbClr val="808080"/>
-              </a:solidFill>
-              <a:uFill>
-                <a:solidFill>
-                  <a:srgbClr val="FFFFFF"/>
-                </a:solidFill>
-              </a:uFill>
-              <a:latin typeface="Calibri"/>
-            </a:endParaRPr>
-          </a:p>
-          <a:p>
-            <a:pPr marL="216000" indent="-216000" algn="just">
-              <a:lnSpc>
-                <a:spcPct val="100000"/>
-              </a:lnSpc>
-              <a:buClr>
-                <a:srgbClr val="808080"/>
-              </a:buClr>
-              <a:buSzPct val="45000"/>
-              <a:buFont typeface="Wingdings" charset="2"/>
-              <a:buChar char=""/>
-            </a:pPr>
             <a:endParaRPr lang="en-US" sz="3200" b="0" strike="noStrike" spc="-1" dirty="0">
               <a:solidFill>
                 <a:srgbClr val="000000"/>
@@ -13333,6 +17690,335 @@
   <p:clrMapOvr>
     <a:masterClrMapping/>
   </p:clrMapOvr>
+  <p:timing>
+    <p:tnLst>
+      <p:par>
+        <p:cTn id="1" dur="indefinite" restart="never" nodeType="tmRoot">
+          <p:childTnLst>
+            <p:seq concurrent="1" nextAc="seek">
+              <p:cTn id="2" dur="indefinite" nodeType="mainSeq">
+                <p:childTnLst>
+                  <p:par>
+                    <p:cTn id="3" fill="hold" nodeType="clickPar">
+                      <p:stCondLst>
+                        <p:cond delay="indefinite"/>
+                        <p:cond evt="onBegin" delay="0">
+                          <p:tn val="2"/>
+                        </p:cond>
+                      </p:stCondLst>
+                      <p:childTnLst>
+                        <p:par>
+                          <p:cTn id="4" fill="hold" nodeType="withGroup">
+                            <p:stCondLst>
+                              <p:cond delay="0"/>
+                            </p:stCondLst>
+                            <p:childTnLst>
+                              <p:par>
+                                <p:cTn id="5" presetID="29" presetClass="entr" presetSubtype="0" fill="hold" grpId="0" nodeType="withEffect">
+                                  <p:stCondLst>
+                                    <p:cond delay="0"/>
+                                  </p:stCondLst>
+                                  <p:childTnLst>
+                                    <p:set>
+                                      <p:cBhvr>
+                                        <p:cTn id="6" dur="1" fill="hold">
+                                          <p:stCondLst>
+                                            <p:cond delay="0"/>
+                                          </p:stCondLst>
+                                        </p:cTn>
+                                        <p:tgtEl>
+                                          <p:spTgt spid="20"/>
+                                        </p:tgtEl>
+                                        <p:attrNameLst>
+                                          <p:attrName>style.visibility</p:attrName>
+                                        </p:attrNameLst>
+                                      </p:cBhvr>
+                                      <p:to>
+                                        <p:strVal val="visible"/>
+                                      </p:to>
+                                    </p:set>
+                                    <p:anim calcmode="lin" valueType="num">
+                                      <p:cBhvr>
+                                        <p:cTn id="7" dur="1000" fill="hold"/>
+                                        <p:tgtEl>
+                                          <p:spTgt spid="20"/>
+                                        </p:tgtEl>
+                                        <p:attrNameLst>
+                                          <p:attrName>ppt_x</p:attrName>
+                                        </p:attrNameLst>
+                                      </p:cBhvr>
+                                      <p:tavLst>
+                                        <p:tav tm="0">
+                                          <p:val>
+                                            <p:strVal val="#ppt_x-.2"/>
+                                          </p:val>
+                                        </p:tav>
+                                        <p:tav tm="100000">
+                                          <p:val>
+                                            <p:strVal val="#ppt_x"/>
+                                          </p:val>
+                                        </p:tav>
+                                      </p:tavLst>
+                                    </p:anim>
+                                    <p:anim calcmode="lin" valueType="num">
+                                      <p:cBhvr>
+                                        <p:cTn id="8" dur="1000" fill="hold"/>
+                                        <p:tgtEl>
+                                          <p:spTgt spid="20"/>
+                                        </p:tgtEl>
+                                        <p:attrNameLst>
+                                          <p:attrName>ppt_y</p:attrName>
+                                        </p:attrNameLst>
+                                      </p:cBhvr>
+                                      <p:tavLst>
+                                        <p:tav tm="0">
+                                          <p:val>
+                                            <p:strVal val="#ppt_y"/>
+                                          </p:val>
+                                        </p:tav>
+                                        <p:tav tm="100000">
+                                          <p:val>
+                                            <p:strVal val="#ppt_y"/>
+                                          </p:val>
+                                        </p:tav>
+                                      </p:tavLst>
+                                    </p:anim>
+                                    <p:animEffect transition="in" filter="wipe(right)" prLst="gradientSize: 0.1">
+                                      <p:cBhvr>
+                                        <p:cTn id="9" dur="1000"/>
+                                        <p:tgtEl>
+                                          <p:spTgt spid="20"/>
+                                        </p:tgtEl>
+                                      </p:cBhvr>
+                                    </p:animEffect>
+                                  </p:childTnLst>
+                                </p:cTn>
+                              </p:par>
+                              <p:par>
+                                <p:cTn id="10" presetID="29" presetClass="entr" presetSubtype="0" fill="hold" grpId="0" nodeType="withEffect">
+                                  <p:stCondLst>
+                                    <p:cond delay="0"/>
+                                  </p:stCondLst>
+                                  <p:childTnLst>
+                                    <p:set>
+                                      <p:cBhvr>
+                                        <p:cTn id="11" dur="1" fill="hold">
+                                          <p:stCondLst>
+                                            <p:cond delay="0"/>
+                                          </p:stCondLst>
+                                        </p:cTn>
+                                        <p:tgtEl>
+                                          <p:spTgt spid="7"/>
+                                        </p:tgtEl>
+                                        <p:attrNameLst>
+                                          <p:attrName>style.visibility</p:attrName>
+                                        </p:attrNameLst>
+                                      </p:cBhvr>
+                                      <p:to>
+                                        <p:strVal val="visible"/>
+                                      </p:to>
+                                    </p:set>
+                                    <p:anim calcmode="lin" valueType="num">
+                                      <p:cBhvr>
+                                        <p:cTn id="12" dur="1000" fill="hold"/>
+                                        <p:tgtEl>
+                                          <p:spTgt spid="7"/>
+                                        </p:tgtEl>
+                                        <p:attrNameLst>
+                                          <p:attrName>ppt_x</p:attrName>
+                                        </p:attrNameLst>
+                                      </p:cBhvr>
+                                      <p:tavLst>
+                                        <p:tav tm="0">
+                                          <p:val>
+                                            <p:strVal val="#ppt_x-.2"/>
+                                          </p:val>
+                                        </p:tav>
+                                        <p:tav tm="100000">
+                                          <p:val>
+                                            <p:strVal val="#ppt_x"/>
+                                          </p:val>
+                                        </p:tav>
+                                      </p:tavLst>
+                                    </p:anim>
+                                    <p:anim calcmode="lin" valueType="num">
+                                      <p:cBhvr>
+                                        <p:cTn id="13" dur="1000" fill="hold"/>
+                                        <p:tgtEl>
+                                          <p:spTgt spid="7"/>
+                                        </p:tgtEl>
+                                        <p:attrNameLst>
+                                          <p:attrName>ppt_y</p:attrName>
+                                        </p:attrNameLst>
+                                      </p:cBhvr>
+                                      <p:tavLst>
+                                        <p:tav tm="0">
+                                          <p:val>
+                                            <p:strVal val="#ppt_y"/>
+                                          </p:val>
+                                        </p:tav>
+                                        <p:tav tm="100000">
+                                          <p:val>
+                                            <p:strVal val="#ppt_y"/>
+                                          </p:val>
+                                        </p:tav>
+                                      </p:tavLst>
+                                    </p:anim>
+                                    <p:animEffect transition="in" filter="wipe(right)" prLst="gradientSize: 0.1">
+                                      <p:cBhvr>
+                                        <p:cTn id="14" dur="1000"/>
+                                        <p:tgtEl>
+                                          <p:spTgt spid="7"/>
+                                        </p:tgtEl>
+                                      </p:cBhvr>
+                                    </p:animEffect>
+                                  </p:childTnLst>
+                                </p:cTn>
+                              </p:par>
+                              <p:par>
+                                <p:cTn id="15" presetID="10" presetClass="entr" presetSubtype="0" fill="hold" grpId="0" nodeType="withEffect">
+                                  <p:stCondLst>
+                                    <p:cond delay="0"/>
+                                  </p:stCondLst>
+                                  <p:childTnLst>
+                                    <p:set>
+                                      <p:cBhvr>
+                                        <p:cTn id="16" dur="1" fill="hold">
+                                          <p:stCondLst>
+                                            <p:cond delay="0"/>
+                                          </p:stCondLst>
+                                        </p:cTn>
+                                        <p:tgtEl>
+                                          <p:spTgt spid="24"/>
+                                        </p:tgtEl>
+                                        <p:attrNameLst>
+                                          <p:attrName>style.visibility</p:attrName>
+                                        </p:attrNameLst>
+                                      </p:cBhvr>
+                                      <p:to>
+                                        <p:strVal val="visible"/>
+                                      </p:to>
+                                    </p:set>
+                                    <p:animEffect transition="in" filter="fade">
+                                      <p:cBhvr>
+                                        <p:cTn id="17" dur="2000"/>
+                                        <p:tgtEl>
+                                          <p:spTgt spid="24"/>
+                                        </p:tgtEl>
+                                      </p:cBhvr>
+                                    </p:animEffect>
+                                  </p:childTnLst>
+                                </p:cTn>
+                              </p:par>
+                              <p:par>
+                                <p:cTn id="18" presetID="10" presetClass="entr" presetSubtype="0" fill="hold" grpId="0" nodeType="withEffect" nodePh="1">
+                                  <p:stCondLst>
+                                    <p:cond delay="0"/>
+                                  </p:stCondLst>
+                                  <p:endCondLst>
+                                    <p:cond evt="begin" delay="0">
+                                      <p:tn val="18"/>
+                                    </p:cond>
+                                  </p:endCondLst>
+                                  <p:childTnLst>
+                                    <p:set>
+                                      <p:cBhvr>
+                                        <p:cTn id="19" dur="1" fill="hold">
+                                          <p:stCondLst>
+                                            <p:cond delay="0"/>
+                                          </p:stCondLst>
+                                        </p:cTn>
+                                        <p:tgtEl>
+                                          <p:spTgt spid="26"/>
+                                        </p:tgtEl>
+                                        <p:attrNameLst>
+                                          <p:attrName>style.visibility</p:attrName>
+                                        </p:attrNameLst>
+                                      </p:cBhvr>
+                                      <p:to>
+                                        <p:strVal val="visible"/>
+                                      </p:to>
+                                    </p:set>
+                                    <p:animEffect transition="in" filter="fade">
+                                      <p:cBhvr>
+                                        <p:cTn id="20" dur="2000"/>
+                                        <p:tgtEl>
+                                          <p:spTgt spid="26"/>
+                                        </p:tgtEl>
+                                      </p:cBhvr>
+                                    </p:animEffect>
+                                  </p:childTnLst>
+                                </p:cTn>
+                              </p:par>
+                              <p:par>
+                                <p:cTn id="21" presetID="10" presetClass="entr" fill="hold" nodeType="withEffect">
+                                  <p:stCondLst>
+                                    <p:cond delay="0"/>
+                                  </p:stCondLst>
+                                  <p:childTnLst>
+                                    <p:set>
+                                      <p:cBhvr>
+                                        <p:cTn id="22" dur="1" fill="hold">
+                                          <p:stCondLst>
+                                            <p:cond delay="0"/>
+                                          </p:stCondLst>
+                                        </p:cTn>
+                                        <p:tgtEl>
+                                          <p:spTgt spid="21"/>
+                                        </p:tgtEl>
+                                        <p:attrNameLst>
+                                          <p:attrName>style.visibility</p:attrName>
+                                        </p:attrNameLst>
+                                      </p:cBhvr>
+                                      <p:to>
+                                        <p:strVal val="visible"/>
+                                      </p:to>
+                                    </p:set>
+                                    <p:animEffect transition="in" filter="fade">
+                                      <p:cBhvr additive="repl">
+                                        <p:cTn id="23" dur="2000"/>
+                                        <p:tgtEl>
+                                          <p:spTgt spid="21"/>
+                                        </p:tgtEl>
+                                      </p:cBhvr>
+                                    </p:animEffect>
+                                  </p:childTnLst>
+                                </p:cTn>
+                              </p:par>
+                            </p:childTnLst>
+                          </p:cTn>
+                        </p:par>
+                      </p:childTnLst>
+                    </p:cTn>
+                  </p:par>
+                </p:childTnLst>
+              </p:cTn>
+              <p:prevCondLst>
+                <p:cond evt="onPrev" delay="0">
+                  <p:tgtEl>
+                    <p:sldTgt/>
+                  </p:tgtEl>
+                </p:cond>
+              </p:prevCondLst>
+              <p:nextCondLst>
+                <p:cond evt="onNext" delay="0">
+                  <p:tgtEl>
+                    <p:sldTgt/>
+                  </p:tgtEl>
+                </p:cond>
+              </p:nextCondLst>
+            </p:seq>
+          </p:childTnLst>
+        </p:cTn>
+      </p:par>
+    </p:tnLst>
+    <p:bldLst>
+      <p:bldP spid="7" grpId="0"/>
+      <p:bldP spid="20" grpId="0"/>
+      <p:bldP spid="24" grpId="0"/>
+      <p:bldP spid="26" grpId="0"/>
+    </p:bldLst>
+  </p:timing>
 </p:sld>
 </file>
 
@@ -13366,7 +18052,7 @@
       </p:grpSpPr>
       <p:pic>
         <p:nvPicPr>
-          <p:cNvPr id="284" name="Imagen 5"/>
+          <p:cNvPr id="187" name="Imagen 5"/>
           <p:cNvPicPr/>
           <p:nvPr/>
         </p:nvPicPr>
@@ -13389,14 +18075,14 @@
       </p:pic>
       <p:sp>
         <p:nvSpPr>
-          <p:cNvPr id="285" name="CustomShape 1"/>
+          <p:cNvPr id="188" name="CustomShape 1"/>
           <p:cNvSpPr/>
           <p:nvPr/>
         </p:nvSpPr>
         <p:spPr>
           <a:xfrm>
             <a:off x="398520" y="260280"/>
-            <a:ext cx="5109840" cy="863280"/>
+            <a:ext cx="7413480" cy="863280"/>
           </a:xfrm>
           <a:prstGeom prst="rect">
             <a:avLst/>
@@ -13456,7 +18142,45 @@
                 </a:uFill>
                 <a:latin typeface="Rockwell"/>
               </a:rPr>
-              <a:t>Retrospective</a:t>
+              <a:t>THE GOOD</a:t>
+            </a:r>
+            <a:r>
+              <a:rPr kumimoji="0" lang="en-US" sz="2800" b="1" i="0" u="none" strike="noStrike" kern="1200" cap="none" spc="-1" normalizeH="0" baseline="0" noProof="0">
+                <a:ln>
+                  <a:noFill/>
+                </a:ln>
+                <a:solidFill>
+                  <a:srgbClr val="404040"/>
+                </a:solidFill>
+                <a:effectLst/>
+                <a:uLnTx/>
+                <a:uFill>
+                  <a:solidFill>
+                    <a:srgbClr val="FFFFFF"/>
+                  </a:solidFill>
+                </a:uFill>
+                <a:latin typeface="Rockwell"/>
+              </a:rPr>
+              <a:t>,</a:t>
+            </a:r>
+            <a:r>
+              <a:rPr kumimoji="0" lang="en-US" sz="4930" b="1" i="0" u="none" strike="noStrike" kern="1200" cap="none" spc="-1" normalizeH="0" baseline="0" noProof="0">
+                <a:ln>
+                  <a:noFill/>
+                </a:ln>
+                <a:solidFill>
+                  <a:srgbClr val="404040"/>
+                </a:solidFill>
+                <a:effectLst/>
+                <a:uLnTx/>
+                <a:uFill>
+                  <a:solidFill>
+                    <a:srgbClr val="FFFFFF"/>
+                  </a:solidFill>
+                </a:uFill>
+                <a:latin typeface="Rockwell"/>
+              </a:rPr>
+              <a:t> THE BAD</a:t>
             </a:r>
             <a:endParaRPr kumimoji="0" lang="en-US" sz="1800" b="0" i="0" u="none" strike="noStrike" kern="1200" cap="none" spc="-1" normalizeH="0" baseline="0" noProof="0">
               <a:ln>
@@ -13479,14 +18203,14 @@
       </p:sp>
       <p:sp>
         <p:nvSpPr>
-          <p:cNvPr id="286" name="CustomShape 2"/>
+          <p:cNvPr id="189" name="CustomShape 2"/>
           <p:cNvSpPr/>
           <p:nvPr/>
         </p:nvSpPr>
         <p:spPr>
           <a:xfrm>
             <a:off x="395280" y="736560"/>
-            <a:ext cx="5832360" cy="863280"/>
+            <a:ext cx="7056720" cy="863280"/>
           </a:xfrm>
           <a:prstGeom prst="rect">
             <a:avLst/>
@@ -13535,7 +18259,7 @@
                   <a:noFill/>
                 </a:ln>
                 <a:solidFill>
-                  <a:srgbClr val="FFC000"/>
+                  <a:srgbClr val="404040"/>
                 </a:solidFill>
                 <a:effectLst/>
                 <a:uLnTx/>
@@ -13546,7 +18270,26 @@
                 </a:uFill>
                 <a:latin typeface="Rockwell"/>
               </a:rPr>
-              <a:t>SUMMARY</a:t>
+              <a:t>THE </a:t>
+            </a:r>
+            <a:r>
+              <a:rPr kumimoji="0" lang="en-US" sz="3600" b="1" i="0" u="none" strike="noStrike" kern="1200" cap="none" spc="-1" normalizeH="0" baseline="0" noProof="0">
+                <a:ln>
+                  <a:noFill/>
+                </a:ln>
+                <a:solidFill>
+                  <a:srgbClr val="FFC000"/>
+                </a:solidFill>
+                <a:effectLst/>
+                <a:uLnTx/>
+                <a:uFill>
+                  <a:solidFill>
+                    <a:srgbClr val="FFFFFF"/>
+                  </a:solidFill>
+                </a:uFill>
+                <a:latin typeface="Rockwell"/>
+              </a:rPr>
+              <a:t>UGLY</a:t>
             </a:r>
             <a:endParaRPr kumimoji="0" lang="en-US" sz="1800" b="0" i="0" u="none" strike="noStrike" kern="1200" cap="none" spc="-1" normalizeH="0" baseline="0" noProof="0">
               <a:ln>
@@ -13569,13 +18312,13 @@
       </p:sp>
       <p:sp>
         <p:nvSpPr>
-          <p:cNvPr id="287" name="CustomShape 3"/>
+          <p:cNvPr id="190" name="CustomShape 3"/>
           <p:cNvSpPr/>
           <p:nvPr/>
         </p:nvSpPr>
         <p:spPr>
           <a:xfrm>
-            <a:off x="484200" y="1298520"/>
+            <a:off x="395280" y="1298520"/>
             <a:ext cx="4519080" cy="474480"/>
           </a:xfrm>
           <a:prstGeom prst="rect">
@@ -13636,7 +18379,7 @@
                 </a:uFill>
                 <a:latin typeface="Rockwell"/>
               </a:rPr>
-              <a:t>Results of this project</a:t>
+              <a:t>Our good and bad moments</a:t>
             </a:r>
             <a:endParaRPr kumimoji="0" lang="en-US" sz="1800" b="0" i="0" u="none" strike="noStrike" kern="1200" cap="none" spc="-1" normalizeH="0" baseline="0" noProof="0">
               <a:ln>
@@ -13659,7 +18402,7 @@
       </p:sp>
       <p:pic>
         <p:nvPicPr>
-          <p:cNvPr id="288" name="27 Imagen"/>
+          <p:cNvPr id="191" name="27 Imagen"/>
           <p:cNvPicPr/>
           <p:nvPr/>
         </p:nvPicPr>
@@ -13682,7 +18425,7 @@
       </p:pic>
       <p:pic>
         <p:nvPicPr>
-          <p:cNvPr id="289" name="28 Imagen"/>
+          <p:cNvPr id="192" name="28 Imagen"/>
           <p:cNvPicPr/>
           <p:nvPr/>
         </p:nvPicPr>
@@ -13692,7 +18435,7 @@
         </p:blipFill>
         <p:spPr>
           <a:xfrm>
-            <a:off x="4741920" y="6170760"/>
+            <a:off x="4716016" y="6170760"/>
             <a:ext cx="363240" cy="302760"/>
           </a:xfrm>
           <a:prstGeom prst="rect">
@@ -13705,7 +18448,7 @@
       </p:pic>
       <p:sp>
         <p:nvSpPr>
-          <p:cNvPr id="290" name="CustomShape 4"/>
+          <p:cNvPr id="193" name="CustomShape 4"/>
           <p:cNvSpPr/>
           <p:nvPr/>
         </p:nvSpPr>
@@ -13756,15 +18499,10 @@
               <a:defRPr/>
             </a:pPr>
             <a:r>
-              <a:rPr kumimoji="0" lang="en-US" sz="1200" b="1" i="0" u="none" strike="noStrike" kern="1200" cap="none" spc="-1" normalizeH="0" baseline="0" noProof="0">
-                <a:ln>
-                  <a:noFill/>
-                </a:ln>
+              <a:rPr lang="en-US" sz="1200" b="1" spc="-1" dirty="0">
                 <a:solidFill>
                   <a:srgbClr val="FFC000"/>
                 </a:solidFill>
-                <a:effectLst/>
-                <a:uLnTx/>
                 <a:uFill>
                   <a:solidFill>
                     <a:srgbClr val="FFFFFF"/>
@@ -13774,7 +18512,7 @@
               </a:rPr>
               <a:t>8</a:t>
             </a:r>
-            <a:endParaRPr kumimoji="0" lang="en-US" sz="1800" b="0" i="0" u="none" strike="noStrike" kern="1200" cap="none" spc="-1" normalizeH="0" baseline="0" noProof="0">
+            <a:endParaRPr kumimoji="0" lang="en-US" sz="1800" b="0" i="0" u="none" strike="noStrike" kern="1200" cap="none" spc="-1" normalizeH="0" baseline="0" noProof="0" dirty="0">
               <a:ln>
                 <a:noFill/>
               </a:ln>
@@ -13795,7 +18533,7 @@
       </p:sp>
       <p:sp>
         <p:nvSpPr>
-          <p:cNvPr id="291" name="CustomShape 5"/>
+          <p:cNvPr id="194" name="CustomShape 5"/>
           <p:cNvSpPr/>
           <p:nvPr/>
         </p:nvSpPr>
@@ -13885,7 +18623,7 @@
       </p:sp>
       <p:sp>
         <p:nvSpPr>
-          <p:cNvPr id="292" name="CustomShape 6"/>
+          <p:cNvPr id="195" name="CustomShape 6"/>
           <p:cNvSpPr/>
           <p:nvPr/>
         </p:nvSpPr>
@@ -13936,12 +18674,191 @@
               <a:defRPr/>
             </a:pPr>
             <a:r>
-              <a:rPr kumimoji="0" lang="en-US" sz="1200" b="1" i="0" u="none" strike="noStrike" kern="1200" cap="none" spc="-1" normalizeH="0" baseline="0" noProof="0">
+              <a:rPr lang="en-US" sz="1200" b="1" spc="-1" dirty="0">
+                <a:solidFill>
+                  <a:srgbClr val="808080"/>
+                </a:solidFill>
+                <a:uFill>
+                  <a:solidFill>
+                    <a:srgbClr val="FFFFFF"/>
+                  </a:solidFill>
+                </a:uFill>
+                <a:latin typeface="Calibri"/>
+              </a:rPr>
+              <a:t>9</a:t>
+            </a:r>
+            <a:endParaRPr kumimoji="0" lang="en-US" sz="1800" b="0" i="0" u="none" strike="noStrike" kern="1200" cap="none" spc="-1" normalizeH="0" baseline="0" noProof="0" dirty="0">
+              <a:ln>
+                <a:noFill/>
+              </a:ln>
+              <a:solidFill>
+                <a:srgbClr val="000000"/>
+              </a:solidFill>
+              <a:effectLst/>
+              <a:uLnTx/>
+              <a:uFill>
+                <a:solidFill>
+                  <a:srgbClr val="FFFFFF"/>
+                </a:solidFill>
+              </a:uFill>
+              <a:latin typeface="Arial"/>
+            </a:endParaRPr>
+          </a:p>
+        </p:txBody>
+      </p:sp>
+      <p:pic>
+        <p:nvPicPr>
+          <p:cNvPr id="196" name="Imagen 5"/>
+          <p:cNvPicPr/>
+          <p:nvPr/>
+        </p:nvPicPr>
+        <p:blipFill>
+          <a:blip r:embed="rId5"/>
+          <a:stretch/>
+        </p:blipFill>
+        <p:spPr>
+          <a:xfrm>
+            <a:off x="5127480" y="5983200"/>
+            <a:ext cx="763200" cy="720360"/>
+          </a:xfrm>
+          <a:prstGeom prst="rect">
+            <a:avLst/>
+          </a:prstGeom>
+          <a:ln>
+            <a:noFill/>
+          </a:ln>
+        </p:spPr>
+      </p:pic>
+      <p:pic>
+        <p:nvPicPr>
+          <p:cNvPr id="197" name="Imagen 6"/>
+          <p:cNvPicPr/>
+          <p:nvPr/>
+        </p:nvPicPr>
+        <p:blipFill>
+          <a:blip r:embed="rId6"/>
+          <a:stretch/>
+        </p:blipFill>
+        <p:spPr>
+          <a:xfrm>
+            <a:off x="5124600" y="6251400"/>
+            <a:ext cx="177480" cy="175680"/>
+          </a:xfrm>
+          <a:prstGeom prst="rect">
+            <a:avLst/>
+          </a:prstGeom>
+          <a:ln>
+            <a:noFill/>
+          </a:ln>
+        </p:spPr>
+      </p:pic>
+      <p:pic>
+        <p:nvPicPr>
+          <p:cNvPr id="198" name="Imagen 6"/>
+          <p:cNvPicPr/>
+          <p:nvPr/>
+        </p:nvPicPr>
+        <p:blipFill>
+          <a:blip r:embed="rId7"/>
+          <a:stretch/>
+        </p:blipFill>
+        <p:spPr>
+          <a:xfrm>
+            <a:off x="3933720" y="6251400"/>
+            <a:ext cx="175680" cy="175680"/>
+          </a:xfrm>
+          <a:prstGeom prst="rect">
+            <a:avLst/>
+          </a:prstGeom>
+          <a:ln>
+            <a:noFill/>
+          </a:ln>
+        </p:spPr>
+      </p:pic>
+      <p:pic>
+        <p:nvPicPr>
+          <p:cNvPr id="199" name="Imagen 5"/>
+          <p:cNvPicPr/>
+          <p:nvPr/>
+        </p:nvPicPr>
+        <p:blipFill>
+          <a:blip r:embed="rId8"/>
+          <a:stretch/>
+        </p:blipFill>
+        <p:spPr>
+          <a:xfrm>
+            <a:off x="1649520" y="5756400"/>
+            <a:ext cx="1193400" cy="1128240"/>
+          </a:xfrm>
+          <a:prstGeom prst="rect">
+            <a:avLst/>
+          </a:prstGeom>
+          <a:ln>
+            <a:noFill/>
+          </a:ln>
+        </p:spPr>
+      </p:pic>
+      <p:sp>
+        <p:nvSpPr>
+          <p:cNvPr id="200" name="CustomShape 7"/>
+          <p:cNvSpPr/>
+          <p:nvPr/>
+        </p:nvSpPr>
+        <p:spPr>
+          <a:xfrm>
+            <a:off x="441360" y="3749040"/>
+            <a:ext cx="3338552" cy="1523520"/>
+          </a:xfrm>
+          <a:prstGeom prst="rect">
+            <a:avLst/>
+          </a:prstGeom>
+          <a:noFill/>
+          <a:ln>
+            <a:noFill/>
+          </a:ln>
+        </p:spPr>
+        <p:style>
+          <a:lnRef idx="0">
+            <a:scrgbClr r="0" g="0" b="0"/>
+          </a:lnRef>
+          <a:fillRef idx="0">
+            <a:scrgbClr r="0" g="0" b="0"/>
+          </a:fillRef>
+          <a:effectRef idx="0">
+            <a:scrgbClr r="0" g="0" b="0"/>
+          </a:effectRef>
+          <a:fontRef idx="minor"/>
+        </p:style>
+        <p:txBody>
+          <a:bodyPr lIns="90000" tIns="45000" rIns="90000" bIns="45000"/>
+          <a:lstStyle/>
+          <a:p>
+            <a:pPr marL="216000" marR="0" lvl="0" indent="-216000" algn="l" defTabSz="914400" rtl="0" eaLnBrk="1" fontAlgn="auto" latinLnBrk="0" hangingPunct="1">
+              <a:lnSpc>
+                <a:spcPct val="120000"/>
+              </a:lnSpc>
+              <a:spcBef>
+                <a:spcPts val="0"/>
+              </a:spcBef>
+              <a:spcAft>
+                <a:spcPts val="0"/>
+              </a:spcAft>
+              <a:buClr>
+                <a:srgbClr val="5F5F5F"/>
+              </a:buClr>
+              <a:buSzPct val="45000"/>
+              <a:buFont typeface="Wingdings" charset="2"/>
+              <a:buChar char=""/>
+              <a:tabLst/>
+              <a:defRPr/>
+            </a:pPr>
+            <a:r>
+              <a:rPr kumimoji="0" lang="en-US" sz="1200" b="0" i="0" u="none" strike="noStrike" kern="1200" cap="none" spc="-1" normalizeH="0" baseline="0" noProof="0" dirty="0">
                 <a:ln>
                   <a:noFill/>
                 </a:ln>
                 <a:solidFill>
-                  <a:srgbClr val="808080"/>
+                  <a:srgbClr val="5F5F5F"/>
                 </a:solidFill>
                 <a:effectLst/>
                 <a:uLnTx/>
@@ -13952,7 +18869,244 @@
                 </a:uFill>
                 <a:latin typeface="Calibri"/>
               </a:rPr>
-              <a:t>8</a:t>
+              <a:t>Quick to get organized, assigning roles</a:t>
+            </a:r>
+            <a:endParaRPr kumimoji="0" lang="en-US" sz="1800" b="0" i="0" u="none" strike="noStrike" kern="1200" cap="none" spc="-1" normalizeH="0" baseline="0" noProof="0" dirty="0">
+              <a:ln>
+                <a:noFill/>
+              </a:ln>
+              <a:solidFill>
+                <a:srgbClr val="000000"/>
+              </a:solidFill>
+              <a:effectLst/>
+              <a:uLnTx/>
+              <a:uFill>
+                <a:solidFill>
+                  <a:srgbClr val="FFFFFF"/>
+                </a:solidFill>
+              </a:uFill>
+              <a:latin typeface="Arial"/>
+            </a:endParaRPr>
+          </a:p>
+          <a:p>
+            <a:pPr marL="216000" marR="0" lvl="0" indent="-216000" algn="just" defTabSz="914400" rtl="0" eaLnBrk="1" fontAlgn="auto" latinLnBrk="0" hangingPunct="1">
+              <a:lnSpc>
+                <a:spcPct val="120000"/>
+              </a:lnSpc>
+              <a:spcBef>
+                <a:spcPts val="0"/>
+              </a:spcBef>
+              <a:spcAft>
+                <a:spcPts val="0"/>
+              </a:spcAft>
+              <a:buClr>
+                <a:srgbClr val="5F5F5F"/>
+              </a:buClr>
+              <a:buSzPct val="45000"/>
+              <a:buFont typeface="Wingdings" charset="2"/>
+              <a:buChar char=""/>
+              <a:tabLst/>
+              <a:defRPr/>
+            </a:pPr>
+            <a:r>
+              <a:rPr kumimoji="0" lang="en-US" sz="1200" b="0" i="0" u="none" strike="noStrike" kern="1200" cap="none" spc="-1" normalizeH="0" baseline="0" noProof="0" dirty="0">
+                <a:ln>
+                  <a:noFill/>
+                </a:ln>
+                <a:solidFill>
+                  <a:srgbClr val="5F5F5F"/>
+                </a:solidFill>
+                <a:effectLst/>
+                <a:uLnTx/>
+                <a:uFill>
+                  <a:solidFill>
+                    <a:srgbClr val="FFFFFF"/>
+                  </a:solidFill>
+                </a:uFill>
+                <a:latin typeface="Calibri"/>
+              </a:rPr>
+              <a:t>High team spirit</a:t>
+            </a:r>
+            <a:endParaRPr kumimoji="0" lang="en-US" sz="1800" b="0" i="0" u="none" strike="noStrike" kern="1200" cap="none" spc="-1" normalizeH="0" baseline="0" noProof="0" dirty="0">
+              <a:ln>
+                <a:noFill/>
+              </a:ln>
+              <a:solidFill>
+                <a:srgbClr val="000000"/>
+              </a:solidFill>
+              <a:effectLst/>
+              <a:uLnTx/>
+              <a:uFill>
+                <a:solidFill>
+                  <a:srgbClr val="FFFFFF"/>
+                </a:solidFill>
+              </a:uFill>
+              <a:latin typeface="Arial"/>
+            </a:endParaRPr>
+          </a:p>
+          <a:p>
+            <a:pPr marL="216000" marR="0" lvl="0" indent="-216000" algn="l" defTabSz="914400" rtl="0" eaLnBrk="1" fontAlgn="auto" latinLnBrk="0" hangingPunct="1">
+              <a:lnSpc>
+                <a:spcPct val="120000"/>
+              </a:lnSpc>
+              <a:spcBef>
+                <a:spcPts val="0"/>
+              </a:spcBef>
+              <a:spcAft>
+                <a:spcPts val="0"/>
+              </a:spcAft>
+              <a:buClr>
+                <a:srgbClr val="5F5F5F"/>
+              </a:buClr>
+              <a:buSzPct val="45000"/>
+              <a:buFont typeface="Wingdings" charset="2"/>
+              <a:buChar char=""/>
+              <a:tabLst/>
+              <a:defRPr/>
+            </a:pPr>
+            <a:r>
+              <a:rPr kumimoji="0" lang="en-US" sz="1200" b="0" i="0" u="none" strike="noStrike" kern="1200" cap="none" spc="-1" normalizeH="0" baseline="0" noProof="0" dirty="0">
+                <a:ln>
+                  <a:noFill/>
+                </a:ln>
+                <a:solidFill>
+                  <a:srgbClr val="5F5F5F"/>
+                </a:solidFill>
+                <a:effectLst/>
+                <a:uLnTx/>
+                <a:uFill>
+                  <a:solidFill>
+                    <a:srgbClr val="FFFFFF"/>
+                  </a:solidFill>
+                </a:uFill>
+                <a:latin typeface="Calibri"/>
+              </a:rPr>
+              <a:t>Good overall team competence</a:t>
+            </a:r>
+          </a:p>
+          <a:p>
+            <a:pPr marL="216000" marR="0" lvl="0" indent="-216000" algn="l" defTabSz="914400" rtl="0" eaLnBrk="1" fontAlgn="auto" latinLnBrk="0" hangingPunct="1">
+              <a:lnSpc>
+                <a:spcPct val="120000"/>
+              </a:lnSpc>
+              <a:spcBef>
+                <a:spcPts val="0"/>
+              </a:spcBef>
+              <a:spcAft>
+                <a:spcPts val="0"/>
+              </a:spcAft>
+              <a:buClr>
+                <a:srgbClr val="5F5F5F"/>
+              </a:buClr>
+              <a:buSzPct val="45000"/>
+              <a:buFont typeface="Wingdings" charset="2"/>
+              <a:buChar char=""/>
+              <a:tabLst/>
+              <a:defRPr/>
+            </a:pPr>
+            <a:r>
+              <a:rPr lang="en-US" sz="1200" spc="-1" dirty="0">
+                <a:solidFill>
+                  <a:srgbClr val="5F5F5F"/>
+                </a:solidFill>
+                <a:uFill>
+                  <a:solidFill>
+                    <a:srgbClr val="FFFFFF"/>
+                  </a:solidFill>
+                </a:uFill>
+                <a:latin typeface="Calibri"/>
+              </a:rPr>
+              <a:t>Frequent communication</a:t>
+            </a:r>
+            <a:endParaRPr kumimoji="0" lang="en-US" sz="1800" b="0" i="0" u="none" strike="noStrike" kern="1200" cap="none" spc="-1" normalizeH="0" baseline="0" noProof="0" dirty="0">
+              <a:ln>
+                <a:noFill/>
+              </a:ln>
+              <a:solidFill>
+                <a:srgbClr val="000000"/>
+              </a:solidFill>
+              <a:effectLst/>
+              <a:uLnTx/>
+              <a:uFill>
+                <a:solidFill>
+                  <a:srgbClr val="FFFFFF"/>
+                </a:solidFill>
+              </a:uFill>
+              <a:latin typeface="Arial"/>
+            </a:endParaRPr>
+          </a:p>
+        </p:txBody>
+      </p:sp>
+      <p:sp>
+        <p:nvSpPr>
+          <p:cNvPr id="201" name="CustomShape 8"/>
+          <p:cNvSpPr/>
+          <p:nvPr/>
+        </p:nvSpPr>
+        <p:spPr>
+          <a:xfrm>
+            <a:off x="441360" y="3316320"/>
+            <a:ext cx="2426760" cy="350640"/>
+          </a:xfrm>
+          <a:prstGeom prst="rect">
+            <a:avLst/>
+          </a:prstGeom>
+          <a:noFill/>
+          <a:ln>
+            <a:noFill/>
+          </a:ln>
+        </p:spPr>
+        <p:style>
+          <a:lnRef idx="0">
+            <a:scrgbClr r="0" g="0" b="0"/>
+          </a:lnRef>
+          <a:fillRef idx="0">
+            <a:scrgbClr r="0" g="0" b="0"/>
+          </a:fillRef>
+          <a:effectRef idx="0">
+            <a:scrgbClr r="0" g="0" b="0"/>
+          </a:effectRef>
+          <a:fontRef idx="minor"/>
+        </p:style>
+        <p:txBody>
+          <a:bodyPr lIns="90000" tIns="45000" rIns="90000" bIns="45000"/>
+          <a:lstStyle/>
+          <a:p>
+            <a:pPr marL="0" marR="0" lvl="0" indent="0" algn="l" defTabSz="914400" rtl="0" eaLnBrk="1" fontAlgn="auto" latinLnBrk="0" hangingPunct="1">
+              <a:lnSpc>
+                <a:spcPct val="120000"/>
+              </a:lnSpc>
+              <a:spcBef>
+                <a:spcPts val="0"/>
+              </a:spcBef>
+              <a:spcAft>
+                <a:spcPts val="0"/>
+              </a:spcAft>
+              <a:buClrTx/>
+              <a:buSzTx/>
+              <a:buFontTx/>
+              <a:buNone/>
+              <a:tabLst/>
+              <a:defRPr/>
+            </a:pPr>
+            <a:r>
+              <a:rPr kumimoji="0" lang="en-US" sz="1400" b="1" i="0" u="none" strike="noStrike" kern="1200" cap="none" spc="-1" normalizeH="0" baseline="0" noProof="0">
+                <a:ln>
+                  <a:noFill/>
+                </a:ln>
+                <a:solidFill>
+                  <a:srgbClr val="5F5F5F"/>
+                </a:solidFill>
+                <a:effectLst/>
+                <a:uLnTx/>
+                <a:uFill>
+                  <a:solidFill>
+                    <a:srgbClr val="FFFFFF"/>
+                  </a:solidFill>
+                </a:uFill>
+                <a:latin typeface="Rockwell"/>
+              </a:rPr>
+              <a:t>The Good</a:t>
             </a:r>
             <a:endParaRPr kumimoji="0" lang="en-US" sz="1800" b="0" i="0" u="none" strike="noStrike" kern="1200" cap="none" spc="-1" normalizeH="0" baseline="0" noProof="0">
               <a:ln>
@@ -13975,18 +19129,18 @@
       </p:sp>
       <p:pic>
         <p:nvPicPr>
-          <p:cNvPr id="293" name="Imagen 5"/>
+          <p:cNvPr id="202" name="Bilde 201"/>
           <p:cNvPicPr/>
           <p:nvPr/>
         </p:nvPicPr>
         <p:blipFill>
-          <a:blip r:embed="rId5"/>
+          <a:blip r:embed="rId9"/>
           <a:stretch/>
         </p:blipFill>
         <p:spPr>
           <a:xfrm>
-            <a:off x="5127480" y="5983200"/>
-            <a:ext cx="763200" cy="720360"/>
+            <a:off x="546480" y="1920240"/>
+            <a:ext cx="1373760" cy="1348920"/>
           </a:xfrm>
           <a:prstGeom prst="rect">
             <a:avLst/>
@@ -13996,49 +19150,385 @@
           </a:ln>
         </p:spPr>
       </p:pic>
+    </p:spTree>
+    <p:extLst>
+      <p:ext uri="{BB962C8B-B14F-4D97-AF65-F5344CB8AC3E}">
+        <p14:creationId xmlns:p14="http://schemas.microsoft.com/office/powerpoint/2010/main" val="4128302923"/>
+      </p:ext>
+    </p:extLst>
+  </p:cSld>
+  <p:clrMapOvr>
+    <a:masterClrMapping/>
+  </p:clrMapOvr>
+  <p:timing>
+    <p:tnLst>
+      <p:par>
+        <p:cTn id="1" dur="indefinite" restart="never" nodeType="tmRoot">
+          <p:childTnLst>
+            <p:seq>
+              <p:cTn id="2" nodeType="mainSeq">
+                <p:childTnLst>
+                  <p:par>
+                    <p:cTn id="3" fill="freeze">
+                      <p:stCondLst>
+                        <p:cond delay="0"/>
+                      </p:stCondLst>
+                      <p:childTnLst>
+                        <p:par>
+                          <p:cTn id="4" fill="freeze">
+                            <p:stCondLst>
+                              <p:cond delay="0"/>
+                            </p:stCondLst>
+                            <p:childTnLst>
+                              <p:par>
+                                <p:cTn id="5" presetID="29" presetClass="entr" fill="hold" nodeType="withEffect">
+                                  <p:stCondLst>
+                                    <p:cond delay="0"/>
+                                  </p:stCondLst>
+                                  <p:childTnLst>
+                                    <p:set>
+                                      <p:cBhvr>
+                                        <p:cTn id="6" dur="1" fill="hold">
+                                          <p:stCondLst>
+                                            <p:cond delay="0"/>
+                                          </p:stCondLst>
+                                        </p:cTn>
+                                        <p:tgtEl>
+                                          <p:spTgt spid="189"/>
+                                        </p:tgtEl>
+                                        <p:attrNameLst>
+                                          <p:attrName>style.visibility</p:attrName>
+                                        </p:attrNameLst>
+                                      </p:cBhvr>
+                                      <p:to>
+                                        <p:strVal val="visible"/>
+                                      </p:to>
+                                    </p:set>
+                                    <p:anim calcmode="lin" valueType="num">
+                                      <p:cBhvr additive="repl">
+                                        <p:cTn id="7" dur="1000" fill="hold"/>
+                                        <p:tgtEl>
+                                          <p:spTgt spid="189"/>
+                                        </p:tgtEl>
+                                        <p:attrNameLst>
+                                          <p:attrName>ppt_x</p:attrName>
+                                        </p:attrNameLst>
+                                      </p:cBhvr>
+                                      <p:tavLst>
+                                        <p:tav tm="0">
+                                          <p:val>
+                                            <p:strVal val="#ppt_x-.2"/>
+                                          </p:val>
+                                        </p:tav>
+                                        <p:tav tm="100000">
+                                          <p:val>
+                                            <p:strVal val="#ppt_x"/>
+                                          </p:val>
+                                        </p:tav>
+                                      </p:tavLst>
+                                    </p:anim>
+                                    <p:anim calcmode="lin" valueType="num">
+                                      <p:cBhvr additive="repl">
+                                        <p:cTn id="8" dur="1000" fill="hold"/>
+                                        <p:tgtEl>
+                                          <p:spTgt spid="189"/>
+                                        </p:tgtEl>
+                                        <p:attrNameLst>
+                                          <p:attrName>ppt_y</p:attrName>
+                                        </p:attrNameLst>
+                                      </p:cBhvr>
+                                      <p:tavLst>
+                                        <p:tav tm="0">
+                                          <p:val>
+                                            <p:strVal val="#ppt_y"/>
+                                          </p:val>
+                                        </p:tav>
+                                        <p:tav tm="100000">
+                                          <p:val>
+                                            <p:strVal val="#ppt_y"/>
+                                          </p:val>
+                                        </p:tav>
+                                      </p:tavLst>
+                                    </p:anim>
+                                    <p:animEffect transition="out" filter="wipe(right)">
+                                      <p:cBhvr additive="repl">
+                                        <p:cTn id="9" dur="1000"/>
+                                        <p:tgtEl>
+                                          <p:spTgt spid="189"/>
+                                        </p:tgtEl>
+                                      </p:cBhvr>
+                                    </p:animEffect>
+                                  </p:childTnLst>
+                                </p:cTn>
+                              </p:par>
+                              <p:par>
+                                <p:cTn id="10" presetID="29" presetClass="entr" fill="hold" nodeType="withEffect">
+                                  <p:stCondLst>
+                                    <p:cond delay="0"/>
+                                  </p:stCondLst>
+                                  <p:childTnLst>
+                                    <p:set>
+                                      <p:cBhvr>
+                                        <p:cTn id="11" dur="1" fill="hold">
+                                          <p:stCondLst>
+                                            <p:cond delay="0"/>
+                                          </p:stCondLst>
+                                        </p:cTn>
+                                        <p:tgtEl>
+                                          <p:spTgt spid="188"/>
+                                        </p:tgtEl>
+                                        <p:attrNameLst>
+                                          <p:attrName>style.visibility</p:attrName>
+                                        </p:attrNameLst>
+                                      </p:cBhvr>
+                                      <p:to>
+                                        <p:strVal val="visible"/>
+                                      </p:to>
+                                    </p:set>
+                                    <p:anim calcmode="lin" valueType="num">
+                                      <p:cBhvr additive="repl">
+                                        <p:cTn id="12" dur="1000" fill="hold"/>
+                                        <p:tgtEl>
+                                          <p:spTgt spid="188"/>
+                                        </p:tgtEl>
+                                        <p:attrNameLst>
+                                          <p:attrName>ppt_x</p:attrName>
+                                        </p:attrNameLst>
+                                      </p:cBhvr>
+                                      <p:tavLst>
+                                        <p:tav tm="0">
+                                          <p:val>
+                                            <p:strVal val="#ppt_x-.2"/>
+                                          </p:val>
+                                        </p:tav>
+                                        <p:tav tm="100000">
+                                          <p:val>
+                                            <p:strVal val="#ppt_x"/>
+                                          </p:val>
+                                        </p:tav>
+                                      </p:tavLst>
+                                    </p:anim>
+                                    <p:anim calcmode="lin" valueType="num">
+                                      <p:cBhvr additive="repl">
+                                        <p:cTn id="13" dur="1000" fill="hold"/>
+                                        <p:tgtEl>
+                                          <p:spTgt spid="188"/>
+                                        </p:tgtEl>
+                                        <p:attrNameLst>
+                                          <p:attrName>ppt_y</p:attrName>
+                                        </p:attrNameLst>
+                                      </p:cBhvr>
+                                      <p:tavLst>
+                                        <p:tav tm="0">
+                                          <p:val>
+                                            <p:strVal val="#ppt_y"/>
+                                          </p:val>
+                                        </p:tav>
+                                        <p:tav tm="100000">
+                                          <p:val>
+                                            <p:strVal val="#ppt_y"/>
+                                          </p:val>
+                                        </p:tav>
+                                      </p:tavLst>
+                                    </p:anim>
+                                    <p:animEffect transition="out" filter="wipe(right)">
+                                      <p:cBhvr additive="repl">
+                                        <p:cTn id="14" dur="1000"/>
+                                        <p:tgtEl>
+                                          <p:spTgt spid="188"/>
+                                        </p:tgtEl>
+                                      </p:cBhvr>
+                                    </p:animEffect>
+                                  </p:childTnLst>
+                                </p:cTn>
+                              </p:par>
+                            </p:childTnLst>
+                          </p:cTn>
+                        </p:par>
+                        <p:par>
+                          <p:cTn id="15" fill="freeze">
+                            <p:stCondLst>
+                              <p:cond delay="1000"/>
+                            </p:stCondLst>
+                            <p:childTnLst>
+                              <p:par>
+                                <p:cTn id="16" presetID="10" presetClass="entr" fill="hold" nodeType="afterEffect">
+                                  <p:stCondLst>
+                                    <p:cond delay="0"/>
+                                  </p:stCondLst>
+                                  <p:childTnLst>
+                                    <p:set>
+                                      <p:cBhvr>
+                                        <p:cTn id="17" dur="1" fill="hold">
+                                          <p:stCondLst>
+                                            <p:cond delay="0"/>
+                                          </p:stCondLst>
+                                        </p:cTn>
+                                        <p:tgtEl>
+                                          <p:spTgt spid="190"/>
+                                        </p:tgtEl>
+                                        <p:attrNameLst>
+                                          <p:attrName>style.visibility</p:attrName>
+                                        </p:attrNameLst>
+                                      </p:cBhvr>
+                                      <p:to>
+                                        <p:strVal val="visible"/>
+                                      </p:to>
+                                    </p:set>
+                                    <p:animEffect transition="in" filter="fade">
+                                      <p:cBhvr additive="repl">
+                                        <p:cTn id="18" dur="2000"/>
+                                        <p:tgtEl>
+                                          <p:spTgt spid="190"/>
+                                        </p:tgtEl>
+                                      </p:cBhvr>
+                                    </p:animEffect>
+                                  </p:childTnLst>
+                                </p:cTn>
+                              </p:par>
+                              <p:par>
+                                <p:cTn id="19" presetID="10" presetClass="entr" fill="hold" nodeType="withEffect">
+                                  <p:stCondLst>
+                                    <p:cond delay="0"/>
+                                  </p:stCondLst>
+                                  <p:childTnLst>
+                                    <p:set>
+                                      <p:cBhvr>
+                                        <p:cTn id="20" dur="1" fill="hold">
+                                          <p:stCondLst>
+                                            <p:cond delay="0"/>
+                                          </p:stCondLst>
+                                        </p:cTn>
+                                        <p:tgtEl>
+                                          <p:spTgt spid="201"/>
+                                        </p:tgtEl>
+                                        <p:attrNameLst>
+                                          <p:attrName>style.visibility</p:attrName>
+                                        </p:attrNameLst>
+                                      </p:cBhvr>
+                                      <p:to>
+                                        <p:strVal val="visible"/>
+                                      </p:to>
+                                    </p:set>
+                                    <p:animEffect transition="in" filter="fade">
+                                      <p:cBhvr additive="repl">
+                                        <p:cTn id="21" dur="2000"/>
+                                        <p:tgtEl>
+                                          <p:spTgt spid="201"/>
+                                        </p:tgtEl>
+                                      </p:cBhvr>
+                                    </p:animEffect>
+                                  </p:childTnLst>
+                                </p:cTn>
+                              </p:par>
+                              <p:par>
+                                <p:cTn id="22" presetID="10" presetClass="entr" fill="hold" nodeType="withEffect">
+                                  <p:stCondLst>
+                                    <p:cond delay="0"/>
+                                  </p:stCondLst>
+                                  <p:childTnLst>
+                                    <p:set>
+                                      <p:cBhvr>
+                                        <p:cTn id="23" dur="1" fill="hold">
+                                          <p:stCondLst>
+                                            <p:cond delay="0"/>
+                                          </p:stCondLst>
+                                        </p:cTn>
+                                        <p:tgtEl>
+                                          <p:spTgt spid="200"/>
+                                        </p:tgtEl>
+                                        <p:attrNameLst>
+                                          <p:attrName>style.visibility</p:attrName>
+                                        </p:attrNameLst>
+                                      </p:cBhvr>
+                                      <p:to>
+                                        <p:strVal val="visible"/>
+                                      </p:to>
+                                    </p:set>
+                                    <p:animEffect transition="in" filter="fade">
+                                      <p:cBhvr additive="repl">
+                                        <p:cTn id="24" dur="2000"/>
+                                        <p:tgtEl>
+                                          <p:spTgt spid="200"/>
+                                        </p:tgtEl>
+                                      </p:cBhvr>
+                                    </p:animEffect>
+                                  </p:childTnLst>
+                                </p:cTn>
+                              </p:par>
+                            </p:childTnLst>
+                          </p:cTn>
+                        </p:par>
+                      </p:childTnLst>
+                    </p:cTn>
+                  </p:par>
+                </p:childTnLst>
+              </p:cTn>
+              <p:prevCondLst>
+                <p:cond evt="onPrev" delay="0">
+                  <p:tgtEl>
+                    <p:sldTgt/>
+                  </p:tgtEl>
+                </p:cond>
+              </p:prevCondLst>
+              <p:nextCondLst>
+                <p:cond evt="onNext" delay="0">
+                  <p:tgtEl>
+                    <p:sldTgt/>
+                  </p:tgtEl>
+                </p:cond>
+              </p:nextCondLst>
+            </p:seq>
+          </p:childTnLst>
+        </p:cTn>
+      </p:par>
+    </p:tnLst>
+  </p:timing>
+</p:sld>
+</file>
+
+<file path=ppt/slides/slide9.xml><?xml version="1.0" encoding="utf-8"?>
+<p:sld xmlns:a="http://schemas.openxmlformats.org/drawingml/2006/main" xmlns:r="http://schemas.openxmlformats.org/officeDocument/2006/relationships" xmlns:p="http://schemas.openxmlformats.org/presentationml/2006/main">
+  <p:cSld>
+    <p:bg>
+      <p:bgPr>
+        <a:blipFill>
+          <a:blip r:embed="rId2"/>
+          <a:stretch>
+            <a:fillRect/>
+          </a:stretch>
+        </a:blipFill>
+        <a:effectLst/>
+      </p:bgPr>
+    </p:bg>
+    <p:spTree>
+      <p:nvGrpSpPr>
+        <p:cNvPr id="1" name=""/>
+        <p:cNvGrpSpPr/>
+        <p:nvPr/>
+      </p:nvGrpSpPr>
+      <p:grpSpPr>
+        <a:xfrm>
+          <a:off x="0" y="0"/>
+          <a:ext cx="0" cy="0"/>
+          <a:chOff x="0" y="0"/>
+          <a:chExt cx="0" cy="0"/>
+        </a:xfrm>
+      </p:grpSpPr>
       <p:pic>
         <p:nvPicPr>
-          <p:cNvPr id="294" name="Imagen 6"/>
+          <p:cNvPr id="203" name="Imagen 5"/>
           <p:cNvPicPr/>
           <p:nvPr/>
         </p:nvPicPr>
         <p:blipFill>
-          <a:blip r:embed="rId6" cstate="screen">
-            <a:extLst>
-              <a:ext uri="{28A0092B-C50C-407E-A947-70E740481C1C}">
-                <a14:useLocalDpi xmlns:a14="http://schemas.microsoft.com/office/drawing/2010/main"/>
-              </a:ext>
-            </a:extLst>
-          </a:blip>
+          <a:blip r:embed="rId3"/>
           <a:stretch/>
         </p:blipFill>
         <p:spPr>
           <a:xfrm>
-            <a:off x="3933720" y="6251400"/>
-            <a:ext cx="175680" cy="175680"/>
-          </a:xfrm>
-          <a:prstGeom prst="rect">
-            <a:avLst/>
-          </a:prstGeom>
-          <a:ln>
-            <a:noFill/>
-          </a:ln>
-        </p:spPr>
-      </p:pic>
-      <p:pic>
-        <p:nvPicPr>
-          <p:cNvPr id="295" name="Imagen 5"/>
-          <p:cNvPicPr/>
-          <p:nvPr/>
-        </p:nvPicPr>
-        <p:blipFill>
-          <a:blip r:embed="rId7"/>
-          <a:stretch/>
-        </p:blipFill>
-        <p:spPr>
-          <a:xfrm>
-            <a:off x="1649520" y="5756400"/>
-            <a:ext cx="1193400" cy="1128240"/>
+            <a:off x="3354480" y="5965920"/>
+            <a:ext cx="761760" cy="718920"/>
           </a:xfrm>
           <a:prstGeom prst="rect">
             <a:avLst/>
@@ -14050,14 +19540,142 @@
       </p:pic>
       <p:sp>
         <p:nvSpPr>
-          <p:cNvPr id="296" name="Line 7"/>
+          <p:cNvPr id="204" name="CustomShape 1"/>
           <p:cNvSpPr/>
           <p:nvPr/>
         </p:nvSpPr>
         <p:spPr>
           <a:xfrm>
-            <a:off x="4427280" y="1873080"/>
-            <a:ext cx="360" cy="3716280"/>
+            <a:off x="398520" y="260280"/>
+            <a:ext cx="7413480" cy="863280"/>
+          </a:xfrm>
+          <a:prstGeom prst="rect">
+            <a:avLst/>
+          </a:prstGeom>
+          <a:noFill/>
+          <a:ln>
+            <a:noFill/>
+          </a:ln>
+        </p:spPr>
+        <p:style>
+          <a:lnRef idx="0">
+            <a:scrgbClr r="0" g="0" b="0"/>
+          </a:lnRef>
+          <a:fillRef idx="0">
+            <a:scrgbClr r="0" g="0" b="0"/>
+          </a:fillRef>
+          <a:effectRef idx="0">
+            <a:scrgbClr r="0" g="0" b="0"/>
+          </a:effectRef>
+          <a:fontRef idx="minor"/>
+        </p:style>
+        <p:txBody>
+          <a:bodyPr lIns="90000" tIns="45000" rIns="90000" bIns="45000" anchor="ctr"/>
+          <a:lstStyle/>
+          <a:p>
+            <a:pPr marL="0" marR="0" lvl="0" indent="0" algn="l" defTabSz="914400" rtl="0" eaLnBrk="1" fontAlgn="auto" latinLnBrk="0" hangingPunct="1">
+              <a:lnSpc>
+                <a:spcPts val="2032"/>
+              </a:lnSpc>
+              <a:spcBef>
+                <a:spcPts val="0"/>
+              </a:spcBef>
+              <a:spcAft>
+                <a:spcPts val="0"/>
+              </a:spcAft>
+              <a:buClrTx/>
+              <a:buSzTx/>
+              <a:buFontTx/>
+              <a:buNone/>
+              <a:tabLst/>
+              <a:defRPr/>
+            </a:pPr>
+            <a:r>
+              <a:rPr kumimoji="0" lang="en-US" sz="4930" b="1" i="0" u="none" strike="noStrike" kern="1200" cap="none" spc="-1" normalizeH="0" baseline="0" noProof="0">
+                <a:ln>
+                  <a:noFill/>
+                </a:ln>
+                <a:solidFill>
+                  <a:srgbClr val="404040"/>
+                </a:solidFill>
+                <a:effectLst/>
+                <a:uLnTx/>
+                <a:uFill>
+                  <a:solidFill>
+                    <a:srgbClr val="FFFFFF"/>
+                  </a:solidFill>
+                </a:uFill>
+                <a:latin typeface="Rockwell"/>
+              </a:rPr>
+              <a:t>THE GOOD</a:t>
+            </a:r>
+            <a:r>
+              <a:rPr kumimoji="0" lang="en-US" sz="2800" b="1" i="0" u="none" strike="noStrike" kern="1200" cap="none" spc="-1" normalizeH="0" baseline="0" noProof="0">
+                <a:ln>
+                  <a:noFill/>
+                </a:ln>
+                <a:solidFill>
+                  <a:srgbClr val="404040"/>
+                </a:solidFill>
+                <a:effectLst/>
+                <a:uLnTx/>
+                <a:uFill>
+                  <a:solidFill>
+                    <a:srgbClr val="FFFFFF"/>
+                  </a:solidFill>
+                </a:uFill>
+                <a:latin typeface="Rockwell"/>
+              </a:rPr>
+              <a:t>,</a:t>
+            </a:r>
+            <a:r>
+              <a:rPr kumimoji="0" lang="en-US" sz="4930" b="1" i="0" u="none" strike="noStrike" kern="1200" cap="none" spc="-1" normalizeH="0" baseline="0" noProof="0">
+                <a:ln>
+                  <a:noFill/>
+                </a:ln>
+                <a:solidFill>
+                  <a:srgbClr val="404040"/>
+                </a:solidFill>
+                <a:effectLst/>
+                <a:uLnTx/>
+                <a:uFill>
+                  <a:solidFill>
+                    <a:srgbClr val="FFFFFF"/>
+                  </a:solidFill>
+                </a:uFill>
+                <a:latin typeface="Rockwell"/>
+              </a:rPr>
+              <a:t> THE BAD</a:t>
+            </a:r>
+            <a:endParaRPr kumimoji="0" lang="en-US" sz="1800" b="0" i="0" u="none" strike="noStrike" kern="1200" cap="none" spc="-1" normalizeH="0" baseline="0" noProof="0">
+              <a:ln>
+                <a:noFill/>
+              </a:ln>
+              <a:solidFill>
+                <a:srgbClr val="000000"/>
+              </a:solidFill>
+              <a:effectLst/>
+              <a:uLnTx/>
+              <a:uFill>
+                <a:solidFill>
+                  <a:srgbClr val="FFFFFF"/>
+                </a:solidFill>
+              </a:uFill>
+              <a:latin typeface="Arial"/>
+            </a:endParaRPr>
+          </a:p>
+        </p:txBody>
+      </p:sp>
+      <p:sp>
+        <p:nvSpPr>
+          <p:cNvPr id="205" name="Line 2"/>
+          <p:cNvSpPr/>
+          <p:nvPr/>
+        </p:nvSpPr>
+        <p:spPr>
+          <a:xfrm>
+            <a:off x="4473720" y="2103120"/>
+            <a:ext cx="360" cy="3017880"/>
           </a:xfrm>
           <a:prstGeom prst="line">
             <a:avLst/>
@@ -14084,14 +19702,14 @@
       </p:sp>
       <p:sp>
         <p:nvSpPr>
-          <p:cNvPr id="297" name="Line 8"/>
+          <p:cNvPr id="206" name="Line 3"/>
           <p:cNvSpPr/>
           <p:nvPr/>
         </p:nvSpPr>
         <p:spPr>
           <a:xfrm>
-            <a:off x="4421160" y="1873080"/>
-            <a:ext cx="360" cy="3716280"/>
+            <a:off x="4480200" y="2103120"/>
+            <a:ext cx="360" cy="3017880"/>
           </a:xfrm>
           <a:prstGeom prst="line">
             <a:avLst/>
@@ -14118,14 +19736,616 @@
       </p:sp>
       <p:sp>
         <p:nvSpPr>
-          <p:cNvPr id="298" name="CustomShape 9"/>
+          <p:cNvPr id="207" name="CustomShape 4"/>
           <p:cNvSpPr/>
           <p:nvPr/>
         </p:nvSpPr>
         <p:spPr>
           <a:xfrm>
-            <a:off x="477720" y="1979640"/>
-            <a:ext cx="3553920" cy="1512360"/>
+            <a:off x="395280" y="736560"/>
+            <a:ext cx="7056720" cy="863280"/>
+          </a:xfrm>
+          <a:prstGeom prst="rect">
+            <a:avLst/>
+          </a:prstGeom>
+          <a:noFill/>
+          <a:ln>
+            <a:noFill/>
+          </a:ln>
+        </p:spPr>
+        <p:style>
+          <a:lnRef idx="0">
+            <a:scrgbClr r="0" g="0" b="0"/>
+          </a:lnRef>
+          <a:fillRef idx="0">
+            <a:scrgbClr r="0" g="0" b="0"/>
+          </a:fillRef>
+          <a:effectRef idx="0">
+            <a:scrgbClr r="0" g="0" b="0"/>
+          </a:effectRef>
+          <a:fontRef idx="minor"/>
+        </p:style>
+        <p:txBody>
+          <a:bodyPr lIns="90000" tIns="45000" rIns="90000" bIns="45000" anchor="ctr"/>
+          <a:lstStyle/>
+          <a:p>
+            <a:pPr marL="0" marR="0" lvl="0" indent="0" algn="l" defTabSz="914400" rtl="0" eaLnBrk="1" fontAlgn="auto" latinLnBrk="0" hangingPunct="1">
+              <a:lnSpc>
+                <a:spcPts val="2032"/>
+              </a:lnSpc>
+              <a:spcBef>
+                <a:spcPts val="0"/>
+              </a:spcBef>
+              <a:spcAft>
+                <a:spcPts val="0"/>
+              </a:spcAft>
+              <a:buClrTx/>
+              <a:buSzTx/>
+              <a:buFontTx/>
+              <a:buNone/>
+              <a:tabLst/>
+              <a:defRPr/>
+            </a:pPr>
+            <a:r>
+              <a:rPr kumimoji="0" lang="en-US" sz="3600" b="1" i="0" u="none" strike="noStrike" kern="1200" cap="none" spc="-1" normalizeH="0" baseline="0" noProof="0">
+                <a:ln>
+                  <a:noFill/>
+                </a:ln>
+                <a:solidFill>
+                  <a:srgbClr val="404040"/>
+                </a:solidFill>
+                <a:effectLst/>
+                <a:uLnTx/>
+                <a:uFill>
+                  <a:solidFill>
+                    <a:srgbClr val="FFFFFF"/>
+                  </a:solidFill>
+                </a:uFill>
+                <a:latin typeface="Rockwell"/>
+              </a:rPr>
+              <a:t>THE </a:t>
+            </a:r>
+            <a:r>
+              <a:rPr kumimoji="0" lang="en-US" sz="3600" b="1" i="0" u="none" strike="noStrike" kern="1200" cap="none" spc="-1" normalizeH="0" baseline="0" noProof="0">
+                <a:ln>
+                  <a:noFill/>
+                </a:ln>
+                <a:solidFill>
+                  <a:srgbClr val="FFC000"/>
+                </a:solidFill>
+                <a:effectLst/>
+                <a:uLnTx/>
+                <a:uFill>
+                  <a:solidFill>
+                    <a:srgbClr val="FFFFFF"/>
+                  </a:solidFill>
+                </a:uFill>
+                <a:latin typeface="Rockwell"/>
+              </a:rPr>
+              <a:t>UGLY</a:t>
+            </a:r>
+            <a:endParaRPr kumimoji="0" lang="en-US" sz="1800" b="0" i="0" u="none" strike="noStrike" kern="1200" cap="none" spc="-1" normalizeH="0" baseline="0" noProof="0">
+              <a:ln>
+                <a:noFill/>
+              </a:ln>
+              <a:solidFill>
+                <a:srgbClr val="000000"/>
+              </a:solidFill>
+              <a:effectLst/>
+              <a:uLnTx/>
+              <a:uFill>
+                <a:solidFill>
+                  <a:srgbClr val="FFFFFF"/>
+                </a:solidFill>
+              </a:uFill>
+              <a:latin typeface="Arial"/>
+            </a:endParaRPr>
+          </a:p>
+        </p:txBody>
+      </p:sp>
+      <p:sp>
+        <p:nvSpPr>
+          <p:cNvPr id="208" name="CustomShape 5"/>
+          <p:cNvSpPr/>
+          <p:nvPr/>
+        </p:nvSpPr>
+        <p:spPr>
+          <a:xfrm>
+            <a:off x="395280" y="1298520"/>
+            <a:ext cx="4519080" cy="474480"/>
+          </a:xfrm>
+          <a:prstGeom prst="rect">
+            <a:avLst/>
+          </a:prstGeom>
+          <a:noFill/>
+          <a:ln>
+            <a:noFill/>
+          </a:ln>
+        </p:spPr>
+        <p:style>
+          <a:lnRef idx="0">
+            <a:scrgbClr r="0" g="0" b="0"/>
+          </a:lnRef>
+          <a:fillRef idx="0">
+            <a:scrgbClr r="0" g="0" b="0"/>
+          </a:fillRef>
+          <a:effectRef idx="0">
+            <a:scrgbClr r="0" g="0" b="0"/>
+          </a:effectRef>
+          <a:fontRef idx="minor"/>
+        </p:style>
+        <p:txBody>
+          <a:bodyPr lIns="90000" tIns="45000" rIns="90000" bIns="45000" anchor="ctr"/>
+          <a:lstStyle/>
+          <a:p>
+            <a:pPr marL="0" marR="0" lvl="0" indent="0" algn="l" defTabSz="914400" rtl="0" eaLnBrk="1" fontAlgn="auto" latinLnBrk="0" hangingPunct="1">
+              <a:lnSpc>
+                <a:spcPts val="2032"/>
+              </a:lnSpc>
+              <a:spcBef>
+                <a:spcPts val="0"/>
+              </a:spcBef>
+              <a:spcAft>
+                <a:spcPts val="0"/>
+              </a:spcAft>
+              <a:buClrTx/>
+              <a:buSzTx/>
+              <a:buFontTx/>
+              <a:buNone/>
+              <a:tabLst/>
+              <a:defRPr/>
+            </a:pPr>
+            <a:r>
+              <a:rPr kumimoji="0" lang="en-US" sz="1600" b="1" i="0" u="none" strike="noStrike" kern="1200" cap="none" spc="-1" normalizeH="0" baseline="0" noProof="0">
+                <a:ln>
+                  <a:noFill/>
+                </a:ln>
+                <a:solidFill>
+                  <a:srgbClr val="404040"/>
+                </a:solidFill>
+                <a:effectLst/>
+                <a:uLnTx/>
+                <a:uFill>
+                  <a:solidFill>
+                    <a:srgbClr val="FFFFFF"/>
+                  </a:solidFill>
+                </a:uFill>
+                <a:latin typeface="Rockwell"/>
+              </a:rPr>
+              <a:t>Our good and bad moments</a:t>
+            </a:r>
+            <a:endParaRPr kumimoji="0" lang="en-US" sz="1800" b="0" i="0" u="none" strike="noStrike" kern="1200" cap="none" spc="-1" normalizeH="0" baseline="0" noProof="0">
+              <a:ln>
+                <a:noFill/>
+              </a:ln>
+              <a:solidFill>
+                <a:srgbClr val="000000"/>
+              </a:solidFill>
+              <a:effectLst/>
+              <a:uLnTx/>
+              <a:uFill>
+                <a:solidFill>
+                  <a:srgbClr val="FFFFFF"/>
+                </a:solidFill>
+              </a:uFill>
+              <a:latin typeface="Arial"/>
+            </a:endParaRPr>
+          </a:p>
+        </p:txBody>
+      </p:sp>
+      <p:pic>
+        <p:nvPicPr>
+          <p:cNvPr id="209" name="27 Imagen"/>
+          <p:cNvPicPr/>
+          <p:nvPr/>
+        </p:nvPicPr>
+        <p:blipFill>
+          <a:blip r:embed="rId4"/>
+          <a:stretch/>
+        </p:blipFill>
+        <p:spPr>
+          <a:xfrm>
+            <a:off x="4167360" y="6170760"/>
+            <a:ext cx="363240" cy="302760"/>
+          </a:xfrm>
+          <a:prstGeom prst="rect">
+            <a:avLst/>
+          </a:prstGeom>
+          <a:ln>
+            <a:noFill/>
+          </a:ln>
+        </p:spPr>
+      </p:pic>
+      <p:pic>
+        <p:nvPicPr>
+          <p:cNvPr id="210" name="28 Imagen"/>
+          <p:cNvPicPr/>
+          <p:nvPr/>
+        </p:nvPicPr>
+        <p:blipFill>
+          <a:blip r:embed="rId4"/>
+          <a:stretch/>
+        </p:blipFill>
+        <p:spPr>
+          <a:xfrm>
+            <a:off x="4741920" y="6170760"/>
+            <a:ext cx="363240" cy="302760"/>
+          </a:xfrm>
+          <a:prstGeom prst="rect">
+            <a:avLst/>
+          </a:prstGeom>
+          <a:ln>
+            <a:noFill/>
+          </a:ln>
+        </p:spPr>
+      </p:pic>
+      <p:sp>
+        <p:nvSpPr>
+          <p:cNvPr id="211" name="CustomShape 6"/>
+          <p:cNvSpPr/>
+          <p:nvPr/>
+        </p:nvSpPr>
+        <p:spPr>
+          <a:xfrm>
+            <a:off x="4193640" y="6181560"/>
+            <a:ext cx="286200" cy="272880"/>
+          </a:xfrm>
+          <a:prstGeom prst="rect">
+            <a:avLst/>
+          </a:prstGeom>
+          <a:noFill/>
+          <a:ln>
+            <a:noFill/>
+          </a:ln>
+        </p:spPr>
+        <p:style>
+          <a:lnRef idx="0">
+            <a:scrgbClr r="0" g="0" b="0"/>
+          </a:lnRef>
+          <a:fillRef idx="0">
+            <a:scrgbClr r="0" g="0" b="0"/>
+          </a:fillRef>
+          <a:effectRef idx="0">
+            <a:scrgbClr r="0" g="0" b="0"/>
+          </a:effectRef>
+          <a:fontRef idx="minor"/>
+        </p:style>
+        <p:txBody>
+          <a:bodyPr wrap="none" lIns="90000" tIns="45000" rIns="90000" bIns="45000"/>
+          <a:lstStyle/>
+          <a:p>
+            <a:pPr marL="0" marR="0" lvl="0" indent="0" algn="l" defTabSz="914400" rtl="0" eaLnBrk="1" fontAlgn="auto" latinLnBrk="0" hangingPunct="1">
+              <a:lnSpc>
+                <a:spcPct val="100000"/>
+              </a:lnSpc>
+              <a:spcBef>
+                <a:spcPts val="0"/>
+              </a:spcBef>
+              <a:spcAft>
+                <a:spcPts val="0"/>
+              </a:spcAft>
+              <a:buClrTx/>
+              <a:buSzTx/>
+              <a:buFontTx/>
+              <a:buNone/>
+              <a:tabLst/>
+              <a:defRPr/>
+            </a:pPr>
+            <a:r>
+              <a:rPr lang="en-US" sz="1200" b="1" spc="-1" dirty="0">
+                <a:solidFill>
+                  <a:srgbClr val="FFC000"/>
+                </a:solidFill>
+                <a:uFill>
+                  <a:solidFill>
+                    <a:srgbClr val="FFFFFF"/>
+                  </a:solidFill>
+                </a:uFill>
+                <a:latin typeface="Calibri"/>
+              </a:rPr>
+              <a:t>7</a:t>
+            </a:r>
+            <a:endParaRPr kumimoji="0" lang="en-US" sz="1800" b="0" i="0" u="none" strike="noStrike" kern="1200" cap="none" spc="-1" normalizeH="0" baseline="0" noProof="0" dirty="0">
+              <a:ln>
+                <a:noFill/>
+              </a:ln>
+              <a:solidFill>
+                <a:srgbClr val="000000"/>
+              </a:solidFill>
+              <a:effectLst/>
+              <a:uLnTx/>
+              <a:uFill>
+                <a:solidFill>
+                  <a:srgbClr val="FFFFFF"/>
+                </a:solidFill>
+              </a:uFill>
+              <a:latin typeface="Arial"/>
+            </a:endParaRPr>
+          </a:p>
+        </p:txBody>
+      </p:sp>
+      <p:sp>
+        <p:nvSpPr>
+          <p:cNvPr id="212" name="CustomShape 7"/>
+          <p:cNvSpPr/>
+          <p:nvPr/>
+        </p:nvSpPr>
+        <p:spPr>
+          <a:xfrm>
+            <a:off x="4449240" y="6181560"/>
+            <a:ext cx="351720" cy="272880"/>
+          </a:xfrm>
+          <a:prstGeom prst="rect">
+            <a:avLst/>
+          </a:prstGeom>
+          <a:noFill/>
+          <a:ln>
+            <a:noFill/>
+          </a:ln>
+        </p:spPr>
+        <p:style>
+          <a:lnRef idx="0">
+            <a:scrgbClr r="0" g="0" b="0"/>
+          </a:lnRef>
+          <a:fillRef idx="0">
+            <a:scrgbClr r="0" g="0" b="0"/>
+          </a:fillRef>
+          <a:effectRef idx="0">
+            <a:scrgbClr r="0" g="0" b="0"/>
+          </a:effectRef>
+          <a:fontRef idx="minor"/>
+        </p:style>
+        <p:txBody>
+          <a:bodyPr wrap="none" lIns="90000" tIns="45000" rIns="90000" bIns="45000"/>
+          <a:lstStyle/>
+          <a:p>
+            <a:pPr marL="0" marR="0" lvl="0" indent="0" algn="l" defTabSz="914400" rtl="0" eaLnBrk="1" fontAlgn="auto" latinLnBrk="0" hangingPunct="1">
+              <a:lnSpc>
+                <a:spcPct val="100000"/>
+              </a:lnSpc>
+              <a:spcBef>
+                <a:spcPts val="0"/>
+              </a:spcBef>
+              <a:spcAft>
+                <a:spcPts val="0"/>
+              </a:spcAft>
+              <a:buClrTx/>
+              <a:buSzTx/>
+              <a:buFontTx/>
+              <a:buNone/>
+              <a:tabLst/>
+              <a:defRPr/>
+            </a:pPr>
+            <a:r>
+              <a:rPr kumimoji="0" lang="en-US" sz="1200" b="1" i="1" u="none" strike="noStrike" kern="1200" cap="none" spc="-1" normalizeH="0" baseline="0" noProof="0">
+                <a:ln>
+                  <a:noFill/>
+                </a:ln>
+                <a:solidFill>
+                  <a:srgbClr val="A6A6A6"/>
+                </a:solidFill>
+                <a:effectLst/>
+                <a:uLnTx/>
+                <a:uFill>
+                  <a:solidFill>
+                    <a:srgbClr val="FFFFFF"/>
+                  </a:solidFill>
+                </a:uFill>
+                <a:latin typeface="Calibri"/>
+              </a:rPr>
+              <a:t>of</a:t>
+            </a:r>
+            <a:endParaRPr kumimoji="0" lang="en-US" sz="1800" b="0" i="0" u="none" strike="noStrike" kern="1200" cap="none" spc="-1" normalizeH="0" baseline="0" noProof="0">
+              <a:ln>
+                <a:noFill/>
+              </a:ln>
+              <a:solidFill>
+                <a:srgbClr val="000000"/>
+              </a:solidFill>
+              <a:effectLst/>
+              <a:uLnTx/>
+              <a:uFill>
+                <a:solidFill>
+                  <a:srgbClr val="FFFFFF"/>
+                </a:solidFill>
+              </a:uFill>
+              <a:latin typeface="Arial"/>
+            </a:endParaRPr>
+          </a:p>
+        </p:txBody>
+      </p:sp>
+      <p:sp>
+        <p:nvSpPr>
+          <p:cNvPr id="213" name="CustomShape 8"/>
+          <p:cNvSpPr/>
+          <p:nvPr/>
+        </p:nvSpPr>
+        <p:spPr>
+          <a:xfrm>
+            <a:off x="4776480" y="6181560"/>
+            <a:ext cx="286200" cy="272880"/>
+          </a:xfrm>
+          <a:prstGeom prst="rect">
+            <a:avLst/>
+          </a:prstGeom>
+          <a:noFill/>
+          <a:ln>
+            <a:noFill/>
+          </a:ln>
+        </p:spPr>
+        <p:style>
+          <a:lnRef idx="0">
+            <a:scrgbClr r="0" g="0" b="0"/>
+          </a:lnRef>
+          <a:fillRef idx="0">
+            <a:scrgbClr r="0" g="0" b="0"/>
+          </a:fillRef>
+          <a:effectRef idx="0">
+            <a:scrgbClr r="0" g="0" b="0"/>
+          </a:effectRef>
+          <a:fontRef idx="minor"/>
+        </p:style>
+        <p:txBody>
+          <a:bodyPr wrap="none" lIns="90000" tIns="45000" rIns="90000" bIns="45000"/>
+          <a:lstStyle/>
+          <a:p>
+            <a:pPr marL="0" marR="0" lvl="0" indent="0" algn="l" defTabSz="914400" rtl="0" eaLnBrk="1" fontAlgn="auto" latinLnBrk="0" hangingPunct="1">
+              <a:lnSpc>
+                <a:spcPct val="100000"/>
+              </a:lnSpc>
+              <a:spcBef>
+                <a:spcPts val="0"/>
+              </a:spcBef>
+              <a:spcAft>
+                <a:spcPts val="0"/>
+              </a:spcAft>
+              <a:buClrTx/>
+              <a:buSzTx/>
+              <a:buFontTx/>
+              <a:buNone/>
+              <a:tabLst/>
+              <a:defRPr/>
+            </a:pPr>
+            <a:r>
+              <a:rPr kumimoji="0" lang="en-US" sz="1200" b="1" i="0" u="none" strike="noStrike" kern="1200" cap="none" spc="-1" normalizeH="0" baseline="0" noProof="0">
+                <a:ln>
+                  <a:noFill/>
+                </a:ln>
+                <a:solidFill>
+                  <a:srgbClr val="808080"/>
+                </a:solidFill>
+                <a:effectLst/>
+                <a:uLnTx/>
+                <a:uFill>
+                  <a:solidFill>
+                    <a:srgbClr val="FFFFFF"/>
+                  </a:solidFill>
+                </a:uFill>
+                <a:latin typeface="Calibri"/>
+              </a:rPr>
+              <a:t>8</a:t>
+            </a:r>
+            <a:endParaRPr kumimoji="0" lang="en-US" sz="1800" b="0" i="0" u="none" strike="noStrike" kern="1200" cap="none" spc="-1" normalizeH="0" baseline="0" noProof="0">
+              <a:ln>
+                <a:noFill/>
+              </a:ln>
+              <a:solidFill>
+                <a:srgbClr val="000000"/>
+              </a:solidFill>
+              <a:effectLst/>
+              <a:uLnTx/>
+              <a:uFill>
+                <a:solidFill>
+                  <a:srgbClr val="FFFFFF"/>
+                </a:solidFill>
+              </a:uFill>
+              <a:latin typeface="Arial"/>
+            </a:endParaRPr>
+          </a:p>
+        </p:txBody>
+      </p:sp>
+      <p:pic>
+        <p:nvPicPr>
+          <p:cNvPr id="214" name="Imagen 5"/>
+          <p:cNvPicPr/>
+          <p:nvPr/>
+        </p:nvPicPr>
+        <p:blipFill>
+          <a:blip r:embed="rId5"/>
+          <a:stretch/>
+        </p:blipFill>
+        <p:spPr>
+          <a:xfrm>
+            <a:off x="5127480" y="5983200"/>
+            <a:ext cx="763200" cy="720360"/>
+          </a:xfrm>
+          <a:prstGeom prst="rect">
+            <a:avLst/>
+          </a:prstGeom>
+          <a:ln>
+            <a:noFill/>
+          </a:ln>
+        </p:spPr>
+      </p:pic>
+      <p:pic>
+        <p:nvPicPr>
+          <p:cNvPr id="215" name="Imagen 6"/>
+          <p:cNvPicPr/>
+          <p:nvPr/>
+        </p:nvPicPr>
+        <p:blipFill>
+          <a:blip r:embed="rId6"/>
+          <a:stretch/>
+        </p:blipFill>
+        <p:spPr>
+          <a:xfrm>
+            <a:off x="5124600" y="6251400"/>
+            <a:ext cx="177480" cy="175680"/>
+          </a:xfrm>
+          <a:prstGeom prst="rect">
+            <a:avLst/>
+          </a:prstGeom>
+          <a:ln>
+            <a:noFill/>
+          </a:ln>
+        </p:spPr>
+      </p:pic>
+      <p:pic>
+        <p:nvPicPr>
+          <p:cNvPr id="216" name="Imagen 6"/>
+          <p:cNvPicPr/>
+          <p:nvPr/>
+        </p:nvPicPr>
+        <p:blipFill>
+          <a:blip r:embed="rId7"/>
+          <a:stretch/>
+        </p:blipFill>
+        <p:spPr>
+          <a:xfrm>
+            <a:off x="3933720" y="6251400"/>
+            <a:ext cx="175680" cy="175680"/>
+          </a:xfrm>
+          <a:prstGeom prst="rect">
+            <a:avLst/>
+          </a:prstGeom>
+          <a:ln>
+            <a:noFill/>
+          </a:ln>
+        </p:spPr>
+      </p:pic>
+      <p:pic>
+        <p:nvPicPr>
+          <p:cNvPr id="217" name="Imagen 5"/>
+          <p:cNvPicPr/>
+          <p:nvPr/>
+        </p:nvPicPr>
+        <p:blipFill>
+          <a:blip r:embed="rId8"/>
+          <a:stretch/>
+        </p:blipFill>
+        <p:spPr>
+          <a:xfrm>
+            <a:off x="1649520" y="5756400"/>
+            <a:ext cx="1193400" cy="1128240"/>
+          </a:xfrm>
+          <a:prstGeom prst="rect">
+            <a:avLst/>
+          </a:prstGeom>
+          <a:ln>
+            <a:noFill/>
+          </a:ln>
+        </p:spPr>
+      </p:pic>
+      <p:sp>
+        <p:nvSpPr>
+          <p:cNvPr id="219" name="CustomShape 10"/>
+          <p:cNvSpPr/>
+          <p:nvPr/>
+        </p:nvSpPr>
+        <p:spPr>
+          <a:xfrm>
+            <a:off x="441360" y="3316320"/>
+            <a:ext cx="2426760" cy="350640"/>
           </a:xfrm>
           <a:prstGeom prst="rect">
             <a:avLst/>
@@ -14151,373 +20371,9 @@
           <a:bodyPr lIns="90000" tIns="45000" rIns="90000" bIns="45000"/>
           <a:lstStyle/>
           <a:p>
-            <a:pPr marL="216000" marR="0" lvl="0" indent="-216000" algn="just" defTabSz="914400" rtl="0" eaLnBrk="1" fontAlgn="auto" latinLnBrk="0" hangingPunct="1">
+            <a:pPr marL="0" marR="0" lvl="0" indent="0" algn="l" defTabSz="914400" rtl="0" eaLnBrk="1" fontAlgn="auto" latinLnBrk="0" hangingPunct="1">
               <a:lnSpc>
                 <a:spcPct val="120000"/>
-              </a:lnSpc>
-              <a:spcBef>
-                <a:spcPts val="0"/>
-              </a:spcBef>
-              <a:spcAft>
-                <a:spcPts val="0"/>
-              </a:spcAft>
-              <a:buClr>
-                <a:srgbClr val="808080"/>
-              </a:buClr>
-              <a:buSzPct val="45000"/>
-              <a:buFont typeface="Wingdings" charset="2"/>
-              <a:buChar char=""/>
-              <a:tabLst/>
-              <a:defRPr/>
-            </a:pPr>
-            <a:r>
-              <a:rPr kumimoji="0" lang="en-US" sz="1200" b="0" i="0" u="none" strike="noStrike" kern="1200" cap="none" spc="-1" normalizeH="0" baseline="0" noProof="0" dirty="0">
-                <a:ln>
-                  <a:noFill/>
-                </a:ln>
-                <a:solidFill>
-                  <a:srgbClr val="808080"/>
-                </a:solidFill>
-                <a:effectLst/>
-                <a:uLnTx/>
-                <a:uFill>
-                  <a:solidFill>
-                    <a:srgbClr val="FFFFFF"/>
-                  </a:solidFill>
-                </a:uFill>
-                <a:latin typeface="Calibri"/>
-              </a:rPr>
-              <a:t>Fast start,</a:t>
-            </a:r>
-            <a:r>
-              <a:rPr kumimoji="0" lang="en-US" sz="1200" b="0" i="0" u="none" strike="noStrike" kern="1200" cap="none" spc="-1" normalizeH="0" noProof="0" dirty="0">
-                <a:ln>
-                  <a:noFill/>
-                </a:ln>
-                <a:solidFill>
-                  <a:srgbClr val="808080"/>
-                </a:solidFill>
-                <a:effectLst/>
-                <a:uLnTx/>
-                <a:uFill>
-                  <a:solidFill>
-                    <a:srgbClr val="FFFFFF"/>
-                  </a:solidFill>
-                </a:uFill>
-                <a:latin typeface="Calibri"/>
-              </a:rPr>
-              <a:t> good team spirit</a:t>
-            </a:r>
-            <a:endParaRPr kumimoji="0" lang="en-US" sz="1800" b="0" i="0" u="none" strike="noStrike" kern="1200" cap="none" spc="-1" normalizeH="0" baseline="0" noProof="0" dirty="0">
-              <a:ln>
-                <a:noFill/>
-              </a:ln>
-              <a:solidFill>
-                <a:srgbClr val="000000"/>
-              </a:solidFill>
-              <a:effectLst/>
-              <a:uLnTx/>
-              <a:uFill>
-                <a:solidFill>
-                  <a:srgbClr val="FFFFFF"/>
-                </a:solidFill>
-              </a:uFill>
-              <a:latin typeface="Arial"/>
-            </a:endParaRPr>
-          </a:p>
-          <a:p>
-            <a:pPr marL="216000" marR="0" lvl="0" indent="-216000" algn="just" defTabSz="914400" rtl="0" eaLnBrk="1" fontAlgn="auto" latinLnBrk="0" hangingPunct="1">
-              <a:lnSpc>
-                <a:spcPct val="120000"/>
-              </a:lnSpc>
-              <a:spcBef>
-                <a:spcPts val="0"/>
-              </a:spcBef>
-              <a:spcAft>
-                <a:spcPts val="0"/>
-              </a:spcAft>
-              <a:buClr>
-                <a:srgbClr val="808080"/>
-              </a:buClr>
-              <a:buSzPct val="45000"/>
-              <a:buFont typeface="Wingdings" charset="2"/>
-              <a:buChar char=""/>
-              <a:tabLst/>
-              <a:defRPr/>
-            </a:pPr>
-            <a:r>
-              <a:rPr kumimoji="0" lang="en-US" sz="1200" b="0" i="0" u="none" strike="noStrike" kern="1200" cap="none" spc="-1" normalizeH="0" baseline="0" noProof="0" dirty="0">
-                <a:ln>
-                  <a:noFill/>
-                </a:ln>
-                <a:solidFill>
-                  <a:srgbClr val="808080"/>
-                </a:solidFill>
-                <a:effectLst/>
-                <a:uLnTx/>
-                <a:uFill>
-                  <a:solidFill>
-                    <a:srgbClr val="FFFFFF"/>
-                  </a:solidFill>
-                </a:uFill>
-                <a:latin typeface="Calibri"/>
-              </a:rPr>
-              <a:t>Good role distribution</a:t>
-            </a:r>
-            <a:endParaRPr kumimoji="0" lang="en-US" sz="1800" b="0" i="0" u="none" strike="noStrike" kern="1200" cap="none" spc="-1" normalizeH="0" baseline="0" noProof="0" dirty="0">
-              <a:ln>
-                <a:noFill/>
-              </a:ln>
-              <a:solidFill>
-                <a:srgbClr val="000000"/>
-              </a:solidFill>
-              <a:effectLst/>
-              <a:uLnTx/>
-              <a:uFill>
-                <a:solidFill>
-                  <a:srgbClr val="FFFFFF"/>
-                </a:solidFill>
-              </a:uFill>
-              <a:latin typeface="Arial"/>
-            </a:endParaRPr>
-          </a:p>
-          <a:p>
-            <a:pPr marL="216000" marR="0" lvl="0" indent="-216000" algn="just" defTabSz="914400" rtl="0" eaLnBrk="1" fontAlgn="auto" latinLnBrk="0" hangingPunct="1">
-              <a:lnSpc>
-                <a:spcPct val="120000"/>
-              </a:lnSpc>
-              <a:spcBef>
-                <a:spcPts val="0"/>
-              </a:spcBef>
-              <a:spcAft>
-                <a:spcPts val="0"/>
-              </a:spcAft>
-              <a:buClr>
-                <a:srgbClr val="808080"/>
-              </a:buClr>
-              <a:buSzPct val="45000"/>
-              <a:buFont typeface="Wingdings" charset="2"/>
-              <a:buChar char=""/>
-              <a:tabLst/>
-              <a:defRPr/>
-            </a:pPr>
-            <a:r>
-              <a:rPr kumimoji="0" lang="en-US" sz="1200" b="0" i="0" u="none" strike="noStrike" kern="1200" cap="none" spc="-1" normalizeH="0" baseline="0" noProof="0" dirty="0">
-                <a:ln>
-                  <a:noFill/>
-                </a:ln>
-                <a:solidFill>
-                  <a:srgbClr val="808080"/>
-                </a:solidFill>
-                <a:effectLst/>
-                <a:uLnTx/>
-                <a:uFill>
-                  <a:solidFill>
-                    <a:srgbClr val="FFFFFF"/>
-                  </a:solidFill>
-                </a:uFill>
-                <a:latin typeface="Calibri"/>
-              </a:rPr>
-              <a:t>We have chosen tools for later iterations</a:t>
-            </a:r>
-            <a:endParaRPr kumimoji="0" lang="en-US" sz="1800" b="0" i="0" u="none" strike="noStrike" kern="1200" cap="none" spc="-1" normalizeH="0" baseline="0" noProof="0" dirty="0">
-              <a:ln>
-                <a:noFill/>
-              </a:ln>
-              <a:solidFill>
-                <a:srgbClr val="000000"/>
-              </a:solidFill>
-              <a:effectLst/>
-              <a:uLnTx/>
-              <a:uFill>
-                <a:solidFill>
-                  <a:srgbClr val="FFFFFF"/>
-                </a:solidFill>
-              </a:uFill>
-              <a:latin typeface="Arial"/>
-            </a:endParaRPr>
-          </a:p>
-          <a:p>
-            <a:pPr marL="216000" marR="0" lvl="0" indent="-216000" algn="just" defTabSz="914400" rtl="0" eaLnBrk="1" fontAlgn="auto" latinLnBrk="0" hangingPunct="1">
-              <a:lnSpc>
-                <a:spcPct val="120000"/>
-              </a:lnSpc>
-              <a:spcBef>
-                <a:spcPts val="0"/>
-              </a:spcBef>
-              <a:spcAft>
-                <a:spcPts val="0"/>
-              </a:spcAft>
-              <a:buClr>
-                <a:srgbClr val="808080"/>
-              </a:buClr>
-              <a:buSzPct val="45000"/>
-              <a:buFont typeface="Wingdings" charset="2"/>
-              <a:buChar char=""/>
-              <a:tabLst/>
-              <a:defRPr/>
-            </a:pPr>
-            <a:r>
-              <a:rPr kumimoji="0" lang="en-US" sz="1200" b="0" i="0" u="none" strike="noStrike" kern="1200" cap="none" spc="-1" normalizeH="0" baseline="0" noProof="0" dirty="0">
-                <a:ln>
-                  <a:noFill/>
-                </a:ln>
-                <a:solidFill>
-                  <a:srgbClr val="808080"/>
-                </a:solidFill>
-                <a:effectLst/>
-                <a:uLnTx/>
-                <a:uFill>
-                  <a:solidFill>
-                    <a:srgbClr val="FFFFFF"/>
-                  </a:solidFill>
-                </a:uFill>
-                <a:latin typeface="Calibri"/>
-              </a:rPr>
-              <a:t>We have a good project plan</a:t>
-            </a:r>
-            <a:endParaRPr kumimoji="0" lang="en-US" sz="1800" b="0" i="0" u="none" strike="noStrike" kern="1200" cap="none" spc="-1" normalizeH="0" baseline="0" noProof="0" dirty="0">
-              <a:ln>
-                <a:noFill/>
-              </a:ln>
-              <a:solidFill>
-                <a:srgbClr val="000000"/>
-              </a:solidFill>
-              <a:effectLst/>
-              <a:uLnTx/>
-              <a:uFill>
-                <a:solidFill>
-                  <a:srgbClr val="FFFFFF"/>
-                </a:solidFill>
-              </a:uFill>
-              <a:latin typeface="Arial"/>
-            </a:endParaRPr>
-          </a:p>
-          <a:p>
-            <a:pPr marL="216000" marR="0" lvl="0" indent="-216000" algn="just" defTabSz="914400" rtl="0" eaLnBrk="1" fontAlgn="auto" latinLnBrk="0" hangingPunct="1">
-              <a:lnSpc>
-                <a:spcPct val="120000"/>
-              </a:lnSpc>
-              <a:spcBef>
-                <a:spcPts val="0"/>
-              </a:spcBef>
-              <a:spcAft>
-                <a:spcPts val="0"/>
-              </a:spcAft>
-              <a:buClr>
-                <a:srgbClr val="808080"/>
-              </a:buClr>
-              <a:buSzPct val="45000"/>
-              <a:buFont typeface="Wingdings" charset="2"/>
-              <a:buChar char=""/>
-              <a:tabLst/>
-              <a:defRPr/>
-            </a:pPr>
-            <a:r>
-              <a:rPr kumimoji="0" lang="en-US" sz="1200" b="0" i="0" u="none" strike="noStrike" kern="1200" cap="none" spc="-1" normalizeH="0" baseline="0" noProof="0" dirty="0">
-                <a:ln>
-                  <a:noFill/>
-                </a:ln>
-                <a:solidFill>
-                  <a:srgbClr val="808080"/>
-                </a:solidFill>
-                <a:effectLst/>
-                <a:uLnTx/>
-                <a:uFill>
-                  <a:solidFill>
-                    <a:srgbClr val="FFFFFF"/>
-                  </a:solidFill>
-                </a:uFill>
-                <a:latin typeface="Calibri"/>
-              </a:rPr>
-              <a:t>All deliverables are done</a:t>
-            </a:r>
-            <a:endParaRPr kumimoji="0" lang="en-US" sz="1800" b="0" i="0" u="none" strike="noStrike" kern="1200" cap="none" spc="-1" normalizeH="0" baseline="0" noProof="0" dirty="0">
-              <a:ln>
-                <a:noFill/>
-              </a:ln>
-              <a:solidFill>
-                <a:srgbClr val="000000"/>
-              </a:solidFill>
-              <a:effectLst/>
-              <a:uLnTx/>
-              <a:uFill>
-                <a:solidFill>
-                  <a:srgbClr val="FFFFFF"/>
-                </a:solidFill>
-              </a:uFill>
-              <a:latin typeface="Arial"/>
-            </a:endParaRPr>
-          </a:p>
-        </p:txBody>
-      </p:sp>
-      <p:pic>
-        <p:nvPicPr>
-          <p:cNvPr id="299" name="Imagen 6"/>
-          <p:cNvPicPr/>
-          <p:nvPr/>
-        </p:nvPicPr>
-        <p:blipFill>
-          <a:blip r:embed="rId8" cstate="screen">
-            <a:extLst>
-              <a:ext uri="{28A0092B-C50C-407E-A947-70E740481C1C}">
-                <a14:useLocalDpi xmlns:a14="http://schemas.microsoft.com/office/drawing/2010/main"/>
-              </a:ext>
-            </a:extLst>
-          </a:blip>
-          <a:stretch/>
-        </p:blipFill>
-        <p:spPr>
-          <a:xfrm>
-            <a:off x="5124600" y="6251400"/>
-            <a:ext cx="177480" cy="175680"/>
-          </a:xfrm>
-          <a:prstGeom prst="rect">
-            <a:avLst/>
-          </a:prstGeom>
-          <a:ln>
-            <a:noFill/>
-          </a:ln>
-        </p:spPr>
-      </p:pic>
-      <p:sp>
-        <p:nvSpPr>
-          <p:cNvPr id="300" name="CustomShape 10"/>
-          <p:cNvSpPr/>
-          <p:nvPr/>
-        </p:nvSpPr>
-        <p:spPr>
-          <a:xfrm>
-            <a:off x="484200" y="3292920"/>
-            <a:ext cx="4519080" cy="474480"/>
-          </a:xfrm>
-          <a:prstGeom prst="rect">
-            <a:avLst/>
-          </a:prstGeom>
-          <a:noFill/>
-          <a:ln>
-            <a:noFill/>
-          </a:ln>
-        </p:spPr>
-        <p:style>
-          <a:lnRef idx="0">
-            <a:scrgbClr r="0" g="0" b="0"/>
-          </a:lnRef>
-          <a:fillRef idx="0">
-            <a:scrgbClr r="0" g="0" b="0"/>
-          </a:fillRef>
-          <a:effectRef idx="0">
-            <a:scrgbClr r="0" g="0" b="0"/>
-          </a:effectRef>
-          <a:fontRef idx="minor"/>
-        </p:style>
-        <p:txBody>
-          <a:bodyPr lIns="90000" tIns="45000" rIns="90000" bIns="45000" anchor="ctr"/>
-          <a:lstStyle/>
-          <a:p>
-            <a:pPr marL="0" marR="0" lvl="0" indent="0" algn="l" defTabSz="914400" rtl="0" eaLnBrk="1" fontAlgn="auto" latinLnBrk="0" hangingPunct="1">
-              <a:lnSpc>
-                <a:spcPts val="2032"/>
               </a:lnSpc>
               <a:spcBef>
                 <a:spcPts val="0"/>
@@ -14533,12 +20389,12 @@
               <a:defRPr/>
             </a:pPr>
             <a:r>
-              <a:rPr kumimoji="0" lang="en-US" sz="1600" b="1" i="0" u="none" strike="noStrike" kern="1200" cap="none" spc="-1" normalizeH="0" baseline="0" noProof="0">
+              <a:rPr kumimoji="0" lang="en-US" sz="1400" b="1" i="0" u="none" strike="noStrike" kern="1200" cap="none" spc="-1" normalizeH="0" baseline="0" noProof="0">
                 <a:ln>
                   <a:noFill/>
                 </a:ln>
                 <a:solidFill>
-                  <a:srgbClr val="404040"/>
+                  <a:srgbClr val="5F5F5F"/>
                 </a:solidFill>
                 <a:effectLst/>
                 <a:uLnTx/>
@@ -14549,7 +20405,7 @@
                 </a:uFill>
                 <a:latin typeface="Rockwell"/>
               </a:rPr>
-              <a:t>In retrospect...</a:t>
+              <a:t>The Good</a:t>
             </a:r>
             <a:endParaRPr kumimoji="0" lang="en-US" sz="1800" b="0" i="0" u="none" strike="noStrike" kern="1200" cap="none" spc="-1" normalizeH="0" baseline="0" noProof="0">
               <a:ln>
@@ -14572,14 +20428,14 @@
       </p:sp>
       <p:sp>
         <p:nvSpPr>
-          <p:cNvPr id="301" name="CustomShape 11"/>
+          <p:cNvPr id="220" name="CustomShape 11"/>
           <p:cNvSpPr/>
           <p:nvPr/>
         </p:nvSpPr>
         <p:spPr>
           <a:xfrm>
-            <a:off x="477720" y="3789040"/>
-            <a:ext cx="3553920" cy="1903232"/>
+            <a:off x="4937760" y="3688560"/>
+            <a:ext cx="2426760" cy="1523520"/>
           </a:xfrm>
           <a:prstGeom prst="rect">
             <a:avLst/>
@@ -14605,7 +20461,7 @@
           <a:bodyPr lIns="90000" tIns="45000" rIns="90000" bIns="45000"/>
           <a:lstStyle/>
           <a:p>
-            <a:pPr marL="216000" marR="0" lvl="0" indent="-216000" algn="just" defTabSz="914400" rtl="0" eaLnBrk="1" fontAlgn="auto" latinLnBrk="0" hangingPunct="1">
+            <a:pPr marL="216000" marR="0" lvl="0" indent="-216000" algn="l" defTabSz="914400" rtl="0" eaLnBrk="1" fontAlgn="auto" latinLnBrk="0" hangingPunct="1">
               <a:lnSpc>
                 <a:spcPct val="120000"/>
               </a:lnSpc>
@@ -14616,7 +20472,7 @@
                 <a:spcPts val="0"/>
               </a:spcAft>
               <a:buClr>
-                <a:srgbClr val="808080"/>
+                <a:srgbClr val="5F5F5F"/>
               </a:buClr>
               <a:buSzPct val="45000"/>
               <a:buFont typeface="Wingdings" charset="2"/>
@@ -14630,7 +20486,7 @@
                   <a:noFill/>
                 </a:ln>
                 <a:solidFill>
-                  <a:srgbClr val="808080"/>
+                  <a:srgbClr val="5F5F5F"/>
                 </a:solidFill>
                 <a:effectLst/>
                 <a:uLnTx/>
@@ -14641,147 +20497,8 @@
                 </a:uFill>
                 <a:latin typeface="Calibri"/>
               </a:rPr>
-              <a:t>Minutes “meeting review” section</a:t>
+              <a:t>Hard to keep focused</a:t>
             </a:r>
-            <a:endParaRPr lang="en-US" spc="-1" dirty="0">
-              <a:solidFill>
-                <a:srgbClr val="000000"/>
-              </a:solidFill>
-              <a:uFill>
-                <a:solidFill>
-                  <a:srgbClr val="FFFFFF"/>
-                </a:solidFill>
-              </a:uFill>
-              <a:latin typeface="Arial"/>
-            </a:endParaRPr>
-          </a:p>
-          <a:p>
-            <a:pPr marL="673200" lvl="1" indent="-216000" algn="just" fontAlgn="auto">
-              <a:lnSpc>
-                <a:spcPct val="120000"/>
-              </a:lnSpc>
-              <a:spcBef>
-                <a:spcPts val="0"/>
-              </a:spcBef>
-              <a:spcAft>
-                <a:spcPts val="0"/>
-              </a:spcAft>
-              <a:buClr>
-                <a:srgbClr val="808080"/>
-              </a:buClr>
-              <a:buSzPct val="45000"/>
-              <a:buFont typeface="Wingdings" charset="2"/>
-              <a:buChar char=""/>
-              <a:defRPr/>
-            </a:pPr>
-            <a:r>
-              <a:rPr lang="en-US" sz="1200" spc="-1" dirty="0">
-                <a:solidFill>
-                  <a:srgbClr val="808080"/>
-                </a:solidFill>
-                <a:uFill>
-                  <a:solidFill>
-                    <a:srgbClr val="FFFFFF"/>
-                  </a:solidFill>
-                </a:uFill>
-                <a:latin typeface="Calibri"/>
-              </a:rPr>
-              <a:t>Recurring issue: focus</a:t>
-            </a:r>
-          </a:p>
-          <a:p>
-            <a:pPr marL="216000" indent="-216000" fontAlgn="auto">
-              <a:lnSpc>
-                <a:spcPct val="120000"/>
-              </a:lnSpc>
-              <a:spcBef>
-                <a:spcPts val="0"/>
-              </a:spcBef>
-              <a:spcAft>
-                <a:spcPts val="0"/>
-              </a:spcAft>
-              <a:buClr>
-                <a:srgbClr val="808080"/>
-              </a:buClr>
-              <a:buSzPct val="45000"/>
-              <a:buFont typeface="Wingdings" charset="2"/>
-              <a:buChar char=""/>
-              <a:defRPr/>
-            </a:pPr>
-            <a:r>
-              <a:rPr kumimoji="0" lang="en-US" sz="1200" b="0" i="0" u="none" strike="noStrike" kern="1200" cap="none" spc="-1" normalizeH="0" baseline="0" noProof="0" dirty="0">
-                <a:ln>
-                  <a:noFill/>
-                </a:ln>
-                <a:solidFill>
-                  <a:srgbClr val="808080"/>
-                </a:solidFill>
-                <a:effectLst/>
-                <a:uLnTx/>
-                <a:uFill>
-                  <a:solidFill>
-                    <a:srgbClr val="FFFFFF"/>
-                  </a:solidFill>
-                </a:uFill>
-                <a:latin typeface="Calibri"/>
-              </a:rPr>
-              <a:t>Meeting discussion transition:</a:t>
-            </a:r>
-          </a:p>
-          <a:p>
-            <a:pPr marL="673200" lvl="1" indent="-216000" fontAlgn="auto">
-              <a:lnSpc>
-                <a:spcPct val="120000"/>
-              </a:lnSpc>
-              <a:spcBef>
-                <a:spcPts val="0"/>
-              </a:spcBef>
-              <a:spcAft>
-                <a:spcPts val="0"/>
-              </a:spcAft>
-              <a:buClr>
-                <a:srgbClr val="808080"/>
-              </a:buClr>
-              <a:buSzPct val="45000"/>
-              <a:buFont typeface="Wingdings" charset="2"/>
-              <a:buChar char=""/>
-              <a:defRPr/>
-            </a:pPr>
-            <a:r>
-              <a:rPr kumimoji="0" lang="en-US" sz="1200" b="0" i="0" u="none" strike="noStrike" kern="1200" cap="none" spc="-1" normalizeH="0" baseline="0" noProof="0" dirty="0">
-                <a:ln>
-                  <a:noFill/>
-                </a:ln>
-                <a:solidFill>
-                  <a:srgbClr val="808080"/>
-                </a:solidFill>
-                <a:effectLst/>
-                <a:uLnTx/>
-                <a:uFill>
-                  <a:solidFill>
-                    <a:srgbClr val="FFFFFF"/>
-                  </a:solidFill>
-                </a:uFill>
-                <a:latin typeface="Calibri"/>
-              </a:rPr>
-              <a:t>wide → narrow</a:t>
-            </a:r>
-            <a:endParaRPr kumimoji="0" lang="en-US" b="0" i="0" u="none" strike="noStrike" kern="1200" cap="none" spc="-1" normalizeH="0" baseline="0" noProof="0" dirty="0">
-              <a:ln>
-                <a:noFill/>
-              </a:ln>
-              <a:solidFill>
-                <a:srgbClr val="000000"/>
-              </a:solidFill>
-              <a:effectLst/>
-              <a:uLnTx/>
-              <a:uFill>
-                <a:solidFill>
-                  <a:srgbClr val="FFFFFF"/>
-                </a:solidFill>
-              </a:uFill>
-              <a:latin typeface="Arial"/>
-            </a:endParaRPr>
           </a:p>
           <a:p>
             <a:pPr marL="216000" marR="0" lvl="0" indent="-216000" algn="l" defTabSz="914400" rtl="0" eaLnBrk="1" fontAlgn="auto" latinLnBrk="0" hangingPunct="1">
@@ -14795,7 +20512,7 @@
                 <a:spcPts val="0"/>
               </a:spcAft>
               <a:buClr>
-                <a:srgbClr val="808080"/>
+                <a:srgbClr val="5F5F5F"/>
               </a:buClr>
               <a:buSzPct val="45000"/>
               <a:buFont typeface="Wingdings" charset="2"/>
@@ -14804,15 +20521,10 @@
               <a:defRPr/>
             </a:pPr>
             <a:r>
-              <a:rPr kumimoji="0" lang="en-US" sz="1200" b="0" i="0" u="none" strike="noStrike" kern="1200" cap="none" spc="-1" normalizeH="0" baseline="0" noProof="0" dirty="0">
-                <a:ln>
-                  <a:noFill/>
-                </a:ln>
-                <a:solidFill>
-                  <a:srgbClr val="808080"/>
-                </a:solidFill>
-                <a:effectLst/>
-                <a:uLnTx/>
+              <a:rPr lang="en-US" sz="1200" spc="-1" dirty="0">
+                <a:solidFill>
+                  <a:srgbClr val="5F5F5F"/>
+                </a:solidFill>
                 <a:uFill>
                   <a:solidFill>
                     <a:srgbClr val="FFFFFF"/>
@@ -14820,7 +20532,7 @@
                 </a:uFill>
                 <a:latin typeface="Calibri"/>
               </a:rPr>
-              <a:t>Deliverables: abstract → concrete</a:t>
+              <a:t>Overkill time use on UI and AI</a:t>
             </a:r>
           </a:p>
           <a:p>
@@ -14835,7 +20547,7 @@
                 <a:spcPts val="0"/>
               </a:spcAft>
               <a:buClr>
-                <a:srgbClr val="808080"/>
+                <a:srgbClr val="5F5F5F"/>
               </a:buClr>
               <a:buSzPct val="45000"/>
               <a:buFont typeface="Wingdings" charset="2"/>
@@ -14846,7 +20558,7 @@
             <a:r>
               <a:rPr lang="en-US" sz="1200" spc="-1" dirty="0">
                 <a:solidFill>
-                  <a:srgbClr val="808080"/>
+                  <a:srgbClr val="5F5F5F"/>
                 </a:solidFill>
                 <a:uFill>
                   <a:solidFill>
@@ -14855,24 +20567,8 @@
                 </a:uFill>
                 <a:latin typeface="Calibri"/>
               </a:rPr>
-              <a:t>Need to improve issue tracking and commit tagging with GitLab</a:t>
+              <a:t>Maven issues</a:t>
             </a:r>
-            <a:endParaRPr kumimoji="0" lang="en-US" sz="1200" b="0" i="0" u="none" strike="noStrike" kern="1200" cap="none" spc="-1" normalizeH="0" baseline="0" noProof="0" dirty="0">
-              <a:ln>
-                <a:noFill/>
-              </a:ln>
-              <a:solidFill>
-                <a:srgbClr val="808080"/>
-              </a:solidFill>
-              <a:effectLst/>
-              <a:uLnTx/>
-              <a:uFill>
-                <a:solidFill>
-                  <a:srgbClr val="FFFFFF"/>
-                </a:solidFill>
-              </a:uFill>
-              <a:latin typeface="Calibri"/>
-            </a:endParaRPr>
           </a:p>
           <a:p>
             <a:pPr marL="216000" marR="0" lvl="0" indent="-216000" algn="l" defTabSz="914400" rtl="0" eaLnBrk="1" fontAlgn="auto" latinLnBrk="0" hangingPunct="1">
@@ -14886,7 +20582,7 @@
                 <a:spcPts val="0"/>
               </a:spcAft>
               <a:buClr>
-                <a:srgbClr val="808080"/>
+                <a:srgbClr val="5F5F5F"/>
               </a:buClr>
               <a:buSzPct val="45000"/>
               <a:buFont typeface="Wingdings" charset="2"/>
@@ -14894,77 +20590,22 @@
               <a:tabLst/>
               <a:defRPr/>
             </a:pPr>
-            <a:r>
-              <a:rPr kumimoji="0" lang="en-US" sz="1200" b="0" i="0" u="none" strike="noStrike" kern="1200" cap="none" spc="-1" normalizeH="0" baseline="0" noProof="0" dirty="0">
-                <a:ln>
-                  <a:noFill/>
-                </a:ln>
-                <a:solidFill>
-                  <a:srgbClr val="808080"/>
-                </a:solidFill>
-                <a:effectLst/>
-                <a:uLnTx/>
-                <a:uFill>
-                  <a:solidFill>
-                    <a:srgbClr val="FFFFFF"/>
-                  </a:solidFill>
-                </a:uFill>
-                <a:latin typeface="Calibri"/>
-              </a:rPr>
-              <a:t>Took on a lot of work by making our own renderer and AI</a:t>
-            </a:r>
-            <a:endParaRPr lang="en-US" spc="-1" dirty="0">
+            <a:endParaRPr lang="en-US" sz="1200" spc="-1" dirty="0">
               <a:solidFill>
-                <a:srgbClr val="000000"/>
+                <a:srgbClr val="5F5F5F"/>
               </a:solidFill>
               <a:uFill>
                 <a:solidFill>
                   <a:srgbClr val="FFFFFF"/>
                 </a:solidFill>
               </a:uFill>
-              <a:latin typeface="Arial"/>
+              <a:latin typeface="Calibri"/>
             </a:endParaRPr>
           </a:p>
-        </p:txBody>
-      </p:sp>
-      <p:sp>
-        <p:nvSpPr>
-          <p:cNvPr id="302" name="CustomShape 12"/>
-          <p:cNvSpPr/>
-          <p:nvPr/>
-        </p:nvSpPr>
-        <p:spPr>
-          <a:xfrm>
-            <a:off x="4669920" y="3291840"/>
-            <a:ext cx="4519080" cy="474480"/>
-          </a:xfrm>
-          <a:prstGeom prst="rect">
-            <a:avLst/>
-          </a:prstGeom>
-          <a:noFill/>
-          <a:ln>
-            <a:noFill/>
-          </a:ln>
-        </p:spPr>
-        <p:style>
-          <a:lnRef idx="0">
-            <a:scrgbClr r="0" g="0" b="0"/>
-          </a:lnRef>
-          <a:fillRef idx="0">
-            <a:scrgbClr r="0" g="0" b="0"/>
-          </a:fillRef>
-          <a:effectRef idx="0">
-            <a:scrgbClr r="0" g="0" b="0"/>
-          </a:effectRef>
-          <a:fontRef idx="minor"/>
-        </p:style>
-        <p:txBody>
-          <a:bodyPr lIns="90000" tIns="45000" rIns="90000" bIns="45000" anchor="ctr"/>
-          <a:lstStyle/>
-          <a:p>
-            <a:pPr marL="0" marR="0" lvl="0" indent="0" algn="l" defTabSz="914400" rtl="0" eaLnBrk="1" fontAlgn="auto" latinLnBrk="0" hangingPunct="1">
+          <a:p>
+            <a:pPr marL="216000" marR="0" lvl="0" indent="-216000" algn="l" defTabSz="914400" rtl="0" eaLnBrk="1" fontAlgn="auto" latinLnBrk="0" hangingPunct="1">
               <a:lnSpc>
-                <a:spcPts val="2032"/>
+                <a:spcPct val="120000"/>
               </a:lnSpc>
               <a:spcBef>
                 <a:spcPts val="0"/>
@@ -14972,33 +20613,16 @@
               <a:spcAft>
                 <a:spcPts val="0"/>
               </a:spcAft>
-              <a:buClrTx/>
-              <a:buSzTx/>
-              <a:buFontTx/>
-              <a:buNone/>
+              <a:buClr>
+                <a:srgbClr val="5F5F5F"/>
+              </a:buClr>
+              <a:buSzPct val="45000"/>
+              <a:buFont typeface="Wingdings" charset="2"/>
+              <a:buChar char=""/>
               <a:tabLst/>
               <a:defRPr/>
             </a:pPr>
-            <a:r>
-              <a:rPr kumimoji="0" lang="en-US" sz="1600" b="1" i="0" u="none" strike="noStrike" kern="1200" cap="none" spc="-1" normalizeH="0" baseline="0" noProof="0">
-                <a:ln>
-                  <a:noFill/>
-                </a:ln>
-                <a:solidFill>
-                  <a:srgbClr val="404040"/>
-                </a:solidFill>
-                <a:effectLst/>
-                <a:uLnTx/>
-                <a:uFill>
-                  <a:solidFill>
-                    <a:srgbClr val="FFFFFF"/>
-                  </a:solidFill>
-                </a:uFill>
-                <a:latin typeface="Rockwell"/>
-              </a:rPr>
-              <a:t>In conclusion:</a:t>
-            </a:r>
-            <a:endParaRPr kumimoji="0" lang="en-US" sz="1800" b="0" i="0" u="none" strike="noStrike" kern="1200" cap="none" spc="-1" normalizeH="0" baseline="0" noProof="0">
+            <a:endParaRPr kumimoji="0" lang="en-US" sz="1800" b="0" i="0" u="none" strike="noStrike" kern="1200" cap="none" spc="-1" normalizeH="0" baseline="0" noProof="0" dirty="0">
               <a:ln>
                 <a:noFill/>
               </a:ln>
@@ -15019,14 +20643,14 @@
       </p:sp>
       <p:sp>
         <p:nvSpPr>
-          <p:cNvPr id="303" name="CustomShape 13"/>
+          <p:cNvPr id="221" name="CustomShape 12"/>
           <p:cNvSpPr/>
           <p:nvPr/>
         </p:nvSpPr>
         <p:spPr>
           <a:xfrm>
-            <a:off x="4663440" y="3789040"/>
-            <a:ext cx="3553920" cy="1512360"/>
+            <a:off x="4937760" y="3291840"/>
+            <a:ext cx="2426760" cy="350640"/>
           </a:xfrm>
           <a:prstGeom prst="rect">
             <a:avLst/>
@@ -15052,6 +20676,148 @@
           <a:bodyPr lIns="90000" tIns="45000" rIns="90000" bIns="45000"/>
           <a:lstStyle/>
           <a:p>
+            <a:pPr marL="0" marR="0" lvl="0" indent="0" algn="l" defTabSz="914400" rtl="0" eaLnBrk="1" fontAlgn="auto" latinLnBrk="0" hangingPunct="1">
+              <a:lnSpc>
+                <a:spcPct val="120000"/>
+              </a:lnSpc>
+              <a:spcBef>
+                <a:spcPts val="0"/>
+              </a:spcBef>
+              <a:spcAft>
+                <a:spcPts val="0"/>
+              </a:spcAft>
+              <a:buClrTx/>
+              <a:buSzTx/>
+              <a:buFontTx/>
+              <a:buNone/>
+              <a:tabLst/>
+              <a:defRPr/>
+            </a:pPr>
+            <a:r>
+              <a:rPr kumimoji="0" lang="en-US" sz="1400" b="1" i="0" u="none" strike="noStrike" kern="1200" cap="none" spc="-1" normalizeH="0" baseline="0" noProof="0">
+                <a:ln>
+                  <a:noFill/>
+                </a:ln>
+                <a:solidFill>
+                  <a:srgbClr val="5F5F5F"/>
+                </a:solidFill>
+                <a:effectLst/>
+                <a:uLnTx/>
+                <a:uFill>
+                  <a:solidFill>
+                    <a:srgbClr val="FFFFFF"/>
+                  </a:solidFill>
+                </a:uFill>
+                <a:latin typeface="Rockwell"/>
+              </a:rPr>
+              <a:t>The Bad</a:t>
+            </a:r>
+            <a:endParaRPr kumimoji="0" lang="en-US" sz="1800" b="0" i="0" u="none" strike="noStrike" kern="1200" cap="none" spc="-1" normalizeH="0" baseline="0" noProof="0">
+              <a:ln>
+                <a:noFill/>
+              </a:ln>
+              <a:solidFill>
+                <a:srgbClr val="000000"/>
+              </a:solidFill>
+              <a:effectLst/>
+              <a:uLnTx/>
+              <a:uFill>
+                <a:solidFill>
+                  <a:srgbClr val="FFFFFF"/>
+                </a:solidFill>
+              </a:uFill>
+              <a:latin typeface="Arial"/>
+            </a:endParaRPr>
+          </a:p>
+        </p:txBody>
+      </p:sp>
+      <p:pic>
+        <p:nvPicPr>
+          <p:cNvPr id="222" name="Bilde 221"/>
+          <p:cNvPicPr/>
+          <p:nvPr/>
+        </p:nvPicPr>
+        <p:blipFill>
+          <a:blip r:embed="rId9"/>
+          <a:stretch/>
+        </p:blipFill>
+        <p:spPr>
+          <a:xfrm>
+            <a:off x="546480" y="1920240"/>
+            <a:ext cx="1373760" cy="1348920"/>
+          </a:xfrm>
+          <a:prstGeom prst="rect">
+            <a:avLst/>
+          </a:prstGeom>
+          <a:ln>
+            <a:noFill/>
+          </a:ln>
+        </p:spPr>
+      </p:pic>
+      <p:pic>
+        <p:nvPicPr>
+          <p:cNvPr id="223" name="Bilde 222"/>
+          <p:cNvPicPr/>
+          <p:nvPr/>
+        </p:nvPicPr>
+        <p:blipFill>
+          <a:blip r:embed="rId10"/>
+          <a:stretch/>
+        </p:blipFill>
+        <p:spPr>
+          <a:xfrm>
+            <a:off x="5007960" y="1990440"/>
+            <a:ext cx="1301400" cy="1301400"/>
+          </a:xfrm>
+          <a:prstGeom prst="rect">
+            <a:avLst/>
+          </a:prstGeom>
+          <a:ln>
+            <a:noFill/>
+          </a:ln>
+        </p:spPr>
+      </p:pic>
+      <p:sp>
+        <p:nvSpPr>
+          <p:cNvPr id="23" name="CustomShape 7">
+            <a:extLst>
+              <a:ext uri="{FF2B5EF4-FFF2-40B4-BE49-F238E27FC236}">
+                <a16:creationId xmlns:a16="http://schemas.microsoft.com/office/drawing/2014/main" id="{77A4E5D6-1A49-4CF9-AF4A-2EDEB5927786}"/>
+              </a:ext>
+            </a:extLst>
+          </p:cNvPr>
+          <p:cNvSpPr/>
+          <p:nvPr/>
+        </p:nvSpPr>
+        <p:spPr>
+          <a:xfrm>
+            <a:off x="396808" y="3760971"/>
+            <a:ext cx="3338552" cy="1523520"/>
+          </a:xfrm>
+          <a:prstGeom prst="rect">
+            <a:avLst/>
+          </a:prstGeom>
+          <a:noFill/>
+          <a:ln>
+            <a:noFill/>
+          </a:ln>
+        </p:spPr>
+        <p:style>
+          <a:lnRef idx="0">
+            <a:scrgbClr r="0" g="0" b="0"/>
+          </a:lnRef>
+          <a:fillRef idx="0">
+            <a:scrgbClr r="0" g="0" b="0"/>
+          </a:fillRef>
+          <a:effectRef idx="0">
+            <a:scrgbClr r="0" g="0" b="0"/>
+          </a:effectRef>
+          <a:fontRef idx="minor"/>
+        </p:style>
+        <p:txBody>
+          <a:bodyPr lIns="90000" tIns="45000" rIns="90000" bIns="45000"/>
+          <a:lstStyle/>
+          <a:p>
             <a:pPr marL="216000" marR="0" lvl="0" indent="-216000" algn="l" defTabSz="914400" rtl="0" eaLnBrk="1" fontAlgn="auto" latinLnBrk="0" hangingPunct="1">
               <a:lnSpc>
                 <a:spcPct val="120000"/>
@@ -15063,7 +20829,7 @@
                 <a:spcPts val="0"/>
               </a:spcAft>
               <a:buClr>
-                <a:srgbClr val="808080"/>
+                <a:srgbClr val="5F5F5F"/>
               </a:buClr>
               <a:buSzPct val="45000"/>
               <a:buFont typeface="Wingdings" charset="2"/>
@@ -15077,7 +20843,7 @@
                   <a:noFill/>
                 </a:ln>
                 <a:solidFill>
-                  <a:srgbClr val="808080"/>
+                  <a:srgbClr val="5F5F5F"/>
                 </a:solidFill>
                 <a:effectLst/>
                 <a:uLnTx/>
@@ -15088,11 +20854,27 @@
                 </a:uFill>
                 <a:latin typeface="Calibri"/>
               </a:rPr>
-              <a:t>Our process has changed as we have learned from our experience</a:t>
+              <a:t>Quick to get organized, assigning roles</a:t>
             </a:r>
-          </a:p>
-          <a:p>
-            <a:pPr marL="216000" marR="0" lvl="0" indent="-216000" algn="l" defTabSz="914400" rtl="0" eaLnBrk="1" fontAlgn="auto" latinLnBrk="0" hangingPunct="1">
+            <a:endParaRPr kumimoji="0" lang="en-US" sz="1800" b="0" i="0" u="none" strike="noStrike" kern="1200" cap="none" spc="-1" normalizeH="0" baseline="0" noProof="0" dirty="0">
+              <a:ln>
+                <a:noFill/>
+              </a:ln>
+              <a:solidFill>
+                <a:srgbClr val="000000"/>
+              </a:solidFill>
+              <a:effectLst/>
+              <a:uLnTx/>
+              <a:uFill>
+                <a:solidFill>
+                  <a:srgbClr val="FFFFFF"/>
+                </a:solidFill>
+              </a:uFill>
+              <a:latin typeface="Arial"/>
+            </a:endParaRPr>
+          </a:p>
+          <a:p>
+            <a:pPr marL="216000" marR="0" lvl="0" indent="-216000" algn="just" defTabSz="914400" rtl="0" eaLnBrk="1" fontAlgn="auto" latinLnBrk="0" hangingPunct="1">
               <a:lnSpc>
                 <a:spcPct val="120000"/>
               </a:lnSpc>
@@ -15103,7 +20885,7 @@
                 <a:spcPts val="0"/>
               </a:spcAft>
               <a:buClr>
-                <a:srgbClr val="808080"/>
+                <a:srgbClr val="5F5F5F"/>
               </a:buClr>
               <a:buSzPct val="45000"/>
               <a:buFont typeface="Wingdings" charset="2"/>
@@ -15117,7 +20899,7 @@
                   <a:noFill/>
                 </a:ln>
                 <a:solidFill>
-                  <a:srgbClr val="808080"/>
+                  <a:srgbClr val="5F5F5F"/>
                 </a:solidFill>
                 <a:effectLst/>
                 <a:uLnTx/>
@@ -15128,203 +20910,522 @@
                 </a:uFill>
                 <a:latin typeface="Calibri"/>
               </a:rPr>
-              <a:t>We made a chess game.</a:t>
+              <a:t>High team spirit</a:t>
             </a:r>
+            <a:endParaRPr kumimoji="0" lang="en-US" sz="1800" b="0" i="0" u="none" strike="noStrike" kern="1200" cap="none" spc="-1" normalizeH="0" baseline="0" noProof="0" dirty="0">
+              <a:ln>
+                <a:noFill/>
+              </a:ln>
+              <a:solidFill>
+                <a:srgbClr val="000000"/>
+              </a:solidFill>
+              <a:effectLst/>
+              <a:uLnTx/>
+              <a:uFill>
+                <a:solidFill>
+                  <a:srgbClr val="FFFFFF"/>
+                </a:solidFill>
+              </a:uFill>
+              <a:latin typeface="Arial"/>
+            </a:endParaRPr>
+          </a:p>
+          <a:p>
+            <a:pPr marL="216000" marR="0" lvl="0" indent="-216000" algn="l" defTabSz="914400" rtl="0" eaLnBrk="1" fontAlgn="auto" latinLnBrk="0" hangingPunct="1">
+              <a:lnSpc>
+                <a:spcPct val="120000"/>
+              </a:lnSpc>
+              <a:spcBef>
+                <a:spcPts val="0"/>
+              </a:spcBef>
+              <a:spcAft>
+                <a:spcPts val="0"/>
+              </a:spcAft>
+              <a:buClr>
+                <a:srgbClr val="5F5F5F"/>
+              </a:buClr>
+              <a:buSzPct val="45000"/>
+              <a:buFont typeface="Wingdings" charset="2"/>
+              <a:buChar char=""/>
+              <a:tabLst/>
+              <a:defRPr/>
+            </a:pPr>
+            <a:r>
+              <a:rPr kumimoji="0" lang="en-US" sz="1200" b="0" i="0" u="none" strike="noStrike" kern="1200" cap="none" spc="-1" normalizeH="0" baseline="0" noProof="0" dirty="0">
+                <a:ln>
+                  <a:noFill/>
+                </a:ln>
+                <a:solidFill>
+                  <a:srgbClr val="5F5F5F"/>
+                </a:solidFill>
+                <a:effectLst/>
+                <a:uLnTx/>
+                <a:uFill>
+                  <a:solidFill>
+                    <a:srgbClr val="FFFFFF"/>
+                  </a:solidFill>
+                </a:uFill>
+                <a:latin typeface="Calibri"/>
+              </a:rPr>
+              <a:t>Good overall team competence</a:t>
+            </a:r>
+          </a:p>
+          <a:p>
+            <a:pPr marL="216000" marR="0" lvl="0" indent="-216000" algn="l" defTabSz="914400" rtl="0" eaLnBrk="1" fontAlgn="auto" latinLnBrk="0" hangingPunct="1">
+              <a:lnSpc>
+                <a:spcPct val="120000"/>
+              </a:lnSpc>
+              <a:spcBef>
+                <a:spcPts val="0"/>
+              </a:spcBef>
+              <a:spcAft>
+                <a:spcPts val="0"/>
+              </a:spcAft>
+              <a:buClr>
+                <a:srgbClr val="5F5F5F"/>
+              </a:buClr>
+              <a:buSzPct val="45000"/>
+              <a:buFont typeface="Wingdings" charset="2"/>
+              <a:buChar char=""/>
+              <a:tabLst/>
+              <a:defRPr/>
+            </a:pPr>
+            <a:r>
+              <a:rPr lang="en-US" sz="1200" spc="-1" dirty="0">
+                <a:solidFill>
+                  <a:srgbClr val="5F5F5F"/>
+                </a:solidFill>
+                <a:uFill>
+                  <a:solidFill>
+                    <a:srgbClr val="FFFFFF"/>
+                  </a:solidFill>
+                </a:uFill>
+                <a:latin typeface="Calibri"/>
+              </a:rPr>
+              <a:t>Frequent communication</a:t>
+            </a:r>
+            <a:endParaRPr kumimoji="0" lang="en-US" sz="1800" b="0" i="0" u="none" strike="noStrike" kern="1200" cap="none" spc="-1" normalizeH="0" baseline="0" noProof="0" dirty="0">
+              <a:ln>
+                <a:noFill/>
+              </a:ln>
+              <a:solidFill>
+                <a:srgbClr val="000000"/>
+              </a:solidFill>
+              <a:effectLst/>
+              <a:uLnTx/>
+              <a:uFill>
+                <a:solidFill>
+                  <a:srgbClr val="FFFFFF"/>
+                </a:solidFill>
+              </a:uFill>
+              <a:latin typeface="Arial"/>
+            </a:endParaRPr>
           </a:p>
         </p:txBody>
       </p:sp>
     </p:spTree>
     <p:extLst>
       <p:ext uri="{BB962C8B-B14F-4D97-AF65-F5344CB8AC3E}">
-        <p14:creationId xmlns:p14="http://schemas.microsoft.com/office/powerpoint/2010/main" val="828667984"/>
+        <p14:creationId xmlns:p14="http://schemas.microsoft.com/office/powerpoint/2010/main" val="1424156353"/>
       </p:ext>
     </p:extLst>
   </p:cSld>
   <p:clrMapOvr>
     <a:masterClrMapping/>
   </p:clrMapOvr>
-</p:sld>
-</file>
-
-<file path=ppt/slides/slide9.xml><?xml version="1.0" encoding="utf-8"?>
-<p:sld xmlns:a="http://schemas.openxmlformats.org/drawingml/2006/main" xmlns:r="http://schemas.openxmlformats.org/officeDocument/2006/relationships" xmlns:p="http://schemas.openxmlformats.org/presentationml/2006/main">
-  <p:cSld>
-    <p:bg>
-      <p:bgPr>
-        <a:blipFill dpi="0" rotWithShape="0">
-          <a:blip r:embed="rId2"/>
-          <a:srcRect/>
-          <a:stretch>
-            <a:fillRect/>
-          </a:stretch>
-        </a:blipFill>
-        <a:effectLst/>
-      </p:bgPr>
-    </p:bg>
-    <p:spTree>
-      <p:nvGrpSpPr>
-        <p:cNvPr id="1" name=""/>
-        <p:cNvGrpSpPr/>
-        <p:nvPr/>
-      </p:nvGrpSpPr>
-      <p:grpSpPr>
-        <a:xfrm>
-          <a:off x="0" y="0"/>
-          <a:ext cx="0" cy="0"/>
-          <a:chOff x="0" y="0"/>
-          <a:chExt cx="0" cy="0"/>
-        </a:xfrm>
-      </p:grpSpPr>
-      <p:sp>
-        <p:nvSpPr>
-          <p:cNvPr id="4" name="1 Título"/>
-          <p:cNvSpPr txBox="1">
-            <a:spLocks/>
-          </p:cNvSpPr>
-          <p:nvPr/>
-        </p:nvSpPr>
-        <p:spPr>
-          <a:xfrm>
-            <a:off x="323850" y="1412875"/>
-            <a:ext cx="5902325" cy="863600"/>
-          </a:xfrm>
-          <a:prstGeom prst="rect">
-            <a:avLst/>
-          </a:prstGeom>
-        </p:spPr>
-        <p:txBody>
-          <a:bodyPr anchor="ctr"/>
-          <a:lstStyle>
-            <a:lvl1pPr>
-              <a:defRPr>
-                <a:solidFill>
-                  <a:schemeClr val="tx1"/>
-                </a:solidFill>
-                <a:latin typeface="Calibri" pitchFamily="34" charset="0"/>
-              </a:defRPr>
-            </a:lvl1pPr>
-            <a:lvl2pPr marL="742950" indent="-285750">
-              <a:defRPr>
-                <a:solidFill>
-                  <a:schemeClr val="tx1"/>
-                </a:solidFill>
-                <a:latin typeface="Calibri" pitchFamily="34" charset="0"/>
-              </a:defRPr>
-            </a:lvl2pPr>
-            <a:lvl3pPr marL="1143000" indent="-228600">
-              <a:defRPr>
-                <a:solidFill>
-                  <a:schemeClr val="tx1"/>
-                </a:solidFill>
-                <a:latin typeface="Calibri" pitchFamily="34" charset="0"/>
-              </a:defRPr>
-            </a:lvl3pPr>
-            <a:lvl4pPr marL="1600200" indent="-228600">
-              <a:defRPr>
-                <a:solidFill>
-                  <a:schemeClr val="tx1"/>
-                </a:solidFill>
-                <a:latin typeface="Calibri" pitchFamily="34" charset="0"/>
-              </a:defRPr>
-            </a:lvl4pPr>
-            <a:lvl5pPr marL="2057400" indent="-228600">
-              <a:defRPr>
-                <a:solidFill>
-                  <a:schemeClr val="tx1"/>
-                </a:solidFill>
-                <a:latin typeface="Calibri" pitchFamily="34" charset="0"/>
-              </a:defRPr>
-            </a:lvl5pPr>
-            <a:lvl6pPr marL="2514600" indent="-228600" fontAlgn="base">
-              <a:spcBef>
-                <a:spcPct val="0"/>
-              </a:spcBef>
-              <a:spcAft>
-                <a:spcPct val="0"/>
-              </a:spcAft>
-              <a:defRPr>
-                <a:solidFill>
-                  <a:schemeClr val="tx1"/>
-                </a:solidFill>
-                <a:latin typeface="Calibri" pitchFamily="34" charset="0"/>
-              </a:defRPr>
-            </a:lvl6pPr>
-            <a:lvl7pPr marL="2971800" indent="-228600" fontAlgn="base">
-              <a:spcBef>
-                <a:spcPct val="0"/>
-              </a:spcBef>
-              <a:spcAft>
-                <a:spcPct val="0"/>
-              </a:spcAft>
-              <a:defRPr>
-                <a:solidFill>
-                  <a:schemeClr val="tx1"/>
-                </a:solidFill>
-                <a:latin typeface="Calibri" pitchFamily="34" charset="0"/>
-              </a:defRPr>
-            </a:lvl7pPr>
-            <a:lvl8pPr marL="3429000" indent="-228600" fontAlgn="base">
-              <a:spcBef>
-                <a:spcPct val="0"/>
-              </a:spcBef>
-              <a:spcAft>
-                <a:spcPct val="0"/>
-              </a:spcAft>
-              <a:defRPr>
-                <a:solidFill>
-                  <a:schemeClr val="tx1"/>
-                </a:solidFill>
-                <a:latin typeface="Calibri" pitchFamily="34" charset="0"/>
-              </a:defRPr>
-            </a:lvl8pPr>
-            <a:lvl9pPr marL="3886200" indent="-228600" fontAlgn="base">
-              <a:spcBef>
-                <a:spcPct val="0"/>
-              </a:spcBef>
-              <a:spcAft>
-                <a:spcPct val="0"/>
-              </a:spcAft>
-              <a:defRPr>
-                <a:solidFill>
-                  <a:schemeClr val="tx1"/>
-                </a:solidFill>
-                <a:latin typeface="Calibri" pitchFamily="34" charset="0"/>
-              </a:defRPr>
-            </a:lvl9pPr>
-          </a:lstStyle>
-          <a:p>
-            <a:pPr>
-              <a:lnSpc>
-                <a:spcPts val="5763"/>
-              </a:lnSpc>
-            </a:pPr>
-            <a:r>
-              <a:rPr lang="es-HN" sz="4900" b="1">
-                <a:solidFill>
-                  <a:srgbClr val="404040"/>
-                </a:solidFill>
-                <a:latin typeface="Rockwell" pitchFamily="18" charset="0"/>
-              </a:rPr>
-              <a:t>THANK </a:t>
-            </a:r>
-            <a:r>
-              <a:rPr lang="es-HN" sz="4900" b="1">
-                <a:solidFill>
-                  <a:srgbClr val="FFC000"/>
-                </a:solidFill>
-                <a:latin typeface="Rockwell" pitchFamily="18" charset="0"/>
-              </a:rPr>
-              <a:t>YOU</a:t>
-            </a:r>
-          </a:p>
-        </p:txBody>
-      </p:sp>
-    </p:spTree>
-  </p:cSld>
-  <p:clrMapOvr>
-    <a:masterClrMapping/>
-  </p:clrMapOvr>
-  <p:transition/>
+  <p:timing>
+    <p:tnLst>
+      <p:par>
+        <p:cTn id="1" dur="indefinite" restart="never" nodeType="tmRoot">
+          <p:childTnLst>
+            <p:seq>
+              <p:cTn id="2" nodeType="mainSeq">
+                <p:childTnLst>
+                  <p:par>
+                    <p:cTn id="3" fill="freeze">
+                      <p:stCondLst>
+                        <p:cond delay="0"/>
+                      </p:stCondLst>
+                      <p:childTnLst>
+                        <p:par>
+                          <p:cTn id="4" fill="freeze">
+                            <p:stCondLst>
+                              <p:cond delay="0"/>
+                            </p:stCondLst>
+                            <p:childTnLst>
+                              <p:par>
+                                <p:cTn id="5" presetID="29" presetClass="entr" fill="hold" nodeType="withEffect">
+                                  <p:stCondLst>
+                                    <p:cond delay="0"/>
+                                  </p:stCondLst>
+                                  <p:childTnLst>
+                                    <p:set>
+                                      <p:cBhvr>
+                                        <p:cTn id="6" dur="1" fill="hold">
+                                          <p:stCondLst>
+                                            <p:cond delay="0"/>
+                                          </p:stCondLst>
+                                        </p:cTn>
+                                        <p:tgtEl>
+                                          <p:spTgt spid="207"/>
+                                        </p:tgtEl>
+                                        <p:attrNameLst>
+                                          <p:attrName>style.visibility</p:attrName>
+                                        </p:attrNameLst>
+                                      </p:cBhvr>
+                                      <p:to>
+                                        <p:strVal val="visible"/>
+                                      </p:to>
+                                    </p:set>
+                                    <p:anim calcmode="lin" valueType="num">
+                                      <p:cBhvr additive="repl">
+                                        <p:cTn id="7" dur="1000" fill="hold"/>
+                                        <p:tgtEl>
+                                          <p:spTgt spid="207"/>
+                                        </p:tgtEl>
+                                        <p:attrNameLst>
+                                          <p:attrName>ppt_x</p:attrName>
+                                        </p:attrNameLst>
+                                      </p:cBhvr>
+                                      <p:tavLst>
+                                        <p:tav tm="0">
+                                          <p:val>
+                                            <p:strVal val="#ppt_x-.2"/>
+                                          </p:val>
+                                        </p:tav>
+                                        <p:tav tm="100000">
+                                          <p:val>
+                                            <p:strVal val="#ppt_x"/>
+                                          </p:val>
+                                        </p:tav>
+                                      </p:tavLst>
+                                    </p:anim>
+                                    <p:anim calcmode="lin" valueType="num">
+                                      <p:cBhvr additive="repl">
+                                        <p:cTn id="8" dur="1000" fill="hold"/>
+                                        <p:tgtEl>
+                                          <p:spTgt spid="207"/>
+                                        </p:tgtEl>
+                                        <p:attrNameLst>
+                                          <p:attrName>ppt_y</p:attrName>
+                                        </p:attrNameLst>
+                                      </p:cBhvr>
+                                      <p:tavLst>
+                                        <p:tav tm="0">
+                                          <p:val>
+                                            <p:strVal val="#ppt_y"/>
+                                          </p:val>
+                                        </p:tav>
+                                        <p:tav tm="100000">
+                                          <p:val>
+                                            <p:strVal val="#ppt_y"/>
+                                          </p:val>
+                                        </p:tav>
+                                      </p:tavLst>
+                                    </p:anim>
+                                    <p:animEffect transition="out" filter="wipe(right)">
+                                      <p:cBhvr additive="repl">
+                                        <p:cTn id="9" dur="1000"/>
+                                        <p:tgtEl>
+                                          <p:spTgt spid="207"/>
+                                        </p:tgtEl>
+                                      </p:cBhvr>
+                                    </p:animEffect>
+                                  </p:childTnLst>
+                                </p:cTn>
+                              </p:par>
+                              <p:par>
+                                <p:cTn id="10" presetID="29" presetClass="entr" fill="hold" nodeType="withEffect">
+                                  <p:stCondLst>
+                                    <p:cond delay="0"/>
+                                  </p:stCondLst>
+                                  <p:childTnLst>
+                                    <p:set>
+                                      <p:cBhvr>
+                                        <p:cTn id="11" dur="1" fill="hold">
+                                          <p:stCondLst>
+                                            <p:cond delay="0"/>
+                                          </p:stCondLst>
+                                        </p:cTn>
+                                        <p:tgtEl>
+                                          <p:spTgt spid="204"/>
+                                        </p:tgtEl>
+                                        <p:attrNameLst>
+                                          <p:attrName>style.visibility</p:attrName>
+                                        </p:attrNameLst>
+                                      </p:cBhvr>
+                                      <p:to>
+                                        <p:strVal val="visible"/>
+                                      </p:to>
+                                    </p:set>
+                                    <p:anim calcmode="lin" valueType="num">
+                                      <p:cBhvr additive="repl">
+                                        <p:cTn id="12" dur="1000" fill="hold"/>
+                                        <p:tgtEl>
+                                          <p:spTgt spid="204"/>
+                                        </p:tgtEl>
+                                        <p:attrNameLst>
+                                          <p:attrName>ppt_x</p:attrName>
+                                        </p:attrNameLst>
+                                      </p:cBhvr>
+                                      <p:tavLst>
+                                        <p:tav tm="0">
+                                          <p:val>
+                                            <p:strVal val="#ppt_x-.2"/>
+                                          </p:val>
+                                        </p:tav>
+                                        <p:tav tm="100000">
+                                          <p:val>
+                                            <p:strVal val="#ppt_x"/>
+                                          </p:val>
+                                        </p:tav>
+                                      </p:tavLst>
+                                    </p:anim>
+                                    <p:anim calcmode="lin" valueType="num">
+                                      <p:cBhvr additive="repl">
+                                        <p:cTn id="13" dur="1000" fill="hold"/>
+                                        <p:tgtEl>
+                                          <p:spTgt spid="204"/>
+                                        </p:tgtEl>
+                                        <p:attrNameLst>
+                                          <p:attrName>ppt_y</p:attrName>
+                                        </p:attrNameLst>
+                                      </p:cBhvr>
+                                      <p:tavLst>
+                                        <p:tav tm="0">
+                                          <p:val>
+                                            <p:strVal val="#ppt_y"/>
+                                          </p:val>
+                                        </p:tav>
+                                        <p:tav tm="100000">
+                                          <p:val>
+                                            <p:strVal val="#ppt_y"/>
+                                          </p:val>
+                                        </p:tav>
+                                      </p:tavLst>
+                                    </p:anim>
+                                    <p:animEffect transition="out" filter="wipe(right)">
+                                      <p:cBhvr additive="repl">
+                                        <p:cTn id="14" dur="1000"/>
+                                        <p:tgtEl>
+                                          <p:spTgt spid="204"/>
+                                        </p:tgtEl>
+                                      </p:cBhvr>
+                                    </p:animEffect>
+                                  </p:childTnLst>
+                                </p:cTn>
+                              </p:par>
+                            </p:childTnLst>
+                          </p:cTn>
+                        </p:par>
+                        <p:par>
+                          <p:cTn id="15" fill="freeze">
+                            <p:stCondLst>
+                              <p:cond delay="1000"/>
+                            </p:stCondLst>
+                            <p:childTnLst>
+                              <p:par>
+                                <p:cTn id="16" presetID="10" presetClass="entr" fill="hold" nodeType="afterEffect">
+                                  <p:stCondLst>
+                                    <p:cond delay="0"/>
+                                  </p:stCondLst>
+                                  <p:childTnLst>
+                                    <p:set>
+                                      <p:cBhvr>
+                                        <p:cTn id="17" dur="1" fill="hold">
+                                          <p:stCondLst>
+                                            <p:cond delay="0"/>
+                                          </p:stCondLst>
+                                        </p:cTn>
+                                        <p:tgtEl>
+                                          <p:spTgt spid="208"/>
+                                        </p:tgtEl>
+                                        <p:attrNameLst>
+                                          <p:attrName>style.visibility</p:attrName>
+                                        </p:attrNameLst>
+                                      </p:cBhvr>
+                                      <p:to>
+                                        <p:strVal val="visible"/>
+                                      </p:to>
+                                    </p:set>
+                                    <p:animEffect transition="in" filter="fade">
+                                      <p:cBhvr additive="repl">
+                                        <p:cTn id="18" dur="2000"/>
+                                        <p:tgtEl>
+                                          <p:spTgt spid="208"/>
+                                        </p:tgtEl>
+                                      </p:cBhvr>
+                                    </p:animEffect>
+                                  </p:childTnLst>
+                                </p:cTn>
+                              </p:par>
+                              <p:par>
+                                <p:cTn id="19" presetID="10" presetClass="entr" fill="hold" nodeType="withEffect">
+                                  <p:stCondLst>
+                                    <p:cond delay="0"/>
+                                  </p:stCondLst>
+                                  <p:childTnLst>
+                                    <p:set>
+                                      <p:cBhvr>
+                                        <p:cTn id="20" dur="1" fill="hold">
+                                          <p:stCondLst>
+                                            <p:cond delay="0"/>
+                                          </p:stCondLst>
+                                        </p:cTn>
+                                        <p:tgtEl>
+                                          <p:spTgt spid="219"/>
+                                        </p:tgtEl>
+                                        <p:attrNameLst>
+                                          <p:attrName>style.visibility</p:attrName>
+                                        </p:attrNameLst>
+                                      </p:cBhvr>
+                                      <p:to>
+                                        <p:strVal val="visible"/>
+                                      </p:to>
+                                    </p:set>
+                                    <p:animEffect transition="in" filter="fade">
+                                      <p:cBhvr additive="repl">
+                                        <p:cTn id="21" dur="2000"/>
+                                        <p:tgtEl>
+                                          <p:spTgt spid="219"/>
+                                        </p:tgtEl>
+                                      </p:cBhvr>
+                                    </p:animEffect>
+                                  </p:childTnLst>
+                                </p:cTn>
+                              </p:par>
+                              <p:par>
+                                <p:cTn id="22" presetID="10" presetClass="entr" fill="hold" nodeType="withEffect">
+                                  <p:stCondLst>
+                                    <p:cond delay="0"/>
+                                  </p:stCondLst>
+                                  <p:childTnLst>
+                                    <p:set>
+                                      <p:cBhvr>
+                                        <p:cTn id="23" dur="1" fill="hold">
+                                          <p:stCondLst>
+                                            <p:cond delay="0"/>
+                                          </p:stCondLst>
+                                        </p:cTn>
+                                        <p:tgtEl>
+                                          <p:spTgt spid="220"/>
+                                        </p:tgtEl>
+                                        <p:attrNameLst>
+                                          <p:attrName>style.visibility</p:attrName>
+                                        </p:attrNameLst>
+                                      </p:cBhvr>
+                                      <p:to>
+                                        <p:strVal val="visible"/>
+                                      </p:to>
+                                    </p:set>
+                                    <p:animEffect transition="in" filter="fade">
+                                      <p:cBhvr additive="repl">
+                                        <p:cTn id="24" dur="2000"/>
+                                        <p:tgtEl>
+                                          <p:spTgt spid="220"/>
+                                        </p:tgtEl>
+                                      </p:cBhvr>
+                                    </p:animEffect>
+                                  </p:childTnLst>
+                                </p:cTn>
+                              </p:par>
+                              <p:par>
+                                <p:cTn id="25" presetID="10" presetClass="entr" fill="hold" nodeType="withEffect">
+                                  <p:stCondLst>
+                                    <p:cond delay="0"/>
+                                  </p:stCondLst>
+                                  <p:childTnLst>
+                                    <p:set>
+                                      <p:cBhvr>
+                                        <p:cTn id="26" dur="1" fill="hold">
+                                          <p:stCondLst>
+                                            <p:cond delay="0"/>
+                                          </p:stCondLst>
+                                        </p:cTn>
+                                        <p:tgtEl>
+                                          <p:spTgt spid="221"/>
+                                        </p:tgtEl>
+                                        <p:attrNameLst>
+                                          <p:attrName>style.visibility</p:attrName>
+                                        </p:attrNameLst>
+                                      </p:cBhvr>
+                                      <p:to>
+                                        <p:strVal val="visible"/>
+                                      </p:to>
+                                    </p:set>
+                                    <p:animEffect transition="in" filter="fade">
+                                      <p:cBhvr additive="repl">
+                                        <p:cTn id="27" dur="2000"/>
+                                        <p:tgtEl>
+                                          <p:spTgt spid="221"/>
+                                        </p:tgtEl>
+                                      </p:cBhvr>
+                                    </p:animEffect>
+                                  </p:childTnLst>
+                                </p:cTn>
+                              </p:par>
+                              <p:par>
+                                <p:cTn id="28" presetID="10" presetClass="entr" fill="hold" nodeType="withEffect">
+                                  <p:stCondLst>
+                                    <p:cond delay="0"/>
+                                  </p:stCondLst>
+                                  <p:childTnLst>
+                                    <p:set>
+                                      <p:cBhvr>
+                                        <p:cTn id="29" dur="1" fill="hold">
+                                          <p:stCondLst>
+                                            <p:cond delay="0"/>
+                                          </p:stCondLst>
+                                        </p:cTn>
+                                        <p:tgtEl>
+                                          <p:spTgt spid="23"/>
+                                        </p:tgtEl>
+                                        <p:attrNameLst>
+                                          <p:attrName>style.visibility</p:attrName>
+                                        </p:attrNameLst>
+                                      </p:cBhvr>
+                                      <p:to>
+                                        <p:strVal val="visible"/>
+                                      </p:to>
+                                    </p:set>
+                                    <p:animEffect transition="in" filter="fade">
+                                      <p:cBhvr additive="repl">
+                                        <p:cTn id="30" dur="2000"/>
+                                        <p:tgtEl>
+                                          <p:spTgt spid="23"/>
+                                        </p:tgtEl>
+                                      </p:cBhvr>
+                                    </p:animEffect>
+                                  </p:childTnLst>
+                                </p:cTn>
+                              </p:par>
+                            </p:childTnLst>
+                          </p:cTn>
+                        </p:par>
+                      </p:childTnLst>
+                    </p:cTn>
+                  </p:par>
+                </p:childTnLst>
+              </p:cTn>
+              <p:prevCondLst>
+                <p:cond evt="onPrev" delay="0">
+                  <p:tgtEl>
+                    <p:sldTgt/>
+                  </p:tgtEl>
+                </p:cond>
+              </p:prevCondLst>
+              <p:nextCondLst>
+                <p:cond evt="onNext" delay="0">
+                  <p:tgtEl>
+                    <p:sldTgt/>
+                  </p:tgtEl>
+                </p:cond>
+              </p:nextCondLst>
+            </p:seq>
+          </p:childTnLst>
+        </p:cTn>
+      </p:par>
+    </p:tnLst>
+  </p:timing>
 </p:sld>
 </file>
 
